--- a/comp433p2p3/COMP433FinalPPT.pptx
+++ b/comp433p2p3/COMP433FinalPPT.pptx
@@ -7,10 +7,10 @@
     <p:sldMasterId id="2147483669" r:id="rId3"/>
   </p:sldMasterIdLst>
   <p:notesMasterIdLst>
-    <p:notesMasterId r:id="rId22"/>
+    <p:notesMasterId r:id="rId23"/>
   </p:notesMasterIdLst>
   <p:handoutMasterIdLst>
-    <p:handoutMasterId r:id="rId23"/>
+    <p:handoutMasterId r:id="rId24"/>
   </p:handoutMasterIdLst>
   <p:sldIdLst>
     <p:sldId id="466" r:id="rId4"/>
@@ -22,15 +22,16 @@
     <p:sldId id="526" r:id="rId10"/>
     <p:sldId id="544" r:id="rId11"/>
     <p:sldId id="529" r:id="rId12"/>
-    <p:sldId id="528" r:id="rId13"/>
-    <p:sldId id="531" r:id="rId14"/>
-    <p:sldId id="535" r:id="rId15"/>
-    <p:sldId id="536" r:id="rId16"/>
-    <p:sldId id="537" r:id="rId17"/>
-    <p:sldId id="538" r:id="rId18"/>
-    <p:sldId id="539" r:id="rId19"/>
-    <p:sldId id="541" r:id="rId20"/>
-    <p:sldId id="543" r:id="rId21"/>
+    <p:sldId id="546" r:id="rId13"/>
+    <p:sldId id="528" r:id="rId14"/>
+    <p:sldId id="531" r:id="rId15"/>
+    <p:sldId id="535" r:id="rId16"/>
+    <p:sldId id="536" r:id="rId17"/>
+    <p:sldId id="537" r:id="rId18"/>
+    <p:sldId id="538" r:id="rId19"/>
+    <p:sldId id="539" r:id="rId20"/>
+    <p:sldId id="541" r:id="rId21"/>
+    <p:sldId id="543" r:id="rId22"/>
   </p:sldIdLst>
   <p:sldSz cx="9144000" cy="6858000" type="screen4x3"/>
   <p:notesSz cx="7010400" cy="9236075"/>
@@ -176,7 +177,7 @@
   </p:defaultTextStyle>
   <p:extLst>
     <p:ext uri="{EFAFB233-063F-42B5-8137-9DF3F51BA10A}">
-      <p15:sldGuideLst xmlns:p15="http://schemas.microsoft.com/office/powerpoint/2012/main" xmlns="">
+      <p15:sldGuideLst xmlns:p15="http://schemas.microsoft.com/office/powerpoint/2012/main">
         <p15:guide id="1" orient="horz" pos="2160">
           <p15:clr>
             <a:srgbClr val="A4A3A4"/>
@@ -190,7 +191,7 @@
       </p15:sldGuideLst>
     </p:ext>
     <p:ext uri="{2D200454-40CA-4A62-9FC3-DE9A4176ACB9}">
-      <p15:notesGuideLst xmlns:p15="http://schemas.microsoft.com/office/powerpoint/2012/main" xmlns="">
+      <p15:notesGuideLst xmlns:p15="http://schemas.microsoft.com/office/powerpoint/2012/main">
         <p15:guide id="1" orient="horz" pos="2910">
           <p15:clr>
             <a:srgbClr val="A4A3A4"/>
@@ -9292,10 +9293,6 @@
               <a:rPr lang="en-US" altLang="zh-CN" sz="4000" dirty="0"/>
               <a:t>Web services programming</a:t>
             </a:r>
-            <a:r>
-              <a:rPr lang="en-US" sz="4000" dirty="0"/>
-              <a:t/>
-            </a:r>
             <a:br>
               <a:rPr lang="en-US" sz="4000" dirty="0"/>
             </a:br>
@@ -9428,7 +9425,7 @@
 </file>
 
 <file path=ppt/slides/slide10.xml><?xml version="1.0" encoding="utf-8"?>
-<p:sld xmlns:a="http://schemas.openxmlformats.org/drawingml/2006/main" xmlns:r="http://schemas.openxmlformats.org/officeDocument/2006/relationships" xmlns:p="http://schemas.openxmlformats.org/presentationml/2006/main" showMasterPhAnim="0">
+<p:sld xmlns:a="http://schemas.openxmlformats.org/drawingml/2006/main" xmlns:r="http://schemas.openxmlformats.org/officeDocument/2006/relationships" xmlns:p="http://schemas.openxmlformats.org/presentationml/2006/main">
   <p:cSld>
     <p:spTree>
       <p:nvGrpSpPr>
@@ -9446,24 +9443,50 @@
       </p:grpSpPr>
       <p:sp>
         <p:nvSpPr>
-          <p:cNvPr id="5122" name="Slide Number Placeholder 3"/>
+          <p:cNvPr id="2" name="Title 1"/>
           <p:cNvSpPr>
             <a:spLocks noGrp="1"/>
           </p:cNvSpPr>
           <p:nvPr>
-            <p:ph type="sldNum" sz="quarter" idx="10"/>
-          </p:nvPr>
-        </p:nvSpPr>
-        <p:spPr>
-          <a:noFill/>
-        </p:spPr>
+            <p:ph type="title"/>
+          </p:nvPr>
+        </p:nvSpPr>
+        <p:spPr/>
         <p:txBody>
           <a:bodyPr/>
           <a:lstStyle/>
           <a:p>
-            <a:fld id="{338DB9B1-C646-48CE-AFA6-93572B519D26}" type="slidenum">
+            <a:r>
+              <a:rPr lang="en-US" sz="3600" dirty="0"/>
+              <a:t>Project Architecture</a:t>
+            </a:r>
+            <a:endParaRPr lang="en-US" sz="3600" dirty="0"/>
+          </a:p>
+        </p:txBody>
+      </p:sp>
+      <p:sp>
+        <p:nvSpPr>
+          <p:cNvPr id="4" name="Slide Number Placeholder 3"/>
+          <p:cNvSpPr>
+            <a:spLocks noGrp="1"/>
+          </p:cNvSpPr>
+          <p:nvPr>
+            <p:ph type="sldNum" sz="quarter" idx="10"/>
+          </p:nvPr>
+        </p:nvSpPr>
+        <p:spPr/>
+        <p:txBody>
+          <a:bodyPr/>
+          <a:lstStyle/>
+          <a:p>
+            <a:pPr>
+              <a:defRPr/>
+            </a:pPr>
+            <a:fld id="{C09B9D2E-8DA2-4A45-82A9-24FA37AAA5DD}" type="slidenum">
               <a:rPr lang="en-US" smtClean="0"/>
-              <a:pPr/>
+              <a:pPr>
+                <a:defRPr/>
+              </a:pPr>
               <a:t>10</a:t>
             </a:fld>
             <a:endParaRPr lang="en-US" dirty="0"/>
@@ -9472,38 +9495,59 @@
       </p:sp>
       <p:sp>
         <p:nvSpPr>
-          <p:cNvPr id="2633730" name="Rectangle 2"/>
-          <p:cNvSpPr>
-            <a:spLocks noGrp="1" noChangeArrowheads="1"/>
-          </p:cNvSpPr>
-          <p:nvPr>
-            <p:ph type="title"/>
-          </p:nvPr>
+          <p:cNvPr id="6" name="TextBox 5"/>
+          <p:cNvSpPr txBox="1"/>
+          <p:nvPr/>
         </p:nvSpPr>
         <p:spPr>
           <a:xfrm>
-            <a:off x="457200" y="250254"/>
-            <a:ext cx="5943600" cy="1173162"/>
+            <a:off x="3743325" y="6248400"/>
+            <a:ext cx="1208985" cy="338554"/>
           </a:xfrm>
-        </p:spPr>
-        <p:txBody>
-          <a:bodyPr/>
+          <a:prstGeom prst="rect">
+            <a:avLst/>
+          </a:prstGeom>
+          <a:noFill/>
+        </p:spPr>
+        <p:txBody>
+          <a:bodyPr wrap="none" rtlCol="0">
+            <a:spAutoFit/>
+          </a:bodyPr>
           <a:lstStyle/>
           <a:p>
             <a:r>
-              <a:rPr lang="en-US" sz="3600" dirty="0"/>
-              <a:t>Project Architecture </a:t>
-            </a:r>
+              <a:rPr lang="en-US" altLang="zh-CN" dirty="0">
+                <a:solidFill>
+                  <a:schemeClr val="tx1"/>
+                </a:solidFill>
+              </a:rPr>
+              <a:t>Sample </a:t>
+            </a:r>
+            <a:r>
+              <a:rPr lang="en-US" altLang="zh-CN" dirty="0" err="1">
+                <a:solidFill>
+                  <a:schemeClr val="tx1"/>
+                </a:solidFill>
+              </a:rPr>
+              <a:t>ddl</a:t>
+            </a:r>
+            <a:endParaRPr lang="en-US" dirty="0">
+              <a:solidFill>
+                <a:schemeClr val="tx1"/>
+              </a:solidFill>
+            </a:endParaRPr>
           </a:p>
         </p:txBody>
       </p:sp>
       <p:pic>
         <p:nvPicPr>
-          <p:cNvPr id="2" name="Picture 1"/>
+          <p:cNvPr id="8" name="Content Placeholder 7"/>
           <p:cNvPicPr>
-            <a:picLocks noChangeAspect="1"/>
+            <a:picLocks noGrp="1" noChangeAspect="1"/>
           </p:cNvPicPr>
-          <p:nvPr/>
+          <p:nvPr>
+            <p:ph idx="1"/>
+          </p:nvPr>
         </p:nvPicPr>
         <p:blipFill>
           <a:blip r:embed="rId2"/>
@@ -9513,8 +9557,8 @@
         </p:blipFill>
         <p:spPr>
           <a:xfrm>
-            <a:off x="1538861" y="2114549"/>
-            <a:ext cx="5833489" cy="3576183"/>
+            <a:off x="1762021" y="1600200"/>
+            <a:ext cx="5619957" cy="4525963"/>
           </a:xfrm>
           <a:prstGeom prst="rect">
             <a:avLst/>
@@ -9524,7 +9568,7 @@
     </p:spTree>
     <p:extLst>
       <p:ext uri="{BB962C8B-B14F-4D97-AF65-F5344CB8AC3E}">
-        <p14:creationId xmlns:p14="http://schemas.microsoft.com/office/powerpoint/2010/main" val="2806120052"/>
+        <p14:creationId xmlns:p14="http://schemas.microsoft.com/office/powerpoint/2010/main" val="3267917559"/>
       </p:ext>
     </p:extLst>
   </p:cSld>
@@ -9589,6 +9633,113 @@
         </p:nvSpPr>
         <p:spPr>
           <a:xfrm>
+            <a:off x="457200" y="250254"/>
+            <a:ext cx="5943600" cy="1173162"/>
+          </a:xfrm>
+        </p:spPr>
+        <p:txBody>
+          <a:bodyPr/>
+          <a:lstStyle/>
+          <a:p>
+            <a:r>
+              <a:rPr lang="en-US" sz="3600" dirty="0"/>
+              <a:t>Project Architecture </a:t>
+            </a:r>
+          </a:p>
+        </p:txBody>
+      </p:sp>
+      <p:pic>
+        <p:nvPicPr>
+          <p:cNvPr id="2" name="Picture 1"/>
+          <p:cNvPicPr>
+            <a:picLocks noChangeAspect="1"/>
+          </p:cNvPicPr>
+          <p:nvPr/>
+        </p:nvPicPr>
+        <p:blipFill>
+          <a:blip r:embed="rId2"/>
+          <a:stretch>
+            <a:fillRect/>
+          </a:stretch>
+        </p:blipFill>
+        <p:spPr>
+          <a:xfrm>
+            <a:off x="1538861" y="2114549"/>
+            <a:ext cx="5833489" cy="3576183"/>
+          </a:xfrm>
+          <a:prstGeom prst="rect">
+            <a:avLst/>
+          </a:prstGeom>
+        </p:spPr>
+      </p:pic>
+    </p:spTree>
+    <p:extLst>
+      <p:ext uri="{BB962C8B-B14F-4D97-AF65-F5344CB8AC3E}">
+        <p14:creationId xmlns:p14="http://schemas.microsoft.com/office/powerpoint/2010/main" val="2806120052"/>
+      </p:ext>
+    </p:extLst>
+  </p:cSld>
+  <p:clrMapOvr>
+    <a:masterClrMapping/>
+  </p:clrMapOvr>
+</p:sld>
+</file>
+
+<file path=ppt/slides/slide12.xml><?xml version="1.0" encoding="utf-8"?>
+<p:sld xmlns:a="http://schemas.openxmlformats.org/drawingml/2006/main" xmlns:r="http://schemas.openxmlformats.org/officeDocument/2006/relationships" xmlns:p="http://schemas.openxmlformats.org/presentationml/2006/main" showMasterPhAnim="0">
+  <p:cSld>
+    <p:spTree>
+      <p:nvGrpSpPr>
+        <p:cNvPr id="1" name=""/>
+        <p:cNvGrpSpPr/>
+        <p:nvPr/>
+      </p:nvGrpSpPr>
+      <p:grpSpPr>
+        <a:xfrm>
+          <a:off x="0" y="0"/>
+          <a:ext cx="0" cy="0"/>
+          <a:chOff x="0" y="0"/>
+          <a:chExt cx="0" cy="0"/>
+        </a:xfrm>
+      </p:grpSpPr>
+      <p:sp>
+        <p:nvSpPr>
+          <p:cNvPr id="5122" name="Slide Number Placeholder 3"/>
+          <p:cNvSpPr>
+            <a:spLocks noGrp="1"/>
+          </p:cNvSpPr>
+          <p:nvPr>
+            <p:ph type="sldNum" sz="quarter" idx="10"/>
+          </p:nvPr>
+        </p:nvSpPr>
+        <p:spPr>
+          <a:noFill/>
+        </p:spPr>
+        <p:txBody>
+          <a:bodyPr/>
+          <a:lstStyle/>
+          <a:p>
+            <a:fld id="{338DB9B1-C646-48CE-AFA6-93572B519D26}" type="slidenum">
+              <a:rPr lang="en-US" smtClean="0"/>
+              <a:pPr/>
+              <a:t>12</a:t>
+            </a:fld>
+            <a:endParaRPr lang="en-US" dirty="0"/>
+          </a:p>
+        </p:txBody>
+      </p:sp>
+      <p:sp>
+        <p:nvSpPr>
+          <p:cNvPr id="2633730" name="Rectangle 2"/>
+          <p:cNvSpPr>
+            <a:spLocks noGrp="1" noChangeArrowheads="1"/>
+          </p:cNvSpPr>
+          <p:nvPr>
+            <p:ph type="title"/>
+          </p:nvPr>
+        </p:nvSpPr>
+        <p:spPr>
+          <a:xfrm>
             <a:off x="42672" y="250254"/>
             <a:ext cx="6772656" cy="1173162"/>
           </a:xfrm>
@@ -9689,7 +9840,7 @@
   <p:timing>
     <p:tnLst>
       <p:par>
-        <p:cTn xmlns:p14="http://schemas.microsoft.com/office/powerpoint/2010/main" id="1" dur="indefinite" restart="never" nodeType="tmRoot">
+        <p:cTn id="1" dur="indefinite" restart="never" nodeType="tmRoot">
           <p:childTnLst>
             <p:seq concurrent="1" nextAc="seek">
               <p:cTn id="2" dur="indefinite" nodeType="mainSeq">
@@ -9841,7 +9992,7 @@
 </p:sld>
 </file>
 
-<file path=ppt/slides/slide12.xml><?xml version="1.0" encoding="utf-8"?>
+<file path=ppt/slides/slide13.xml><?xml version="1.0" encoding="utf-8"?>
 <p:sld xmlns:a="http://schemas.openxmlformats.org/drawingml/2006/main" xmlns:r="http://schemas.openxmlformats.org/officeDocument/2006/relationships" xmlns:p="http://schemas.openxmlformats.org/presentationml/2006/main">
   <p:cSld>
     <p:spTree>
@@ -9902,7 +10053,7 @@
           <a:p>
             <a:r>
               <a:rPr lang="en-US" dirty="0"/>
-              <a:t>JDBC to connect database</a:t>
+              <a:t>Use JDBC to access database</a:t>
             </a:r>
           </a:p>
           <a:p>
@@ -9933,7 +10084,7 @@
               <a:pPr>
                 <a:defRPr/>
               </a:pPr>
-              <a:t>12</a:t>
+              <a:t>13</a:t>
             </a:fld>
             <a:endParaRPr lang="en-US"/>
           </a:p>
@@ -9967,175 +10118,6 @@
     <p:extLst>
       <p:ext uri="{BB962C8B-B14F-4D97-AF65-F5344CB8AC3E}">
         <p14:creationId xmlns:p14="http://schemas.microsoft.com/office/powerpoint/2010/main" val="3606323745"/>
-      </p:ext>
-    </p:extLst>
-  </p:cSld>
-  <p:clrMapOvr>
-    <a:masterClrMapping/>
-  </p:clrMapOvr>
-</p:sld>
-</file>
-
-<file path=ppt/slides/slide13.xml><?xml version="1.0" encoding="utf-8"?>
-<p:sld xmlns:a="http://schemas.openxmlformats.org/drawingml/2006/main" xmlns:r="http://schemas.openxmlformats.org/officeDocument/2006/relationships" xmlns:p="http://schemas.openxmlformats.org/presentationml/2006/main">
-  <p:cSld>
-    <p:spTree>
-      <p:nvGrpSpPr>
-        <p:cNvPr id="1" name=""/>
-        <p:cNvGrpSpPr/>
-        <p:nvPr/>
-      </p:nvGrpSpPr>
-      <p:grpSpPr>
-        <a:xfrm>
-          <a:off x="0" y="0"/>
-          <a:ext cx="0" cy="0"/>
-          <a:chOff x="0" y="0"/>
-          <a:chExt cx="0" cy="0"/>
-        </a:xfrm>
-      </p:grpSpPr>
-      <p:sp>
-        <p:nvSpPr>
-          <p:cNvPr id="2" name="Title 1"/>
-          <p:cNvSpPr>
-            <a:spLocks noGrp="1"/>
-          </p:cNvSpPr>
-          <p:nvPr>
-            <p:ph type="title"/>
-          </p:nvPr>
-        </p:nvSpPr>
-        <p:spPr/>
-        <p:txBody>
-          <a:bodyPr/>
-          <a:lstStyle/>
-          <a:p>
-            <a:r>
-              <a:rPr lang="en-US" sz="3600" dirty="0"/>
-              <a:t>Implementation</a:t>
-            </a:r>
-          </a:p>
-        </p:txBody>
-      </p:sp>
-      <p:sp>
-        <p:nvSpPr>
-          <p:cNvPr id="3" name="Content Placeholder 2"/>
-          <p:cNvSpPr>
-            <a:spLocks noGrp="1"/>
-          </p:cNvSpPr>
-          <p:nvPr>
-            <p:ph idx="1"/>
-          </p:nvPr>
-        </p:nvSpPr>
-        <p:spPr>
-          <a:xfrm>
-            <a:off x="457200" y="1600200"/>
-            <a:ext cx="8229600" cy="657225"/>
-          </a:xfrm>
-        </p:spPr>
-        <p:txBody>
-          <a:bodyPr/>
-          <a:lstStyle/>
-          <a:p>
-            <a:r>
-              <a:rPr lang="en-US" dirty="0"/>
-              <a:t>Follow </a:t>
-            </a:r>
-            <a:r>
-              <a:rPr lang="en-US" dirty="0" err="1"/>
-              <a:t>ReST</a:t>
-            </a:r>
-            <a:r>
-              <a:rPr lang="en-US" dirty="0"/>
-              <a:t> design principles to CRUD</a:t>
-            </a:r>
-          </a:p>
-        </p:txBody>
-      </p:sp>
-      <p:sp>
-        <p:nvSpPr>
-          <p:cNvPr id="4" name="Slide Number Placeholder 3"/>
-          <p:cNvSpPr>
-            <a:spLocks noGrp="1"/>
-          </p:cNvSpPr>
-          <p:nvPr>
-            <p:ph type="sldNum" sz="quarter" idx="10"/>
-          </p:nvPr>
-        </p:nvSpPr>
-        <p:spPr/>
-        <p:txBody>
-          <a:bodyPr/>
-          <a:lstStyle/>
-          <a:p>
-            <a:pPr>
-              <a:defRPr/>
-            </a:pPr>
-            <a:fld id="{C09B9D2E-8DA2-4A45-82A9-24FA37AAA5DD}" type="slidenum">
-              <a:rPr lang="en-US" smtClean="0"/>
-              <a:pPr>
-                <a:defRPr/>
-              </a:pPr>
-              <a:t>13</a:t>
-            </a:fld>
-            <a:endParaRPr lang="en-US"/>
-          </a:p>
-        </p:txBody>
-      </p:sp>
-      <p:pic>
-        <p:nvPicPr>
-          <p:cNvPr id="5" name="Picture 4"/>
-          <p:cNvPicPr>
-            <a:picLocks noChangeAspect="1"/>
-          </p:cNvPicPr>
-          <p:nvPr/>
-        </p:nvPicPr>
-        <p:blipFill>
-          <a:blip r:embed="rId2"/>
-          <a:stretch>
-            <a:fillRect/>
-          </a:stretch>
-        </p:blipFill>
-        <p:spPr>
-          <a:xfrm>
-            <a:off x="1633537" y="3271837"/>
-            <a:ext cx="6219825" cy="1962150"/>
-          </a:xfrm>
-          <a:prstGeom prst="rect">
-            <a:avLst/>
-          </a:prstGeom>
-        </p:spPr>
-      </p:pic>
-      <p:sp>
-        <p:nvSpPr>
-          <p:cNvPr id="6" name="TextBox 5"/>
-          <p:cNvSpPr txBox="1"/>
-          <p:nvPr/>
-        </p:nvSpPr>
-        <p:spPr>
-          <a:xfrm>
-            <a:off x="657225" y="2409825"/>
-            <a:ext cx="2829108" cy="338554"/>
-          </a:xfrm>
-          <a:prstGeom prst="rect">
-            <a:avLst/>
-          </a:prstGeom>
-          <a:noFill/>
-        </p:spPr>
-        <p:txBody>
-          <a:bodyPr wrap="none" rtlCol="0">
-            <a:spAutoFit/>
-          </a:bodyPr>
-          <a:lstStyle/>
-          <a:p>
-            <a:r>
-              <a:rPr lang="en-US" dirty="0"/>
-              <a:t>Example of the GET method:</a:t>
-            </a:r>
-          </a:p>
-        </p:txBody>
-      </p:sp>
-    </p:spTree>
-    <p:extLst>
-      <p:ext uri="{BB962C8B-B14F-4D97-AF65-F5344CB8AC3E}">
-        <p14:creationId xmlns:p14="http://schemas.microsoft.com/office/powerpoint/2010/main" val="1418166819"/>
       </p:ext>
     </p:extLst>
   </p:cSld>
@@ -10196,20 +10178,25 @@
         </p:nvSpPr>
         <p:spPr>
           <a:xfrm>
-            <a:off x="2735913" y="6438900"/>
-            <a:ext cx="3476626" cy="333375"/>
+            <a:off x="457200" y="1600200"/>
+            <a:ext cx="8229600" cy="657225"/>
           </a:xfrm>
         </p:spPr>
         <p:txBody>
           <a:bodyPr/>
           <a:lstStyle/>
           <a:p>
-            <a:pPr marL="0" indent="0">
-              <a:buNone/>
-            </a:pPr>
-            <a:r>
-              <a:rPr lang="en-US" sz="1400" dirty="0"/>
-              <a:t>Screenshot from postman of get method</a:t>
+            <a:r>
+              <a:rPr lang="en-US" dirty="0"/>
+              <a:t>Follow </a:t>
+            </a:r>
+            <a:r>
+              <a:rPr lang="en-US" dirty="0" err="1"/>
+              <a:t>ReST</a:t>
+            </a:r>
+            <a:r>
+              <a:rPr lang="en-US" dirty="0"/>
+              <a:t> design principles to CRUD</a:t>
             </a:r>
           </a:p>
         </p:txBody>
@@ -10245,7 +10232,7 @@
       </p:sp>
       <p:pic>
         <p:nvPicPr>
-          <p:cNvPr id="6" name="Picture 5"/>
+          <p:cNvPr id="5" name="Picture 4"/>
           <p:cNvPicPr>
             <a:picLocks noChangeAspect="1"/>
           </p:cNvPicPr>
@@ -10259,18 +10246,71 @@
         </p:blipFill>
         <p:spPr>
           <a:xfrm>
-            <a:off x="1495425" y="1704976"/>
-            <a:ext cx="5957603" cy="4543424"/>
+            <a:off x="1052512" y="2900779"/>
+            <a:ext cx="6082635" cy="1918871"/>
           </a:xfrm>
           <a:prstGeom prst="rect">
             <a:avLst/>
           </a:prstGeom>
         </p:spPr>
       </p:pic>
+      <p:sp>
+        <p:nvSpPr>
+          <p:cNvPr id="6" name="TextBox 5"/>
+          <p:cNvSpPr txBox="1"/>
+          <p:nvPr/>
+        </p:nvSpPr>
+        <p:spPr>
+          <a:xfrm>
+            <a:off x="657225" y="2409825"/>
+            <a:ext cx="2829108" cy="338554"/>
+          </a:xfrm>
+          <a:prstGeom prst="rect">
+            <a:avLst/>
+          </a:prstGeom>
+          <a:noFill/>
+        </p:spPr>
+        <p:txBody>
+          <a:bodyPr wrap="none" rtlCol="0">
+            <a:spAutoFit/>
+          </a:bodyPr>
+          <a:lstStyle/>
+          <a:p>
+            <a:r>
+              <a:rPr lang="en-US" dirty="0"/>
+              <a:t>Example of the GET method:</a:t>
+            </a:r>
+          </a:p>
+        </p:txBody>
+      </p:sp>
+      <p:pic>
+        <p:nvPicPr>
+          <p:cNvPr id="7" name="Picture 6"/>
+          <p:cNvPicPr>
+            <a:picLocks noChangeAspect="1"/>
+          </p:cNvPicPr>
+          <p:nvPr/>
+        </p:nvPicPr>
+        <p:blipFill>
+          <a:blip r:embed="rId3"/>
+          <a:stretch>
+            <a:fillRect/>
+          </a:stretch>
+        </p:blipFill>
+        <p:spPr>
+          <a:xfrm>
+            <a:off x="1052512" y="4972050"/>
+            <a:ext cx="5857875" cy="1447800"/>
+          </a:xfrm>
+          <a:prstGeom prst="rect">
+            <a:avLst/>
+          </a:prstGeom>
+        </p:spPr>
+      </p:pic>
     </p:spTree>
     <p:extLst>
       <p:ext uri="{BB962C8B-B14F-4D97-AF65-F5344CB8AC3E}">
-        <p14:creationId xmlns:p14="http://schemas.microsoft.com/office/powerpoint/2010/main" val="1541514851"/>
+        <p14:creationId xmlns:p14="http://schemas.microsoft.com/office/powerpoint/2010/main" val="1418166819"/>
       </p:ext>
     </p:extLst>
   </p:cSld>
@@ -10321,6 +10361,36 @@
       </p:sp>
       <p:sp>
         <p:nvSpPr>
+          <p:cNvPr id="3" name="Content Placeholder 2"/>
+          <p:cNvSpPr>
+            <a:spLocks noGrp="1"/>
+          </p:cNvSpPr>
+          <p:nvPr>
+            <p:ph idx="1"/>
+          </p:nvPr>
+        </p:nvSpPr>
+        <p:spPr>
+          <a:xfrm>
+            <a:off x="2735913" y="6438900"/>
+            <a:ext cx="3476626" cy="333375"/>
+          </a:xfrm>
+        </p:spPr>
+        <p:txBody>
+          <a:bodyPr/>
+          <a:lstStyle/>
+          <a:p>
+            <a:pPr marL="0" indent="0">
+              <a:buNone/>
+            </a:pPr>
+            <a:r>
+              <a:rPr lang="en-US" sz="1400" dirty="0"/>
+              <a:t>Screenshot from postman of get method</a:t>
+            </a:r>
+          </a:p>
+        </p:txBody>
+      </p:sp>
+      <p:sp>
+        <p:nvSpPr>
           <p:cNvPr id="4" name="Slide Number Placeholder 3"/>
           <p:cNvSpPr>
             <a:spLocks noGrp="1"/>
@@ -10364,50 +10434,18 @@
         </p:blipFill>
         <p:spPr>
           <a:xfrm>
-            <a:off x="1000125" y="2828925"/>
-            <a:ext cx="7829550" cy="2495550"/>
+            <a:off x="1381125" y="1876914"/>
+            <a:ext cx="6762750" cy="4242897"/>
           </a:xfrm>
           <a:prstGeom prst="rect">
             <a:avLst/>
           </a:prstGeom>
         </p:spPr>
       </p:pic>
-      <p:sp>
-        <p:nvSpPr>
-          <p:cNvPr id="6" name="TextBox 5"/>
-          <p:cNvSpPr txBox="1"/>
-          <p:nvPr/>
-        </p:nvSpPr>
-        <p:spPr>
-          <a:xfrm>
-            <a:off x="714375" y="1905000"/>
-            <a:ext cx="2965364" cy="646331"/>
-          </a:xfrm>
-          <a:prstGeom prst="rect">
-            <a:avLst/>
-          </a:prstGeom>
-          <a:noFill/>
-        </p:spPr>
-        <p:txBody>
-          <a:bodyPr wrap="none" rtlCol="0">
-            <a:spAutoFit/>
-          </a:bodyPr>
-          <a:lstStyle/>
-          <a:p>
-            <a:r>
-              <a:rPr lang="en-US" dirty="0"/>
-              <a:t>Example of the POST method:</a:t>
-            </a:r>
-          </a:p>
-          <a:p>
-            <a:endParaRPr lang="en-US" dirty="0"/>
-          </a:p>
-        </p:txBody>
-      </p:sp>
     </p:spTree>
     <p:extLst>
       <p:ext uri="{BB962C8B-B14F-4D97-AF65-F5344CB8AC3E}">
-        <p14:creationId xmlns:p14="http://schemas.microsoft.com/office/powerpoint/2010/main" val="1924377719"/>
+        <p14:creationId xmlns:p14="http://schemas.microsoft.com/office/powerpoint/2010/main" val="1541514851"/>
       </p:ext>
     </p:extLst>
   </p:cSld>
@@ -10458,36 +10496,6 @@
       </p:sp>
       <p:sp>
         <p:nvSpPr>
-          <p:cNvPr id="3" name="Content Placeholder 2"/>
-          <p:cNvSpPr>
-            <a:spLocks noGrp="1"/>
-          </p:cNvSpPr>
-          <p:nvPr>
-            <p:ph idx="1"/>
-          </p:nvPr>
-        </p:nvSpPr>
-        <p:spPr>
-          <a:xfrm>
-            <a:off x="3257549" y="4591050"/>
-            <a:ext cx="2024063" cy="476250"/>
-          </a:xfrm>
-        </p:spPr>
-        <p:txBody>
-          <a:bodyPr/>
-          <a:lstStyle/>
-          <a:p>
-            <a:pPr marL="0" indent="0">
-              <a:buNone/>
-            </a:pPr>
-            <a:r>
-              <a:rPr lang="en-US" sz="1600" dirty="0"/>
-              <a:t>Result in database</a:t>
-            </a:r>
-          </a:p>
-        </p:txBody>
-      </p:sp>
-      <p:sp>
-        <p:nvSpPr>
           <p:cNvPr id="4" name="Slide Number Placeholder 3"/>
           <p:cNvSpPr>
             <a:spLocks noGrp="1"/>
@@ -10531,8 +10539,8 @@
         </p:blipFill>
         <p:spPr>
           <a:xfrm>
-            <a:off x="381000" y="2755726"/>
-            <a:ext cx="8610600" cy="1346548"/>
+            <a:off x="1000125" y="2828925"/>
+            <a:ext cx="7829550" cy="2495550"/>
           </a:xfrm>
           <a:prstGeom prst="rect">
             <a:avLst/>
@@ -10541,206 +10549,40 @@
       </p:pic>
       <p:sp>
         <p:nvSpPr>
-          <p:cNvPr id="6" name="Oval 5"/>
-          <p:cNvSpPr/>
+          <p:cNvPr id="6" name="TextBox 5"/>
+          <p:cNvSpPr txBox="1"/>
           <p:nvPr/>
         </p:nvSpPr>
-        <p:spPr bwMode="auto">
+        <p:spPr>
           <a:xfrm>
-            <a:off x="457200" y="3829050"/>
-            <a:ext cx="800100" cy="381000"/>
+            <a:off x="714375" y="1905000"/>
+            <a:ext cx="2965364" cy="646331"/>
           </a:xfrm>
-          <a:prstGeom prst="ellipse">
+          <a:prstGeom prst="rect">
             <a:avLst/>
           </a:prstGeom>
           <a:noFill/>
-          <a:ln w="9525" cap="flat" cmpd="sng" algn="ctr">
-            <a:noFill/>
-            <a:prstDash val="solid"/>
-            <a:round/>
-            <a:headEnd type="none" w="med" len="med"/>
-            <a:tailEnd type="none" w="med" len="med"/>
-          </a:ln>
-          <a:effectLst/>
-        </p:spPr>
-        <p:txBody>
-          <a:bodyPr vert="horz" wrap="square" lIns="91440" tIns="45720" rIns="91440" bIns="45720" numCol="1" rtlCol="0" anchor="ctr" anchorCtr="0" compatLnSpc="1">
-            <a:prstTxWarp prst="textNoShape">
-              <a:avLst/>
-            </a:prstTxWarp>
+        </p:spPr>
+        <p:txBody>
+          <a:bodyPr wrap="none" rtlCol="0">
             <a:spAutoFit/>
           </a:bodyPr>
           <a:lstStyle/>
           <a:p>
-            <a:pPr marL="228600" marR="0" indent="-228600" algn="l" defTabSz="914400" rtl="0" eaLnBrk="1" fontAlgn="base" latinLnBrk="0" hangingPunct="1">
-              <a:lnSpc>
-                <a:spcPct val="100000"/>
-              </a:lnSpc>
-              <a:spcBef>
-                <a:spcPct val="0"/>
-              </a:spcBef>
-              <a:spcAft>
-                <a:spcPct val="25000"/>
-              </a:spcAft>
-              <a:buClr>
-                <a:schemeClr val="tx1"/>
-              </a:buClr>
-              <a:buSzTx/>
-              <a:buFontTx/>
-              <a:buNone/>
-              <a:tabLst/>
-            </a:pPr>
-            <a:endParaRPr kumimoji="0" lang="en-US" sz="1600" b="0" i="0" u="none" strike="noStrike" cap="none" normalizeH="0" baseline="0">
-              <a:ln>
-                <a:noFill/>
-              </a:ln>
-              <a:solidFill>
-                <a:srgbClr val="275AFF"/>
-              </a:solidFill>
-              <a:effectLst/>
-              <a:latin typeface="Arial" charset="0"/>
-              <a:ea typeface="Times New Roman" pitchFamily="18" charset="0"/>
-              <a:cs typeface="AGaramond" pitchFamily="18" charset="0"/>
-            </a:endParaRPr>
-          </a:p>
-        </p:txBody>
-      </p:sp>
-      <p:sp>
-        <p:nvSpPr>
-          <p:cNvPr id="7" name="Oval 6"/>
-          <p:cNvSpPr/>
-          <p:nvPr/>
-        </p:nvSpPr>
-        <p:spPr bwMode="auto">
-          <a:xfrm>
-            <a:off x="3686175" y="5248275"/>
-            <a:ext cx="1628775" cy="714375"/>
-          </a:xfrm>
-          <a:prstGeom prst="ellipse">
-            <a:avLst/>
-          </a:prstGeom>
-          <a:noFill/>
-          <a:ln w="9525" cap="flat" cmpd="sng" algn="ctr">
-            <a:noFill/>
-            <a:prstDash val="solid"/>
-            <a:round/>
-            <a:headEnd type="none" w="med" len="med"/>
-            <a:tailEnd type="none" w="med" len="med"/>
-          </a:ln>
-          <a:effectLst/>
-        </p:spPr>
-        <p:txBody>
-          <a:bodyPr vert="horz" wrap="square" lIns="91440" tIns="45720" rIns="91440" bIns="45720" numCol="1" rtlCol="0" anchor="ctr" anchorCtr="0" compatLnSpc="1">
-            <a:prstTxWarp prst="textNoShape">
-              <a:avLst/>
-            </a:prstTxWarp>
-            <a:spAutoFit/>
-          </a:bodyPr>
-          <a:lstStyle/>
-          <a:p>
-            <a:pPr marL="228600" marR="0" indent="-228600" algn="l" defTabSz="914400" rtl="0" eaLnBrk="1" fontAlgn="base" latinLnBrk="0" hangingPunct="1">
-              <a:lnSpc>
-                <a:spcPct val="100000"/>
-              </a:lnSpc>
-              <a:spcBef>
-                <a:spcPct val="0"/>
-              </a:spcBef>
-              <a:spcAft>
-                <a:spcPct val="25000"/>
-              </a:spcAft>
-              <a:buClr>
-                <a:schemeClr val="tx1"/>
-              </a:buClr>
-              <a:buSzTx/>
-              <a:buFontTx/>
-              <a:buNone/>
-              <a:tabLst/>
-            </a:pPr>
-            <a:endParaRPr kumimoji="0" lang="en-US" sz="1600" b="0" i="0" u="none" strike="noStrike" cap="none" normalizeH="0" baseline="0">
-              <a:ln>
-                <a:noFill/>
-              </a:ln>
-              <a:solidFill>
-                <a:srgbClr val="275AFF"/>
-              </a:solidFill>
-              <a:effectLst/>
-              <a:latin typeface="Arial" charset="0"/>
-              <a:ea typeface="Times New Roman" pitchFamily="18" charset="0"/>
-              <a:cs typeface="AGaramond" pitchFamily="18" charset="0"/>
-            </a:endParaRPr>
-          </a:p>
-        </p:txBody>
-      </p:sp>
-      <p:sp>
-        <p:nvSpPr>
-          <p:cNvPr id="8" name="Oval 7"/>
-          <p:cNvSpPr/>
-          <p:nvPr/>
-        </p:nvSpPr>
-        <p:spPr bwMode="auto">
-          <a:xfrm>
-            <a:off x="3200400" y="4410075"/>
-            <a:ext cx="2047875" cy="2038350"/>
-          </a:xfrm>
-          <a:prstGeom prst="ellipse">
-            <a:avLst/>
-          </a:prstGeom>
-          <a:noFill/>
-          <a:ln w="9525" cap="flat" cmpd="sng" algn="ctr">
-            <a:noFill/>
-            <a:prstDash val="solid"/>
-            <a:round/>
-            <a:headEnd type="none" w="med" len="med"/>
-            <a:tailEnd type="none" w="med" len="med"/>
-          </a:ln>
-          <a:effectLst/>
-        </p:spPr>
-        <p:txBody>
-          <a:bodyPr vert="horz" wrap="square" lIns="91440" tIns="45720" rIns="91440" bIns="45720" numCol="1" rtlCol="0" anchor="ctr" anchorCtr="0" compatLnSpc="1">
-            <a:prstTxWarp prst="textNoShape">
-              <a:avLst/>
-            </a:prstTxWarp>
-            <a:spAutoFit/>
-          </a:bodyPr>
-          <a:lstStyle/>
-          <a:p>
-            <a:pPr marL="228600" marR="0" indent="-228600" algn="l" defTabSz="914400" rtl="0" eaLnBrk="1" fontAlgn="base" latinLnBrk="0" hangingPunct="1">
-              <a:lnSpc>
-                <a:spcPct val="100000"/>
-              </a:lnSpc>
-              <a:spcBef>
-                <a:spcPct val="0"/>
-              </a:spcBef>
-              <a:spcAft>
-                <a:spcPct val="25000"/>
-              </a:spcAft>
-              <a:buClr>
-                <a:schemeClr val="tx1"/>
-              </a:buClr>
-              <a:buSzTx/>
-              <a:buFontTx/>
-              <a:buNone/>
-              <a:tabLst/>
-            </a:pPr>
-            <a:endParaRPr kumimoji="0" lang="en-US" sz="1600" b="0" i="0" u="none" strike="noStrike" cap="none" normalizeH="0" baseline="0">
-              <a:ln>
-                <a:noFill/>
-              </a:ln>
-              <a:solidFill>
-                <a:srgbClr val="275AFF"/>
-              </a:solidFill>
-              <a:effectLst/>
-              <a:latin typeface="Arial" charset="0"/>
-              <a:ea typeface="Times New Roman" pitchFamily="18" charset="0"/>
-              <a:cs typeface="AGaramond" pitchFamily="18" charset="0"/>
-            </a:endParaRPr>
+            <a:r>
+              <a:rPr lang="en-US" dirty="0"/>
+              <a:t>Example of the POST method:</a:t>
+            </a:r>
+          </a:p>
+          <a:p>
+            <a:endParaRPr lang="en-US" dirty="0"/>
           </a:p>
         </p:txBody>
       </p:sp>
     </p:spTree>
     <p:extLst>
       <p:ext uri="{BB962C8B-B14F-4D97-AF65-F5344CB8AC3E}">
-        <p14:creationId xmlns:p14="http://schemas.microsoft.com/office/powerpoint/2010/main" val="631626606"/>
+        <p14:creationId xmlns:p14="http://schemas.microsoft.com/office/powerpoint/2010/main" val="1924377719"/>
       </p:ext>
     </p:extLst>
   </p:cSld>
@@ -10784,9 +10626,8 @@
           <a:p>
             <a:r>
               <a:rPr lang="en-US" sz="3600" dirty="0"/>
-              <a:t>Difficulties and Lessons</a:t>
-            </a:r>
-            <a:endParaRPr lang="en-US" dirty="0"/>
+              <a:t>Implementation</a:t>
+            </a:r>
           </a:p>
         </p:txBody>
       </p:sp>
@@ -10800,52 +10641,23 @@
             <p:ph idx="1"/>
           </p:nvPr>
         </p:nvSpPr>
-        <p:spPr/>
+        <p:spPr>
+          <a:xfrm>
+            <a:off x="3257549" y="4591050"/>
+            <a:ext cx="2024063" cy="476250"/>
+          </a:xfrm>
+        </p:spPr>
         <p:txBody>
           <a:bodyPr/>
           <a:lstStyle/>
           <a:p>
-            <a:r>
-              <a:rPr lang="en-US" sz="2800" dirty="0"/>
-              <a:t>Didn’t know how to create a standard layered structure at the beginning, mixed domain layer and DAC layer </a:t>
-            </a:r>
-          </a:p>
-          <a:p>
-            <a:r>
-              <a:rPr lang="en-US" sz="2800" dirty="0"/>
-              <a:t>Know how to create it in class</a:t>
-            </a:r>
-          </a:p>
-          <a:p>
-            <a:r>
-              <a:rPr lang="en-US" sz="2800" dirty="0"/>
-              <a:t>Had difficulty to write a post commend and finally figure it out</a:t>
-            </a:r>
-          </a:p>
-          <a:p>
-            <a:r>
-              <a:rPr lang="en-US" sz="2800" dirty="0"/>
-              <a:t>The most important is to understand what </a:t>
-            </a:r>
-            <a:r>
-              <a:rPr lang="en-US" sz="2800" dirty="0" err="1"/>
-              <a:t>ReST</a:t>
-            </a:r>
-            <a:r>
-              <a:rPr lang="en-US" sz="2800" dirty="0"/>
-              <a:t> is, how it works and how to develop a </a:t>
-            </a:r>
-            <a:r>
-              <a:rPr lang="en-US" sz="2800" dirty="0" err="1"/>
-              <a:t>ReST</a:t>
-            </a:r>
-            <a:r>
-              <a:rPr lang="en-US" sz="2800" dirty="0"/>
-              <a:t> program</a:t>
-            </a:r>
-          </a:p>
-          <a:p>
-            <a:endParaRPr lang="en-US" dirty="0"/>
+            <a:pPr marL="0" indent="0">
+              <a:buNone/>
+            </a:pPr>
+            <a:r>
+              <a:rPr lang="en-US" sz="1600" dirty="0"/>
+              <a:t>Result in database</a:t>
+            </a:r>
           </a:p>
         </p:txBody>
       </p:sp>
@@ -10878,10 +10690,208 @@
           </a:p>
         </p:txBody>
       </p:sp>
+      <p:sp>
+        <p:nvSpPr>
+          <p:cNvPr id="6" name="Oval 5"/>
+          <p:cNvSpPr/>
+          <p:nvPr/>
+        </p:nvSpPr>
+        <p:spPr bwMode="auto">
+          <a:xfrm>
+            <a:off x="457200" y="3829050"/>
+            <a:ext cx="800100" cy="381000"/>
+          </a:xfrm>
+          <a:prstGeom prst="ellipse">
+            <a:avLst/>
+          </a:prstGeom>
+          <a:noFill/>
+          <a:ln w="9525" cap="flat" cmpd="sng" algn="ctr">
+            <a:noFill/>
+            <a:prstDash val="solid"/>
+            <a:round/>
+            <a:headEnd type="none" w="med" len="med"/>
+            <a:tailEnd type="none" w="med" len="med"/>
+          </a:ln>
+          <a:effectLst/>
+        </p:spPr>
+        <p:txBody>
+          <a:bodyPr vert="horz" wrap="square" lIns="91440" tIns="45720" rIns="91440" bIns="45720" numCol="1" rtlCol="0" anchor="ctr" anchorCtr="0" compatLnSpc="1">
+            <a:prstTxWarp prst="textNoShape">
+              <a:avLst/>
+            </a:prstTxWarp>
+            <a:spAutoFit/>
+          </a:bodyPr>
+          <a:lstStyle/>
+          <a:p>
+            <a:pPr marL="228600" marR="0" indent="-228600" algn="l" defTabSz="914400" rtl="0" eaLnBrk="1" fontAlgn="base" latinLnBrk="0" hangingPunct="1">
+              <a:lnSpc>
+                <a:spcPct val="100000"/>
+              </a:lnSpc>
+              <a:spcBef>
+                <a:spcPct val="0"/>
+              </a:spcBef>
+              <a:spcAft>
+                <a:spcPct val="25000"/>
+              </a:spcAft>
+              <a:buClr>
+                <a:schemeClr val="tx1"/>
+              </a:buClr>
+              <a:buSzTx/>
+              <a:buFontTx/>
+              <a:buNone/>
+              <a:tabLst/>
+            </a:pPr>
+            <a:endParaRPr kumimoji="0" lang="en-US" sz="1600" b="0" i="0" u="none" strike="noStrike" cap="none" normalizeH="0" baseline="0">
+              <a:ln>
+                <a:noFill/>
+              </a:ln>
+              <a:solidFill>
+                <a:srgbClr val="275AFF"/>
+              </a:solidFill>
+              <a:effectLst/>
+              <a:latin typeface="Arial" charset="0"/>
+              <a:ea typeface="Times New Roman" pitchFamily="18" charset="0"/>
+              <a:cs typeface="AGaramond" pitchFamily="18" charset="0"/>
+            </a:endParaRPr>
+          </a:p>
+        </p:txBody>
+      </p:sp>
+      <p:sp>
+        <p:nvSpPr>
+          <p:cNvPr id="7" name="Oval 6"/>
+          <p:cNvSpPr/>
+          <p:nvPr/>
+        </p:nvSpPr>
+        <p:spPr bwMode="auto">
+          <a:xfrm>
+            <a:off x="3686175" y="5248275"/>
+            <a:ext cx="1628775" cy="714375"/>
+          </a:xfrm>
+          <a:prstGeom prst="ellipse">
+            <a:avLst/>
+          </a:prstGeom>
+          <a:noFill/>
+          <a:ln w="9525" cap="flat" cmpd="sng" algn="ctr">
+            <a:noFill/>
+            <a:prstDash val="solid"/>
+            <a:round/>
+            <a:headEnd type="none" w="med" len="med"/>
+            <a:tailEnd type="none" w="med" len="med"/>
+          </a:ln>
+          <a:effectLst/>
+        </p:spPr>
+        <p:txBody>
+          <a:bodyPr vert="horz" wrap="square" lIns="91440" tIns="45720" rIns="91440" bIns="45720" numCol="1" rtlCol="0" anchor="ctr" anchorCtr="0" compatLnSpc="1">
+            <a:prstTxWarp prst="textNoShape">
+              <a:avLst/>
+            </a:prstTxWarp>
+            <a:spAutoFit/>
+          </a:bodyPr>
+          <a:lstStyle/>
+          <a:p>
+            <a:pPr marL="228600" marR="0" indent="-228600" algn="l" defTabSz="914400" rtl="0" eaLnBrk="1" fontAlgn="base" latinLnBrk="0" hangingPunct="1">
+              <a:lnSpc>
+                <a:spcPct val="100000"/>
+              </a:lnSpc>
+              <a:spcBef>
+                <a:spcPct val="0"/>
+              </a:spcBef>
+              <a:spcAft>
+                <a:spcPct val="25000"/>
+              </a:spcAft>
+              <a:buClr>
+                <a:schemeClr val="tx1"/>
+              </a:buClr>
+              <a:buSzTx/>
+              <a:buFontTx/>
+              <a:buNone/>
+              <a:tabLst/>
+            </a:pPr>
+            <a:endParaRPr kumimoji="0" lang="en-US" sz="1600" b="0" i="0" u="none" strike="noStrike" cap="none" normalizeH="0" baseline="0">
+              <a:ln>
+                <a:noFill/>
+              </a:ln>
+              <a:solidFill>
+                <a:srgbClr val="275AFF"/>
+              </a:solidFill>
+              <a:effectLst/>
+              <a:latin typeface="Arial" charset="0"/>
+              <a:ea typeface="Times New Roman" pitchFamily="18" charset="0"/>
+              <a:cs typeface="AGaramond" pitchFamily="18" charset="0"/>
+            </a:endParaRPr>
+          </a:p>
+        </p:txBody>
+      </p:sp>
+      <p:sp>
+        <p:nvSpPr>
+          <p:cNvPr id="8" name="Oval 7"/>
+          <p:cNvSpPr/>
+          <p:nvPr/>
+        </p:nvSpPr>
+        <p:spPr bwMode="auto">
+          <a:xfrm>
+            <a:off x="3200400" y="4410075"/>
+            <a:ext cx="2047875" cy="2038350"/>
+          </a:xfrm>
+          <a:prstGeom prst="ellipse">
+            <a:avLst/>
+          </a:prstGeom>
+          <a:noFill/>
+          <a:ln w="9525" cap="flat" cmpd="sng" algn="ctr">
+            <a:noFill/>
+            <a:prstDash val="solid"/>
+            <a:round/>
+            <a:headEnd type="none" w="med" len="med"/>
+            <a:tailEnd type="none" w="med" len="med"/>
+          </a:ln>
+          <a:effectLst/>
+        </p:spPr>
+        <p:txBody>
+          <a:bodyPr vert="horz" wrap="square" lIns="91440" tIns="45720" rIns="91440" bIns="45720" numCol="1" rtlCol="0" anchor="ctr" anchorCtr="0" compatLnSpc="1">
+            <a:prstTxWarp prst="textNoShape">
+              <a:avLst/>
+            </a:prstTxWarp>
+            <a:spAutoFit/>
+          </a:bodyPr>
+          <a:lstStyle/>
+          <a:p>
+            <a:pPr marL="228600" marR="0" indent="-228600" algn="l" defTabSz="914400" rtl="0" eaLnBrk="1" fontAlgn="base" latinLnBrk="0" hangingPunct="1">
+              <a:lnSpc>
+                <a:spcPct val="100000"/>
+              </a:lnSpc>
+              <a:spcBef>
+                <a:spcPct val="0"/>
+              </a:spcBef>
+              <a:spcAft>
+                <a:spcPct val="25000"/>
+              </a:spcAft>
+              <a:buClr>
+                <a:schemeClr val="tx1"/>
+              </a:buClr>
+              <a:buSzTx/>
+              <a:buFontTx/>
+              <a:buNone/>
+              <a:tabLst/>
+            </a:pPr>
+            <a:endParaRPr kumimoji="0" lang="en-US" sz="1600" b="0" i="0" u="none" strike="noStrike" cap="none" normalizeH="0" baseline="0">
+              <a:ln>
+                <a:noFill/>
+              </a:ln>
+              <a:solidFill>
+                <a:srgbClr val="275AFF"/>
+              </a:solidFill>
+              <a:effectLst/>
+              <a:latin typeface="Arial" charset="0"/>
+              <a:ea typeface="Times New Roman" pitchFamily="18" charset="0"/>
+              <a:cs typeface="AGaramond" pitchFamily="18" charset="0"/>
+            </a:endParaRPr>
+          </a:p>
+        </p:txBody>
+      </p:sp>
     </p:spTree>
     <p:extLst>
       <p:ext uri="{BB962C8B-B14F-4D97-AF65-F5344CB8AC3E}">
-        <p14:creationId xmlns:p14="http://schemas.microsoft.com/office/powerpoint/2010/main" val="4231949637"/>
+        <p14:creationId xmlns:p14="http://schemas.microsoft.com/office/powerpoint/2010/main" val="631626606"/>
       </p:ext>
     </p:extLst>
   </p:cSld>
@@ -10910,12 +10920,12 @@
       </p:grpSpPr>
       <p:sp>
         <p:nvSpPr>
-          <p:cNvPr id="3" name="Content Placeholder 2"/>
+          <p:cNvPr id="2" name="Title 1"/>
           <p:cNvSpPr>
             <a:spLocks noGrp="1"/>
           </p:cNvSpPr>
           <p:nvPr>
-            <p:ph idx="1"/>
+            <p:ph type="title"/>
           </p:nvPr>
         </p:nvSpPr>
         <p:spPr/>
@@ -10923,36 +10933,70 @@
           <a:bodyPr/>
           <a:lstStyle/>
           <a:p>
-            <a:pPr marL="0" indent="0">
-              <a:buNone/>
-            </a:pPr>
-            <a:r>
-              <a:rPr lang="en-US" sz="4400" dirty="0"/>
-              <a:t>                 </a:t>
-            </a:r>
-          </a:p>
-          <a:p>
-            <a:pPr marL="0" indent="0">
-              <a:buNone/>
-            </a:pPr>
-            <a:endParaRPr lang="en-US" sz="4400" dirty="0"/>
-          </a:p>
-          <a:p>
-            <a:pPr marL="0" indent="0">
-              <a:buNone/>
-            </a:pPr>
-            <a:r>
-              <a:rPr lang="en-US" sz="4400" dirty="0"/>
-              <a:t>         </a:t>
-            </a:r>
-            <a:r>
-              <a:rPr lang="en-US" sz="6600" i="1" dirty="0">
-                <a:solidFill>
-                  <a:srgbClr val="680000"/>
-                </a:solidFill>
-              </a:rPr>
-              <a:t>THANK YOU!</a:t>
-            </a:r>
+            <a:r>
+              <a:rPr lang="en-US" sz="3600" dirty="0"/>
+              <a:t>Difficulties and Lessons</a:t>
+            </a:r>
+            <a:endParaRPr lang="en-US" dirty="0"/>
+          </a:p>
+        </p:txBody>
+      </p:sp>
+      <p:sp>
+        <p:nvSpPr>
+          <p:cNvPr id="3" name="Content Placeholder 2"/>
+          <p:cNvSpPr>
+            <a:spLocks noGrp="1"/>
+          </p:cNvSpPr>
+          <p:nvPr>
+            <p:ph idx="1"/>
+          </p:nvPr>
+        </p:nvSpPr>
+        <p:spPr/>
+        <p:txBody>
+          <a:bodyPr/>
+          <a:lstStyle/>
+          <a:p>
+            <a:r>
+              <a:rPr lang="en-US" sz="2800" dirty="0"/>
+              <a:t>Didn’t know how to create a standard layered structure at the beginning, mixed domain layer and DAC layer </a:t>
+            </a:r>
+          </a:p>
+          <a:p>
+            <a:r>
+              <a:rPr lang="en-US" sz="2800" dirty="0"/>
+              <a:t>Know how to create it in class</a:t>
+            </a:r>
+          </a:p>
+          <a:p>
+            <a:r>
+              <a:rPr lang="en-US" sz="2800" dirty="0"/>
+              <a:t>Had difficulty to write a post commend and finally figure it out</a:t>
+            </a:r>
+          </a:p>
+          <a:p>
+            <a:r>
+              <a:rPr lang="en-US" sz="2800" dirty="0"/>
+              <a:t>The most important is to understand what </a:t>
+            </a:r>
+            <a:r>
+              <a:rPr lang="en-US" sz="2800" dirty="0" err="1"/>
+              <a:t>ReST</a:t>
+            </a:r>
+            <a:r>
+              <a:rPr lang="en-US" sz="2800" dirty="0"/>
+              <a:t> is, how it works and how to develop a </a:t>
+            </a:r>
+            <a:r>
+              <a:rPr lang="en-US" sz="2800" dirty="0" err="1"/>
+              <a:t>ReST</a:t>
+            </a:r>
+            <a:r>
+              <a:rPr lang="en-US" sz="2800" dirty="0"/>
+              <a:t> program</a:t>
+            </a:r>
+          </a:p>
+          <a:p>
+            <a:endParaRPr lang="en-US" dirty="0"/>
           </a:p>
         </p:txBody>
       </p:sp>
@@ -10980,6 +11024,113 @@
                 <a:defRPr/>
               </a:pPr>
               <a:t>18</a:t>
+            </a:fld>
+            <a:endParaRPr lang="en-US"/>
+          </a:p>
+        </p:txBody>
+      </p:sp>
+    </p:spTree>
+    <p:extLst>
+      <p:ext uri="{BB962C8B-B14F-4D97-AF65-F5344CB8AC3E}">
+        <p14:creationId xmlns:p14="http://schemas.microsoft.com/office/powerpoint/2010/main" val="4231949637"/>
+      </p:ext>
+    </p:extLst>
+  </p:cSld>
+  <p:clrMapOvr>
+    <a:masterClrMapping/>
+  </p:clrMapOvr>
+</p:sld>
+</file>
+
+<file path=ppt/slides/slide19.xml><?xml version="1.0" encoding="utf-8"?>
+<p:sld xmlns:a="http://schemas.openxmlformats.org/drawingml/2006/main" xmlns:r="http://schemas.openxmlformats.org/officeDocument/2006/relationships" xmlns:p="http://schemas.openxmlformats.org/presentationml/2006/main">
+  <p:cSld>
+    <p:spTree>
+      <p:nvGrpSpPr>
+        <p:cNvPr id="1" name=""/>
+        <p:cNvGrpSpPr/>
+        <p:nvPr/>
+      </p:nvGrpSpPr>
+      <p:grpSpPr>
+        <a:xfrm>
+          <a:off x="0" y="0"/>
+          <a:ext cx="0" cy="0"/>
+          <a:chOff x="0" y="0"/>
+          <a:chExt cx="0" cy="0"/>
+        </a:xfrm>
+      </p:grpSpPr>
+      <p:sp>
+        <p:nvSpPr>
+          <p:cNvPr id="3" name="Content Placeholder 2"/>
+          <p:cNvSpPr>
+            <a:spLocks noGrp="1"/>
+          </p:cNvSpPr>
+          <p:nvPr>
+            <p:ph idx="1"/>
+          </p:nvPr>
+        </p:nvSpPr>
+        <p:spPr/>
+        <p:txBody>
+          <a:bodyPr/>
+          <a:lstStyle/>
+          <a:p>
+            <a:pPr marL="0" indent="0">
+              <a:buNone/>
+            </a:pPr>
+            <a:r>
+              <a:rPr lang="en-US" sz="4400" dirty="0"/>
+              <a:t>                 </a:t>
+            </a:r>
+          </a:p>
+          <a:p>
+            <a:pPr marL="0" indent="0">
+              <a:buNone/>
+            </a:pPr>
+            <a:endParaRPr lang="en-US" sz="4400" dirty="0"/>
+          </a:p>
+          <a:p>
+            <a:pPr marL="0" indent="0">
+              <a:buNone/>
+            </a:pPr>
+            <a:r>
+              <a:rPr lang="en-US" sz="4400" dirty="0"/>
+              <a:t>         </a:t>
+            </a:r>
+            <a:r>
+              <a:rPr lang="en-US" sz="6600" i="1" dirty="0">
+                <a:solidFill>
+                  <a:srgbClr val="680000"/>
+                </a:solidFill>
+              </a:rPr>
+              <a:t>THANK YOU!</a:t>
+            </a:r>
+          </a:p>
+        </p:txBody>
+      </p:sp>
+      <p:sp>
+        <p:nvSpPr>
+          <p:cNvPr id="4" name="Slide Number Placeholder 3"/>
+          <p:cNvSpPr>
+            <a:spLocks noGrp="1"/>
+          </p:cNvSpPr>
+          <p:nvPr>
+            <p:ph type="sldNum" sz="quarter" idx="10"/>
+          </p:nvPr>
+        </p:nvSpPr>
+        <p:spPr/>
+        <p:txBody>
+          <a:bodyPr/>
+          <a:lstStyle/>
+          <a:p>
+            <a:pPr>
+              <a:defRPr/>
+            </a:pPr>
+            <a:fld id="{C09B9D2E-8DA2-4A45-82A9-24FA37AAA5DD}" type="slidenum">
+              <a:rPr lang="en-US" smtClean="0"/>
+              <a:pPr>
+                <a:defRPr/>
+              </a:pPr>
+              <a:t>19</a:t>
             </a:fld>
             <a:endParaRPr lang="en-US"/>
           </a:p>
@@ -11222,13 +11373,8 @@
             </a:pPr>
             <a:r>
               <a:rPr lang="en-US" dirty="0"/>
-              <a:t>A online purchasing </a:t>
-            </a:r>
-            <a:r>
-              <a:rPr lang="en-US" dirty="0" smtClean="0"/>
-              <a:t>platform for customers</a:t>
-            </a:r>
-            <a:endParaRPr lang="en-US" dirty="0"/>
+              <a:t>A online purchasing platform for customers</a:t>
+            </a:r>
           </a:p>
           <a:p>
             <a:pPr marL="0" indent="0" eaLnBrk="1" hangingPunct="1">
@@ -11263,13 +11409,8 @@
             </a:pPr>
             <a:r>
               <a:rPr lang="en-US" sz="1600" dirty="0"/>
-              <a:t>		- </a:t>
-            </a:r>
-            <a:r>
-              <a:rPr lang="en-US" sz="1600" dirty="0" smtClean="0"/>
-              <a:t>Buy product</a:t>
-            </a:r>
-            <a:endParaRPr lang="en-US" sz="1600" dirty="0"/>
+              <a:t>		- Buy product</a:t>
+            </a:r>
           </a:p>
           <a:p>
             <a:pPr marL="0" indent="0" eaLnBrk="1" hangingPunct="1">
@@ -11280,15 +11421,7 @@
             </a:pPr>
             <a:r>
               <a:rPr lang="en-US" sz="1600" dirty="0"/>
-              <a:t>		- </a:t>
-            </a:r>
-            <a:r>
-              <a:rPr lang="en-US" sz="1600" dirty="0" smtClean="0"/>
-              <a:t>Check </a:t>
-            </a:r>
-            <a:r>
-              <a:rPr lang="en-US" sz="1600" dirty="0"/>
-              <a:t>order status</a:t>
+              <a:t>		- Check order status</a:t>
             </a:r>
           </a:p>
           <a:p>
@@ -11300,13 +11433,8 @@
             </a:pPr>
             <a:r>
               <a:rPr lang="en-US" sz="1600" dirty="0"/>
-              <a:t>		- </a:t>
-            </a:r>
-            <a:r>
-              <a:rPr lang="en-US" sz="1600" dirty="0" smtClean="0"/>
-              <a:t>Cancel order                           </a:t>
-            </a:r>
-            <a:endParaRPr lang="en-US" sz="1600" dirty="0"/>
+              <a:t>		- Cancel order                           </a:t>
+            </a:r>
           </a:p>
           <a:p>
             <a:pPr marL="0" indent="0" eaLnBrk="1" hangingPunct="1">
@@ -11324,18 +11452,9 @@
               </a:spcBef>
             </a:pPr>
             <a:r>
-              <a:rPr lang="en-US" dirty="0" smtClean="0"/>
-              <a:t>Order/inventory management platform for </a:t>
-            </a:r>
-            <a:r>
-              <a:rPr lang="en-US" dirty="0" smtClean="0"/>
-              <a:t>p</a:t>
-            </a:r>
-            <a:r>
-              <a:rPr lang="en-US" dirty="0" smtClean="0"/>
-              <a:t>artners</a:t>
-            </a:r>
-            <a:endParaRPr lang="en-US" dirty="0"/>
+              <a:rPr lang="en-US" dirty="0"/>
+              <a:t>Order/inventory management platform for partners</a:t>
+            </a:r>
           </a:p>
           <a:p>
             <a:pPr marL="0" indent="0" eaLnBrk="1" hangingPunct="1">
@@ -11358,13 +11477,8 @@
             </a:pPr>
             <a:r>
               <a:rPr lang="en-US" sz="1600" dirty="0"/>
-              <a:t>		- Add products in market </a:t>
-            </a:r>
-            <a:r>
-              <a:rPr lang="en-US" sz="1600" dirty="0" smtClean="0"/>
-              <a:t>place</a:t>
-            </a:r>
-            <a:endParaRPr lang="en-US" sz="1600" dirty="0"/>
+              <a:t>		- Add products in market place</a:t>
+            </a:r>
           </a:p>
           <a:p>
             <a:pPr marL="0" indent="0" eaLnBrk="1" hangingPunct="1">
@@ -11375,11 +11489,7 @@
             </a:pPr>
             <a:r>
               <a:rPr lang="en-US" sz="1600" dirty="0"/>
-              <a:t>		- Get acknowledgement of order </a:t>
-            </a:r>
-            <a:r>
-              <a:rPr lang="en-US" sz="1600" dirty="0" smtClean="0"/>
-              <a:t>fulfillment</a:t>
+              <a:t>		- Get acknowledgement of order fulfillment</a:t>
             </a:r>
           </a:p>
           <a:p>
@@ -11391,21 +11501,8 @@
             </a:pPr>
             <a:r>
               <a:rPr lang="en-US" sz="1600" dirty="0"/>
-              <a:t>	</a:t>
-            </a:r>
-            <a:r>
-              <a:rPr lang="en-US" sz="1600" dirty="0" smtClean="0"/>
-              <a:t>	- </a:t>
-            </a:r>
-            <a:r>
-              <a:rPr lang="en-US" sz="1600" dirty="0"/>
-              <a:t>S</a:t>
-            </a:r>
-            <a:r>
-              <a:rPr lang="en-US" sz="1600" dirty="0" smtClean="0"/>
-              <a:t>hip order</a:t>
-            </a:r>
-            <a:endParaRPr lang="en-US" sz="1600" dirty="0"/>
+              <a:t>		- Ship order</a:t>
+            </a:r>
           </a:p>
           <a:p>
             <a:pPr eaLnBrk="1" hangingPunct="1">
@@ -11464,7 +11561,7 @@
   <p:timing>
     <p:tnLst>
       <p:par>
-        <p:cTn xmlns:p14="http://schemas.microsoft.com/office/powerpoint/2010/main" id="1" dur="indefinite" restart="never" nodeType="tmRoot">
+        <p:cTn id="1" dur="indefinite" restart="never" nodeType="tmRoot">
           <p:childTnLst>
             <p:seq concurrent="1" nextAc="seek">
               <p:cTn id="2" dur="indefinite" nodeType="mainSeq">
@@ -12012,11 +12109,7 @@
           <a:p>
             <a:r>
               <a:rPr lang="en-US" sz="3600" dirty="0"/>
-              <a:t>Project </a:t>
-            </a:r>
-            <a:r>
-              <a:rPr lang="en-US" sz="3600" dirty="0" smtClean="0"/>
-              <a:t>Architecture</a:t>
+              <a:t>Project Overall Idea</a:t>
             </a:r>
             <a:endParaRPr lang="en-US" sz="3600" dirty="0"/>
           </a:p>
@@ -12043,10 +12136,9 @@
           <a:lstStyle/>
           <a:p>
             <a:r>
-              <a:rPr lang="en-US" dirty="0" smtClean="0"/>
+              <a:rPr lang="en-US" dirty="0"/>
               <a:t>State diagram (customer)</a:t>
             </a:r>
-            <a:endParaRPr lang="en-US" dirty="0"/>
           </a:p>
           <a:p>
             <a:pPr marL="0" indent="0">
@@ -12152,7 +12244,7 @@
               <a:buNone/>
               <a:tabLst/>
             </a:pPr>
-            <a:endParaRPr kumimoji="0" lang="en-US" sz="1600" b="0" i="0" u="none" strike="noStrike" cap="none" normalizeH="0" baseline="0" smtClean="0">
+            <a:endParaRPr kumimoji="0" lang="en-US" sz="1600" b="0" i="0" u="none" strike="noStrike" cap="none" normalizeH="0" baseline="0">
               <a:ln>
                 <a:noFill/>
               </a:ln>
@@ -12190,16 +12282,15 @@
           <a:lstStyle/>
           <a:p>
             <a:r>
-              <a:rPr lang="en-US" dirty="0" smtClean="0"/>
+              <a:rPr lang="en-US" dirty="0"/>
               <a:t>Home</a:t>
             </a:r>
           </a:p>
           <a:p>
             <a:r>
-              <a:rPr lang="en-US" dirty="0" smtClean="0"/>
+              <a:rPr lang="en-US" dirty="0"/>
               <a:t>(product listing)</a:t>
             </a:r>
-            <a:endParaRPr lang="en-US" dirty="0"/>
           </a:p>
         </p:txBody>
       </p:sp>
@@ -12226,18 +12317,13 @@
           <a:lstStyle/>
           <a:p>
             <a:r>
-              <a:rPr lang="en-US" dirty="0" smtClean="0">
+              <a:rPr lang="en-US" dirty="0">
                 <a:solidFill>
                   <a:srgbClr val="FF0000"/>
                 </a:solidFill>
               </a:rPr>
               <a:t>Buy product</a:t>
             </a:r>
-            <a:endParaRPr lang="en-US" dirty="0">
-              <a:solidFill>
-                <a:srgbClr val="FF0000"/>
-              </a:solidFill>
-            </a:endParaRPr>
           </a:p>
         </p:txBody>
       </p:sp>
@@ -12264,10 +12350,9 @@
           <a:lstStyle/>
           <a:p>
             <a:r>
-              <a:rPr lang="en-US" dirty="0" smtClean="0"/>
+              <a:rPr lang="en-US" dirty="0"/>
               <a:t>Search product</a:t>
             </a:r>
-            <a:endParaRPr lang="en-US" dirty="0"/>
           </a:p>
         </p:txBody>
       </p:sp>
@@ -12330,7 +12415,7 @@
               <a:buNone/>
               <a:tabLst/>
             </a:pPr>
-            <a:endParaRPr kumimoji="0" lang="en-US" sz="1600" b="0" i="0" u="none" strike="noStrike" cap="none" normalizeH="0" baseline="0" smtClean="0">
+            <a:endParaRPr kumimoji="0" lang="en-US" sz="1600" b="0" i="0" u="none" strike="noStrike" cap="none" normalizeH="0" baseline="0">
               <a:ln>
                 <a:noFill/>
               </a:ln>
@@ -12404,7 +12489,7 @@
               <a:buNone/>
               <a:tabLst/>
             </a:pPr>
-            <a:endParaRPr kumimoji="0" lang="en-US" sz="1600" b="0" i="0" u="none" strike="noStrike" cap="none" normalizeH="0" baseline="0" smtClean="0">
+            <a:endParaRPr kumimoji="0" lang="en-US" sz="1600" b="0" i="0" u="none" strike="noStrike" cap="none" normalizeH="0" baseline="0">
               <a:ln>
                 <a:noFill/>
               </a:ln>
@@ -12477,7 +12562,7 @@
               <a:buNone/>
               <a:tabLst/>
             </a:pPr>
-            <a:endParaRPr kumimoji="0" lang="en-US" sz="1600" b="0" i="0" u="none" strike="noStrike" cap="none" normalizeH="0" baseline="0" smtClean="0">
+            <a:endParaRPr kumimoji="0" lang="en-US" sz="1600" b="0" i="0" u="none" strike="noStrike" cap="none" normalizeH="0" baseline="0">
               <a:ln>
                 <a:noFill/>
               </a:ln>
@@ -12515,10 +12600,9 @@
           <a:lstStyle/>
           <a:p>
             <a:r>
-              <a:rPr lang="en-US" dirty="0" smtClean="0"/>
+              <a:rPr lang="en-US" dirty="0"/>
               <a:t>Check orders</a:t>
             </a:r>
-            <a:endParaRPr lang="en-US" dirty="0"/>
           </a:p>
         </p:txBody>
       </p:sp>
@@ -12575,7 +12659,7 @@
               <a:buNone/>
               <a:tabLst/>
             </a:pPr>
-            <a:endParaRPr kumimoji="0" lang="en-US" sz="1600" b="0" i="0" u="none" strike="noStrike" cap="none" normalizeH="0" baseline="0" smtClean="0">
+            <a:endParaRPr kumimoji="0" lang="en-US" sz="1600" b="0" i="0" u="none" strike="noStrike" cap="none" normalizeH="0" baseline="0">
               <a:ln>
                 <a:noFill/>
               </a:ln>
@@ -12613,10 +12697,9 @@
           <a:lstStyle/>
           <a:p>
             <a:r>
-              <a:rPr lang="en-US" dirty="0" smtClean="0"/>
+              <a:rPr lang="en-US" dirty="0"/>
               <a:t>Order listing</a:t>
             </a:r>
-            <a:endParaRPr lang="en-US" dirty="0"/>
           </a:p>
         </p:txBody>
       </p:sp>
@@ -12643,18 +12726,13 @@
           <a:lstStyle/>
           <a:p>
             <a:r>
-              <a:rPr lang="en-US" dirty="0" smtClean="0">
+              <a:rPr lang="en-US" dirty="0">
                 <a:solidFill>
                   <a:srgbClr val="FF0000"/>
                 </a:solidFill>
               </a:rPr>
               <a:t>Cancel order</a:t>
             </a:r>
-            <a:endParaRPr lang="en-US" dirty="0">
-              <a:solidFill>
-                <a:srgbClr val="FF0000"/>
-              </a:solidFill>
-            </a:endParaRPr>
           </a:p>
         </p:txBody>
       </p:sp>
@@ -12717,7 +12795,7 @@
               <a:buNone/>
               <a:tabLst/>
             </a:pPr>
-            <a:endParaRPr kumimoji="0" lang="en-US" sz="1600" b="0" i="0" u="none" strike="noStrike" cap="none" normalizeH="0" baseline="0" smtClean="0">
+            <a:endParaRPr kumimoji="0" lang="en-US" sz="1600" b="0" i="0" u="none" strike="noStrike" cap="none" normalizeH="0" baseline="0">
               <a:ln>
                 <a:noFill/>
               </a:ln>
@@ -12785,7 +12863,7 @@
               <a:buNone/>
               <a:tabLst/>
             </a:pPr>
-            <a:endParaRPr kumimoji="0" lang="en-US" sz="1600" b="0" i="0" u="none" strike="noStrike" cap="none" normalizeH="0" baseline="0" smtClean="0">
+            <a:endParaRPr kumimoji="0" lang="en-US" sz="1600" b="0" i="0" u="none" strike="noStrike" cap="none" normalizeH="0" baseline="0">
               <a:ln>
                 <a:noFill/>
               </a:ln>
@@ -12823,16 +12901,15 @@
           <a:lstStyle/>
           <a:p>
             <a:r>
-              <a:rPr lang="en-US" dirty="0" smtClean="0"/>
+              <a:rPr lang="en-US" dirty="0"/>
               <a:t>Home</a:t>
             </a:r>
           </a:p>
           <a:p>
             <a:r>
-              <a:rPr lang="en-US" dirty="0" smtClean="0"/>
+              <a:rPr lang="en-US" dirty="0"/>
               <a:t>(product listing – minimal actions enabled)</a:t>
             </a:r>
-            <a:endParaRPr lang="en-US" dirty="0"/>
           </a:p>
         </p:txBody>
       </p:sp>
@@ -12894,7 +12971,7 @@
               <a:buNone/>
               <a:tabLst/>
             </a:pPr>
-            <a:endParaRPr kumimoji="0" lang="en-US" sz="1600" b="0" i="0" u="none" strike="noStrike" cap="none" normalizeH="0" baseline="0" smtClean="0">
+            <a:endParaRPr kumimoji="0" lang="en-US" sz="1600" b="0" i="0" u="none" strike="noStrike" cap="none" normalizeH="0" baseline="0">
               <a:ln>
                 <a:noFill/>
               </a:ln>
@@ -12932,10 +13009,9 @@
           <a:lstStyle/>
           <a:p>
             <a:r>
-              <a:rPr lang="en-US" dirty="0" smtClean="0"/>
+              <a:rPr lang="en-US" dirty="0"/>
               <a:t>Log in</a:t>
             </a:r>
-            <a:endParaRPr lang="en-US" dirty="0"/>
           </a:p>
         </p:txBody>
       </p:sp>
@@ -12986,11 +13062,7 @@
           <a:p>
             <a:r>
               <a:rPr lang="en-US" sz="3600" dirty="0"/>
-              <a:t>Project </a:t>
-            </a:r>
-            <a:r>
-              <a:rPr lang="en-US" sz="3600" dirty="0" smtClean="0"/>
-              <a:t>Architecture</a:t>
+              <a:t>Project Overall Idea</a:t>
             </a:r>
             <a:endParaRPr lang="en-US" sz="3600" dirty="0"/>
           </a:p>
@@ -13017,10 +13089,9 @@
           <a:lstStyle/>
           <a:p>
             <a:r>
-              <a:rPr lang="en-US" dirty="0" smtClean="0"/>
+              <a:rPr lang="en-US" dirty="0"/>
               <a:t>State diagram (partner)</a:t>
             </a:r>
-            <a:endParaRPr lang="en-US" dirty="0"/>
           </a:p>
           <a:p>
             <a:pPr marL="0" indent="0">
@@ -13126,7 +13197,7 @@
               <a:buNone/>
               <a:tabLst/>
             </a:pPr>
-            <a:endParaRPr kumimoji="0" lang="en-US" sz="1600" b="0" i="0" u="none" strike="noStrike" cap="none" normalizeH="0" baseline="0" smtClean="0">
+            <a:endParaRPr kumimoji="0" lang="en-US" sz="1600" b="0" i="0" u="none" strike="noStrike" cap="none" normalizeH="0" baseline="0">
               <a:ln>
                 <a:noFill/>
               </a:ln>
@@ -13164,16 +13235,15 @@
           <a:lstStyle/>
           <a:p>
             <a:r>
-              <a:rPr lang="en-US" dirty="0" smtClean="0"/>
+              <a:rPr lang="en-US" dirty="0"/>
               <a:t>Home</a:t>
             </a:r>
           </a:p>
           <a:p>
             <a:r>
-              <a:rPr lang="en-US" dirty="0" smtClean="0"/>
+              <a:rPr lang="en-US" dirty="0"/>
               <a:t>(product listing)</a:t>
             </a:r>
-            <a:endParaRPr lang="en-US" dirty="0"/>
           </a:p>
         </p:txBody>
       </p:sp>
@@ -13200,18 +13270,13 @@
           <a:lstStyle/>
           <a:p>
             <a:r>
-              <a:rPr lang="en-US" dirty="0" smtClean="0">
+              <a:rPr lang="en-US" dirty="0">
                 <a:solidFill>
                   <a:srgbClr val="FF0000"/>
                 </a:solidFill>
               </a:rPr>
               <a:t>Add product</a:t>
             </a:r>
-            <a:endParaRPr lang="en-US" dirty="0">
-              <a:solidFill>
-                <a:srgbClr val="FF0000"/>
-              </a:solidFill>
-            </a:endParaRPr>
           </a:p>
         </p:txBody>
       </p:sp>
@@ -13238,10 +13303,9 @@
           <a:lstStyle/>
           <a:p>
             <a:r>
-              <a:rPr lang="en-US" dirty="0" smtClean="0"/>
+              <a:rPr lang="en-US" dirty="0"/>
               <a:t>Search product</a:t>
             </a:r>
-            <a:endParaRPr lang="en-US" dirty="0"/>
           </a:p>
         </p:txBody>
       </p:sp>
@@ -13304,7 +13368,7 @@
               <a:buNone/>
               <a:tabLst/>
             </a:pPr>
-            <a:endParaRPr kumimoji="0" lang="en-US" sz="1600" b="0" i="0" u="none" strike="noStrike" cap="none" normalizeH="0" baseline="0" smtClean="0">
+            <a:endParaRPr kumimoji="0" lang="en-US" sz="1600" b="0" i="0" u="none" strike="noStrike" cap="none" normalizeH="0" baseline="0">
               <a:ln>
                 <a:noFill/>
               </a:ln>
@@ -13378,7 +13442,7 @@
               <a:buNone/>
               <a:tabLst/>
             </a:pPr>
-            <a:endParaRPr kumimoji="0" lang="en-US" sz="1600" b="0" i="0" u="none" strike="noStrike" cap="none" normalizeH="0" baseline="0" smtClean="0">
+            <a:endParaRPr kumimoji="0" lang="en-US" sz="1600" b="0" i="0" u="none" strike="noStrike" cap="none" normalizeH="0" baseline="0">
               <a:ln>
                 <a:noFill/>
               </a:ln>
@@ -13451,7 +13515,7 @@
               <a:buNone/>
               <a:tabLst/>
             </a:pPr>
-            <a:endParaRPr kumimoji="0" lang="en-US" sz="1600" b="0" i="0" u="none" strike="noStrike" cap="none" normalizeH="0" baseline="0" smtClean="0">
+            <a:endParaRPr kumimoji="0" lang="en-US" sz="1600" b="0" i="0" u="none" strike="noStrike" cap="none" normalizeH="0" baseline="0">
               <a:ln>
                 <a:noFill/>
               </a:ln>
@@ -13489,10 +13553,9 @@
           <a:lstStyle/>
           <a:p>
             <a:r>
-              <a:rPr lang="en-US" dirty="0" smtClean="0"/>
+              <a:rPr lang="en-US" dirty="0"/>
               <a:t>Check orders</a:t>
             </a:r>
-            <a:endParaRPr lang="en-US" dirty="0"/>
           </a:p>
         </p:txBody>
       </p:sp>
@@ -13549,7 +13612,7 @@
               <a:buNone/>
               <a:tabLst/>
             </a:pPr>
-            <a:endParaRPr kumimoji="0" lang="en-US" sz="1600" b="0" i="0" u="none" strike="noStrike" cap="none" normalizeH="0" baseline="0" smtClean="0">
+            <a:endParaRPr kumimoji="0" lang="en-US" sz="1600" b="0" i="0" u="none" strike="noStrike" cap="none" normalizeH="0" baseline="0">
               <a:ln>
                 <a:noFill/>
               </a:ln>
@@ -13587,10 +13650,9 @@
           <a:lstStyle/>
           <a:p>
             <a:r>
-              <a:rPr lang="en-US" dirty="0" smtClean="0"/>
+              <a:rPr lang="en-US" dirty="0"/>
               <a:t>Order listing</a:t>
             </a:r>
-            <a:endParaRPr lang="en-US" dirty="0"/>
           </a:p>
         </p:txBody>
       </p:sp>
@@ -13617,18 +13679,13 @@
           <a:lstStyle/>
           <a:p>
             <a:r>
-              <a:rPr lang="en-US" dirty="0" smtClean="0">
+              <a:rPr lang="en-US" dirty="0">
                 <a:solidFill>
                   <a:srgbClr val="FF0000"/>
                 </a:solidFill>
               </a:rPr>
               <a:t>Ship order</a:t>
             </a:r>
-            <a:endParaRPr lang="en-US" dirty="0">
-              <a:solidFill>
-                <a:srgbClr val="FF0000"/>
-              </a:solidFill>
-            </a:endParaRPr>
           </a:p>
         </p:txBody>
       </p:sp>
@@ -13691,7 +13748,7 @@
               <a:buNone/>
               <a:tabLst/>
             </a:pPr>
-            <a:endParaRPr kumimoji="0" lang="en-US" sz="1600" b="0" i="0" u="none" strike="noStrike" cap="none" normalizeH="0" baseline="0" smtClean="0">
+            <a:endParaRPr kumimoji="0" lang="en-US" sz="1600" b="0" i="0" u="none" strike="noStrike" cap="none" normalizeH="0" baseline="0">
               <a:ln>
                 <a:noFill/>
               </a:ln>
@@ -13759,7 +13816,7 @@
               <a:buNone/>
               <a:tabLst/>
             </a:pPr>
-            <a:endParaRPr kumimoji="0" lang="en-US" sz="1600" b="0" i="0" u="none" strike="noStrike" cap="none" normalizeH="0" baseline="0" smtClean="0">
+            <a:endParaRPr kumimoji="0" lang="en-US" sz="1600" b="0" i="0" u="none" strike="noStrike" cap="none" normalizeH="0" baseline="0">
               <a:ln>
                 <a:noFill/>
               </a:ln>
@@ -13797,16 +13854,15 @@
           <a:lstStyle/>
           <a:p>
             <a:r>
-              <a:rPr lang="en-US" dirty="0" smtClean="0"/>
+              <a:rPr lang="en-US" dirty="0"/>
               <a:t>Home</a:t>
             </a:r>
           </a:p>
           <a:p>
             <a:r>
-              <a:rPr lang="en-US" dirty="0" smtClean="0"/>
+              <a:rPr lang="en-US" dirty="0"/>
               <a:t>(product listing – minimal actions enabled)</a:t>
             </a:r>
-            <a:endParaRPr lang="en-US" dirty="0"/>
           </a:p>
         </p:txBody>
       </p:sp>
@@ -13868,7 +13924,7 @@
               <a:buNone/>
               <a:tabLst/>
             </a:pPr>
-            <a:endParaRPr kumimoji="0" lang="en-US" sz="1600" b="0" i="0" u="none" strike="noStrike" cap="none" normalizeH="0" baseline="0" smtClean="0">
+            <a:endParaRPr kumimoji="0" lang="en-US" sz="1600" b="0" i="0" u="none" strike="noStrike" cap="none" normalizeH="0" baseline="0">
               <a:ln>
                 <a:noFill/>
               </a:ln>
@@ -13906,10 +13962,9 @@
           <a:lstStyle/>
           <a:p>
             <a:r>
-              <a:rPr lang="en-US" dirty="0" smtClean="0"/>
+              <a:rPr lang="en-US" dirty="0"/>
               <a:t>Log in</a:t>
             </a:r>
-            <a:endParaRPr lang="en-US" dirty="0"/>
           </a:p>
         </p:txBody>
       </p:sp>
@@ -14099,7 +14154,7 @@
               <a:buNone/>
               <a:tabLst/>
             </a:pPr>
-            <a:endParaRPr kumimoji="0" lang="en-US" sz="1600" b="0" i="0" u="none" strike="noStrike" cap="none" normalizeH="0" baseline="0" smtClean="0">
+            <a:endParaRPr kumimoji="0" lang="en-US" sz="1600" b="0" i="0" u="none" strike="noStrike" cap="none" normalizeH="0" baseline="0">
               <a:ln>
                 <a:noFill/>
               </a:ln>
@@ -14167,7 +14222,7 @@
               <a:buNone/>
               <a:tabLst/>
             </a:pPr>
-            <a:endParaRPr kumimoji="0" lang="en-US" sz="1600" b="0" i="0" u="none" strike="noStrike" cap="none" normalizeH="0" baseline="0" smtClean="0">
+            <a:endParaRPr kumimoji="0" lang="en-US" sz="1600" b="0" i="0" u="none" strike="noStrike" cap="none" normalizeH="0" baseline="0">
               <a:ln>
                 <a:noFill/>
               </a:ln>
@@ -14261,13 +14316,8 @@
             <a:pPr eaLnBrk="1" hangingPunct="1"/>
             <a:r>
               <a:rPr lang="en-US" sz="3600" dirty="0"/>
-              <a:t>Project </a:t>
-            </a:r>
-            <a:r>
-              <a:rPr lang="en-US" sz="3600" dirty="0" smtClean="0"/>
-              <a:t>Architecture</a:t>
-            </a:r>
-            <a:endParaRPr lang="en-US" sz="3600" dirty="0"/>
+              <a:t>Project Architecture</a:t>
+            </a:r>
           </a:p>
         </p:txBody>
       </p:sp>
@@ -14402,13 +14452,8 @@
           <a:p>
             <a:r>
               <a:rPr lang="en-US" sz="3600" dirty="0"/>
-              <a:t>Project </a:t>
-            </a:r>
-            <a:r>
-              <a:rPr lang="en-US" sz="3600" dirty="0" smtClean="0"/>
-              <a:t>Architecture</a:t>
-            </a:r>
-            <a:endParaRPr lang="en-US" sz="3600" dirty="0"/>
+              <a:t>Project Architecture</a:t>
+            </a:r>
           </a:p>
         </p:txBody>
       </p:sp>
@@ -14546,13 +14591,8 @@
             <a:pPr eaLnBrk="1" hangingPunct="1"/>
             <a:r>
               <a:rPr lang="en-US" sz="3600" dirty="0"/>
-              <a:t>Project </a:t>
-            </a:r>
-            <a:r>
-              <a:rPr lang="en-US" sz="3600" dirty="0" smtClean="0"/>
-              <a:t>Architecture</a:t>
-            </a:r>
-            <a:endParaRPr lang="en-US" sz="3600" dirty="0"/>
+              <a:t>Project Architecture</a:t>
+            </a:r>
           </a:p>
         </p:txBody>
       </p:sp>
@@ -14658,7 +14698,7 @@
   <p:timing>
     <p:tnLst>
       <p:par>
-        <p:cTn xmlns:p14="http://schemas.microsoft.com/office/powerpoint/2010/main" id="1" dur="indefinite" restart="never" nodeType="tmRoot">
+        <p:cTn id="1" dur="indefinite" restart="never" nodeType="tmRoot">
           <p:childTnLst>
             <p:seq concurrent="1" nextAc="seek">
               <p:cTn id="2" dur="indefinite" nodeType="mainSeq">

--- a/comp433p2p3/COMP433FinalPPT.pptx
+++ b/comp433p2p3/COMP433FinalPPT.pptx
@@ -1,6 +1,6 @@
 
 <file path=ppt/presentation.xml><?xml version="1.0" encoding="utf-8"?>
-<p:presentation xmlns:a="http://schemas.openxmlformats.org/drawingml/2006/main" xmlns:r="http://schemas.openxmlformats.org/officeDocument/2006/relationships" xmlns:p="http://schemas.openxmlformats.org/presentationml/2006/main" embedTrueTypeFonts="1" saveSubsetFonts="1">
+<p:presentation xmlns:a="http://schemas.openxmlformats.org/drawingml/2006/main" xmlns:r="http://schemas.openxmlformats.org/officeDocument/2006/relationships" xmlns:p="http://schemas.openxmlformats.org/presentationml/2006/main" serverZoom="12508" embedTrueTypeFonts="1" saveSubsetFonts="1">
   <p:sldMasterIdLst>
     <p:sldMasterId id="2147483659" r:id="rId1"/>
     <p:sldMasterId id="2147483667" r:id="rId2"/>
@@ -9460,7 +9460,6 @@
               <a:rPr lang="en-US" sz="3600" dirty="0"/>
               <a:t>Project Architecture</a:t>
             </a:r>
-            <a:endParaRPr lang="en-US" sz="3600" dirty="0"/>
           </a:p>
         </p:txBody>
       </p:sp>
@@ -9539,26 +9538,244 @@
           </a:p>
         </p:txBody>
       </p:sp>
+      <p:sp>
+        <p:nvSpPr>
+          <p:cNvPr id="7" name="Rectangle 3"/>
+          <p:cNvSpPr txBox="1">
+            <a:spLocks noChangeArrowheads="1"/>
+          </p:cNvSpPr>
+          <p:nvPr/>
+        </p:nvSpPr>
+        <p:spPr bwMode="auto">
+          <a:xfrm>
+            <a:off x="457200" y="1719072"/>
+            <a:ext cx="8686800" cy="543837"/>
+          </a:xfrm>
+          <a:prstGeom prst="rect">
+            <a:avLst/>
+          </a:prstGeom>
+          <a:noFill/>
+          <a:ln w="9525">
+            <a:noFill/>
+            <a:miter lim="800000"/>
+            <a:headEnd/>
+            <a:tailEnd/>
+          </a:ln>
+        </p:spPr>
+        <p:txBody>
+          <a:bodyPr vert="horz" wrap="square" lIns="91440" tIns="45720" rIns="91440" bIns="45720" numCol="1" anchor="t" anchorCtr="0" compatLnSpc="1">
+            <a:prstTxWarp prst="textNoShape">
+              <a:avLst/>
+            </a:prstTxWarp>
+          </a:bodyPr>
+          <a:lstStyle>
+            <a:lvl1pPr marL="342900" indent="-342900" algn="l" rtl="0" eaLnBrk="0" fontAlgn="base" hangingPunct="0">
+              <a:spcBef>
+                <a:spcPct val="20000"/>
+              </a:spcBef>
+              <a:spcAft>
+                <a:spcPct val="0"/>
+              </a:spcAft>
+              <a:buChar char="•"/>
+              <a:defRPr sz="3200">
+                <a:solidFill>
+                  <a:schemeClr val="tx1"/>
+                </a:solidFill>
+                <a:latin typeface="+mn-lt"/>
+                <a:ea typeface="+mn-ea"/>
+                <a:cs typeface="+mn-cs"/>
+              </a:defRPr>
+            </a:lvl1pPr>
+            <a:lvl2pPr marL="742950" indent="-285750" algn="l" rtl="0" eaLnBrk="0" fontAlgn="base" hangingPunct="0">
+              <a:spcBef>
+                <a:spcPct val="20000"/>
+              </a:spcBef>
+              <a:spcAft>
+                <a:spcPct val="0"/>
+              </a:spcAft>
+              <a:buChar char="–"/>
+              <a:defRPr sz="2800">
+                <a:solidFill>
+                  <a:schemeClr val="tx1"/>
+                </a:solidFill>
+                <a:latin typeface="+mn-lt"/>
+              </a:defRPr>
+            </a:lvl2pPr>
+            <a:lvl3pPr marL="1143000" indent="-228600" algn="l" rtl="0" eaLnBrk="0" fontAlgn="base" hangingPunct="0">
+              <a:spcBef>
+                <a:spcPct val="20000"/>
+              </a:spcBef>
+              <a:spcAft>
+                <a:spcPct val="0"/>
+              </a:spcAft>
+              <a:buChar char="•"/>
+              <a:defRPr sz="2400">
+                <a:solidFill>
+                  <a:schemeClr val="tx1"/>
+                </a:solidFill>
+                <a:latin typeface="+mn-lt"/>
+              </a:defRPr>
+            </a:lvl3pPr>
+            <a:lvl4pPr marL="1600200" indent="-228600" algn="l" rtl="0" eaLnBrk="0" fontAlgn="base" hangingPunct="0">
+              <a:spcBef>
+                <a:spcPct val="20000"/>
+              </a:spcBef>
+              <a:spcAft>
+                <a:spcPct val="0"/>
+              </a:spcAft>
+              <a:buChar char="–"/>
+              <a:defRPr sz="2000">
+                <a:solidFill>
+                  <a:schemeClr val="tx1"/>
+                </a:solidFill>
+                <a:latin typeface="+mn-lt"/>
+              </a:defRPr>
+            </a:lvl4pPr>
+            <a:lvl5pPr marL="2057400" indent="-228600" algn="l" rtl="0" eaLnBrk="0" fontAlgn="base" hangingPunct="0">
+              <a:spcBef>
+                <a:spcPct val="20000"/>
+              </a:spcBef>
+              <a:spcAft>
+                <a:spcPct val="0"/>
+              </a:spcAft>
+              <a:buChar char="»"/>
+              <a:defRPr sz="2000">
+                <a:solidFill>
+                  <a:schemeClr val="tx1"/>
+                </a:solidFill>
+                <a:latin typeface="+mn-lt"/>
+              </a:defRPr>
+            </a:lvl5pPr>
+            <a:lvl6pPr marL="2514600" indent="-228600" algn="l" rtl="0" fontAlgn="base">
+              <a:spcBef>
+                <a:spcPct val="20000"/>
+              </a:spcBef>
+              <a:spcAft>
+                <a:spcPct val="0"/>
+              </a:spcAft>
+              <a:buChar char="»"/>
+              <a:defRPr sz="2000">
+                <a:solidFill>
+                  <a:schemeClr val="tx1"/>
+                </a:solidFill>
+                <a:latin typeface="+mn-lt"/>
+              </a:defRPr>
+            </a:lvl6pPr>
+            <a:lvl7pPr marL="2971800" indent="-228600" algn="l" rtl="0" fontAlgn="base">
+              <a:spcBef>
+                <a:spcPct val="20000"/>
+              </a:spcBef>
+              <a:spcAft>
+                <a:spcPct val="0"/>
+              </a:spcAft>
+              <a:buChar char="»"/>
+              <a:defRPr sz="2000">
+                <a:solidFill>
+                  <a:schemeClr val="tx1"/>
+                </a:solidFill>
+                <a:latin typeface="+mn-lt"/>
+              </a:defRPr>
+            </a:lvl7pPr>
+            <a:lvl8pPr marL="3429000" indent="-228600" algn="l" rtl="0" fontAlgn="base">
+              <a:spcBef>
+                <a:spcPct val="20000"/>
+              </a:spcBef>
+              <a:spcAft>
+                <a:spcPct val="0"/>
+              </a:spcAft>
+              <a:buChar char="»"/>
+              <a:defRPr sz="2000">
+                <a:solidFill>
+                  <a:schemeClr val="tx1"/>
+                </a:solidFill>
+                <a:latin typeface="+mn-lt"/>
+              </a:defRPr>
+            </a:lvl8pPr>
+            <a:lvl9pPr marL="3886200" indent="-228600" algn="l" rtl="0" fontAlgn="base">
+              <a:spcBef>
+                <a:spcPct val="20000"/>
+              </a:spcBef>
+              <a:spcAft>
+                <a:spcPct val="0"/>
+              </a:spcAft>
+              <a:buChar char="»"/>
+              <a:defRPr sz="2000">
+                <a:solidFill>
+                  <a:schemeClr val="tx1"/>
+                </a:solidFill>
+                <a:latin typeface="+mn-lt"/>
+              </a:defRPr>
+            </a:lvl9pPr>
+          </a:lstStyle>
+          <a:p>
+            <a:pPr marL="0" indent="0" eaLnBrk="1" hangingPunct="1">
+              <a:spcBef>
+                <a:spcPts val="0"/>
+              </a:spcBef>
+              <a:buClrTx/>
+              <a:buFontTx/>
+              <a:buNone/>
+            </a:pPr>
+            <a:r>
+              <a:rPr lang="en-US" kern="0" dirty="0"/>
+              <a:t>Database ER diagram</a:t>
+            </a:r>
+          </a:p>
+          <a:p>
+            <a:pPr marL="342900" lvl="1" indent="-342900" eaLnBrk="1" hangingPunct="1">
+              <a:spcBef>
+                <a:spcPts val="0"/>
+              </a:spcBef>
+              <a:buClrTx/>
+              <a:buFontTx/>
+              <a:buChar char="•"/>
+            </a:pPr>
+            <a:endParaRPr lang="en-US" kern="0" dirty="0">
+              <a:solidFill>
+                <a:srgbClr val="0000FF"/>
+              </a:solidFill>
+            </a:endParaRPr>
+          </a:p>
+          <a:p>
+            <a:pPr marL="0" indent="0" eaLnBrk="1" hangingPunct="1">
+              <a:spcBef>
+                <a:spcPts val="0"/>
+              </a:spcBef>
+              <a:buClrTx/>
+              <a:buFontTx/>
+              <a:buNone/>
+            </a:pPr>
+            <a:endParaRPr lang="en-US" kern="0" dirty="0">
+              <a:solidFill>
+                <a:srgbClr val="CC0000"/>
+              </a:solidFill>
+            </a:endParaRPr>
+          </a:p>
+        </p:txBody>
+      </p:sp>
       <p:pic>
         <p:nvPicPr>
-          <p:cNvPr id="8" name="Content Placeholder 7"/>
+          <p:cNvPr id="9" name="Picture 8" descr="Db-diagram.png"/>
           <p:cNvPicPr>
-            <a:picLocks noGrp="1" noChangeAspect="1"/>
+            <a:picLocks noChangeAspect="1"/>
           </p:cNvPicPr>
-          <p:nvPr>
-            <p:ph idx="1"/>
-          </p:nvPr>
+          <p:nvPr/>
         </p:nvPicPr>
-        <p:blipFill>
-          <a:blip r:embed="rId2"/>
-          <a:stretch>
-            <a:fillRect/>
-          </a:stretch>
+        <p:blipFill rotWithShape="1">
+          <a:blip r:embed="rId2">
+            <a:extLst>
+              <a:ext uri="{28A0092B-C50C-407E-A947-70E740481C1C}">
+                <a14:useLocalDpi xmlns:a14="http://schemas.microsoft.com/office/drawing/2010/main" val="0"/>
+              </a:ext>
+            </a:extLst>
+          </a:blip>
+          <a:srcRect l="17916" t="6000" r="8751"/>
+          <a:stretch/>
         </p:blipFill>
         <p:spPr>
           <a:xfrm>
-            <a:off x="1762021" y="1600200"/>
-            <a:ext cx="5619957" cy="4525963"/>
+            <a:off x="1587500" y="2279288"/>
+            <a:ext cx="5905500" cy="4731111"/>
           </a:xfrm>
           <a:prstGeom prst="rect">
             <a:avLst/>
@@ -9575,6 +9792,97 @@
   <p:clrMapOvr>
     <a:masterClrMapping/>
   </p:clrMapOvr>
+  <p:timing>
+    <p:tnLst>
+      <p:par>
+        <p:cTn id="1" dur="indefinite" restart="never" nodeType="tmRoot">
+          <p:childTnLst>
+            <p:seq concurrent="1" nextAc="seek">
+              <p:cTn id="2" dur="indefinite" nodeType="mainSeq">
+                <p:childTnLst>
+                  <p:par>
+                    <p:cTn id="3" fill="hold">
+                      <p:stCondLst>
+                        <p:cond delay="indefinite"/>
+                      </p:stCondLst>
+                      <p:childTnLst>
+                        <p:par>
+                          <p:cTn id="4" fill="hold">
+                            <p:stCondLst>
+                              <p:cond delay="0"/>
+                            </p:stCondLst>
+                            <p:childTnLst>
+                              <p:par>
+                                <p:cTn id="5" presetID="10" presetClass="entr" presetSubtype="0" fill="hold" nodeType="clickEffect">
+                                  <p:stCondLst>
+                                    <p:cond delay="0"/>
+                                  </p:stCondLst>
+                                  <p:childTnLst>
+                                    <p:set>
+                                      <p:cBhvr>
+                                        <p:cTn id="6" dur="1" fill="hold">
+                                          <p:stCondLst>
+                                            <p:cond delay="0"/>
+                                          </p:stCondLst>
+                                        </p:cTn>
+                                        <p:tgtEl>
+                                          <p:spTgt spid="7">
+                                            <p:txEl>
+                                              <p:pRg st="0" end="0"/>
+                                            </p:txEl>
+                                          </p:spTgt>
+                                        </p:tgtEl>
+                                        <p:attrNameLst>
+                                          <p:attrName>style.visibility</p:attrName>
+                                        </p:attrNameLst>
+                                      </p:cBhvr>
+                                      <p:to>
+                                        <p:strVal val="visible"/>
+                                      </p:to>
+                                    </p:set>
+                                    <p:animEffect transition="in" filter="fade">
+                                      <p:cBhvr>
+                                        <p:cTn id="7" dur="500"/>
+                                        <p:tgtEl>
+                                          <p:spTgt spid="7">
+                                            <p:txEl>
+                                              <p:pRg st="0" end="0"/>
+                                            </p:txEl>
+                                          </p:spTgt>
+                                        </p:tgtEl>
+                                      </p:cBhvr>
+                                    </p:animEffect>
+                                  </p:childTnLst>
+                                </p:cTn>
+                              </p:par>
+                            </p:childTnLst>
+                          </p:cTn>
+                        </p:par>
+                      </p:childTnLst>
+                    </p:cTn>
+                  </p:par>
+                </p:childTnLst>
+              </p:cTn>
+              <p:prevCondLst>
+                <p:cond evt="onPrev" delay="0">
+                  <p:tgtEl>
+                    <p:sldTgt/>
+                  </p:tgtEl>
+                </p:cond>
+              </p:prevCondLst>
+              <p:nextCondLst>
+                <p:cond evt="onNext" delay="0">
+                  <p:tgtEl>
+                    <p:sldTgt/>
+                  </p:tgtEl>
+                </p:cond>
+              </p:nextCondLst>
+            </p:seq>
+          </p:childTnLst>
+        </p:cTn>
+      </p:par>
+    </p:tnLst>
+  </p:timing>
 </p:sld>
 </file>
 
@@ -9650,11 +9958,13 @@
       </p:sp>
       <p:pic>
         <p:nvPicPr>
-          <p:cNvPr id="2" name="Picture 1"/>
+          <p:cNvPr id="7" name="Content Placeholder 7"/>
           <p:cNvPicPr>
-            <a:picLocks noChangeAspect="1"/>
+            <a:picLocks noGrp="1" noChangeAspect="1"/>
           </p:cNvPicPr>
-          <p:nvPr/>
+          <p:nvPr>
+            <p:ph idx="1"/>
+          </p:nvPr>
         </p:nvPicPr>
         <p:blipFill>
           <a:blip r:embed="rId2"/>
@@ -9664,8 +9974,8 @@
         </p:blipFill>
         <p:spPr>
           <a:xfrm>
-            <a:off x="1538861" y="2114549"/>
-            <a:ext cx="5833489" cy="3576183"/>
+            <a:off x="1762021" y="1600200"/>
+            <a:ext cx="5619957" cy="4525963"/>
           </a:xfrm>
           <a:prstGeom prst="rect">
             <a:avLst/>
@@ -10888,6 +11198,30 @@
           </a:p>
         </p:txBody>
       </p:sp>
+      <p:pic>
+        <p:nvPicPr>
+          <p:cNvPr id="9" name="Picture 8"/>
+          <p:cNvPicPr>
+            <a:picLocks noChangeAspect="1"/>
+          </p:cNvPicPr>
+          <p:nvPr/>
+        </p:nvPicPr>
+        <p:blipFill>
+          <a:blip r:embed="rId2"/>
+          <a:stretch>
+            <a:fillRect/>
+          </a:stretch>
+        </p:blipFill>
+        <p:spPr>
+          <a:xfrm>
+            <a:off x="0" y="2935755"/>
+            <a:ext cx="9144000" cy="986490"/>
+          </a:xfrm>
+          <a:prstGeom prst="rect">
+            <a:avLst/>
+          </a:prstGeom>
+        </p:spPr>
+      </p:pic>
     </p:spTree>
     <p:extLst>
       <p:ext uri="{BB962C8B-B14F-4D97-AF65-F5344CB8AC3E}">
@@ -12111,7 +12445,6 @@
               <a:rPr lang="en-US" sz="3600" dirty="0"/>
               <a:t>Project Overall Idea</a:t>
             </a:r>
-            <a:endParaRPr lang="en-US" sz="3600" dirty="0"/>
           </a:p>
         </p:txBody>
       </p:sp>
@@ -13064,7 +13397,6 @@
               <a:rPr lang="en-US" sz="3600" dirty="0"/>
               <a:t>Project Overall Idea</a:t>
             </a:r>
-            <a:endParaRPr lang="en-US" sz="3600" dirty="0"/>
           </a:p>
         </p:txBody>
       </p:sp>
@@ -14341,19 +14673,17 @@
           <a:bodyPr/>
           <a:lstStyle/>
           <a:p>
-            <a:pPr eaLnBrk="1" hangingPunct="1">
+            <a:pPr marL="0" indent="0" eaLnBrk="1" hangingPunct="1">
               <a:spcBef>
                 <a:spcPts val="0"/>
               </a:spcBef>
+              <a:buNone/>
             </a:pPr>
-            <a:r>
-              <a:rPr lang="en-US" dirty="0">
-                <a:solidFill>
-                  <a:srgbClr val="CC0000"/>
-                </a:solidFill>
-              </a:rPr>
-              <a:t>UML Diagram</a:t>
-            </a:r>
+            <a:endParaRPr lang="en-US" dirty="0">
+              <a:solidFill>
+                <a:srgbClr val="CC0000"/>
+              </a:solidFill>
+            </a:endParaRPr>
           </a:p>
           <a:p>
             <a:pPr eaLnBrk="1" hangingPunct="1">
@@ -14367,23 +14697,11 @@
               </a:solidFill>
             </a:endParaRPr>
           </a:p>
-          <a:p>
-            <a:pPr eaLnBrk="1" hangingPunct="1">
-              <a:spcBef>
-                <a:spcPts val="0"/>
-              </a:spcBef>
-            </a:pPr>
-            <a:endParaRPr lang="en-US" dirty="0">
-              <a:solidFill>
-                <a:srgbClr val="CC0000"/>
-              </a:solidFill>
-            </a:endParaRPr>
-          </a:p>
         </p:txBody>
       </p:sp>
       <p:pic>
         <p:nvPicPr>
-          <p:cNvPr id="3" name="Picture 2"/>
+          <p:cNvPr id="6" name="Picture 5"/>
           <p:cNvPicPr>
             <a:picLocks noChangeAspect="1"/>
           </p:cNvPicPr>
@@ -14397,8 +14715,8 @@
         </p:blipFill>
         <p:spPr>
           <a:xfrm>
-            <a:off x="1661747" y="2261492"/>
-            <a:ext cx="4984633" cy="4596508"/>
+            <a:off x="1538861" y="2114549"/>
+            <a:ext cx="5833489" cy="3576183"/>
           </a:xfrm>
           <a:prstGeom prst="rect">
             <a:avLst/>
@@ -14488,13 +14806,11 @@
       </p:sp>
       <p:pic>
         <p:nvPicPr>
-          <p:cNvPr id="6" name="Content Placeholder 5"/>
+          <p:cNvPr id="5" name="Picture 4"/>
           <p:cNvPicPr>
-            <a:picLocks noGrp="1" noChangeAspect="1"/>
+            <a:picLocks noChangeAspect="1"/>
           </p:cNvPicPr>
-          <p:nvPr>
-            <p:ph idx="1"/>
-          </p:nvPr>
+          <p:nvPr/>
         </p:nvPicPr>
         <p:blipFill>
           <a:blip r:embed="rId2"/>
@@ -14504,14 +14820,51 @@
         </p:blipFill>
         <p:spPr>
           <a:xfrm>
-            <a:off x="1714895" y="1600200"/>
-            <a:ext cx="5714209" cy="4525963"/>
+            <a:off x="1878747" y="2212823"/>
+            <a:ext cx="4984633" cy="4596508"/>
           </a:xfrm>
           <a:prstGeom prst="rect">
             <a:avLst/>
           </a:prstGeom>
         </p:spPr>
       </p:pic>
+      <p:sp>
+        <p:nvSpPr>
+          <p:cNvPr id="7" name="Rectangle 6"/>
+          <p:cNvSpPr/>
+          <p:nvPr/>
+        </p:nvSpPr>
+        <p:spPr>
+          <a:xfrm>
+            <a:off x="368988" y="1874269"/>
+            <a:ext cx="1441805" cy="338554"/>
+          </a:xfrm>
+          <a:prstGeom prst="rect">
+            <a:avLst/>
+          </a:prstGeom>
+        </p:spPr>
+        <p:txBody>
+          <a:bodyPr wrap="none">
+            <a:spAutoFit/>
+          </a:bodyPr>
+          <a:lstStyle/>
+          <a:p>
+            <a:pPr eaLnBrk="1" hangingPunct="1">
+              <a:spcBef>
+                <a:spcPts val="0"/>
+              </a:spcBef>
+            </a:pPr>
+            <a:r>
+              <a:rPr lang="en-US" dirty="0">
+                <a:solidFill>
+                  <a:srgbClr val="CC0000"/>
+                </a:solidFill>
+              </a:rPr>
+              <a:t>UML Diagram</a:t>
+            </a:r>
+          </a:p>
+        </p:txBody>
+      </p:sp>
     </p:spTree>
     <p:extLst>
       <p:ext uri="{BB962C8B-B14F-4D97-AF65-F5344CB8AC3E}">
@@ -14596,93 +14949,35 @@
           </a:p>
         </p:txBody>
       </p:sp>
-      <p:sp>
-        <p:nvSpPr>
-          <p:cNvPr id="2633731" name="Rectangle 3"/>
-          <p:cNvSpPr>
-            <a:spLocks noGrp="1" noChangeArrowheads="1"/>
-          </p:cNvSpPr>
-          <p:nvPr>
-            <p:ph type="body" idx="1"/>
-          </p:nvPr>
-        </p:nvSpPr>
-        <p:spPr>
-          <a:xfrm>
-            <a:off x="457200" y="1719072"/>
-            <a:ext cx="8686800" cy="4535424"/>
-          </a:xfrm>
-        </p:spPr>
-        <p:txBody>
-          <a:bodyPr/>
-          <a:lstStyle/>
-          <a:p>
-            <a:pPr marL="0" indent="0" eaLnBrk="1" hangingPunct="1">
-              <a:spcBef>
-                <a:spcPts val="0"/>
-              </a:spcBef>
-              <a:buNone/>
-            </a:pPr>
-            <a:r>
-              <a:rPr lang="en-US" dirty="0"/>
-              <a:t>Database ER diagram</a:t>
-            </a:r>
-          </a:p>
-          <a:p>
-            <a:pPr marL="342900" lvl="1" indent="-342900" eaLnBrk="1" hangingPunct="1">
-              <a:spcBef>
-                <a:spcPts val="0"/>
-              </a:spcBef>
-              <a:buFontTx/>
-              <a:buChar char="•"/>
-            </a:pPr>
-            <a:endParaRPr lang="en-US" dirty="0">
-              <a:solidFill>
-                <a:srgbClr val="0000FF"/>
-              </a:solidFill>
-            </a:endParaRPr>
-          </a:p>
-          <a:p>
-            <a:pPr marL="0" indent="0" eaLnBrk="1" hangingPunct="1">
-              <a:spcBef>
-                <a:spcPts val="0"/>
-              </a:spcBef>
-              <a:buNone/>
-            </a:pPr>
-            <a:endParaRPr lang="en-US" dirty="0">
-              <a:solidFill>
-                <a:srgbClr val="CC0000"/>
-              </a:solidFill>
-            </a:endParaRPr>
-          </a:p>
-        </p:txBody>
-      </p:sp>
       <p:pic>
         <p:nvPicPr>
-          <p:cNvPr id="2" name="Picture 1" descr="Db-diagram.png"/>
+          <p:cNvPr id="6" name="Content Placeholder 5"/>
           <p:cNvPicPr>
             <a:picLocks noChangeAspect="1"/>
           </p:cNvPicPr>
           <p:nvPr/>
         </p:nvPicPr>
-        <p:blipFill rotWithShape="1">
-          <a:blip r:embed="rId2">
-            <a:extLst>
-              <a:ext uri="{28A0092B-C50C-407E-A947-70E740481C1C}">
-                <a14:useLocalDpi xmlns:a14="http://schemas.microsoft.com/office/drawing/2010/main" val="0"/>
-              </a:ext>
-            </a:extLst>
-          </a:blip>
-          <a:srcRect l="17916" t="6000" r="8751"/>
-          <a:stretch/>
+        <p:blipFill>
+          <a:blip r:embed="rId2"/>
+          <a:stretch>
+            <a:fillRect/>
+          </a:stretch>
         </p:blipFill>
-        <p:spPr>
+        <p:spPr bwMode="auto">
           <a:xfrm>
-            <a:off x="1587500" y="2279288"/>
-            <a:ext cx="5905500" cy="4731111"/>
+            <a:off x="1564200" y="1722437"/>
+            <a:ext cx="5714209" cy="4525963"/>
           </a:xfrm>
           <a:prstGeom prst="rect">
             <a:avLst/>
           </a:prstGeom>
+          <a:noFill/>
+          <a:ln w="9525">
+            <a:noFill/>
+            <a:miter lim="800000"/>
+            <a:headEnd/>
+            <a:tailEnd/>
+          </a:ln>
         </p:spPr>
       </p:pic>
     </p:spTree>
@@ -14695,97 +14990,6 @@
   <p:clrMapOvr>
     <a:masterClrMapping/>
   </p:clrMapOvr>
-  <p:timing>
-    <p:tnLst>
-      <p:par>
-        <p:cTn id="1" dur="indefinite" restart="never" nodeType="tmRoot">
-          <p:childTnLst>
-            <p:seq concurrent="1" nextAc="seek">
-              <p:cTn id="2" dur="indefinite" nodeType="mainSeq">
-                <p:childTnLst>
-                  <p:par>
-                    <p:cTn id="3" fill="hold">
-                      <p:stCondLst>
-                        <p:cond delay="indefinite"/>
-                      </p:stCondLst>
-                      <p:childTnLst>
-                        <p:par>
-                          <p:cTn id="4" fill="hold">
-                            <p:stCondLst>
-                              <p:cond delay="0"/>
-                            </p:stCondLst>
-                            <p:childTnLst>
-                              <p:par>
-                                <p:cTn id="5" presetID="10" presetClass="entr" presetSubtype="0" fill="hold" nodeType="clickEffect">
-                                  <p:stCondLst>
-                                    <p:cond delay="0"/>
-                                  </p:stCondLst>
-                                  <p:childTnLst>
-                                    <p:set>
-                                      <p:cBhvr>
-                                        <p:cTn id="6" dur="1" fill="hold">
-                                          <p:stCondLst>
-                                            <p:cond delay="0"/>
-                                          </p:stCondLst>
-                                        </p:cTn>
-                                        <p:tgtEl>
-                                          <p:spTgt spid="2633731">
-                                            <p:txEl>
-                                              <p:pRg st="0" end="0"/>
-                                            </p:txEl>
-                                          </p:spTgt>
-                                        </p:tgtEl>
-                                        <p:attrNameLst>
-                                          <p:attrName>style.visibility</p:attrName>
-                                        </p:attrNameLst>
-                                      </p:cBhvr>
-                                      <p:to>
-                                        <p:strVal val="visible"/>
-                                      </p:to>
-                                    </p:set>
-                                    <p:animEffect transition="in" filter="fade">
-                                      <p:cBhvr>
-                                        <p:cTn id="7" dur="500"/>
-                                        <p:tgtEl>
-                                          <p:spTgt spid="2633731">
-                                            <p:txEl>
-                                              <p:pRg st="0" end="0"/>
-                                            </p:txEl>
-                                          </p:spTgt>
-                                        </p:tgtEl>
-                                      </p:cBhvr>
-                                    </p:animEffect>
-                                  </p:childTnLst>
-                                </p:cTn>
-                              </p:par>
-                            </p:childTnLst>
-                          </p:cTn>
-                        </p:par>
-                      </p:childTnLst>
-                    </p:cTn>
-                  </p:par>
-                </p:childTnLst>
-              </p:cTn>
-              <p:prevCondLst>
-                <p:cond evt="onPrev" delay="0">
-                  <p:tgtEl>
-                    <p:sldTgt/>
-                  </p:tgtEl>
-                </p:cond>
-              </p:prevCondLst>
-              <p:nextCondLst>
-                <p:cond evt="onNext" delay="0">
-                  <p:tgtEl>
-                    <p:sldTgt/>
-                  </p:tgtEl>
-                </p:cond>
-              </p:nextCondLst>
-            </p:seq>
-          </p:childTnLst>
-        </p:cTn>
-      </p:par>
-    </p:tnLst>
-  </p:timing>
 </p:sld>
 </file>
 

--- a/comp433p2p3/COMP433FinalPPT.pptx
+++ b/comp433p2p3/COMP433FinalPPT.pptx
@@ -7,10 +7,10 @@
     <p:sldMasterId id="2147483669" r:id="rId3"/>
   </p:sldMasterIdLst>
   <p:notesMasterIdLst>
-    <p:notesMasterId r:id="rId23"/>
+    <p:notesMasterId r:id="rId25"/>
   </p:notesMasterIdLst>
   <p:handoutMasterIdLst>
-    <p:handoutMasterId r:id="rId24"/>
+    <p:handoutMasterId r:id="rId26"/>
   </p:handoutMasterIdLst>
   <p:sldIdLst>
     <p:sldId id="466" r:id="rId4"/>
@@ -19,19 +19,21 @@
     <p:sldId id="534" r:id="rId7"/>
     <p:sldId id="545" r:id="rId8"/>
     <p:sldId id="530" r:id="rId9"/>
-    <p:sldId id="526" r:id="rId10"/>
-    <p:sldId id="544" r:id="rId11"/>
-    <p:sldId id="529" r:id="rId12"/>
-    <p:sldId id="546" r:id="rId13"/>
-    <p:sldId id="528" r:id="rId14"/>
-    <p:sldId id="531" r:id="rId15"/>
-    <p:sldId id="535" r:id="rId16"/>
-    <p:sldId id="536" r:id="rId17"/>
-    <p:sldId id="537" r:id="rId18"/>
-    <p:sldId id="538" r:id="rId19"/>
-    <p:sldId id="539" r:id="rId20"/>
-    <p:sldId id="541" r:id="rId21"/>
-    <p:sldId id="543" r:id="rId22"/>
+    <p:sldId id="547" r:id="rId10"/>
+    <p:sldId id="548" r:id="rId11"/>
+    <p:sldId id="526" r:id="rId12"/>
+    <p:sldId id="544" r:id="rId13"/>
+    <p:sldId id="529" r:id="rId14"/>
+    <p:sldId id="546" r:id="rId15"/>
+    <p:sldId id="528" r:id="rId16"/>
+    <p:sldId id="531" r:id="rId17"/>
+    <p:sldId id="535" r:id="rId18"/>
+    <p:sldId id="536" r:id="rId19"/>
+    <p:sldId id="537" r:id="rId20"/>
+    <p:sldId id="538" r:id="rId21"/>
+    <p:sldId id="539" r:id="rId22"/>
+    <p:sldId id="541" r:id="rId23"/>
+    <p:sldId id="543" r:id="rId24"/>
   </p:sldIdLst>
   <p:sldSz cx="9144000" cy="6858000" type="screen4x3"/>
   <p:notesSz cx="7010400" cy="9236075"/>
@@ -177,7 +179,7 @@
   </p:defaultTextStyle>
   <p:extLst>
     <p:ext uri="{EFAFB233-063F-42B5-8137-9DF3F51BA10A}">
-      <p15:sldGuideLst xmlns:p15="http://schemas.microsoft.com/office/powerpoint/2012/main">
+      <p15:sldGuideLst xmlns:p15="http://schemas.microsoft.com/office/powerpoint/2012/main" xmlns="">
         <p15:guide id="1" orient="horz" pos="2160">
           <p15:clr>
             <a:srgbClr val="A4A3A4"/>
@@ -191,7 +193,7 @@
       </p15:sldGuideLst>
     </p:ext>
     <p:ext uri="{2D200454-40CA-4A62-9FC3-DE9A4176ACB9}">
-      <p15:notesGuideLst xmlns:p15="http://schemas.microsoft.com/office/powerpoint/2012/main">
+      <p15:notesGuideLst xmlns:p15="http://schemas.microsoft.com/office/powerpoint/2012/main" xmlns="">
         <p15:guide id="1" orient="horz" pos="2910">
           <p15:clr>
             <a:srgbClr val="A4A3A4"/>
@@ -9293,6 +9295,10 @@
               <a:rPr lang="en-US" altLang="zh-CN" sz="4000" dirty="0"/>
               <a:t>Web services programming</a:t>
             </a:r>
+            <a:r>
+              <a:rPr lang="en-US" sz="4000" dirty="0"/>
+              <a:t/>
+            </a:r>
             <a:br>
               <a:rPr lang="en-US" sz="4000" dirty="0"/>
             </a:br>
@@ -9487,6 +9493,263 @@
                 <a:defRPr/>
               </a:pPr>
               <a:t>10</a:t>
+            </a:fld>
+            <a:endParaRPr lang="en-US"/>
+          </a:p>
+        </p:txBody>
+      </p:sp>
+      <p:pic>
+        <p:nvPicPr>
+          <p:cNvPr id="5" name="Picture 4"/>
+          <p:cNvPicPr>
+            <a:picLocks noChangeAspect="1"/>
+          </p:cNvPicPr>
+          <p:nvPr/>
+        </p:nvPicPr>
+        <p:blipFill>
+          <a:blip r:embed="rId2"/>
+          <a:stretch>
+            <a:fillRect/>
+          </a:stretch>
+        </p:blipFill>
+        <p:spPr>
+          <a:xfrm>
+            <a:off x="1878747" y="2212823"/>
+            <a:ext cx="4984633" cy="4596508"/>
+          </a:xfrm>
+          <a:prstGeom prst="rect">
+            <a:avLst/>
+          </a:prstGeom>
+        </p:spPr>
+      </p:pic>
+      <p:sp>
+        <p:nvSpPr>
+          <p:cNvPr id="7" name="Rectangle 6"/>
+          <p:cNvSpPr/>
+          <p:nvPr/>
+        </p:nvSpPr>
+        <p:spPr>
+          <a:xfrm>
+            <a:off x="368988" y="1874269"/>
+            <a:ext cx="1441805" cy="338554"/>
+          </a:xfrm>
+          <a:prstGeom prst="rect">
+            <a:avLst/>
+          </a:prstGeom>
+        </p:spPr>
+        <p:txBody>
+          <a:bodyPr wrap="none">
+            <a:spAutoFit/>
+          </a:bodyPr>
+          <a:lstStyle/>
+          <a:p>
+            <a:pPr eaLnBrk="1" hangingPunct="1">
+              <a:spcBef>
+                <a:spcPts val="0"/>
+              </a:spcBef>
+            </a:pPr>
+            <a:r>
+              <a:rPr lang="en-US" dirty="0">
+                <a:solidFill>
+                  <a:srgbClr val="CC0000"/>
+                </a:solidFill>
+              </a:rPr>
+              <a:t>UML Diagram</a:t>
+            </a:r>
+          </a:p>
+        </p:txBody>
+      </p:sp>
+    </p:spTree>
+    <p:extLst>
+      <p:ext uri="{BB962C8B-B14F-4D97-AF65-F5344CB8AC3E}">
+        <p14:creationId xmlns:p14="http://schemas.microsoft.com/office/powerpoint/2010/main" val="1715078475"/>
+      </p:ext>
+    </p:extLst>
+  </p:cSld>
+  <p:clrMapOvr>
+    <a:masterClrMapping/>
+  </p:clrMapOvr>
+</p:sld>
+</file>
+
+<file path=ppt/slides/slide11.xml><?xml version="1.0" encoding="utf-8"?>
+<p:sld xmlns:a="http://schemas.openxmlformats.org/drawingml/2006/main" xmlns:r="http://schemas.openxmlformats.org/officeDocument/2006/relationships" xmlns:p="http://schemas.openxmlformats.org/presentationml/2006/main" showMasterPhAnim="0">
+  <p:cSld>
+    <p:spTree>
+      <p:nvGrpSpPr>
+        <p:cNvPr id="1" name=""/>
+        <p:cNvGrpSpPr/>
+        <p:nvPr/>
+      </p:nvGrpSpPr>
+      <p:grpSpPr>
+        <a:xfrm>
+          <a:off x="0" y="0"/>
+          <a:ext cx="0" cy="0"/>
+          <a:chOff x="0" y="0"/>
+          <a:chExt cx="0" cy="0"/>
+        </a:xfrm>
+      </p:grpSpPr>
+      <p:sp>
+        <p:nvSpPr>
+          <p:cNvPr id="5122" name="Slide Number Placeholder 3"/>
+          <p:cNvSpPr>
+            <a:spLocks noGrp="1"/>
+          </p:cNvSpPr>
+          <p:nvPr>
+            <p:ph type="sldNum" sz="quarter" idx="10"/>
+          </p:nvPr>
+        </p:nvSpPr>
+        <p:spPr>
+          <a:noFill/>
+        </p:spPr>
+        <p:txBody>
+          <a:bodyPr/>
+          <a:lstStyle/>
+          <a:p>
+            <a:fld id="{338DB9B1-C646-48CE-AFA6-93572B519D26}" type="slidenum">
+              <a:rPr lang="en-US" smtClean="0"/>
+              <a:pPr/>
+              <a:t>11</a:t>
+            </a:fld>
+            <a:endParaRPr lang="en-US" dirty="0"/>
+          </a:p>
+        </p:txBody>
+      </p:sp>
+      <p:sp>
+        <p:nvSpPr>
+          <p:cNvPr id="2633730" name="Rectangle 2"/>
+          <p:cNvSpPr>
+            <a:spLocks noGrp="1" noChangeArrowheads="1"/>
+          </p:cNvSpPr>
+          <p:nvPr>
+            <p:ph type="title"/>
+          </p:nvPr>
+        </p:nvSpPr>
+        <p:spPr>
+          <a:xfrm>
+            <a:off x="140208" y="250254"/>
+            <a:ext cx="6577584" cy="1173162"/>
+          </a:xfrm>
+        </p:spPr>
+        <p:txBody>
+          <a:bodyPr/>
+          <a:lstStyle/>
+          <a:p>
+            <a:pPr eaLnBrk="1" hangingPunct="1"/>
+            <a:r>
+              <a:rPr lang="en-US" sz="3600" dirty="0"/>
+              <a:t>Project Architecture</a:t>
+            </a:r>
+          </a:p>
+        </p:txBody>
+      </p:sp>
+      <p:pic>
+        <p:nvPicPr>
+          <p:cNvPr id="6" name="Content Placeholder 5"/>
+          <p:cNvPicPr>
+            <a:picLocks noChangeAspect="1"/>
+          </p:cNvPicPr>
+          <p:nvPr/>
+        </p:nvPicPr>
+        <p:blipFill>
+          <a:blip r:embed="rId2"/>
+          <a:stretch>
+            <a:fillRect/>
+          </a:stretch>
+        </p:blipFill>
+        <p:spPr bwMode="auto">
+          <a:xfrm>
+            <a:off x="1564200" y="1722437"/>
+            <a:ext cx="5714209" cy="4525963"/>
+          </a:xfrm>
+          <a:prstGeom prst="rect">
+            <a:avLst/>
+          </a:prstGeom>
+          <a:noFill/>
+          <a:ln w="9525">
+            <a:noFill/>
+            <a:miter lim="800000"/>
+            <a:headEnd/>
+            <a:tailEnd/>
+          </a:ln>
+        </p:spPr>
+      </p:pic>
+    </p:spTree>
+    <p:extLst>
+      <p:ext uri="{BB962C8B-B14F-4D97-AF65-F5344CB8AC3E}">
+        <p14:creationId xmlns:p14="http://schemas.microsoft.com/office/powerpoint/2010/main" val="4243363220"/>
+      </p:ext>
+    </p:extLst>
+  </p:cSld>
+  <p:clrMapOvr>
+    <a:masterClrMapping/>
+  </p:clrMapOvr>
+</p:sld>
+</file>
+
+<file path=ppt/slides/slide12.xml><?xml version="1.0" encoding="utf-8"?>
+<p:sld xmlns:a="http://schemas.openxmlformats.org/drawingml/2006/main" xmlns:r="http://schemas.openxmlformats.org/officeDocument/2006/relationships" xmlns:p="http://schemas.openxmlformats.org/presentationml/2006/main">
+  <p:cSld>
+    <p:spTree>
+      <p:nvGrpSpPr>
+        <p:cNvPr id="1" name=""/>
+        <p:cNvGrpSpPr/>
+        <p:nvPr/>
+      </p:nvGrpSpPr>
+      <p:grpSpPr>
+        <a:xfrm>
+          <a:off x="0" y="0"/>
+          <a:ext cx="0" cy="0"/>
+          <a:chOff x="0" y="0"/>
+          <a:chExt cx="0" cy="0"/>
+        </a:xfrm>
+      </p:grpSpPr>
+      <p:sp>
+        <p:nvSpPr>
+          <p:cNvPr id="2" name="Title 1"/>
+          <p:cNvSpPr>
+            <a:spLocks noGrp="1"/>
+          </p:cNvSpPr>
+          <p:nvPr>
+            <p:ph type="title"/>
+          </p:nvPr>
+        </p:nvSpPr>
+        <p:spPr/>
+        <p:txBody>
+          <a:bodyPr/>
+          <a:lstStyle/>
+          <a:p>
+            <a:r>
+              <a:rPr lang="en-US" sz="3600" dirty="0"/>
+              <a:t>Project Architecture</a:t>
+            </a:r>
+          </a:p>
+        </p:txBody>
+      </p:sp>
+      <p:sp>
+        <p:nvSpPr>
+          <p:cNvPr id="4" name="Slide Number Placeholder 3"/>
+          <p:cNvSpPr>
+            <a:spLocks noGrp="1"/>
+          </p:cNvSpPr>
+          <p:nvPr>
+            <p:ph type="sldNum" sz="quarter" idx="10"/>
+          </p:nvPr>
+        </p:nvSpPr>
+        <p:spPr/>
+        <p:txBody>
+          <a:bodyPr/>
+          <a:lstStyle/>
+          <a:p>
+            <a:pPr>
+              <a:defRPr/>
+            </a:pPr>
+            <a:fld id="{C09B9D2E-8DA2-4A45-82A9-24FA37AAA5DD}" type="slidenum">
+              <a:rPr lang="en-US" smtClean="0"/>
+              <a:pPr>
+                <a:defRPr/>
+              </a:pPr>
+              <a:t>12</a:t>
             </a:fld>
             <a:endParaRPr lang="en-US" dirty="0"/>
           </a:p>
@@ -9795,7 +10058,7 @@
   <p:timing>
     <p:tnLst>
       <p:par>
-        <p:cTn id="1" dur="indefinite" restart="never" nodeType="tmRoot">
+        <p:cTn xmlns:p14="http://schemas.microsoft.com/office/powerpoint/2010/main" id="1" dur="indefinite" restart="never" nodeType="tmRoot">
           <p:childTnLst>
             <p:seq concurrent="1" nextAc="seek">
               <p:cTn id="2" dur="indefinite" nodeType="mainSeq">
@@ -9886,7 +10149,7 @@
 </p:sld>
 </file>
 
-<file path=ppt/slides/slide11.xml><?xml version="1.0" encoding="utf-8"?>
+<file path=ppt/slides/slide13.xml><?xml version="1.0" encoding="utf-8"?>
 <p:sld xmlns:a="http://schemas.openxmlformats.org/drawingml/2006/main" xmlns:r="http://schemas.openxmlformats.org/officeDocument/2006/relationships" xmlns:p="http://schemas.openxmlformats.org/presentationml/2006/main" showMasterPhAnim="0">
   <p:cSld>
     <p:spTree>
@@ -9923,7 +10186,7 @@
             <a:fld id="{338DB9B1-C646-48CE-AFA6-93572B519D26}" type="slidenum">
               <a:rPr lang="en-US" smtClean="0"/>
               <a:pPr/>
-              <a:t>11</a:t>
+              <a:t>13</a:t>
             </a:fld>
             <a:endParaRPr lang="en-US" dirty="0"/>
           </a:p>
@@ -9995,7 +10258,7 @@
 </p:sld>
 </file>
 
-<file path=ppt/slides/slide12.xml><?xml version="1.0" encoding="utf-8"?>
+<file path=ppt/slides/slide14.xml><?xml version="1.0" encoding="utf-8"?>
 <p:sld xmlns:a="http://schemas.openxmlformats.org/drawingml/2006/main" xmlns:r="http://schemas.openxmlformats.org/officeDocument/2006/relationships" xmlns:p="http://schemas.openxmlformats.org/presentationml/2006/main" showMasterPhAnim="0">
   <p:cSld>
     <p:spTree>
@@ -10032,7 +10295,7 @@
             <a:fld id="{338DB9B1-C646-48CE-AFA6-93572B519D26}" type="slidenum">
               <a:rPr lang="en-US" smtClean="0"/>
               <a:pPr/>
-              <a:t>12</a:t>
+              <a:t>14</a:t>
             </a:fld>
             <a:endParaRPr lang="en-US" dirty="0"/>
           </a:p>
@@ -10150,7 +10413,7 @@
   <p:timing>
     <p:tnLst>
       <p:par>
-        <p:cTn id="1" dur="indefinite" restart="never" nodeType="tmRoot">
+        <p:cTn xmlns:p14="http://schemas.microsoft.com/office/powerpoint/2010/main" id="1" dur="indefinite" restart="never" nodeType="tmRoot">
           <p:childTnLst>
             <p:seq concurrent="1" nextAc="seek">
               <p:cTn id="2" dur="indefinite" nodeType="mainSeq">
@@ -10302,7 +10565,7 @@
 </p:sld>
 </file>
 
-<file path=ppt/slides/slide13.xml><?xml version="1.0" encoding="utf-8"?>
+<file path=ppt/slides/slide15.xml><?xml version="1.0" encoding="utf-8"?>
 <p:sld xmlns:a="http://schemas.openxmlformats.org/drawingml/2006/main" xmlns:r="http://schemas.openxmlformats.org/officeDocument/2006/relationships" xmlns:p="http://schemas.openxmlformats.org/presentationml/2006/main">
   <p:cSld>
     <p:spTree>
@@ -10394,7 +10657,7 @@
               <a:pPr>
                 <a:defRPr/>
               </a:pPr>
-              <a:t>13</a:t>
+              <a:t>15</a:t>
             </a:fld>
             <a:endParaRPr lang="en-US"/>
           </a:p>
@@ -10428,334 +10691,6 @@
     <p:extLst>
       <p:ext uri="{BB962C8B-B14F-4D97-AF65-F5344CB8AC3E}">
         <p14:creationId xmlns:p14="http://schemas.microsoft.com/office/powerpoint/2010/main" val="3606323745"/>
-      </p:ext>
-    </p:extLst>
-  </p:cSld>
-  <p:clrMapOvr>
-    <a:masterClrMapping/>
-  </p:clrMapOvr>
-</p:sld>
-</file>
-
-<file path=ppt/slides/slide14.xml><?xml version="1.0" encoding="utf-8"?>
-<p:sld xmlns:a="http://schemas.openxmlformats.org/drawingml/2006/main" xmlns:r="http://schemas.openxmlformats.org/officeDocument/2006/relationships" xmlns:p="http://schemas.openxmlformats.org/presentationml/2006/main">
-  <p:cSld>
-    <p:spTree>
-      <p:nvGrpSpPr>
-        <p:cNvPr id="1" name=""/>
-        <p:cNvGrpSpPr/>
-        <p:nvPr/>
-      </p:nvGrpSpPr>
-      <p:grpSpPr>
-        <a:xfrm>
-          <a:off x="0" y="0"/>
-          <a:ext cx="0" cy="0"/>
-          <a:chOff x="0" y="0"/>
-          <a:chExt cx="0" cy="0"/>
-        </a:xfrm>
-      </p:grpSpPr>
-      <p:sp>
-        <p:nvSpPr>
-          <p:cNvPr id="2" name="Title 1"/>
-          <p:cNvSpPr>
-            <a:spLocks noGrp="1"/>
-          </p:cNvSpPr>
-          <p:nvPr>
-            <p:ph type="title"/>
-          </p:nvPr>
-        </p:nvSpPr>
-        <p:spPr/>
-        <p:txBody>
-          <a:bodyPr/>
-          <a:lstStyle/>
-          <a:p>
-            <a:r>
-              <a:rPr lang="en-US" sz="3600" dirty="0"/>
-              <a:t>Implementation</a:t>
-            </a:r>
-          </a:p>
-        </p:txBody>
-      </p:sp>
-      <p:sp>
-        <p:nvSpPr>
-          <p:cNvPr id="3" name="Content Placeholder 2"/>
-          <p:cNvSpPr>
-            <a:spLocks noGrp="1"/>
-          </p:cNvSpPr>
-          <p:nvPr>
-            <p:ph idx="1"/>
-          </p:nvPr>
-        </p:nvSpPr>
-        <p:spPr>
-          <a:xfrm>
-            <a:off x="457200" y="1600200"/>
-            <a:ext cx="8229600" cy="657225"/>
-          </a:xfrm>
-        </p:spPr>
-        <p:txBody>
-          <a:bodyPr/>
-          <a:lstStyle/>
-          <a:p>
-            <a:r>
-              <a:rPr lang="en-US" dirty="0"/>
-              <a:t>Follow </a:t>
-            </a:r>
-            <a:r>
-              <a:rPr lang="en-US" dirty="0" err="1"/>
-              <a:t>ReST</a:t>
-            </a:r>
-            <a:r>
-              <a:rPr lang="en-US" dirty="0"/>
-              <a:t> design principles to CRUD</a:t>
-            </a:r>
-          </a:p>
-        </p:txBody>
-      </p:sp>
-      <p:sp>
-        <p:nvSpPr>
-          <p:cNvPr id="4" name="Slide Number Placeholder 3"/>
-          <p:cNvSpPr>
-            <a:spLocks noGrp="1"/>
-          </p:cNvSpPr>
-          <p:nvPr>
-            <p:ph type="sldNum" sz="quarter" idx="10"/>
-          </p:nvPr>
-        </p:nvSpPr>
-        <p:spPr/>
-        <p:txBody>
-          <a:bodyPr/>
-          <a:lstStyle/>
-          <a:p>
-            <a:pPr>
-              <a:defRPr/>
-            </a:pPr>
-            <a:fld id="{C09B9D2E-8DA2-4A45-82A9-24FA37AAA5DD}" type="slidenum">
-              <a:rPr lang="en-US" smtClean="0"/>
-              <a:pPr>
-                <a:defRPr/>
-              </a:pPr>
-              <a:t>14</a:t>
-            </a:fld>
-            <a:endParaRPr lang="en-US"/>
-          </a:p>
-        </p:txBody>
-      </p:sp>
-      <p:pic>
-        <p:nvPicPr>
-          <p:cNvPr id="5" name="Picture 4"/>
-          <p:cNvPicPr>
-            <a:picLocks noChangeAspect="1"/>
-          </p:cNvPicPr>
-          <p:nvPr/>
-        </p:nvPicPr>
-        <p:blipFill>
-          <a:blip r:embed="rId2"/>
-          <a:stretch>
-            <a:fillRect/>
-          </a:stretch>
-        </p:blipFill>
-        <p:spPr>
-          <a:xfrm>
-            <a:off x="1052512" y="2900779"/>
-            <a:ext cx="6082635" cy="1918871"/>
-          </a:xfrm>
-          <a:prstGeom prst="rect">
-            <a:avLst/>
-          </a:prstGeom>
-        </p:spPr>
-      </p:pic>
-      <p:sp>
-        <p:nvSpPr>
-          <p:cNvPr id="6" name="TextBox 5"/>
-          <p:cNvSpPr txBox="1"/>
-          <p:nvPr/>
-        </p:nvSpPr>
-        <p:spPr>
-          <a:xfrm>
-            <a:off x="657225" y="2409825"/>
-            <a:ext cx="2829108" cy="338554"/>
-          </a:xfrm>
-          <a:prstGeom prst="rect">
-            <a:avLst/>
-          </a:prstGeom>
-          <a:noFill/>
-        </p:spPr>
-        <p:txBody>
-          <a:bodyPr wrap="none" rtlCol="0">
-            <a:spAutoFit/>
-          </a:bodyPr>
-          <a:lstStyle/>
-          <a:p>
-            <a:r>
-              <a:rPr lang="en-US" dirty="0"/>
-              <a:t>Example of the GET method:</a:t>
-            </a:r>
-          </a:p>
-        </p:txBody>
-      </p:sp>
-      <p:pic>
-        <p:nvPicPr>
-          <p:cNvPr id="7" name="Picture 6"/>
-          <p:cNvPicPr>
-            <a:picLocks noChangeAspect="1"/>
-          </p:cNvPicPr>
-          <p:nvPr/>
-        </p:nvPicPr>
-        <p:blipFill>
-          <a:blip r:embed="rId3"/>
-          <a:stretch>
-            <a:fillRect/>
-          </a:stretch>
-        </p:blipFill>
-        <p:spPr>
-          <a:xfrm>
-            <a:off x="1052512" y="4972050"/>
-            <a:ext cx="5857875" cy="1447800"/>
-          </a:xfrm>
-          <a:prstGeom prst="rect">
-            <a:avLst/>
-          </a:prstGeom>
-        </p:spPr>
-      </p:pic>
-    </p:spTree>
-    <p:extLst>
-      <p:ext uri="{BB962C8B-B14F-4D97-AF65-F5344CB8AC3E}">
-        <p14:creationId xmlns:p14="http://schemas.microsoft.com/office/powerpoint/2010/main" val="1418166819"/>
-      </p:ext>
-    </p:extLst>
-  </p:cSld>
-  <p:clrMapOvr>
-    <a:masterClrMapping/>
-  </p:clrMapOvr>
-</p:sld>
-</file>
-
-<file path=ppt/slides/slide15.xml><?xml version="1.0" encoding="utf-8"?>
-<p:sld xmlns:a="http://schemas.openxmlformats.org/drawingml/2006/main" xmlns:r="http://schemas.openxmlformats.org/officeDocument/2006/relationships" xmlns:p="http://schemas.openxmlformats.org/presentationml/2006/main">
-  <p:cSld>
-    <p:spTree>
-      <p:nvGrpSpPr>
-        <p:cNvPr id="1" name=""/>
-        <p:cNvGrpSpPr/>
-        <p:nvPr/>
-      </p:nvGrpSpPr>
-      <p:grpSpPr>
-        <a:xfrm>
-          <a:off x="0" y="0"/>
-          <a:ext cx="0" cy="0"/>
-          <a:chOff x="0" y="0"/>
-          <a:chExt cx="0" cy="0"/>
-        </a:xfrm>
-      </p:grpSpPr>
-      <p:sp>
-        <p:nvSpPr>
-          <p:cNvPr id="2" name="Title 1"/>
-          <p:cNvSpPr>
-            <a:spLocks noGrp="1"/>
-          </p:cNvSpPr>
-          <p:nvPr>
-            <p:ph type="title"/>
-          </p:nvPr>
-        </p:nvSpPr>
-        <p:spPr/>
-        <p:txBody>
-          <a:bodyPr/>
-          <a:lstStyle/>
-          <a:p>
-            <a:r>
-              <a:rPr lang="en-US" sz="3600" dirty="0"/>
-              <a:t>Implementation</a:t>
-            </a:r>
-          </a:p>
-        </p:txBody>
-      </p:sp>
-      <p:sp>
-        <p:nvSpPr>
-          <p:cNvPr id="3" name="Content Placeholder 2"/>
-          <p:cNvSpPr>
-            <a:spLocks noGrp="1"/>
-          </p:cNvSpPr>
-          <p:nvPr>
-            <p:ph idx="1"/>
-          </p:nvPr>
-        </p:nvSpPr>
-        <p:spPr>
-          <a:xfrm>
-            <a:off x="2735913" y="6438900"/>
-            <a:ext cx="3476626" cy="333375"/>
-          </a:xfrm>
-        </p:spPr>
-        <p:txBody>
-          <a:bodyPr/>
-          <a:lstStyle/>
-          <a:p>
-            <a:pPr marL="0" indent="0">
-              <a:buNone/>
-            </a:pPr>
-            <a:r>
-              <a:rPr lang="en-US" sz="1400" dirty="0"/>
-              <a:t>Screenshot from postman of get method</a:t>
-            </a:r>
-          </a:p>
-        </p:txBody>
-      </p:sp>
-      <p:sp>
-        <p:nvSpPr>
-          <p:cNvPr id="4" name="Slide Number Placeholder 3"/>
-          <p:cNvSpPr>
-            <a:spLocks noGrp="1"/>
-          </p:cNvSpPr>
-          <p:nvPr>
-            <p:ph type="sldNum" sz="quarter" idx="10"/>
-          </p:nvPr>
-        </p:nvSpPr>
-        <p:spPr/>
-        <p:txBody>
-          <a:bodyPr/>
-          <a:lstStyle/>
-          <a:p>
-            <a:pPr>
-              <a:defRPr/>
-            </a:pPr>
-            <a:fld id="{C09B9D2E-8DA2-4A45-82A9-24FA37AAA5DD}" type="slidenum">
-              <a:rPr lang="en-US" smtClean="0"/>
-              <a:pPr>
-                <a:defRPr/>
-              </a:pPr>
-              <a:t>15</a:t>
-            </a:fld>
-            <a:endParaRPr lang="en-US"/>
-          </a:p>
-        </p:txBody>
-      </p:sp>
-      <p:pic>
-        <p:nvPicPr>
-          <p:cNvPr id="5" name="Picture 4"/>
-          <p:cNvPicPr>
-            <a:picLocks noChangeAspect="1"/>
-          </p:cNvPicPr>
-          <p:nvPr/>
-        </p:nvPicPr>
-        <p:blipFill>
-          <a:blip r:embed="rId2"/>
-          <a:stretch>
-            <a:fillRect/>
-          </a:stretch>
-        </p:blipFill>
-        <p:spPr>
-          <a:xfrm>
-            <a:off x="1381125" y="1876914"/>
-            <a:ext cx="6762750" cy="4242897"/>
-          </a:xfrm>
-          <a:prstGeom prst="rect">
-            <a:avLst/>
-          </a:prstGeom>
-        </p:spPr>
-      </p:pic>
-    </p:spTree>
-    <p:extLst>
-      <p:ext uri="{BB962C8B-B14F-4D97-AF65-F5344CB8AC3E}">
-        <p14:creationId xmlns:p14="http://schemas.microsoft.com/office/powerpoint/2010/main" val="1541514851"/>
       </p:ext>
     </p:extLst>
   </p:cSld>
@@ -10806,6 +10741,41 @@
       </p:sp>
       <p:sp>
         <p:nvSpPr>
+          <p:cNvPr id="3" name="Content Placeholder 2"/>
+          <p:cNvSpPr>
+            <a:spLocks noGrp="1"/>
+          </p:cNvSpPr>
+          <p:nvPr>
+            <p:ph idx="1"/>
+          </p:nvPr>
+        </p:nvSpPr>
+        <p:spPr>
+          <a:xfrm>
+            <a:off x="457200" y="1600200"/>
+            <a:ext cx="8229600" cy="657225"/>
+          </a:xfrm>
+        </p:spPr>
+        <p:txBody>
+          <a:bodyPr/>
+          <a:lstStyle/>
+          <a:p>
+            <a:r>
+              <a:rPr lang="en-US" dirty="0"/>
+              <a:t>Follow </a:t>
+            </a:r>
+            <a:r>
+              <a:rPr lang="en-US" dirty="0" err="1"/>
+              <a:t>ReST</a:t>
+            </a:r>
+            <a:r>
+              <a:rPr lang="en-US" dirty="0"/>
+              <a:t> design principles to CRUD</a:t>
+            </a:r>
+          </a:p>
+        </p:txBody>
+      </p:sp>
+      <p:sp>
+        <p:nvSpPr>
           <p:cNvPr id="4" name="Slide Number Placeholder 3"/>
           <p:cNvSpPr>
             <a:spLocks noGrp="1"/>
@@ -10849,8 +10819,8 @@
         </p:blipFill>
         <p:spPr>
           <a:xfrm>
-            <a:off x="1000125" y="2828925"/>
-            <a:ext cx="7829550" cy="2495550"/>
+            <a:off x="1052512" y="2900779"/>
+            <a:ext cx="6082635" cy="1918871"/>
           </a:xfrm>
           <a:prstGeom prst="rect">
             <a:avLst/>
@@ -10865,8 +10835,8 @@
         </p:nvSpPr>
         <p:spPr>
           <a:xfrm>
-            <a:off x="714375" y="1905000"/>
-            <a:ext cx="2965364" cy="646331"/>
+            <a:off x="657225" y="2409825"/>
+            <a:ext cx="2829108" cy="338554"/>
           </a:xfrm>
           <a:prstGeom prst="rect">
             <a:avLst/>
@@ -10881,18 +10851,39 @@
           <a:p>
             <a:r>
               <a:rPr lang="en-US" dirty="0"/>
-              <a:t>Example of the POST method:</a:t>
-            </a:r>
-          </a:p>
-          <a:p>
-            <a:endParaRPr lang="en-US" dirty="0"/>
-          </a:p>
-        </p:txBody>
-      </p:sp>
+              <a:t>Example of the GET method:</a:t>
+            </a:r>
+          </a:p>
+        </p:txBody>
+      </p:sp>
+      <p:pic>
+        <p:nvPicPr>
+          <p:cNvPr id="7" name="Picture 6"/>
+          <p:cNvPicPr>
+            <a:picLocks noChangeAspect="1"/>
+          </p:cNvPicPr>
+          <p:nvPr/>
+        </p:nvPicPr>
+        <p:blipFill>
+          <a:blip r:embed="rId3"/>
+          <a:stretch>
+            <a:fillRect/>
+          </a:stretch>
+        </p:blipFill>
+        <p:spPr>
+          <a:xfrm>
+            <a:off x="1052512" y="4972050"/>
+            <a:ext cx="5857875" cy="1447800"/>
+          </a:xfrm>
+          <a:prstGeom prst="rect">
+            <a:avLst/>
+          </a:prstGeom>
+        </p:spPr>
+      </p:pic>
     </p:spTree>
     <p:extLst>
       <p:ext uri="{BB962C8B-B14F-4D97-AF65-F5344CB8AC3E}">
-        <p14:creationId xmlns:p14="http://schemas.microsoft.com/office/powerpoint/2010/main" val="1924377719"/>
+        <p14:creationId xmlns:p14="http://schemas.microsoft.com/office/powerpoint/2010/main" val="1418166819"/>
       </p:ext>
     </p:extLst>
   </p:cSld>
@@ -10953,8 +10944,8 @@
         </p:nvSpPr>
         <p:spPr>
           <a:xfrm>
-            <a:off x="3257549" y="4591050"/>
-            <a:ext cx="2024063" cy="476250"/>
+            <a:off x="2735913" y="6438900"/>
+            <a:ext cx="3476626" cy="333375"/>
           </a:xfrm>
         </p:spPr>
         <p:txBody>
@@ -10965,8 +10956,8 @@
               <a:buNone/>
             </a:pPr>
             <a:r>
-              <a:rPr lang="en-US" sz="1600" dirty="0"/>
-              <a:t>Result in database</a:t>
+              <a:rPr lang="en-US" sz="1400" dirty="0"/>
+              <a:t>Screenshot from postman of get method</a:t>
             </a:r>
           </a:p>
         </p:txBody>
@@ -11000,207 +10991,9 @@
           </a:p>
         </p:txBody>
       </p:sp>
-      <p:sp>
-        <p:nvSpPr>
-          <p:cNvPr id="6" name="Oval 5"/>
-          <p:cNvSpPr/>
-          <p:nvPr/>
-        </p:nvSpPr>
-        <p:spPr bwMode="auto">
-          <a:xfrm>
-            <a:off x="457200" y="3829050"/>
-            <a:ext cx="800100" cy="381000"/>
-          </a:xfrm>
-          <a:prstGeom prst="ellipse">
-            <a:avLst/>
-          </a:prstGeom>
-          <a:noFill/>
-          <a:ln w="9525" cap="flat" cmpd="sng" algn="ctr">
-            <a:noFill/>
-            <a:prstDash val="solid"/>
-            <a:round/>
-            <a:headEnd type="none" w="med" len="med"/>
-            <a:tailEnd type="none" w="med" len="med"/>
-          </a:ln>
-          <a:effectLst/>
-        </p:spPr>
-        <p:txBody>
-          <a:bodyPr vert="horz" wrap="square" lIns="91440" tIns="45720" rIns="91440" bIns="45720" numCol="1" rtlCol="0" anchor="ctr" anchorCtr="0" compatLnSpc="1">
-            <a:prstTxWarp prst="textNoShape">
-              <a:avLst/>
-            </a:prstTxWarp>
-            <a:spAutoFit/>
-          </a:bodyPr>
-          <a:lstStyle/>
-          <a:p>
-            <a:pPr marL="228600" marR="0" indent="-228600" algn="l" defTabSz="914400" rtl="0" eaLnBrk="1" fontAlgn="base" latinLnBrk="0" hangingPunct="1">
-              <a:lnSpc>
-                <a:spcPct val="100000"/>
-              </a:lnSpc>
-              <a:spcBef>
-                <a:spcPct val="0"/>
-              </a:spcBef>
-              <a:spcAft>
-                <a:spcPct val="25000"/>
-              </a:spcAft>
-              <a:buClr>
-                <a:schemeClr val="tx1"/>
-              </a:buClr>
-              <a:buSzTx/>
-              <a:buFontTx/>
-              <a:buNone/>
-              <a:tabLst/>
-            </a:pPr>
-            <a:endParaRPr kumimoji="0" lang="en-US" sz="1600" b="0" i="0" u="none" strike="noStrike" cap="none" normalizeH="0" baseline="0">
-              <a:ln>
-                <a:noFill/>
-              </a:ln>
-              <a:solidFill>
-                <a:srgbClr val="275AFF"/>
-              </a:solidFill>
-              <a:effectLst/>
-              <a:latin typeface="Arial" charset="0"/>
-              <a:ea typeface="Times New Roman" pitchFamily="18" charset="0"/>
-              <a:cs typeface="AGaramond" pitchFamily="18" charset="0"/>
-            </a:endParaRPr>
-          </a:p>
-        </p:txBody>
-      </p:sp>
-      <p:sp>
-        <p:nvSpPr>
-          <p:cNvPr id="7" name="Oval 6"/>
-          <p:cNvSpPr/>
-          <p:nvPr/>
-        </p:nvSpPr>
-        <p:spPr bwMode="auto">
-          <a:xfrm>
-            <a:off x="3686175" y="5248275"/>
-            <a:ext cx="1628775" cy="714375"/>
-          </a:xfrm>
-          <a:prstGeom prst="ellipse">
-            <a:avLst/>
-          </a:prstGeom>
-          <a:noFill/>
-          <a:ln w="9525" cap="flat" cmpd="sng" algn="ctr">
-            <a:noFill/>
-            <a:prstDash val="solid"/>
-            <a:round/>
-            <a:headEnd type="none" w="med" len="med"/>
-            <a:tailEnd type="none" w="med" len="med"/>
-          </a:ln>
-          <a:effectLst/>
-        </p:spPr>
-        <p:txBody>
-          <a:bodyPr vert="horz" wrap="square" lIns="91440" tIns="45720" rIns="91440" bIns="45720" numCol="1" rtlCol="0" anchor="ctr" anchorCtr="0" compatLnSpc="1">
-            <a:prstTxWarp prst="textNoShape">
-              <a:avLst/>
-            </a:prstTxWarp>
-            <a:spAutoFit/>
-          </a:bodyPr>
-          <a:lstStyle/>
-          <a:p>
-            <a:pPr marL="228600" marR="0" indent="-228600" algn="l" defTabSz="914400" rtl="0" eaLnBrk="1" fontAlgn="base" latinLnBrk="0" hangingPunct="1">
-              <a:lnSpc>
-                <a:spcPct val="100000"/>
-              </a:lnSpc>
-              <a:spcBef>
-                <a:spcPct val="0"/>
-              </a:spcBef>
-              <a:spcAft>
-                <a:spcPct val="25000"/>
-              </a:spcAft>
-              <a:buClr>
-                <a:schemeClr val="tx1"/>
-              </a:buClr>
-              <a:buSzTx/>
-              <a:buFontTx/>
-              <a:buNone/>
-              <a:tabLst/>
-            </a:pPr>
-            <a:endParaRPr kumimoji="0" lang="en-US" sz="1600" b="0" i="0" u="none" strike="noStrike" cap="none" normalizeH="0" baseline="0">
-              <a:ln>
-                <a:noFill/>
-              </a:ln>
-              <a:solidFill>
-                <a:srgbClr val="275AFF"/>
-              </a:solidFill>
-              <a:effectLst/>
-              <a:latin typeface="Arial" charset="0"/>
-              <a:ea typeface="Times New Roman" pitchFamily="18" charset="0"/>
-              <a:cs typeface="AGaramond" pitchFamily="18" charset="0"/>
-            </a:endParaRPr>
-          </a:p>
-        </p:txBody>
-      </p:sp>
-      <p:sp>
-        <p:nvSpPr>
-          <p:cNvPr id="8" name="Oval 7"/>
-          <p:cNvSpPr/>
-          <p:nvPr/>
-        </p:nvSpPr>
-        <p:spPr bwMode="auto">
-          <a:xfrm>
-            <a:off x="3200400" y="4410075"/>
-            <a:ext cx="2047875" cy="2038350"/>
-          </a:xfrm>
-          <a:prstGeom prst="ellipse">
-            <a:avLst/>
-          </a:prstGeom>
-          <a:noFill/>
-          <a:ln w="9525" cap="flat" cmpd="sng" algn="ctr">
-            <a:noFill/>
-            <a:prstDash val="solid"/>
-            <a:round/>
-            <a:headEnd type="none" w="med" len="med"/>
-            <a:tailEnd type="none" w="med" len="med"/>
-          </a:ln>
-          <a:effectLst/>
-        </p:spPr>
-        <p:txBody>
-          <a:bodyPr vert="horz" wrap="square" lIns="91440" tIns="45720" rIns="91440" bIns="45720" numCol="1" rtlCol="0" anchor="ctr" anchorCtr="0" compatLnSpc="1">
-            <a:prstTxWarp prst="textNoShape">
-              <a:avLst/>
-            </a:prstTxWarp>
-            <a:spAutoFit/>
-          </a:bodyPr>
-          <a:lstStyle/>
-          <a:p>
-            <a:pPr marL="228600" marR="0" indent="-228600" algn="l" defTabSz="914400" rtl="0" eaLnBrk="1" fontAlgn="base" latinLnBrk="0" hangingPunct="1">
-              <a:lnSpc>
-                <a:spcPct val="100000"/>
-              </a:lnSpc>
-              <a:spcBef>
-                <a:spcPct val="0"/>
-              </a:spcBef>
-              <a:spcAft>
-                <a:spcPct val="25000"/>
-              </a:spcAft>
-              <a:buClr>
-                <a:schemeClr val="tx1"/>
-              </a:buClr>
-              <a:buSzTx/>
-              <a:buFontTx/>
-              <a:buNone/>
-              <a:tabLst/>
-            </a:pPr>
-            <a:endParaRPr kumimoji="0" lang="en-US" sz="1600" b="0" i="0" u="none" strike="noStrike" cap="none" normalizeH="0" baseline="0">
-              <a:ln>
-                <a:noFill/>
-              </a:ln>
-              <a:solidFill>
-                <a:srgbClr val="275AFF"/>
-              </a:solidFill>
-              <a:effectLst/>
-              <a:latin typeface="Arial" charset="0"/>
-              <a:ea typeface="Times New Roman" pitchFamily="18" charset="0"/>
-              <a:cs typeface="AGaramond" pitchFamily="18" charset="0"/>
-            </a:endParaRPr>
-          </a:p>
-        </p:txBody>
-      </p:sp>
       <p:pic>
         <p:nvPicPr>
-          <p:cNvPr id="9" name="Picture 8"/>
+          <p:cNvPr id="5" name="Picture 4"/>
           <p:cNvPicPr>
             <a:picLocks noChangeAspect="1"/>
           </p:cNvPicPr>
@@ -11214,8 +11007,8 @@
         </p:blipFill>
         <p:spPr>
           <a:xfrm>
-            <a:off x="0" y="2935755"/>
-            <a:ext cx="9144000" cy="986490"/>
+            <a:off x="1381125" y="1876914"/>
+            <a:ext cx="6762750" cy="4242897"/>
           </a:xfrm>
           <a:prstGeom prst="rect">
             <a:avLst/>
@@ -11225,7 +11018,7 @@
     </p:spTree>
     <p:extLst>
       <p:ext uri="{BB962C8B-B14F-4D97-AF65-F5344CB8AC3E}">
-        <p14:creationId xmlns:p14="http://schemas.microsoft.com/office/powerpoint/2010/main" val="631626606"/>
+        <p14:creationId xmlns:p14="http://schemas.microsoft.com/office/powerpoint/2010/main" val="1541514851"/>
       </p:ext>
     </p:extLst>
   </p:cSld>
@@ -11269,68 +11062,8 @@
           <a:p>
             <a:r>
               <a:rPr lang="en-US" sz="3600" dirty="0"/>
-              <a:t>Difficulties and Lessons</a:t>
-            </a:r>
-            <a:endParaRPr lang="en-US" dirty="0"/>
-          </a:p>
-        </p:txBody>
-      </p:sp>
-      <p:sp>
-        <p:nvSpPr>
-          <p:cNvPr id="3" name="Content Placeholder 2"/>
-          <p:cNvSpPr>
-            <a:spLocks noGrp="1"/>
-          </p:cNvSpPr>
-          <p:nvPr>
-            <p:ph idx="1"/>
-          </p:nvPr>
-        </p:nvSpPr>
-        <p:spPr/>
-        <p:txBody>
-          <a:bodyPr/>
-          <a:lstStyle/>
-          <a:p>
-            <a:r>
-              <a:rPr lang="en-US" sz="2800" dirty="0"/>
-              <a:t>Didn’t know how to create a standard layered structure at the beginning, mixed domain layer and DAC layer </a:t>
-            </a:r>
-          </a:p>
-          <a:p>
-            <a:r>
-              <a:rPr lang="en-US" sz="2800" dirty="0"/>
-              <a:t>Know how to create it in class</a:t>
-            </a:r>
-          </a:p>
-          <a:p>
-            <a:r>
-              <a:rPr lang="en-US" sz="2800" dirty="0"/>
-              <a:t>Had difficulty to write a post commend and finally figure it out</a:t>
-            </a:r>
-          </a:p>
-          <a:p>
-            <a:r>
-              <a:rPr lang="en-US" sz="2800" dirty="0"/>
-              <a:t>The most important is to understand what </a:t>
-            </a:r>
-            <a:r>
-              <a:rPr lang="en-US" sz="2800" dirty="0" err="1"/>
-              <a:t>ReST</a:t>
-            </a:r>
-            <a:r>
-              <a:rPr lang="en-US" sz="2800" dirty="0"/>
-              <a:t> is, how it works and how to develop a </a:t>
-            </a:r>
-            <a:r>
-              <a:rPr lang="en-US" sz="2800" dirty="0" err="1"/>
-              <a:t>ReST</a:t>
-            </a:r>
-            <a:r>
-              <a:rPr lang="en-US" sz="2800" dirty="0"/>
-              <a:t> program</a:t>
-            </a:r>
-          </a:p>
-          <a:p>
-            <a:endParaRPr lang="en-US" dirty="0"/>
+              <a:t>Implementation</a:t>
+            </a:r>
           </a:p>
         </p:txBody>
       </p:sp>
@@ -11363,10 +11096,66 @@
           </a:p>
         </p:txBody>
       </p:sp>
+      <p:pic>
+        <p:nvPicPr>
+          <p:cNvPr id="5" name="Picture 4"/>
+          <p:cNvPicPr>
+            <a:picLocks noChangeAspect="1"/>
+          </p:cNvPicPr>
+          <p:nvPr/>
+        </p:nvPicPr>
+        <p:blipFill>
+          <a:blip r:embed="rId2"/>
+          <a:stretch>
+            <a:fillRect/>
+          </a:stretch>
+        </p:blipFill>
+        <p:spPr>
+          <a:xfrm>
+            <a:off x="1000125" y="2828925"/>
+            <a:ext cx="7829550" cy="2495550"/>
+          </a:xfrm>
+          <a:prstGeom prst="rect">
+            <a:avLst/>
+          </a:prstGeom>
+        </p:spPr>
+      </p:pic>
+      <p:sp>
+        <p:nvSpPr>
+          <p:cNvPr id="6" name="TextBox 5"/>
+          <p:cNvSpPr txBox="1"/>
+          <p:nvPr/>
+        </p:nvSpPr>
+        <p:spPr>
+          <a:xfrm>
+            <a:off x="714375" y="1905000"/>
+            <a:ext cx="2965364" cy="646331"/>
+          </a:xfrm>
+          <a:prstGeom prst="rect">
+            <a:avLst/>
+          </a:prstGeom>
+          <a:noFill/>
+        </p:spPr>
+        <p:txBody>
+          <a:bodyPr wrap="none" rtlCol="0">
+            <a:spAutoFit/>
+          </a:bodyPr>
+          <a:lstStyle/>
+          <a:p>
+            <a:r>
+              <a:rPr lang="en-US" dirty="0"/>
+              <a:t>Example of the POST method:</a:t>
+            </a:r>
+          </a:p>
+          <a:p>
+            <a:endParaRPr lang="en-US" dirty="0"/>
+          </a:p>
+        </p:txBody>
+      </p:sp>
     </p:spTree>
     <p:extLst>
       <p:ext uri="{BB962C8B-B14F-4D97-AF65-F5344CB8AC3E}">
-        <p14:creationId xmlns:p14="http://schemas.microsoft.com/office/powerpoint/2010/main" val="4231949637"/>
+        <p14:creationId xmlns:p14="http://schemas.microsoft.com/office/powerpoint/2010/main" val="1924377719"/>
       </p:ext>
     </p:extLst>
   </p:cSld>
@@ -11395,6 +11184,28 @@
       </p:grpSpPr>
       <p:sp>
         <p:nvSpPr>
+          <p:cNvPr id="2" name="Title 1"/>
+          <p:cNvSpPr>
+            <a:spLocks noGrp="1"/>
+          </p:cNvSpPr>
+          <p:nvPr>
+            <p:ph type="title"/>
+          </p:nvPr>
+        </p:nvSpPr>
+        <p:spPr/>
+        <p:txBody>
+          <a:bodyPr/>
+          <a:lstStyle/>
+          <a:p>
+            <a:r>
+              <a:rPr lang="en-US" sz="3600" dirty="0"/>
+              <a:t>Implementation</a:t>
+            </a:r>
+          </a:p>
+        </p:txBody>
+      </p:sp>
+      <p:sp>
+        <p:nvSpPr>
           <p:cNvPr id="3" name="Content Placeholder 2"/>
           <p:cNvSpPr>
             <a:spLocks noGrp="1"/>
@@ -11403,7 +11214,12 @@
             <p:ph idx="1"/>
           </p:nvPr>
         </p:nvSpPr>
-        <p:spPr/>
+        <p:spPr>
+          <a:xfrm>
+            <a:off x="3257549" y="4591050"/>
+            <a:ext cx="2024063" cy="476250"/>
+          </a:xfrm>
+        </p:spPr>
         <p:txBody>
           <a:bodyPr/>
           <a:lstStyle/>
@@ -11412,31 +11228,8 @@
               <a:buNone/>
             </a:pPr>
             <a:r>
-              <a:rPr lang="en-US" sz="4400" dirty="0"/>
-              <a:t>                 </a:t>
-            </a:r>
-          </a:p>
-          <a:p>
-            <a:pPr marL="0" indent="0">
-              <a:buNone/>
-            </a:pPr>
-            <a:endParaRPr lang="en-US" sz="4400" dirty="0"/>
-          </a:p>
-          <a:p>
-            <a:pPr marL="0" indent="0">
-              <a:buNone/>
-            </a:pPr>
-            <a:r>
-              <a:rPr lang="en-US" sz="4400" dirty="0"/>
-              <a:t>         </a:t>
-            </a:r>
-            <a:r>
-              <a:rPr lang="en-US" sz="6600" i="1" dirty="0">
-                <a:solidFill>
-                  <a:srgbClr val="680000"/>
-                </a:solidFill>
-              </a:rPr>
-              <a:t>THANK YOU!</a:t>
+              <a:rPr lang="en-US" sz="1600" dirty="0"/>
+              <a:t>Result in database</a:t>
             </a:r>
           </a:p>
         </p:txBody>
@@ -11470,10 +11263,232 @@
           </a:p>
         </p:txBody>
       </p:sp>
+      <p:sp>
+        <p:nvSpPr>
+          <p:cNvPr id="6" name="Oval 5"/>
+          <p:cNvSpPr/>
+          <p:nvPr/>
+        </p:nvSpPr>
+        <p:spPr bwMode="auto">
+          <a:xfrm>
+            <a:off x="457200" y="3829050"/>
+            <a:ext cx="800100" cy="381000"/>
+          </a:xfrm>
+          <a:prstGeom prst="ellipse">
+            <a:avLst/>
+          </a:prstGeom>
+          <a:noFill/>
+          <a:ln w="9525" cap="flat" cmpd="sng" algn="ctr">
+            <a:noFill/>
+            <a:prstDash val="solid"/>
+            <a:round/>
+            <a:headEnd type="none" w="med" len="med"/>
+            <a:tailEnd type="none" w="med" len="med"/>
+          </a:ln>
+          <a:effectLst/>
+        </p:spPr>
+        <p:txBody>
+          <a:bodyPr vert="horz" wrap="square" lIns="91440" tIns="45720" rIns="91440" bIns="45720" numCol="1" rtlCol="0" anchor="ctr" anchorCtr="0" compatLnSpc="1">
+            <a:prstTxWarp prst="textNoShape">
+              <a:avLst/>
+            </a:prstTxWarp>
+            <a:spAutoFit/>
+          </a:bodyPr>
+          <a:lstStyle/>
+          <a:p>
+            <a:pPr marL="228600" marR="0" indent="-228600" algn="l" defTabSz="914400" rtl="0" eaLnBrk="1" fontAlgn="base" latinLnBrk="0" hangingPunct="1">
+              <a:lnSpc>
+                <a:spcPct val="100000"/>
+              </a:lnSpc>
+              <a:spcBef>
+                <a:spcPct val="0"/>
+              </a:spcBef>
+              <a:spcAft>
+                <a:spcPct val="25000"/>
+              </a:spcAft>
+              <a:buClr>
+                <a:schemeClr val="tx1"/>
+              </a:buClr>
+              <a:buSzTx/>
+              <a:buFontTx/>
+              <a:buNone/>
+              <a:tabLst/>
+            </a:pPr>
+            <a:endParaRPr kumimoji="0" lang="en-US" sz="1600" b="0" i="0" u="none" strike="noStrike" cap="none" normalizeH="0" baseline="0">
+              <a:ln>
+                <a:noFill/>
+              </a:ln>
+              <a:solidFill>
+                <a:srgbClr val="275AFF"/>
+              </a:solidFill>
+              <a:effectLst/>
+              <a:latin typeface="Arial" charset="0"/>
+              <a:ea typeface="Times New Roman" pitchFamily="18" charset="0"/>
+              <a:cs typeface="AGaramond" pitchFamily="18" charset="0"/>
+            </a:endParaRPr>
+          </a:p>
+        </p:txBody>
+      </p:sp>
+      <p:sp>
+        <p:nvSpPr>
+          <p:cNvPr id="7" name="Oval 6"/>
+          <p:cNvSpPr/>
+          <p:nvPr/>
+        </p:nvSpPr>
+        <p:spPr bwMode="auto">
+          <a:xfrm>
+            <a:off x="3686175" y="5248275"/>
+            <a:ext cx="1628775" cy="714375"/>
+          </a:xfrm>
+          <a:prstGeom prst="ellipse">
+            <a:avLst/>
+          </a:prstGeom>
+          <a:noFill/>
+          <a:ln w="9525" cap="flat" cmpd="sng" algn="ctr">
+            <a:noFill/>
+            <a:prstDash val="solid"/>
+            <a:round/>
+            <a:headEnd type="none" w="med" len="med"/>
+            <a:tailEnd type="none" w="med" len="med"/>
+          </a:ln>
+          <a:effectLst/>
+        </p:spPr>
+        <p:txBody>
+          <a:bodyPr vert="horz" wrap="square" lIns="91440" tIns="45720" rIns="91440" bIns="45720" numCol="1" rtlCol="0" anchor="ctr" anchorCtr="0" compatLnSpc="1">
+            <a:prstTxWarp prst="textNoShape">
+              <a:avLst/>
+            </a:prstTxWarp>
+            <a:spAutoFit/>
+          </a:bodyPr>
+          <a:lstStyle/>
+          <a:p>
+            <a:pPr marL="228600" marR="0" indent="-228600" algn="l" defTabSz="914400" rtl="0" eaLnBrk="1" fontAlgn="base" latinLnBrk="0" hangingPunct="1">
+              <a:lnSpc>
+                <a:spcPct val="100000"/>
+              </a:lnSpc>
+              <a:spcBef>
+                <a:spcPct val="0"/>
+              </a:spcBef>
+              <a:spcAft>
+                <a:spcPct val="25000"/>
+              </a:spcAft>
+              <a:buClr>
+                <a:schemeClr val="tx1"/>
+              </a:buClr>
+              <a:buSzTx/>
+              <a:buFontTx/>
+              <a:buNone/>
+              <a:tabLst/>
+            </a:pPr>
+            <a:endParaRPr kumimoji="0" lang="en-US" sz="1600" b="0" i="0" u="none" strike="noStrike" cap="none" normalizeH="0" baseline="0">
+              <a:ln>
+                <a:noFill/>
+              </a:ln>
+              <a:solidFill>
+                <a:srgbClr val="275AFF"/>
+              </a:solidFill>
+              <a:effectLst/>
+              <a:latin typeface="Arial" charset="0"/>
+              <a:ea typeface="Times New Roman" pitchFamily="18" charset="0"/>
+              <a:cs typeface="AGaramond" pitchFamily="18" charset="0"/>
+            </a:endParaRPr>
+          </a:p>
+        </p:txBody>
+      </p:sp>
+      <p:sp>
+        <p:nvSpPr>
+          <p:cNvPr id="8" name="Oval 7"/>
+          <p:cNvSpPr/>
+          <p:nvPr/>
+        </p:nvSpPr>
+        <p:spPr bwMode="auto">
+          <a:xfrm>
+            <a:off x="3200400" y="4410075"/>
+            <a:ext cx="2047875" cy="2038350"/>
+          </a:xfrm>
+          <a:prstGeom prst="ellipse">
+            <a:avLst/>
+          </a:prstGeom>
+          <a:noFill/>
+          <a:ln w="9525" cap="flat" cmpd="sng" algn="ctr">
+            <a:noFill/>
+            <a:prstDash val="solid"/>
+            <a:round/>
+            <a:headEnd type="none" w="med" len="med"/>
+            <a:tailEnd type="none" w="med" len="med"/>
+          </a:ln>
+          <a:effectLst/>
+        </p:spPr>
+        <p:txBody>
+          <a:bodyPr vert="horz" wrap="square" lIns="91440" tIns="45720" rIns="91440" bIns="45720" numCol="1" rtlCol="0" anchor="ctr" anchorCtr="0" compatLnSpc="1">
+            <a:prstTxWarp prst="textNoShape">
+              <a:avLst/>
+            </a:prstTxWarp>
+            <a:spAutoFit/>
+          </a:bodyPr>
+          <a:lstStyle/>
+          <a:p>
+            <a:pPr marL="228600" marR="0" indent="-228600" algn="l" defTabSz="914400" rtl="0" eaLnBrk="1" fontAlgn="base" latinLnBrk="0" hangingPunct="1">
+              <a:lnSpc>
+                <a:spcPct val="100000"/>
+              </a:lnSpc>
+              <a:spcBef>
+                <a:spcPct val="0"/>
+              </a:spcBef>
+              <a:spcAft>
+                <a:spcPct val="25000"/>
+              </a:spcAft>
+              <a:buClr>
+                <a:schemeClr val="tx1"/>
+              </a:buClr>
+              <a:buSzTx/>
+              <a:buFontTx/>
+              <a:buNone/>
+              <a:tabLst/>
+            </a:pPr>
+            <a:endParaRPr kumimoji="0" lang="en-US" sz="1600" b="0" i="0" u="none" strike="noStrike" cap="none" normalizeH="0" baseline="0">
+              <a:ln>
+                <a:noFill/>
+              </a:ln>
+              <a:solidFill>
+                <a:srgbClr val="275AFF"/>
+              </a:solidFill>
+              <a:effectLst/>
+              <a:latin typeface="Arial" charset="0"/>
+              <a:ea typeface="Times New Roman" pitchFamily="18" charset="0"/>
+              <a:cs typeface="AGaramond" pitchFamily="18" charset="0"/>
+            </a:endParaRPr>
+          </a:p>
+        </p:txBody>
+      </p:sp>
+      <p:pic>
+        <p:nvPicPr>
+          <p:cNvPr id="9" name="Picture 8"/>
+          <p:cNvPicPr>
+            <a:picLocks noChangeAspect="1"/>
+          </p:cNvPicPr>
+          <p:nvPr/>
+        </p:nvPicPr>
+        <p:blipFill>
+          <a:blip r:embed="rId2"/>
+          <a:stretch>
+            <a:fillRect/>
+          </a:stretch>
+        </p:blipFill>
+        <p:spPr>
+          <a:xfrm>
+            <a:off x="0" y="2935755"/>
+            <a:ext cx="9144000" cy="986490"/>
+          </a:xfrm>
+          <a:prstGeom prst="rect">
+            <a:avLst/>
+          </a:prstGeom>
+        </p:spPr>
+      </p:pic>
     </p:spTree>
     <p:extLst>
       <p:ext uri="{BB962C8B-B14F-4D97-AF65-F5344CB8AC3E}">
-        <p14:creationId xmlns:p14="http://schemas.microsoft.com/office/powerpoint/2010/main" val="2914518460"/>
+        <p14:creationId xmlns:p14="http://schemas.microsoft.com/office/powerpoint/2010/main" val="631626606"/>
       </p:ext>
     </p:extLst>
   </p:cSld>
@@ -11609,6 +11624,254 @@
 </p:sld>
 </file>
 
+<file path=ppt/slides/slide20.xml><?xml version="1.0" encoding="utf-8"?>
+<p:sld xmlns:a="http://schemas.openxmlformats.org/drawingml/2006/main" xmlns:r="http://schemas.openxmlformats.org/officeDocument/2006/relationships" xmlns:p="http://schemas.openxmlformats.org/presentationml/2006/main">
+  <p:cSld>
+    <p:spTree>
+      <p:nvGrpSpPr>
+        <p:cNvPr id="1" name=""/>
+        <p:cNvGrpSpPr/>
+        <p:nvPr/>
+      </p:nvGrpSpPr>
+      <p:grpSpPr>
+        <a:xfrm>
+          <a:off x="0" y="0"/>
+          <a:ext cx="0" cy="0"/>
+          <a:chOff x="0" y="0"/>
+          <a:chExt cx="0" cy="0"/>
+        </a:xfrm>
+      </p:grpSpPr>
+      <p:sp>
+        <p:nvSpPr>
+          <p:cNvPr id="2" name="Title 1"/>
+          <p:cNvSpPr>
+            <a:spLocks noGrp="1"/>
+          </p:cNvSpPr>
+          <p:nvPr>
+            <p:ph type="title"/>
+          </p:nvPr>
+        </p:nvSpPr>
+        <p:spPr/>
+        <p:txBody>
+          <a:bodyPr/>
+          <a:lstStyle/>
+          <a:p>
+            <a:r>
+              <a:rPr lang="en-US" sz="3600" dirty="0"/>
+              <a:t>Difficulties and Lessons</a:t>
+            </a:r>
+            <a:endParaRPr lang="en-US" dirty="0"/>
+          </a:p>
+        </p:txBody>
+      </p:sp>
+      <p:sp>
+        <p:nvSpPr>
+          <p:cNvPr id="3" name="Content Placeholder 2"/>
+          <p:cNvSpPr>
+            <a:spLocks noGrp="1"/>
+          </p:cNvSpPr>
+          <p:nvPr>
+            <p:ph idx="1"/>
+          </p:nvPr>
+        </p:nvSpPr>
+        <p:spPr/>
+        <p:txBody>
+          <a:bodyPr/>
+          <a:lstStyle/>
+          <a:p>
+            <a:r>
+              <a:rPr lang="en-US" sz="2800" dirty="0"/>
+              <a:t>Didn’t know how to create a standard layered structure at the beginning, mixed domain layer and DAC layer </a:t>
+            </a:r>
+          </a:p>
+          <a:p>
+            <a:r>
+              <a:rPr lang="en-US" sz="2800" dirty="0"/>
+              <a:t>Know how to create it in class</a:t>
+            </a:r>
+          </a:p>
+          <a:p>
+            <a:r>
+              <a:rPr lang="en-US" sz="2800" dirty="0"/>
+              <a:t>Had difficulty to write a post commend and finally figure it out</a:t>
+            </a:r>
+          </a:p>
+          <a:p>
+            <a:r>
+              <a:rPr lang="en-US" sz="2800" dirty="0"/>
+              <a:t>The most important is to understand what </a:t>
+            </a:r>
+            <a:r>
+              <a:rPr lang="en-US" sz="2800" dirty="0" err="1"/>
+              <a:t>ReST</a:t>
+            </a:r>
+            <a:r>
+              <a:rPr lang="en-US" sz="2800" dirty="0"/>
+              <a:t> is, how it works and how to develop a </a:t>
+            </a:r>
+            <a:r>
+              <a:rPr lang="en-US" sz="2800" dirty="0" err="1"/>
+              <a:t>ReST</a:t>
+            </a:r>
+            <a:r>
+              <a:rPr lang="en-US" sz="2800" dirty="0"/>
+              <a:t> program</a:t>
+            </a:r>
+          </a:p>
+          <a:p>
+            <a:endParaRPr lang="en-US" dirty="0"/>
+          </a:p>
+        </p:txBody>
+      </p:sp>
+      <p:sp>
+        <p:nvSpPr>
+          <p:cNvPr id="4" name="Slide Number Placeholder 3"/>
+          <p:cNvSpPr>
+            <a:spLocks noGrp="1"/>
+          </p:cNvSpPr>
+          <p:nvPr>
+            <p:ph type="sldNum" sz="quarter" idx="10"/>
+          </p:nvPr>
+        </p:nvSpPr>
+        <p:spPr/>
+        <p:txBody>
+          <a:bodyPr/>
+          <a:lstStyle/>
+          <a:p>
+            <a:pPr>
+              <a:defRPr/>
+            </a:pPr>
+            <a:fld id="{C09B9D2E-8DA2-4A45-82A9-24FA37AAA5DD}" type="slidenum">
+              <a:rPr lang="en-US" smtClean="0"/>
+              <a:pPr>
+                <a:defRPr/>
+              </a:pPr>
+              <a:t>20</a:t>
+            </a:fld>
+            <a:endParaRPr lang="en-US"/>
+          </a:p>
+        </p:txBody>
+      </p:sp>
+    </p:spTree>
+    <p:extLst>
+      <p:ext uri="{BB962C8B-B14F-4D97-AF65-F5344CB8AC3E}">
+        <p14:creationId xmlns:p14="http://schemas.microsoft.com/office/powerpoint/2010/main" val="4231949637"/>
+      </p:ext>
+    </p:extLst>
+  </p:cSld>
+  <p:clrMapOvr>
+    <a:masterClrMapping/>
+  </p:clrMapOvr>
+</p:sld>
+</file>
+
+<file path=ppt/slides/slide21.xml><?xml version="1.0" encoding="utf-8"?>
+<p:sld xmlns:a="http://schemas.openxmlformats.org/drawingml/2006/main" xmlns:r="http://schemas.openxmlformats.org/officeDocument/2006/relationships" xmlns:p="http://schemas.openxmlformats.org/presentationml/2006/main">
+  <p:cSld>
+    <p:spTree>
+      <p:nvGrpSpPr>
+        <p:cNvPr id="1" name=""/>
+        <p:cNvGrpSpPr/>
+        <p:nvPr/>
+      </p:nvGrpSpPr>
+      <p:grpSpPr>
+        <a:xfrm>
+          <a:off x="0" y="0"/>
+          <a:ext cx="0" cy="0"/>
+          <a:chOff x="0" y="0"/>
+          <a:chExt cx="0" cy="0"/>
+        </a:xfrm>
+      </p:grpSpPr>
+      <p:sp>
+        <p:nvSpPr>
+          <p:cNvPr id="3" name="Content Placeholder 2"/>
+          <p:cNvSpPr>
+            <a:spLocks noGrp="1"/>
+          </p:cNvSpPr>
+          <p:nvPr>
+            <p:ph idx="1"/>
+          </p:nvPr>
+        </p:nvSpPr>
+        <p:spPr/>
+        <p:txBody>
+          <a:bodyPr/>
+          <a:lstStyle/>
+          <a:p>
+            <a:pPr marL="0" indent="0">
+              <a:buNone/>
+            </a:pPr>
+            <a:r>
+              <a:rPr lang="en-US" sz="4400" dirty="0"/>
+              <a:t>                 </a:t>
+            </a:r>
+          </a:p>
+          <a:p>
+            <a:pPr marL="0" indent="0">
+              <a:buNone/>
+            </a:pPr>
+            <a:endParaRPr lang="en-US" sz="4400" dirty="0"/>
+          </a:p>
+          <a:p>
+            <a:pPr marL="0" indent="0">
+              <a:buNone/>
+            </a:pPr>
+            <a:r>
+              <a:rPr lang="en-US" sz="4400" dirty="0"/>
+              <a:t>         </a:t>
+            </a:r>
+            <a:r>
+              <a:rPr lang="en-US" sz="6600" i="1" dirty="0">
+                <a:solidFill>
+                  <a:srgbClr val="680000"/>
+                </a:solidFill>
+              </a:rPr>
+              <a:t>THANK YOU!</a:t>
+            </a:r>
+          </a:p>
+        </p:txBody>
+      </p:sp>
+      <p:sp>
+        <p:nvSpPr>
+          <p:cNvPr id="4" name="Slide Number Placeholder 3"/>
+          <p:cNvSpPr>
+            <a:spLocks noGrp="1"/>
+          </p:cNvSpPr>
+          <p:nvPr>
+            <p:ph type="sldNum" sz="quarter" idx="10"/>
+          </p:nvPr>
+        </p:nvSpPr>
+        <p:spPr/>
+        <p:txBody>
+          <a:bodyPr/>
+          <a:lstStyle/>
+          <a:p>
+            <a:pPr>
+              <a:defRPr/>
+            </a:pPr>
+            <a:fld id="{C09B9D2E-8DA2-4A45-82A9-24FA37AAA5DD}" type="slidenum">
+              <a:rPr lang="en-US" smtClean="0"/>
+              <a:pPr>
+                <a:defRPr/>
+              </a:pPr>
+              <a:t>21</a:t>
+            </a:fld>
+            <a:endParaRPr lang="en-US"/>
+          </a:p>
+        </p:txBody>
+      </p:sp>
+    </p:spTree>
+    <p:extLst>
+      <p:ext uri="{BB962C8B-B14F-4D97-AF65-F5344CB8AC3E}">
+        <p14:creationId xmlns:p14="http://schemas.microsoft.com/office/powerpoint/2010/main" val="2914518460"/>
+      </p:ext>
+    </p:extLst>
+  </p:cSld>
+  <p:clrMapOvr>
+    <a:masterClrMapping/>
+  </p:clrMapOvr>
+</p:sld>
+</file>
+
 <file path=ppt/slides/slide3.xml><?xml version="1.0" encoding="utf-8"?>
 <p:sld xmlns:a="http://schemas.openxmlformats.org/drawingml/2006/main" xmlns:r="http://schemas.openxmlformats.org/officeDocument/2006/relationships" xmlns:p="http://schemas.openxmlformats.org/presentationml/2006/main" showMasterPhAnim="0">
   <p:cSld>
@@ -11895,7 +12158,7 @@
   <p:timing>
     <p:tnLst>
       <p:par>
-        <p:cTn id="1" dur="indefinite" restart="never" nodeType="tmRoot">
+        <p:cTn xmlns:p14="http://schemas.microsoft.com/office/powerpoint/2010/main" id="1" dur="indefinite" restart="never" nodeType="tmRoot">
           <p:childTnLst>
             <p:seq concurrent="1" nextAc="seek">
               <p:cTn id="2" dur="indefinite" nodeType="mainSeq">
@@ -14569,6 +14832,196 @@
           </a:p>
         </p:txBody>
       </p:sp>
+      <p:sp>
+        <p:nvSpPr>
+          <p:cNvPr id="8" name="Content Placeholder 2"/>
+          <p:cNvSpPr txBox="1">
+            <a:spLocks/>
+          </p:cNvSpPr>
+          <p:nvPr/>
+        </p:nvSpPr>
+        <p:spPr bwMode="auto">
+          <a:xfrm>
+            <a:off x="4563732" y="1600200"/>
+            <a:ext cx="4123068" cy="4525963"/>
+          </a:xfrm>
+          <a:prstGeom prst="rect">
+            <a:avLst/>
+          </a:prstGeom>
+          <a:noFill/>
+          <a:ln w="9525">
+            <a:noFill/>
+            <a:miter lim="800000"/>
+            <a:headEnd/>
+            <a:tailEnd/>
+          </a:ln>
+        </p:spPr>
+        <p:txBody>
+          <a:bodyPr vert="horz" wrap="square" lIns="91440" tIns="45720" rIns="91440" bIns="45720" numCol="1" anchor="t" anchorCtr="0" compatLnSpc="1">
+            <a:prstTxWarp prst="textNoShape">
+              <a:avLst/>
+            </a:prstTxWarp>
+          </a:bodyPr>
+          <a:lstStyle>
+            <a:lvl1pPr marL="342900" indent="-342900" algn="l" rtl="0" eaLnBrk="0" fontAlgn="base" hangingPunct="0">
+              <a:spcBef>
+                <a:spcPct val="20000"/>
+              </a:spcBef>
+              <a:spcAft>
+                <a:spcPct val="0"/>
+              </a:spcAft>
+              <a:buChar char="•"/>
+              <a:defRPr sz="3200">
+                <a:solidFill>
+                  <a:schemeClr val="tx1"/>
+                </a:solidFill>
+                <a:latin typeface="+mn-lt"/>
+                <a:ea typeface="+mn-ea"/>
+                <a:cs typeface="+mn-cs"/>
+              </a:defRPr>
+            </a:lvl1pPr>
+            <a:lvl2pPr marL="742950" indent="-285750" algn="l" rtl="0" eaLnBrk="0" fontAlgn="base" hangingPunct="0">
+              <a:spcBef>
+                <a:spcPct val="20000"/>
+              </a:spcBef>
+              <a:spcAft>
+                <a:spcPct val="0"/>
+              </a:spcAft>
+              <a:buChar char="–"/>
+              <a:defRPr sz="2800">
+                <a:solidFill>
+                  <a:schemeClr val="tx1"/>
+                </a:solidFill>
+                <a:latin typeface="+mn-lt"/>
+              </a:defRPr>
+            </a:lvl2pPr>
+            <a:lvl3pPr marL="1143000" indent="-228600" algn="l" rtl="0" eaLnBrk="0" fontAlgn="base" hangingPunct="0">
+              <a:spcBef>
+                <a:spcPct val="20000"/>
+              </a:spcBef>
+              <a:spcAft>
+                <a:spcPct val="0"/>
+              </a:spcAft>
+              <a:buChar char="•"/>
+              <a:defRPr sz="2400">
+                <a:solidFill>
+                  <a:schemeClr val="tx1"/>
+                </a:solidFill>
+                <a:latin typeface="+mn-lt"/>
+              </a:defRPr>
+            </a:lvl3pPr>
+            <a:lvl4pPr marL="1600200" indent="-228600" algn="l" rtl="0" eaLnBrk="0" fontAlgn="base" hangingPunct="0">
+              <a:spcBef>
+                <a:spcPct val="20000"/>
+              </a:spcBef>
+              <a:spcAft>
+                <a:spcPct val="0"/>
+              </a:spcAft>
+              <a:buChar char="–"/>
+              <a:defRPr sz="2000">
+                <a:solidFill>
+                  <a:schemeClr val="tx1"/>
+                </a:solidFill>
+                <a:latin typeface="+mn-lt"/>
+              </a:defRPr>
+            </a:lvl4pPr>
+            <a:lvl5pPr marL="2057400" indent="-228600" algn="l" rtl="0" eaLnBrk="0" fontAlgn="base" hangingPunct="0">
+              <a:spcBef>
+                <a:spcPct val="20000"/>
+              </a:spcBef>
+              <a:spcAft>
+                <a:spcPct val="0"/>
+              </a:spcAft>
+              <a:buChar char="»"/>
+              <a:defRPr sz="2000">
+                <a:solidFill>
+                  <a:schemeClr val="tx1"/>
+                </a:solidFill>
+                <a:latin typeface="+mn-lt"/>
+              </a:defRPr>
+            </a:lvl5pPr>
+            <a:lvl6pPr marL="2514600" indent="-228600" algn="l" rtl="0" fontAlgn="base">
+              <a:spcBef>
+                <a:spcPct val="20000"/>
+              </a:spcBef>
+              <a:spcAft>
+                <a:spcPct val="0"/>
+              </a:spcAft>
+              <a:buChar char="»"/>
+              <a:defRPr sz="2000">
+                <a:solidFill>
+                  <a:schemeClr val="tx1"/>
+                </a:solidFill>
+                <a:latin typeface="+mn-lt"/>
+              </a:defRPr>
+            </a:lvl6pPr>
+            <a:lvl7pPr marL="2971800" indent="-228600" algn="l" rtl="0" fontAlgn="base">
+              <a:spcBef>
+                <a:spcPct val="20000"/>
+              </a:spcBef>
+              <a:spcAft>
+                <a:spcPct val="0"/>
+              </a:spcAft>
+              <a:buChar char="»"/>
+              <a:defRPr sz="2000">
+                <a:solidFill>
+                  <a:schemeClr val="tx1"/>
+                </a:solidFill>
+                <a:latin typeface="+mn-lt"/>
+              </a:defRPr>
+            </a:lvl7pPr>
+            <a:lvl8pPr marL="3429000" indent="-228600" algn="l" rtl="0" fontAlgn="base">
+              <a:spcBef>
+                <a:spcPct val="20000"/>
+              </a:spcBef>
+              <a:spcAft>
+                <a:spcPct val="0"/>
+              </a:spcAft>
+              <a:buChar char="»"/>
+              <a:defRPr sz="2000">
+                <a:solidFill>
+                  <a:schemeClr val="tx1"/>
+                </a:solidFill>
+                <a:latin typeface="+mn-lt"/>
+              </a:defRPr>
+            </a:lvl8pPr>
+            <a:lvl9pPr marL="3886200" indent="-228600" algn="l" rtl="0" fontAlgn="base">
+              <a:spcBef>
+                <a:spcPct val="20000"/>
+              </a:spcBef>
+              <a:spcAft>
+                <a:spcPct val="0"/>
+              </a:spcAft>
+              <a:buChar char="»"/>
+              <a:defRPr sz="2000">
+                <a:solidFill>
+                  <a:schemeClr val="tx1"/>
+                </a:solidFill>
+                <a:latin typeface="+mn-lt"/>
+              </a:defRPr>
+            </a:lvl9pPr>
+          </a:lstStyle>
+          <a:p>
+            <a:r>
+              <a:rPr lang="en-US" dirty="0" smtClean="0"/>
+              <a:t>MVC</a:t>
+            </a:r>
+          </a:p>
+          <a:p>
+            <a:r>
+              <a:rPr lang="en-US" dirty="0" smtClean="0"/>
+              <a:t>Order and product controllers to handle the business logic of the resource retrieval</a:t>
+            </a:r>
+          </a:p>
+          <a:p>
+            <a:r>
+              <a:rPr lang="en-US" dirty="0" smtClean="0"/>
+              <a:t>User model for authentication</a:t>
+            </a:r>
+            <a:endParaRPr lang="en-US" dirty="0" smtClean="0"/>
+          </a:p>
+        </p:txBody>
+      </p:sp>
     </p:spTree>
     <p:extLst>
       <p:ext uri="{BB962C8B-B14F-4D97-AF65-F5344CB8AC3E}">
@@ -14583,7 +15036,7 @@
 </file>
 
 <file path=ppt/slides/slide7.xml><?xml version="1.0" encoding="utf-8"?>
-<p:sld xmlns:a="http://schemas.openxmlformats.org/drawingml/2006/main" xmlns:r="http://schemas.openxmlformats.org/officeDocument/2006/relationships" xmlns:p="http://schemas.openxmlformats.org/presentationml/2006/main" showMasterPhAnim="0">
+<p:sld xmlns:a="http://schemas.openxmlformats.org/drawingml/2006/main" xmlns:r="http://schemas.openxmlformats.org/officeDocument/2006/relationships" xmlns:p="http://schemas.openxmlformats.org/presentationml/2006/main">
   <p:cSld>
     <p:spTree>
       <p:nvGrpSpPr>
@@ -14601,7 +15054,74 @@
       </p:grpSpPr>
       <p:sp>
         <p:nvSpPr>
-          <p:cNvPr id="5122" name="Slide Number Placeholder 3"/>
+          <p:cNvPr id="2" name="Title 1"/>
+          <p:cNvSpPr>
+            <a:spLocks noGrp="1"/>
+          </p:cNvSpPr>
+          <p:nvPr>
+            <p:ph type="title"/>
+          </p:nvPr>
+        </p:nvSpPr>
+        <p:spPr/>
+        <p:txBody>
+          <a:bodyPr/>
+          <a:lstStyle/>
+          <a:p>
+            <a:r>
+              <a:rPr lang="en-US" dirty="0" smtClean="0"/>
+              <a:t>API Consumption Notes</a:t>
+            </a:r>
+            <a:endParaRPr lang="en-US" dirty="0"/>
+          </a:p>
+        </p:txBody>
+      </p:sp>
+      <p:sp>
+        <p:nvSpPr>
+          <p:cNvPr id="3" name="Content Placeholder 2"/>
+          <p:cNvSpPr>
+            <a:spLocks noGrp="1"/>
+          </p:cNvSpPr>
+          <p:nvPr>
+            <p:ph idx="1"/>
+          </p:nvPr>
+        </p:nvSpPr>
+        <p:spPr/>
+        <p:txBody>
+          <a:bodyPr/>
+          <a:lstStyle/>
+          <a:p>
+            <a:r>
+              <a:rPr lang="en-US" sz="2400" dirty="0" smtClean="0"/>
+              <a:t>What operations to do locally </a:t>
+            </a:r>
+            <a:r>
+              <a:rPr lang="en-US" sz="2400" dirty="0" err="1" smtClean="0"/>
+              <a:t>vs</a:t>
+            </a:r>
+            <a:r>
+              <a:rPr lang="en-US" sz="2400" dirty="0" smtClean="0"/>
+              <a:t> remotely when listing resources</a:t>
+            </a:r>
+          </a:p>
+          <a:p>
+            <a:pPr lvl="1"/>
+            <a:r>
+              <a:rPr lang="en-US" sz="2400" dirty="0" smtClean="0"/>
+              <a:t>a. get/search products, get orders: remote</a:t>
+            </a:r>
+          </a:p>
+          <a:p>
+            <a:pPr lvl="1"/>
+            <a:r>
+              <a:rPr lang="en-US" sz="2400" dirty="0" smtClean="0"/>
+              <a:t>b. Sorting, filtering, and paginating the listing are done locally (that are potentially services that can be provided)</a:t>
+            </a:r>
+          </a:p>
+        </p:txBody>
+      </p:sp>
+      <p:sp>
+        <p:nvSpPr>
+          <p:cNvPr id="4" name="Slide Number Placeholder 3"/>
           <p:cNvSpPr>
             <a:spLocks noGrp="1"/>
           </p:cNvSpPr>
@@ -14609,93 +15129,22 @@
             <p:ph type="sldNum" sz="quarter" idx="10"/>
           </p:nvPr>
         </p:nvSpPr>
-        <p:spPr>
-          <a:noFill/>
-        </p:spPr>
+        <p:spPr/>
         <p:txBody>
           <a:bodyPr/>
           <a:lstStyle/>
           <a:p>
-            <a:fld id="{338DB9B1-C646-48CE-AFA6-93572B519D26}" type="slidenum">
+            <a:pPr>
+              <a:defRPr/>
+            </a:pPr>
+            <a:fld id="{C09B9D2E-8DA2-4A45-82A9-24FA37AAA5DD}" type="slidenum">
               <a:rPr lang="en-US" smtClean="0"/>
-              <a:pPr/>
+              <a:pPr>
+                <a:defRPr/>
+              </a:pPr>
               <a:t>7</a:t>
             </a:fld>
-            <a:endParaRPr lang="en-US" dirty="0"/>
-          </a:p>
-        </p:txBody>
-      </p:sp>
-      <p:sp>
-        <p:nvSpPr>
-          <p:cNvPr id="2633730" name="Rectangle 2"/>
-          <p:cNvSpPr>
-            <a:spLocks noGrp="1" noChangeArrowheads="1"/>
-          </p:cNvSpPr>
-          <p:nvPr>
-            <p:ph type="title"/>
-          </p:nvPr>
-        </p:nvSpPr>
-        <p:spPr>
-          <a:xfrm>
-            <a:off x="457200" y="250254"/>
-            <a:ext cx="5943600" cy="1173162"/>
-          </a:xfrm>
-        </p:spPr>
-        <p:txBody>
-          <a:bodyPr/>
-          <a:lstStyle/>
-          <a:p>
-            <a:pPr eaLnBrk="1" hangingPunct="1"/>
-            <a:r>
-              <a:rPr lang="en-US" sz="3600" dirty="0"/>
-              <a:t>Project Architecture</a:t>
-            </a:r>
-          </a:p>
-        </p:txBody>
-      </p:sp>
-      <p:sp>
-        <p:nvSpPr>
-          <p:cNvPr id="2633731" name="Rectangle 3"/>
-          <p:cNvSpPr>
-            <a:spLocks noGrp="1" noChangeArrowheads="1"/>
-          </p:cNvSpPr>
-          <p:nvPr>
-            <p:ph type="body" idx="1"/>
-          </p:nvPr>
-        </p:nvSpPr>
-        <p:spPr>
-          <a:xfrm>
-            <a:off x="457200" y="1719072"/>
-            <a:ext cx="8062546" cy="4535424"/>
-          </a:xfrm>
-        </p:spPr>
-        <p:txBody>
-          <a:bodyPr/>
-          <a:lstStyle/>
-          <a:p>
-            <a:pPr marL="0" indent="0" eaLnBrk="1" hangingPunct="1">
-              <a:spcBef>
-                <a:spcPts val="0"/>
-              </a:spcBef>
-              <a:buNone/>
-            </a:pPr>
-            <a:endParaRPr lang="en-US" dirty="0">
-              <a:solidFill>
-                <a:srgbClr val="CC0000"/>
-              </a:solidFill>
-            </a:endParaRPr>
-          </a:p>
-          <a:p>
-            <a:pPr eaLnBrk="1" hangingPunct="1">
-              <a:spcBef>
-                <a:spcPts val="0"/>
-              </a:spcBef>
-            </a:pPr>
-            <a:endParaRPr lang="en-US" dirty="0">
-              <a:solidFill>
-                <a:srgbClr val="CC0000"/>
-              </a:solidFill>
-            </a:endParaRPr>
+            <a:endParaRPr lang="en-US"/>
           </a:p>
         </p:txBody>
       </p:sp>
@@ -14707,26 +15156,237 @@
           </p:cNvPicPr>
           <p:nvPr/>
         </p:nvPicPr>
-        <p:blipFill>
+        <p:blipFill rotWithShape="1">
           <a:blip r:embed="rId2"/>
-          <a:stretch>
-            <a:fillRect/>
-          </a:stretch>
+          <a:srcRect l="30315" t="26795" r="18445" b="49313"/>
+          <a:stretch/>
         </p:blipFill>
         <p:spPr>
           <a:xfrm>
-            <a:off x="1538861" y="2114549"/>
-            <a:ext cx="5833489" cy="3576183"/>
+            <a:off x="542357" y="4114143"/>
+            <a:ext cx="8416448" cy="2452801"/>
           </a:xfrm>
           <a:prstGeom prst="rect">
             <a:avLst/>
           </a:prstGeom>
         </p:spPr>
       </p:pic>
+      <p:sp>
+        <p:nvSpPr>
+          <p:cNvPr id="7" name="Rectangle 6"/>
+          <p:cNvSpPr/>
+          <p:nvPr/>
+        </p:nvSpPr>
+        <p:spPr bwMode="auto">
+          <a:xfrm>
+            <a:off x="1336049" y="4484904"/>
+            <a:ext cx="7553308" cy="383664"/>
+          </a:xfrm>
+          <a:prstGeom prst="rect">
+            <a:avLst/>
+          </a:prstGeom>
+          <a:noFill/>
+          <a:ln w="38100" cap="flat" cmpd="sng" algn="ctr">
+            <a:solidFill>
+              <a:srgbClr val="FF0000"/>
+            </a:solidFill>
+            <a:prstDash val="solid"/>
+            <a:round/>
+            <a:headEnd type="none" w="med" len="med"/>
+            <a:tailEnd type="none" w="med" len="med"/>
+          </a:ln>
+          <a:effectLst/>
+        </p:spPr>
+        <p:txBody>
+          <a:bodyPr vert="horz" wrap="square" lIns="91440" tIns="45720" rIns="91440" bIns="45720" numCol="1" rtlCol="0" anchor="ctr" anchorCtr="0" compatLnSpc="1">
+            <a:prstTxWarp prst="textNoShape">
+              <a:avLst/>
+            </a:prstTxWarp>
+            <a:spAutoFit/>
+          </a:bodyPr>
+          <a:lstStyle/>
+          <a:p>
+            <a:pPr marL="228600" marR="0" indent="-228600" algn="l" defTabSz="914400" rtl="0" eaLnBrk="1" fontAlgn="base" latinLnBrk="0" hangingPunct="1">
+              <a:lnSpc>
+                <a:spcPct val="100000"/>
+              </a:lnSpc>
+              <a:spcBef>
+                <a:spcPct val="0"/>
+              </a:spcBef>
+              <a:spcAft>
+                <a:spcPct val="25000"/>
+              </a:spcAft>
+              <a:buClr>
+                <a:schemeClr val="tx1"/>
+              </a:buClr>
+              <a:buSzTx/>
+              <a:buFontTx/>
+              <a:buNone/>
+              <a:tabLst/>
+            </a:pPr>
+            <a:endParaRPr kumimoji="0" lang="en-US" sz="1600" b="0" i="0" u="none" strike="noStrike" cap="none" normalizeH="0" baseline="0" smtClean="0">
+              <a:ln>
+                <a:noFill/>
+              </a:ln>
+              <a:solidFill>
+                <a:srgbClr val="275AFF"/>
+              </a:solidFill>
+              <a:effectLst/>
+              <a:latin typeface="Arial" charset="0"/>
+              <a:ea typeface="Times New Roman" pitchFamily="18" charset="0"/>
+              <a:cs typeface="AGaramond" pitchFamily="18" charset="0"/>
+            </a:endParaRPr>
+          </a:p>
+        </p:txBody>
+      </p:sp>
+      <p:sp>
+        <p:nvSpPr>
+          <p:cNvPr id="8" name="Rectangle 7"/>
+          <p:cNvSpPr/>
+          <p:nvPr/>
+        </p:nvSpPr>
+        <p:spPr bwMode="auto">
+          <a:xfrm>
+            <a:off x="1316482" y="4994508"/>
+            <a:ext cx="7559646" cy="733997"/>
+          </a:xfrm>
+          <a:prstGeom prst="rect">
+            <a:avLst/>
+          </a:prstGeom>
+          <a:noFill/>
+          <a:ln w="38100" cap="flat" cmpd="sng" algn="ctr">
+            <a:solidFill>
+              <a:srgbClr val="FF0000"/>
+            </a:solidFill>
+            <a:prstDash val="solid"/>
+            <a:round/>
+            <a:headEnd type="none" w="med" len="med"/>
+            <a:tailEnd type="none" w="med" len="med"/>
+          </a:ln>
+          <a:effectLst/>
+        </p:spPr>
+        <p:txBody>
+          <a:bodyPr vert="horz" wrap="square" lIns="91440" tIns="45720" rIns="91440" bIns="45720" numCol="1" rtlCol="0" anchor="ctr" anchorCtr="0" compatLnSpc="1">
+            <a:prstTxWarp prst="textNoShape">
+              <a:avLst/>
+            </a:prstTxWarp>
+            <a:spAutoFit/>
+          </a:bodyPr>
+          <a:lstStyle/>
+          <a:p>
+            <a:pPr marL="228600" marR="0" indent="-228600" algn="l" defTabSz="914400" rtl="0" eaLnBrk="1" fontAlgn="base" latinLnBrk="0" hangingPunct="1">
+              <a:lnSpc>
+                <a:spcPct val="100000"/>
+              </a:lnSpc>
+              <a:spcBef>
+                <a:spcPct val="0"/>
+              </a:spcBef>
+              <a:spcAft>
+                <a:spcPct val="25000"/>
+              </a:spcAft>
+              <a:buClr>
+                <a:schemeClr val="tx1"/>
+              </a:buClr>
+              <a:buSzTx/>
+              <a:buFontTx/>
+              <a:buNone/>
+              <a:tabLst/>
+            </a:pPr>
+            <a:endParaRPr kumimoji="0" lang="en-US" sz="1600" b="0" i="0" u="none" strike="noStrike" cap="none" normalizeH="0" baseline="0" smtClean="0">
+              <a:ln>
+                <a:noFill/>
+              </a:ln>
+              <a:solidFill>
+                <a:srgbClr val="275AFF"/>
+              </a:solidFill>
+              <a:effectLst/>
+              <a:latin typeface="Arial" charset="0"/>
+              <a:ea typeface="Times New Roman" pitchFamily="18" charset="0"/>
+              <a:cs typeface="AGaramond" pitchFamily="18" charset="0"/>
+            </a:endParaRPr>
+          </a:p>
+        </p:txBody>
+      </p:sp>
+      <p:sp>
+        <p:nvSpPr>
+          <p:cNvPr id="9" name="TextBox 8"/>
+          <p:cNvSpPr txBox="1"/>
+          <p:nvPr/>
+        </p:nvSpPr>
+        <p:spPr>
+          <a:xfrm>
+            <a:off x="992118" y="4418755"/>
+            <a:ext cx="355837" cy="461665"/>
+          </a:xfrm>
+          <a:prstGeom prst="rect">
+            <a:avLst/>
+          </a:prstGeom>
+          <a:noFill/>
+        </p:spPr>
+        <p:txBody>
+          <a:bodyPr wrap="none" rtlCol="0">
+            <a:spAutoFit/>
+          </a:bodyPr>
+          <a:lstStyle/>
+          <a:p>
+            <a:r>
+              <a:rPr lang="en-US" sz="2400" dirty="0" smtClean="0">
+                <a:solidFill>
+                  <a:srgbClr val="FF0000"/>
+                </a:solidFill>
+              </a:rPr>
+              <a:t>a</a:t>
+            </a:r>
+            <a:endParaRPr lang="en-US" sz="2400" dirty="0">
+              <a:solidFill>
+                <a:srgbClr val="FF0000"/>
+              </a:solidFill>
+            </a:endParaRPr>
+          </a:p>
+        </p:txBody>
+      </p:sp>
+      <p:sp>
+        <p:nvSpPr>
+          <p:cNvPr id="10" name="TextBox 9"/>
+          <p:cNvSpPr txBox="1"/>
+          <p:nvPr/>
+        </p:nvSpPr>
+        <p:spPr>
+          <a:xfrm>
+            <a:off x="985779" y="5113577"/>
+            <a:ext cx="355837" cy="461665"/>
+          </a:xfrm>
+          <a:prstGeom prst="rect">
+            <a:avLst/>
+          </a:prstGeom>
+          <a:noFill/>
+        </p:spPr>
+        <p:txBody>
+          <a:bodyPr wrap="none" rtlCol="0">
+            <a:spAutoFit/>
+          </a:bodyPr>
+          <a:lstStyle/>
+          <a:p>
+            <a:r>
+              <a:rPr lang="en-US" sz="2400" dirty="0">
+                <a:solidFill>
+                  <a:srgbClr val="FF0000"/>
+                </a:solidFill>
+              </a:rPr>
+              <a:t>b</a:t>
+            </a:r>
+            <a:endParaRPr lang="en-US" sz="2400" dirty="0">
+              <a:solidFill>
+                <a:srgbClr val="FF0000"/>
+              </a:solidFill>
+            </a:endParaRPr>
+          </a:p>
+        </p:txBody>
+      </p:sp>
     </p:spTree>
     <p:extLst>
       <p:ext uri="{BB962C8B-B14F-4D97-AF65-F5344CB8AC3E}">
-        <p14:creationId xmlns:p14="http://schemas.microsoft.com/office/powerpoint/2010/main" val="4135488869"/>
+        <p14:creationId xmlns:p14="http://schemas.microsoft.com/office/powerpoint/2010/main" val="2520075573"/>
       </p:ext>
     </p:extLst>
   </p:cSld>
@@ -14755,23 +15415,83 @@
       </p:grpSpPr>
       <p:sp>
         <p:nvSpPr>
-          <p:cNvPr id="2" name="Title 1"/>
+          <p:cNvPr id="3" name="Content Placeholder 2"/>
           <p:cNvSpPr>
             <a:spLocks noGrp="1"/>
           </p:cNvSpPr>
           <p:nvPr>
-            <p:ph type="title"/>
+            <p:ph idx="1"/>
           </p:nvPr>
         </p:nvSpPr>
-        <p:spPr/>
+        <p:spPr>
+          <a:xfrm>
+            <a:off x="443972" y="1481132"/>
+            <a:ext cx="8229600" cy="4525963"/>
+          </a:xfrm>
+        </p:spPr>
         <p:txBody>
           <a:bodyPr/>
           <a:lstStyle/>
           <a:p>
             <a:r>
-              <a:rPr lang="en-US" sz="3600" dirty="0"/>
-              <a:t>Project Architecture</a:t>
-            </a:r>
+              <a:rPr lang="en-US" sz="2000" dirty="0"/>
+              <a:t>Handle success and exception</a:t>
+            </a:r>
+          </a:p>
+          <a:p>
+            <a:pPr lvl="1"/>
+            <a:r>
+              <a:rPr lang="en-US" sz="2000" dirty="0"/>
+              <a:t>500 (or 5xx): Server’s fault</a:t>
+            </a:r>
+          </a:p>
+          <a:p>
+            <a:pPr lvl="1"/>
+            <a:r>
+              <a:rPr lang="en-US" sz="2000" dirty="0" smtClean="0"/>
+              <a:t>400 </a:t>
+            </a:r>
+            <a:r>
+              <a:rPr lang="en-US" sz="2000" dirty="0"/>
+              <a:t>(or </a:t>
+            </a:r>
+            <a:r>
+              <a:rPr lang="en-US" sz="2000" dirty="0" smtClean="0"/>
+              <a:t>4xx)</a:t>
+            </a:r>
+            <a:r>
+              <a:rPr lang="en-US" sz="2000" dirty="0"/>
+              <a:t>: Client’s fault</a:t>
+            </a:r>
+          </a:p>
+          <a:p>
+            <a:pPr lvl="1"/>
+            <a:r>
+              <a:rPr lang="en-US" sz="2000" dirty="0"/>
+              <a:t>200 (or 2xx): Success, even with no returned object (</a:t>
+            </a:r>
+            <a:r>
+              <a:rPr lang="en-US" sz="2000" dirty="0" err="1"/>
+              <a:t>searchProduct</a:t>
+            </a:r>
+            <a:r>
+              <a:rPr lang="en-US" sz="2000" dirty="0"/>
+              <a:t> </a:t>
+            </a:r>
+            <a:r>
+              <a:rPr lang="en-US" sz="2000" dirty="0" smtClean="0"/>
+              <a:t>for </a:t>
+            </a:r>
+            <a:r>
+              <a:rPr lang="en-US" sz="2000" dirty="0"/>
+              <a:t>example)</a:t>
+            </a:r>
+          </a:p>
+          <a:p>
+            <a:pPr marL="0" indent="0">
+              <a:buNone/>
+            </a:pPr>
+            <a:endParaRPr lang="en-US" sz="2000" dirty="0"/>
           </a:p>
         </p:txBody>
       </p:sp>
@@ -14806,22 +15526,21 @@
       </p:sp>
       <p:pic>
         <p:nvPicPr>
-          <p:cNvPr id="5" name="Picture 4"/>
+          <p:cNvPr id="6" name="Picture 5"/>
           <p:cNvPicPr>
             <a:picLocks noChangeAspect="1"/>
           </p:cNvPicPr>
           <p:nvPr/>
         </p:nvPicPr>
-        <p:blipFill>
+        <p:blipFill rotWithShape="1">
           <a:blip r:embed="rId2"/>
-          <a:stretch>
-            <a:fillRect/>
-          </a:stretch>
+          <a:srcRect l="6076" t="20050" r="3653" b="42448"/>
+          <a:stretch/>
         </p:blipFill>
         <p:spPr>
           <a:xfrm>
-            <a:off x="1878747" y="2212823"/>
-            <a:ext cx="4984633" cy="4596508"/>
+            <a:off x="383618" y="3267762"/>
+            <a:ext cx="8254403" cy="2143228"/>
           </a:xfrm>
           <a:prstGeom prst="rect">
             <a:avLst/>
@@ -14830,45 +15549,256 @@
       </p:pic>
       <p:sp>
         <p:nvSpPr>
-          <p:cNvPr id="7" name="Rectangle 6"/>
-          <p:cNvSpPr/>
+          <p:cNvPr id="7" name="TextBox 6"/>
+          <p:cNvSpPr txBox="1"/>
           <p:nvPr/>
         </p:nvSpPr>
         <p:spPr>
           <a:xfrm>
-            <a:off x="368988" y="1874269"/>
-            <a:ext cx="1441805" cy="338554"/>
+            <a:off x="4233026" y="4193849"/>
+            <a:ext cx="3990671" cy="400110"/>
           </a:xfrm>
           <a:prstGeom prst="rect">
             <a:avLst/>
           </a:prstGeom>
-        </p:spPr>
-        <p:txBody>
-          <a:bodyPr wrap="none">
+          <a:noFill/>
+        </p:spPr>
+        <p:txBody>
+          <a:bodyPr wrap="none" rtlCol="0">
             <a:spAutoFit/>
           </a:bodyPr>
           <a:lstStyle/>
           <a:p>
-            <a:pPr eaLnBrk="1" hangingPunct="1">
+            <a:r>
+              <a:rPr lang="en-US" sz="2000" dirty="0" smtClean="0"/>
+              <a:t>Return empty array? No problem.</a:t>
+            </a:r>
+            <a:endParaRPr lang="en-US" sz="2000" dirty="0"/>
+          </a:p>
+        </p:txBody>
+      </p:sp>
+      <p:cxnSp>
+        <p:nvCxnSpPr>
+          <p:cNvPr id="9" name="Straight Arrow Connector 8"/>
+          <p:cNvCxnSpPr/>
+          <p:nvPr/>
+        </p:nvCxnSpPr>
+        <p:spPr bwMode="auto">
+          <a:xfrm flipV="1">
+            <a:off x="3148314" y="4577513"/>
+            <a:ext cx="1031800" cy="423353"/>
+          </a:xfrm>
+          <a:prstGeom prst="straightConnector1">
+            <a:avLst/>
+          </a:prstGeom>
+          <a:noFill/>
+          <a:ln w="76200" cap="flat" cmpd="sng" algn="ctr">
+            <a:solidFill>
+              <a:srgbClr val="808080"/>
+            </a:solidFill>
+            <a:prstDash val="solid"/>
+            <a:round/>
+            <a:headEnd type="none" w="med" len="med"/>
+            <a:tailEnd type="arrow"/>
+          </a:ln>
+          <a:effectLst/>
+        </p:spPr>
+      </p:cxnSp>
+      <p:sp>
+        <p:nvSpPr>
+          <p:cNvPr id="11" name="Title 1"/>
+          <p:cNvSpPr>
+            <a:spLocks noGrp="1"/>
+          </p:cNvSpPr>
+          <p:nvPr>
+            <p:ph type="title"/>
+          </p:nvPr>
+        </p:nvSpPr>
+        <p:spPr>
+          <a:xfrm>
+            <a:off x="457200" y="274638"/>
+            <a:ext cx="5943600" cy="1173162"/>
+          </a:xfrm>
+        </p:spPr>
+        <p:txBody>
+          <a:bodyPr/>
+          <a:lstStyle/>
+          <a:p>
+            <a:r>
+              <a:rPr lang="en-US" dirty="0" smtClean="0"/>
+              <a:t>API Consumption Notes</a:t>
+            </a:r>
+            <a:endParaRPr lang="en-US" dirty="0"/>
+          </a:p>
+        </p:txBody>
+      </p:sp>
+      <p:pic>
+        <p:nvPicPr>
+          <p:cNvPr id="12" name="Picture 11"/>
+          <p:cNvPicPr>
+            <a:picLocks noChangeAspect="1"/>
+          </p:cNvPicPr>
+          <p:nvPr/>
+        </p:nvPicPr>
+        <p:blipFill rotWithShape="1">
+          <a:blip r:embed="rId3"/>
+          <a:srcRect l="30524" t="37919" r="14648" b="50506"/>
+          <a:stretch/>
+        </p:blipFill>
+        <p:spPr>
+          <a:xfrm>
+            <a:off x="370389" y="5667317"/>
+            <a:ext cx="8322401" cy="1098074"/>
+          </a:xfrm>
+          <a:prstGeom prst="rect">
+            <a:avLst/>
+          </a:prstGeom>
+        </p:spPr>
+      </p:pic>
+      <p:sp>
+        <p:nvSpPr>
+          <p:cNvPr id="13" name="Oval 12"/>
+          <p:cNvSpPr/>
+          <p:nvPr/>
+        </p:nvSpPr>
+        <p:spPr bwMode="auto">
+          <a:xfrm>
+            <a:off x="1283137" y="5788141"/>
+            <a:ext cx="1481559" cy="476071"/>
+          </a:xfrm>
+          <a:prstGeom prst="ellipse">
+            <a:avLst/>
+          </a:prstGeom>
+          <a:noFill/>
+          <a:ln w="57150" cap="flat" cmpd="sng" algn="ctr">
+            <a:solidFill>
+              <a:srgbClr val="FF0000"/>
+            </a:solidFill>
+            <a:prstDash val="solid"/>
+            <a:round/>
+            <a:headEnd type="none" w="med" len="med"/>
+            <a:tailEnd type="none" w="med" len="med"/>
+          </a:ln>
+          <a:effectLst/>
+        </p:spPr>
+        <p:txBody>
+          <a:bodyPr vert="horz" wrap="square" lIns="91440" tIns="45720" rIns="91440" bIns="45720" numCol="1" rtlCol="0" anchor="ctr" anchorCtr="0" compatLnSpc="1">
+            <a:prstTxWarp prst="textNoShape">
+              <a:avLst/>
+            </a:prstTxWarp>
+            <a:spAutoFit/>
+          </a:bodyPr>
+          <a:lstStyle/>
+          <a:p>
+            <a:pPr marL="228600" marR="0" indent="-228600" algn="l" defTabSz="914400" rtl="0" eaLnBrk="1" fontAlgn="base" latinLnBrk="0" hangingPunct="1">
+              <a:lnSpc>
+                <a:spcPct val="100000"/>
+              </a:lnSpc>
               <a:spcBef>
-                <a:spcPts val="0"/>
+                <a:spcPct val="0"/>
               </a:spcBef>
+              <a:spcAft>
+                <a:spcPct val="25000"/>
+              </a:spcAft>
+              <a:buClr>
+                <a:schemeClr val="tx1"/>
+              </a:buClr>
+              <a:buSzTx/>
+              <a:buFontTx/>
+              <a:buNone/>
+              <a:tabLst/>
             </a:pPr>
-            <a:r>
-              <a:rPr lang="en-US" dirty="0">
+            <a:endParaRPr kumimoji="0" lang="en-US" sz="1600" b="0" i="0" u="none" strike="noStrike" cap="none" normalizeH="0" baseline="0" smtClean="0">
+              <a:ln>
+                <a:noFill/>
+              </a:ln>
+              <a:solidFill>
+                <a:srgbClr val="FF0000"/>
+              </a:solidFill>
+              <a:effectLst/>
+              <a:latin typeface="Arial" charset="0"/>
+              <a:ea typeface="Times New Roman" pitchFamily="18" charset="0"/>
+              <a:cs typeface="AGaramond" pitchFamily="18" charset="0"/>
+            </a:endParaRPr>
+          </a:p>
+        </p:txBody>
+      </p:sp>
+      <p:cxnSp>
+        <p:nvCxnSpPr>
+          <p:cNvPr id="16" name="Straight Arrow Connector 15"/>
+          <p:cNvCxnSpPr/>
+          <p:nvPr/>
+        </p:nvCxnSpPr>
+        <p:spPr bwMode="auto">
+          <a:xfrm flipH="1">
+            <a:off x="2817609" y="4762730"/>
+            <a:ext cx="2566272" cy="1018695"/>
+          </a:xfrm>
+          <a:prstGeom prst="straightConnector1">
+            <a:avLst/>
+          </a:prstGeom>
+          <a:noFill/>
+          <a:ln w="76200" cap="flat" cmpd="sng" algn="ctr">
+            <a:solidFill>
+              <a:srgbClr val="808080"/>
+            </a:solidFill>
+            <a:prstDash val="solid"/>
+            <a:round/>
+            <a:headEnd type="none" w="med" len="med"/>
+            <a:tailEnd type="arrow"/>
+          </a:ln>
+          <a:effectLst/>
+        </p:spPr>
+      </p:cxnSp>
+      <p:sp>
+        <p:nvSpPr>
+          <p:cNvPr id="22" name="TextBox 21"/>
+          <p:cNvSpPr txBox="1"/>
+          <p:nvPr/>
+        </p:nvSpPr>
+        <p:spPr>
+          <a:xfrm>
+            <a:off x="2864182" y="5854447"/>
+            <a:ext cx="2437386" cy="400110"/>
+          </a:xfrm>
+          <a:prstGeom prst="rect">
+            <a:avLst/>
+          </a:prstGeom>
+          <a:solidFill>
+            <a:schemeClr val="tx1">
+              <a:alpha val="76000"/>
+            </a:schemeClr>
+          </a:solidFill>
+          <a:ln>
+            <a:noFill/>
+          </a:ln>
+        </p:spPr>
+        <p:txBody>
+          <a:bodyPr wrap="none" rtlCol="0">
+            <a:spAutoFit/>
+          </a:bodyPr>
+          <a:lstStyle/>
+          <a:p>
+            <a:r>
+              <a:rPr lang="en-US" sz="2000" dirty="0" smtClean="0">
                 <a:solidFill>
-                  <a:srgbClr val="CC0000"/>
+                  <a:srgbClr val="FF0000"/>
                 </a:solidFill>
               </a:rPr>
-              <a:t>UML Diagram</a:t>
-            </a:r>
+              <a:t>Client can handle it.</a:t>
+            </a:r>
+            <a:endParaRPr lang="en-US" sz="2000" dirty="0">
+              <a:solidFill>
+                <a:srgbClr val="FF0000"/>
+              </a:solidFill>
+            </a:endParaRPr>
           </a:p>
         </p:txBody>
       </p:sp>
     </p:spTree>
     <p:extLst>
       <p:ext uri="{BB962C8B-B14F-4D97-AF65-F5344CB8AC3E}">
-        <p14:creationId xmlns:p14="http://schemas.microsoft.com/office/powerpoint/2010/main" val="1715078475"/>
+        <p14:creationId xmlns:p14="http://schemas.microsoft.com/office/powerpoint/2010/main" val="2177010485"/>
       </p:ext>
     </p:extLst>
   </p:cSld>
@@ -14933,8 +15863,8 @@
         </p:nvSpPr>
         <p:spPr>
           <a:xfrm>
-            <a:off x="140208" y="250254"/>
-            <a:ext cx="6577584" cy="1173162"/>
+            <a:off x="457200" y="250254"/>
+            <a:ext cx="5943600" cy="1173162"/>
           </a:xfrm>
         </p:spPr>
         <p:txBody>
@@ -14949,9 +15879,55 @@
           </a:p>
         </p:txBody>
       </p:sp>
+      <p:sp>
+        <p:nvSpPr>
+          <p:cNvPr id="2633731" name="Rectangle 3"/>
+          <p:cNvSpPr>
+            <a:spLocks noGrp="1" noChangeArrowheads="1"/>
+          </p:cNvSpPr>
+          <p:nvPr>
+            <p:ph type="body" idx="1"/>
+          </p:nvPr>
+        </p:nvSpPr>
+        <p:spPr>
+          <a:xfrm>
+            <a:off x="457200" y="1719072"/>
+            <a:ext cx="8062546" cy="4535424"/>
+          </a:xfrm>
+        </p:spPr>
+        <p:txBody>
+          <a:bodyPr/>
+          <a:lstStyle/>
+          <a:p>
+            <a:pPr marL="0" indent="0" eaLnBrk="1" hangingPunct="1">
+              <a:spcBef>
+                <a:spcPts val="0"/>
+              </a:spcBef>
+              <a:buNone/>
+            </a:pPr>
+            <a:endParaRPr lang="en-US" dirty="0">
+              <a:solidFill>
+                <a:srgbClr val="CC0000"/>
+              </a:solidFill>
+            </a:endParaRPr>
+          </a:p>
+          <a:p>
+            <a:pPr eaLnBrk="1" hangingPunct="1">
+              <a:spcBef>
+                <a:spcPts val="0"/>
+              </a:spcBef>
+            </a:pPr>
+            <a:endParaRPr lang="en-US" dirty="0">
+              <a:solidFill>
+                <a:srgbClr val="CC0000"/>
+              </a:solidFill>
+            </a:endParaRPr>
+          </a:p>
+        </p:txBody>
+      </p:sp>
       <p:pic>
         <p:nvPicPr>
-          <p:cNvPr id="6" name="Content Placeholder 5"/>
+          <p:cNvPr id="6" name="Picture 5"/>
           <p:cNvPicPr>
             <a:picLocks noChangeAspect="1"/>
           </p:cNvPicPr>
@@ -14963,27 +15939,20 @@
             <a:fillRect/>
           </a:stretch>
         </p:blipFill>
-        <p:spPr bwMode="auto">
+        <p:spPr>
           <a:xfrm>
-            <a:off x="1564200" y="1722437"/>
-            <a:ext cx="5714209" cy="4525963"/>
+            <a:off x="1538861" y="2114549"/>
+            <a:ext cx="5833489" cy="3576183"/>
           </a:xfrm>
           <a:prstGeom prst="rect">
             <a:avLst/>
           </a:prstGeom>
-          <a:noFill/>
-          <a:ln w="9525">
-            <a:noFill/>
-            <a:miter lim="800000"/>
-            <a:headEnd/>
-            <a:tailEnd/>
-          </a:ln>
         </p:spPr>
       </p:pic>
     </p:spTree>
     <p:extLst>
       <p:ext uri="{BB962C8B-B14F-4D97-AF65-F5344CB8AC3E}">
-        <p14:creationId xmlns:p14="http://schemas.microsoft.com/office/powerpoint/2010/main" val="4243363220"/>
+        <p14:creationId xmlns:p14="http://schemas.microsoft.com/office/powerpoint/2010/main" val="4135488869"/>
       </p:ext>
     </p:extLst>
   </p:cSld>

--- a/comp433p2p3/COMP433FinalPPT.pptx
+++ b/comp433p2p3/COMP433FinalPPT.pptx
@@ -7,10 +7,10 @@
     <p:sldMasterId id="2147483669" r:id="rId3"/>
   </p:sldMasterIdLst>
   <p:notesMasterIdLst>
-    <p:notesMasterId r:id="rId25"/>
+    <p:notesMasterId r:id="rId30"/>
   </p:notesMasterIdLst>
   <p:handoutMasterIdLst>
-    <p:handoutMasterId r:id="rId26"/>
+    <p:handoutMasterId r:id="rId31"/>
   </p:handoutMasterIdLst>
   <p:sldIdLst>
     <p:sldId id="466" r:id="rId4"/>
@@ -18,22 +18,27 @@
     <p:sldId id="525" r:id="rId6"/>
     <p:sldId id="534" r:id="rId7"/>
     <p:sldId id="545" r:id="rId8"/>
-    <p:sldId id="530" r:id="rId9"/>
-    <p:sldId id="547" r:id="rId10"/>
-    <p:sldId id="548" r:id="rId11"/>
-    <p:sldId id="526" r:id="rId12"/>
-    <p:sldId id="544" r:id="rId13"/>
-    <p:sldId id="529" r:id="rId14"/>
-    <p:sldId id="546" r:id="rId15"/>
-    <p:sldId id="528" r:id="rId16"/>
-    <p:sldId id="531" r:id="rId17"/>
-    <p:sldId id="535" r:id="rId18"/>
-    <p:sldId id="536" r:id="rId19"/>
-    <p:sldId id="537" r:id="rId20"/>
-    <p:sldId id="538" r:id="rId21"/>
-    <p:sldId id="539" r:id="rId22"/>
-    <p:sldId id="541" r:id="rId23"/>
-    <p:sldId id="543" r:id="rId24"/>
+    <p:sldId id="549" r:id="rId9"/>
+    <p:sldId id="553" r:id="rId10"/>
+    <p:sldId id="550" r:id="rId11"/>
+    <p:sldId id="551" r:id="rId12"/>
+    <p:sldId id="552" r:id="rId13"/>
+    <p:sldId id="530" r:id="rId14"/>
+    <p:sldId id="547" r:id="rId15"/>
+    <p:sldId id="548" r:id="rId16"/>
+    <p:sldId id="526" r:id="rId17"/>
+    <p:sldId id="544" r:id="rId18"/>
+    <p:sldId id="529" r:id="rId19"/>
+    <p:sldId id="546" r:id="rId20"/>
+    <p:sldId id="528" r:id="rId21"/>
+    <p:sldId id="531" r:id="rId22"/>
+    <p:sldId id="535" r:id="rId23"/>
+    <p:sldId id="536" r:id="rId24"/>
+    <p:sldId id="537" r:id="rId25"/>
+    <p:sldId id="538" r:id="rId26"/>
+    <p:sldId id="539" r:id="rId27"/>
+    <p:sldId id="541" r:id="rId28"/>
+    <p:sldId id="543" r:id="rId29"/>
   </p:sldIdLst>
   <p:sldSz cx="9144000" cy="6858000" type="screen4x3"/>
   <p:notesSz cx="7010400" cy="9236075"/>
@@ -9449,28 +9454,6 @@
       </p:grpSpPr>
       <p:sp>
         <p:nvSpPr>
-          <p:cNvPr id="2" name="Title 1"/>
-          <p:cNvSpPr>
-            <a:spLocks noGrp="1"/>
-          </p:cNvSpPr>
-          <p:nvPr>
-            <p:ph type="title"/>
-          </p:nvPr>
-        </p:nvSpPr>
-        <p:spPr/>
-        <p:txBody>
-          <a:bodyPr/>
-          <a:lstStyle/>
-          <a:p>
-            <a:r>
-              <a:rPr lang="en-US" sz="3600" dirty="0"/>
-              <a:t>Project Architecture</a:t>
-            </a:r>
-          </a:p>
-        </p:txBody>
-      </p:sp>
-      <p:sp>
-        <p:nvSpPr>
           <p:cNvPr id="4" name="Slide Number Placeholder 3"/>
           <p:cNvSpPr>
             <a:spLocks noGrp="1"/>
@@ -9498,71 +9481,57 @@
           </a:p>
         </p:txBody>
       </p:sp>
+      <p:sp>
+        <p:nvSpPr>
+          <p:cNvPr id="8" name="Title 1"/>
+          <p:cNvSpPr>
+            <a:spLocks noGrp="1"/>
+          </p:cNvSpPr>
+          <p:nvPr>
+            <p:ph type="title"/>
+          </p:nvPr>
+        </p:nvSpPr>
+        <p:spPr>
+          <a:xfrm>
+            <a:off x="457200" y="274638"/>
+            <a:ext cx="6381784" cy="1173162"/>
+          </a:xfrm>
+        </p:spPr>
+        <p:txBody>
+          <a:bodyPr/>
+          <a:lstStyle/>
+          <a:p>
+            <a:r>
+              <a:rPr lang="en-US" dirty="0" smtClean="0"/>
+              <a:t>Order Listing – partner’s user story</a:t>
+            </a:r>
+            <a:endParaRPr lang="en-US" dirty="0"/>
+          </a:p>
+        </p:txBody>
+      </p:sp>
       <p:pic>
         <p:nvPicPr>
-          <p:cNvPr id="5" name="Picture 4"/>
+          <p:cNvPr id="3" name="Content Placeholder 2"/>
           <p:cNvPicPr>
-            <a:picLocks noChangeAspect="1"/>
+            <a:picLocks noGrp="1" noChangeAspect="1"/>
           </p:cNvPicPr>
-          <p:nvPr/>
+          <p:nvPr>
+            <p:ph idx="1"/>
+          </p:nvPr>
         </p:nvPicPr>
         <p:blipFill>
           <a:blip r:embed="rId2"/>
+          <a:srcRect t="6003" b="6003"/>
           <a:stretch>
             <a:fillRect/>
           </a:stretch>
         </p:blipFill>
-        <p:spPr>
-          <a:xfrm>
-            <a:off x="1878747" y="2212823"/>
-            <a:ext cx="4984633" cy="4596508"/>
-          </a:xfrm>
-          <a:prstGeom prst="rect">
-            <a:avLst/>
-          </a:prstGeom>
-        </p:spPr>
+        <p:spPr/>
       </p:pic>
-      <p:sp>
-        <p:nvSpPr>
-          <p:cNvPr id="7" name="Rectangle 6"/>
-          <p:cNvSpPr/>
-          <p:nvPr/>
-        </p:nvSpPr>
-        <p:spPr>
-          <a:xfrm>
-            <a:off x="368988" y="1874269"/>
-            <a:ext cx="1441805" cy="338554"/>
-          </a:xfrm>
-          <a:prstGeom prst="rect">
-            <a:avLst/>
-          </a:prstGeom>
-        </p:spPr>
-        <p:txBody>
-          <a:bodyPr wrap="none">
-            <a:spAutoFit/>
-          </a:bodyPr>
-          <a:lstStyle/>
-          <a:p>
-            <a:pPr eaLnBrk="1" hangingPunct="1">
-              <a:spcBef>
-                <a:spcPts val="0"/>
-              </a:spcBef>
-            </a:pPr>
-            <a:r>
-              <a:rPr lang="en-US" dirty="0">
-                <a:solidFill>
-                  <a:srgbClr val="CC0000"/>
-                </a:solidFill>
-              </a:rPr>
-              <a:t>UML Diagram</a:t>
-            </a:r>
-          </a:p>
-        </p:txBody>
-      </p:sp>
     </p:spTree>
     <p:extLst>
       <p:ext uri="{BB962C8B-B14F-4D97-AF65-F5344CB8AC3E}">
-        <p14:creationId xmlns:p14="http://schemas.microsoft.com/office/powerpoint/2010/main" val="1715078475"/>
+        <p14:creationId xmlns:p14="http://schemas.microsoft.com/office/powerpoint/2010/main" val="2166160155"/>
       </p:ext>
     </p:extLst>
   </p:cSld>
@@ -9627,192 +9596,219 @@
         </p:nvSpPr>
         <p:spPr>
           <a:xfrm>
-            <a:off x="140208" y="250254"/>
-            <a:ext cx="6577584" cy="1173162"/>
+            <a:off x="42672" y="250254"/>
+            <a:ext cx="6772656" cy="1173162"/>
           </a:xfrm>
         </p:spPr>
         <p:txBody>
           <a:bodyPr/>
           <a:lstStyle/>
           <a:p>
-            <a:pPr eaLnBrk="1" hangingPunct="1"/>
             <a:r>
               <a:rPr lang="en-US" sz="3600" dirty="0"/>
-              <a:t>Project Architecture</a:t>
+              <a:t>Project Architecture </a:t>
+            </a:r>
+          </a:p>
+        </p:txBody>
+      </p:sp>
+      <p:sp>
+        <p:nvSpPr>
+          <p:cNvPr id="4" name="Content Placeholder 3"/>
+          <p:cNvSpPr>
+            <a:spLocks noGrp="1"/>
+          </p:cNvSpPr>
+          <p:nvPr>
+            <p:ph idx="1"/>
+          </p:nvPr>
+        </p:nvSpPr>
+        <p:spPr>
+          <a:xfrm>
+            <a:off x="457200" y="1600200"/>
+            <a:ext cx="8229600" cy="485775"/>
+          </a:xfrm>
+        </p:spPr>
+        <p:txBody>
+          <a:bodyPr/>
+          <a:lstStyle/>
+          <a:p>
+            <a:r>
+              <a:rPr lang="en-US" dirty="0"/>
+              <a:t>Client-side structure</a:t>
             </a:r>
           </a:p>
         </p:txBody>
       </p:sp>
       <p:pic>
         <p:nvPicPr>
-          <p:cNvPr id="6" name="Content Placeholder 5"/>
+          <p:cNvPr id="3" name="Picture 2"/>
           <p:cNvPicPr>
             <a:picLocks noChangeAspect="1"/>
           </p:cNvPicPr>
           <p:nvPr/>
         </p:nvPicPr>
-        <p:blipFill>
+        <p:blipFill rotWithShape="1">
           <a:blip r:embed="rId2"/>
-          <a:stretch>
-            <a:fillRect/>
-          </a:stretch>
+          <a:srcRect l="4722" t="27138" r="70695" b="26360"/>
+          <a:stretch/>
         </p:blipFill>
-        <p:spPr bwMode="auto">
+        <p:spPr>
           <a:xfrm>
-            <a:off x="1564200" y="1722437"/>
-            <a:ext cx="5714209" cy="4525963"/>
+            <a:off x="652014" y="2159000"/>
+            <a:ext cx="3856486" cy="4559300"/>
           </a:xfrm>
           <a:prstGeom prst="rect">
             <a:avLst/>
           </a:prstGeom>
-          <a:noFill/>
-          <a:ln w="9525">
-            <a:noFill/>
-            <a:miter lim="800000"/>
-            <a:headEnd/>
-            <a:tailEnd/>
-          </a:ln>
         </p:spPr>
       </p:pic>
-    </p:spTree>
-    <p:extLst>
-      <p:ext uri="{BB962C8B-B14F-4D97-AF65-F5344CB8AC3E}">
-        <p14:creationId xmlns:p14="http://schemas.microsoft.com/office/powerpoint/2010/main" val="4243363220"/>
-      </p:ext>
-    </p:extLst>
-  </p:cSld>
-  <p:clrMapOvr>
-    <a:masterClrMapping/>
-  </p:clrMapOvr>
-</p:sld>
-</file>
-
-<file path=ppt/slides/slide12.xml><?xml version="1.0" encoding="utf-8"?>
-<p:sld xmlns:a="http://schemas.openxmlformats.org/drawingml/2006/main" xmlns:r="http://schemas.openxmlformats.org/officeDocument/2006/relationships" xmlns:p="http://schemas.openxmlformats.org/presentationml/2006/main">
-  <p:cSld>
-    <p:spTree>
-      <p:nvGrpSpPr>
-        <p:cNvPr id="1" name=""/>
-        <p:cNvGrpSpPr/>
-        <p:nvPr/>
-      </p:nvGrpSpPr>
-      <p:grpSpPr>
-        <a:xfrm>
-          <a:off x="0" y="0"/>
-          <a:ext cx="0" cy="0"/>
-          <a:chOff x="0" y="0"/>
-          <a:chExt cx="0" cy="0"/>
-        </a:xfrm>
-      </p:grpSpPr>
-      <p:sp>
-        <p:nvSpPr>
-          <p:cNvPr id="2" name="Title 1"/>
-          <p:cNvSpPr>
-            <a:spLocks noGrp="1"/>
-          </p:cNvSpPr>
-          <p:nvPr>
-            <p:ph type="title"/>
-          </p:nvPr>
-        </p:nvSpPr>
-        <p:spPr/>
-        <p:txBody>
-          <a:bodyPr/>
-          <a:lstStyle/>
-          <a:p>
-            <a:r>
-              <a:rPr lang="en-US" sz="3600" dirty="0"/>
-              <a:t>Project Architecture</a:t>
-            </a:r>
-          </a:p>
-        </p:txBody>
-      </p:sp>
-      <p:sp>
-        <p:nvSpPr>
-          <p:cNvPr id="4" name="Slide Number Placeholder 3"/>
-          <p:cNvSpPr>
-            <a:spLocks noGrp="1"/>
-          </p:cNvSpPr>
-          <p:nvPr>
-            <p:ph type="sldNum" sz="quarter" idx="10"/>
-          </p:nvPr>
-        </p:nvSpPr>
-        <p:spPr/>
-        <p:txBody>
-          <a:bodyPr/>
-          <a:lstStyle/>
-          <a:p>
-            <a:pPr>
-              <a:defRPr/>
-            </a:pPr>
-            <a:fld id="{C09B9D2E-8DA2-4A45-82A9-24FA37AAA5DD}" type="slidenum">
-              <a:rPr lang="en-US" smtClean="0"/>
-              <a:pPr>
-                <a:defRPr/>
-              </a:pPr>
-              <a:t>12</a:t>
-            </a:fld>
-            <a:endParaRPr lang="en-US" dirty="0"/>
-          </a:p>
-        </p:txBody>
-      </p:sp>
-      <p:sp>
-        <p:nvSpPr>
-          <p:cNvPr id="6" name="TextBox 5"/>
-          <p:cNvSpPr txBox="1"/>
+      <p:sp>
+        <p:nvSpPr>
+          <p:cNvPr id="6" name="Oval 5"/>
+          <p:cNvSpPr/>
           <p:nvPr/>
         </p:nvSpPr>
-        <p:spPr>
+        <p:spPr bwMode="auto">
           <a:xfrm>
-            <a:off x="3743325" y="6248400"/>
-            <a:ext cx="1208985" cy="338554"/>
+            <a:off x="850900" y="3771900"/>
+            <a:ext cx="2603500" cy="850900"/>
           </a:xfrm>
-          <a:prstGeom prst="rect">
+          <a:prstGeom prst="ellipse">
             <a:avLst/>
           </a:prstGeom>
           <a:noFill/>
-        </p:spPr>
-        <p:txBody>
-          <a:bodyPr wrap="none" rtlCol="0">
+          <a:ln w="28575" cap="flat" cmpd="sng" algn="ctr">
+            <a:solidFill>
+              <a:srgbClr val="FF0000"/>
+            </a:solidFill>
+            <a:prstDash val="solid"/>
+            <a:round/>
+            <a:headEnd type="none" w="med" len="med"/>
+            <a:tailEnd type="none" w="med" len="med"/>
+          </a:ln>
+          <a:effectLst/>
+        </p:spPr>
+        <p:txBody>
+          <a:bodyPr vert="horz" wrap="square" lIns="91440" tIns="45720" rIns="91440" bIns="45720" numCol="1" rtlCol="0" anchor="ctr" anchorCtr="0" compatLnSpc="1">
+            <a:prstTxWarp prst="textNoShape">
+              <a:avLst/>
+            </a:prstTxWarp>
             <a:spAutoFit/>
           </a:bodyPr>
           <a:lstStyle/>
           <a:p>
-            <a:r>
-              <a:rPr lang="en-US" altLang="zh-CN" dirty="0">
-                <a:solidFill>
-                  <a:schemeClr val="tx1"/>
-                </a:solidFill>
-              </a:rPr>
-              <a:t>Sample </a:t>
-            </a:r>
-            <a:r>
-              <a:rPr lang="en-US" altLang="zh-CN" dirty="0" err="1">
-                <a:solidFill>
-                  <a:schemeClr val="tx1"/>
-                </a:solidFill>
-              </a:rPr>
-              <a:t>ddl</a:t>
-            </a:r>
-            <a:endParaRPr lang="en-US" dirty="0">
+            <a:pPr marL="228600" marR="0" indent="-228600" algn="l" defTabSz="914400" rtl="0" eaLnBrk="1" fontAlgn="base" latinLnBrk="0" hangingPunct="1">
+              <a:lnSpc>
+                <a:spcPct val="100000"/>
+              </a:lnSpc>
+              <a:spcBef>
+                <a:spcPct val="0"/>
+              </a:spcBef>
+              <a:spcAft>
+                <a:spcPct val="25000"/>
+              </a:spcAft>
+              <a:buClr>
+                <a:schemeClr val="tx1"/>
+              </a:buClr>
+              <a:buSzTx/>
+              <a:buFontTx/>
+              <a:buNone/>
+              <a:tabLst/>
+            </a:pPr>
+            <a:endParaRPr kumimoji="0" lang="en-US" sz="1600" b="0" i="0" u="none" strike="noStrike" cap="none" normalizeH="0" baseline="0">
+              <a:ln>
+                <a:noFill/>
+              </a:ln>
               <a:solidFill>
-                <a:schemeClr val="tx1"/>
+                <a:srgbClr val="275AFF"/>
               </a:solidFill>
+              <a:effectLst/>
+              <a:latin typeface="Arial" charset="0"/>
+              <a:ea typeface="Times New Roman" pitchFamily="18" charset="0"/>
+              <a:cs typeface="AGaramond" pitchFamily="18" charset="0"/>
             </a:endParaRPr>
           </a:p>
         </p:txBody>
       </p:sp>
       <p:sp>
         <p:nvSpPr>
-          <p:cNvPr id="7" name="Rectangle 3"/>
-          <p:cNvSpPr txBox="1">
-            <a:spLocks noChangeArrowheads="1"/>
-          </p:cNvSpPr>
+          <p:cNvPr id="9" name="Oval 8"/>
+          <p:cNvSpPr/>
           <p:nvPr/>
         </p:nvSpPr>
         <p:spPr bwMode="auto">
           <a:xfrm>
-            <a:off x="457200" y="1719072"/>
-            <a:ext cx="8686800" cy="543837"/>
+            <a:off x="800100" y="5486400"/>
+            <a:ext cx="1765300" cy="850900"/>
+          </a:xfrm>
+          <a:prstGeom prst="ellipse">
+            <a:avLst/>
+          </a:prstGeom>
+          <a:noFill/>
+          <a:ln w="28575" cap="flat" cmpd="sng" algn="ctr">
+            <a:solidFill>
+              <a:srgbClr val="FF0000"/>
+            </a:solidFill>
+            <a:prstDash val="solid"/>
+            <a:round/>
+            <a:headEnd type="none" w="med" len="med"/>
+            <a:tailEnd type="none" w="med" len="med"/>
+          </a:ln>
+          <a:effectLst/>
+        </p:spPr>
+        <p:txBody>
+          <a:bodyPr vert="horz" wrap="square" lIns="91440" tIns="45720" rIns="91440" bIns="45720" numCol="1" rtlCol="0" anchor="ctr" anchorCtr="0" compatLnSpc="1">
+            <a:prstTxWarp prst="textNoShape">
+              <a:avLst/>
+            </a:prstTxWarp>
+            <a:spAutoFit/>
+          </a:bodyPr>
+          <a:lstStyle/>
+          <a:p>
+            <a:pPr marL="228600" marR="0" indent="-228600" algn="l" defTabSz="914400" rtl="0" eaLnBrk="1" fontAlgn="base" latinLnBrk="0" hangingPunct="1">
+              <a:lnSpc>
+                <a:spcPct val="100000"/>
+              </a:lnSpc>
+              <a:spcBef>
+                <a:spcPct val="0"/>
+              </a:spcBef>
+              <a:spcAft>
+                <a:spcPct val="25000"/>
+              </a:spcAft>
+              <a:buClr>
+                <a:schemeClr val="tx1"/>
+              </a:buClr>
+              <a:buSzTx/>
+              <a:buFontTx/>
+              <a:buNone/>
+              <a:tabLst/>
+            </a:pPr>
+            <a:endParaRPr kumimoji="0" lang="en-US" sz="1600" b="0" i="0" u="none" strike="noStrike" cap="none" normalizeH="0" baseline="0">
+              <a:ln>
+                <a:noFill/>
+              </a:ln>
+              <a:solidFill>
+                <a:srgbClr val="275AFF"/>
+              </a:solidFill>
+              <a:effectLst/>
+              <a:latin typeface="Arial" charset="0"/>
+              <a:ea typeface="Times New Roman" pitchFamily="18" charset="0"/>
+              <a:cs typeface="AGaramond" pitchFamily="18" charset="0"/>
+            </a:endParaRPr>
+          </a:p>
+        </p:txBody>
+      </p:sp>
+      <p:sp>
+        <p:nvSpPr>
+          <p:cNvPr id="8" name="Content Placeholder 2"/>
+          <p:cNvSpPr txBox="1">
+            <a:spLocks/>
+          </p:cNvSpPr>
+          <p:nvPr/>
+        </p:nvSpPr>
+        <p:spPr bwMode="auto">
+          <a:xfrm>
+            <a:off x="4563732" y="1600200"/>
+            <a:ext cx="4123068" cy="4525963"/>
           </a:xfrm>
           <a:prstGeom prst="rect">
             <a:avLst/>
@@ -9971,6 +9967,1507 @@
             </a:lvl9pPr>
           </a:lstStyle>
           <a:p>
+            <a:r>
+              <a:rPr lang="en-US" dirty="0" smtClean="0"/>
+              <a:t>MVC</a:t>
+            </a:r>
+          </a:p>
+          <a:p>
+            <a:r>
+              <a:rPr lang="en-US" dirty="0" smtClean="0"/>
+              <a:t>Order and product controllers to handle the business logic of the resource retrieval</a:t>
+            </a:r>
+          </a:p>
+          <a:p>
+            <a:r>
+              <a:rPr lang="en-US" dirty="0" smtClean="0"/>
+              <a:t>User model for authentication</a:t>
+            </a:r>
+            <a:endParaRPr lang="en-US" dirty="0" smtClean="0"/>
+          </a:p>
+        </p:txBody>
+      </p:sp>
+    </p:spTree>
+    <p:extLst>
+      <p:ext uri="{BB962C8B-B14F-4D97-AF65-F5344CB8AC3E}">
+        <p14:creationId xmlns:p14="http://schemas.microsoft.com/office/powerpoint/2010/main" val="2462946994"/>
+      </p:ext>
+    </p:extLst>
+  </p:cSld>
+  <p:clrMapOvr>
+    <a:masterClrMapping/>
+  </p:clrMapOvr>
+</p:sld>
+</file>
+
+<file path=ppt/slides/slide12.xml><?xml version="1.0" encoding="utf-8"?>
+<p:sld xmlns:a="http://schemas.openxmlformats.org/drawingml/2006/main" xmlns:r="http://schemas.openxmlformats.org/officeDocument/2006/relationships" xmlns:p="http://schemas.openxmlformats.org/presentationml/2006/main">
+  <p:cSld>
+    <p:spTree>
+      <p:nvGrpSpPr>
+        <p:cNvPr id="1" name=""/>
+        <p:cNvGrpSpPr/>
+        <p:nvPr/>
+      </p:nvGrpSpPr>
+      <p:grpSpPr>
+        <a:xfrm>
+          <a:off x="0" y="0"/>
+          <a:ext cx="0" cy="0"/>
+          <a:chOff x="0" y="0"/>
+          <a:chExt cx="0" cy="0"/>
+        </a:xfrm>
+      </p:grpSpPr>
+      <p:sp>
+        <p:nvSpPr>
+          <p:cNvPr id="2" name="Title 1"/>
+          <p:cNvSpPr>
+            <a:spLocks noGrp="1"/>
+          </p:cNvSpPr>
+          <p:nvPr>
+            <p:ph type="title"/>
+          </p:nvPr>
+        </p:nvSpPr>
+        <p:spPr/>
+        <p:txBody>
+          <a:bodyPr/>
+          <a:lstStyle/>
+          <a:p>
+            <a:r>
+              <a:rPr lang="en-US" dirty="0" smtClean="0"/>
+              <a:t>API Consumption Notes</a:t>
+            </a:r>
+            <a:endParaRPr lang="en-US" dirty="0"/>
+          </a:p>
+        </p:txBody>
+      </p:sp>
+      <p:sp>
+        <p:nvSpPr>
+          <p:cNvPr id="3" name="Content Placeholder 2"/>
+          <p:cNvSpPr>
+            <a:spLocks noGrp="1"/>
+          </p:cNvSpPr>
+          <p:nvPr>
+            <p:ph idx="1"/>
+          </p:nvPr>
+        </p:nvSpPr>
+        <p:spPr/>
+        <p:txBody>
+          <a:bodyPr/>
+          <a:lstStyle/>
+          <a:p>
+            <a:r>
+              <a:rPr lang="en-US" sz="2400" dirty="0" smtClean="0"/>
+              <a:t>What operations to do locally </a:t>
+            </a:r>
+            <a:r>
+              <a:rPr lang="en-US" sz="2400" dirty="0" err="1" smtClean="0"/>
+              <a:t>vs</a:t>
+            </a:r>
+            <a:r>
+              <a:rPr lang="en-US" sz="2400" dirty="0" smtClean="0"/>
+              <a:t> remotely when listing resources</a:t>
+            </a:r>
+          </a:p>
+          <a:p>
+            <a:pPr lvl="1"/>
+            <a:r>
+              <a:rPr lang="en-US" sz="2400" dirty="0" smtClean="0"/>
+              <a:t>a. get/search products, get orders: remote</a:t>
+            </a:r>
+          </a:p>
+          <a:p>
+            <a:pPr lvl="1"/>
+            <a:r>
+              <a:rPr lang="en-US" sz="2400" dirty="0" smtClean="0"/>
+              <a:t>b. Sorting, filtering, and paginating the listing are done locally (that are potentially services that can be provided)</a:t>
+            </a:r>
+          </a:p>
+        </p:txBody>
+      </p:sp>
+      <p:sp>
+        <p:nvSpPr>
+          <p:cNvPr id="4" name="Slide Number Placeholder 3"/>
+          <p:cNvSpPr>
+            <a:spLocks noGrp="1"/>
+          </p:cNvSpPr>
+          <p:nvPr>
+            <p:ph type="sldNum" sz="quarter" idx="10"/>
+          </p:nvPr>
+        </p:nvSpPr>
+        <p:spPr/>
+        <p:txBody>
+          <a:bodyPr/>
+          <a:lstStyle/>
+          <a:p>
+            <a:pPr>
+              <a:defRPr/>
+            </a:pPr>
+            <a:fld id="{C09B9D2E-8DA2-4A45-82A9-24FA37AAA5DD}" type="slidenum">
+              <a:rPr lang="en-US" smtClean="0"/>
+              <a:pPr>
+                <a:defRPr/>
+              </a:pPr>
+              <a:t>12</a:t>
+            </a:fld>
+            <a:endParaRPr lang="en-US"/>
+          </a:p>
+        </p:txBody>
+      </p:sp>
+      <p:pic>
+        <p:nvPicPr>
+          <p:cNvPr id="6" name="Picture 5"/>
+          <p:cNvPicPr>
+            <a:picLocks noChangeAspect="1"/>
+          </p:cNvPicPr>
+          <p:nvPr/>
+        </p:nvPicPr>
+        <p:blipFill rotWithShape="1">
+          <a:blip r:embed="rId2"/>
+          <a:srcRect l="30315" t="26795" r="18445" b="49313"/>
+          <a:stretch/>
+        </p:blipFill>
+        <p:spPr>
+          <a:xfrm>
+            <a:off x="542357" y="4114143"/>
+            <a:ext cx="8416448" cy="2452801"/>
+          </a:xfrm>
+          <a:prstGeom prst="rect">
+            <a:avLst/>
+          </a:prstGeom>
+        </p:spPr>
+      </p:pic>
+      <p:sp>
+        <p:nvSpPr>
+          <p:cNvPr id="7" name="Rectangle 6"/>
+          <p:cNvSpPr/>
+          <p:nvPr/>
+        </p:nvSpPr>
+        <p:spPr bwMode="auto">
+          <a:xfrm>
+            <a:off x="1336049" y="4484904"/>
+            <a:ext cx="7553308" cy="383664"/>
+          </a:xfrm>
+          <a:prstGeom prst="rect">
+            <a:avLst/>
+          </a:prstGeom>
+          <a:noFill/>
+          <a:ln w="38100" cap="flat" cmpd="sng" algn="ctr">
+            <a:solidFill>
+              <a:srgbClr val="FF0000"/>
+            </a:solidFill>
+            <a:prstDash val="solid"/>
+            <a:round/>
+            <a:headEnd type="none" w="med" len="med"/>
+            <a:tailEnd type="none" w="med" len="med"/>
+          </a:ln>
+          <a:effectLst/>
+        </p:spPr>
+        <p:txBody>
+          <a:bodyPr vert="horz" wrap="square" lIns="91440" tIns="45720" rIns="91440" bIns="45720" numCol="1" rtlCol="0" anchor="ctr" anchorCtr="0" compatLnSpc="1">
+            <a:prstTxWarp prst="textNoShape">
+              <a:avLst/>
+            </a:prstTxWarp>
+            <a:spAutoFit/>
+          </a:bodyPr>
+          <a:lstStyle/>
+          <a:p>
+            <a:pPr marL="228600" marR="0" indent="-228600" algn="l" defTabSz="914400" rtl="0" eaLnBrk="1" fontAlgn="base" latinLnBrk="0" hangingPunct="1">
+              <a:lnSpc>
+                <a:spcPct val="100000"/>
+              </a:lnSpc>
+              <a:spcBef>
+                <a:spcPct val="0"/>
+              </a:spcBef>
+              <a:spcAft>
+                <a:spcPct val="25000"/>
+              </a:spcAft>
+              <a:buClr>
+                <a:schemeClr val="tx1"/>
+              </a:buClr>
+              <a:buSzTx/>
+              <a:buFontTx/>
+              <a:buNone/>
+              <a:tabLst/>
+            </a:pPr>
+            <a:endParaRPr kumimoji="0" lang="en-US" sz="1600" b="0" i="0" u="none" strike="noStrike" cap="none" normalizeH="0" baseline="0" smtClean="0">
+              <a:ln>
+                <a:noFill/>
+              </a:ln>
+              <a:solidFill>
+                <a:srgbClr val="275AFF"/>
+              </a:solidFill>
+              <a:effectLst/>
+              <a:latin typeface="Arial" charset="0"/>
+              <a:ea typeface="Times New Roman" pitchFamily="18" charset="0"/>
+              <a:cs typeface="AGaramond" pitchFamily="18" charset="0"/>
+            </a:endParaRPr>
+          </a:p>
+        </p:txBody>
+      </p:sp>
+      <p:sp>
+        <p:nvSpPr>
+          <p:cNvPr id="8" name="Rectangle 7"/>
+          <p:cNvSpPr/>
+          <p:nvPr/>
+        </p:nvSpPr>
+        <p:spPr bwMode="auto">
+          <a:xfrm>
+            <a:off x="1316482" y="4994508"/>
+            <a:ext cx="7559646" cy="733997"/>
+          </a:xfrm>
+          <a:prstGeom prst="rect">
+            <a:avLst/>
+          </a:prstGeom>
+          <a:noFill/>
+          <a:ln w="38100" cap="flat" cmpd="sng" algn="ctr">
+            <a:solidFill>
+              <a:srgbClr val="FF0000"/>
+            </a:solidFill>
+            <a:prstDash val="solid"/>
+            <a:round/>
+            <a:headEnd type="none" w="med" len="med"/>
+            <a:tailEnd type="none" w="med" len="med"/>
+          </a:ln>
+          <a:effectLst/>
+        </p:spPr>
+        <p:txBody>
+          <a:bodyPr vert="horz" wrap="square" lIns="91440" tIns="45720" rIns="91440" bIns="45720" numCol="1" rtlCol="0" anchor="ctr" anchorCtr="0" compatLnSpc="1">
+            <a:prstTxWarp prst="textNoShape">
+              <a:avLst/>
+            </a:prstTxWarp>
+            <a:spAutoFit/>
+          </a:bodyPr>
+          <a:lstStyle/>
+          <a:p>
+            <a:pPr marL="228600" marR="0" indent="-228600" algn="l" defTabSz="914400" rtl="0" eaLnBrk="1" fontAlgn="base" latinLnBrk="0" hangingPunct="1">
+              <a:lnSpc>
+                <a:spcPct val="100000"/>
+              </a:lnSpc>
+              <a:spcBef>
+                <a:spcPct val="0"/>
+              </a:spcBef>
+              <a:spcAft>
+                <a:spcPct val="25000"/>
+              </a:spcAft>
+              <a:buClr>
+                <a:schemeClr val="tx1"/>
+              </a:buClr>
+              <a:buSzTx/>
+              <a:buFontTx/>
+              <a:buNone/>
+              <a:tabLst/>
+            </a:pPr>
+            <a:endParaRPr kumimoji="0" lang="en-US" sz="1600" b="0" i="0" u="none" strike="noStrike" cap="none" normalizeH="0" baseline="0" smtClean="0">
+              <a:ln>
+                <a:noFill/>
+              </a:ln>
+              <a:solidFill>
+                <a:srgbClr val="275AFF"/>
+              </a:solidFill>
+              <a:effectLst/>
+              <a:latin typeface="Arial" charset="0"/>
+              <a:ea typeface="Times New Roman" pitchFamily="18" charset="0"/>
+              <a:cs typeface="AGaramond" pitchFamily="18" charset="0"/>
+            </a:endParaRPr>
+          </a:p>
+        </p:txBody>
+      </p:sp>
+      <p:sp>
+        <p:nvSpPr>
+          <p:cNvPr id="9" name="TextBox 8"/>
+          <p:cNvSpPr txBox="1"/>
+          <p:nvPr/>
+        </p:nvSpPr>
+        <p:spPr>
+          <a:xfrm>
+            <a:off x="992118" y="4418755"/>
+            <a:ext cx="355837" cy="461665"/>
+          </a:xfrm>
+          <a:prstGeom prst="rect">
+            <a:avLst/>
+          </a:prstGeom>
+          <a:noFill/>
+        </p:spPr>
+        <p:txBody>
+          <a:bodyPr wrap="none" rtlCol="0">
+            <a:spAutoFit/>
+          </a:bodyPr>
+          <a:lstStyle/>
+          <a:p>
+            <a:r>
+              <a:rPr lang="en-US" sz="2400" dirty="0" smtClean="0">
+                <a:solidFill>
+                  <a:srgbClr val="FF0000"/>
+                </a:solidFill>
+              </a:rPr>
+              <a:t>a</a:t>
+            </a:r>
+            <a:endParaRPr lang="en-US" sz="2400" dirty="0">
+              <a:solidFill>
+                <a:srgbClr val="FF0000"/>
+              </a:solidFill>
+            </a:endParaRPr>
+          </a:p>
+        </p:txBody>
+      </p:sp>
+      <p:sp>
+        <p:nvSpPr>
+          <p:cNvPr id="10" name="TextBox 9"/>
+          <p:cNvSpPr txBox="1"/>
+          <p:nvPr/>
+        </p:nvSpPr>
+        <p:spPr>
+          <a:xfrm>
+            <a:off x="985779" y="5113577"/>
+            <a:ext cx="355837" cy="461665"/>
+          </a:xfrm>
+          <a:prstGeom prst="rect">
+            <a:avLst/>
+          </a:prstGeom>
+          <a:noFill/>
+        </p:spPr>
+        <p:txBody>
+          <a:bodyPr wrap="none" rtlCol="0">
+            <a:spAutoFit/>
+          </a:bodyPr>
+          <a:lstStyle/>
+          <a:p>
+            <a:r>
+              <a:rPr lang="en-US" sz="2400" dirty="0">
+                <a:solidFill>
+                  <a:srgbClr val="FF0000"/>
+                </a:solidFill>
+              </a:rPr>
+              <a:t>b</a:t>
+            </a:r>
+            <a:endParaRPr lang="en-US" sz="2400" dirty="0">
+              <a:solidFill>
+                <a:srgbClr val="FF0000"/>
+              </a:solidFill>
+            </a:endParaRPr>
+          </a:p>
+        </p:txBody>
+      </p:sp>
+    </p:spTree>
+    <p:extLst>
+      <p:ext uri="{BB962C8B-B14F-4D97-AF65-F5344CB8AC3E}">
+        <p14:creationId xmlns:p14="http://schemas.microsoft.com/office/powerpoint/2010/main" val="2520075573"/>
+      </p:ext>
+    </p:extLst>
+  </p:cSld>
+  <p:clrMapOvr>
+    <a:masterClrMapping/>
+  </p:clrMapOvr>
+</p:sld>
+</file>
+
+<file path=ppt/slides/slide13.xml><?xml version="1.0" encoding="utf-8"?>
+<p:sld xmlns:a="http://schemas.openxmlformats.org/drawingml/2006/main" xmlns:r="http://schemas.openxmlformats.org/officeDocument/2006/relationships" xmlns:p="http://schemas.openxmlformats.org/presentationml/2006/main">
+  <p:cSld>
+    <p:spTree>
+      <p:nvGrpSpPr>
+        <p:cNvPr id="1" name=""/>
+        <p:cNvGrpSpPr/>
+        <p:nvPr/>
+      </p:nvGrpSpPr>
+      <p:grpSpPr>
+        <a:xfrm>
+          <a:off x="0" y="0"/>
+          <a:ext cx="0" cy="0"/>
+          <a:chOff x="0" y="0"/>
+          <a:chExt cx="0" cy="0"/>
+        </a:xfrm>
+      </p:grpSpPr>
+      <p:sp>
+        <p:nvSpPr>
+          <p:cNvPr id="3" name="Content Placeholder 2"/>
+          <p:cNvSpPr>
+            <a:spLocks noGrp="1"/>
+          </p:cNvSpPr>
+          <p:nvPr>
+            <p:ph idx="1"/>
+          </p:nvPr>
+        </p:nvSpPr>
+        <p:spPr>
+          <a:xfrm>
+            <a:off x="443972" y="1481132"/>
+            <a:ext cx="8229600" cy="4525963"/>
+          </a:xfrm>
+        </p:spPr>
+        <p:txBody>
+          <a:bodyPr/>
+          <a:lstStyle/>
+          <a:p>
+            <a:r>
+              <a:rPr lang="en-US" sz="2000" dirty="0"/>
+              <a:t>Handle success and exception</a:t>
+            </a:r>
+          </a:p>
+          <a:p>
+            <a:pPr lvl="1"/>
+            <a:r>
+              <a:rPr lang="en-US" sz="2000" dirty="0"/>
+              <a:t>500 (or 5xx): Server’s fault</a:t>
+            </a:r>
+          </a:p>
+          <a:p>
+            <a:pPr lvl="1"/>
+            <a:r>
+              <a:rPr lang="en-US" sz="2000" dirty="0" smtClean="0"/>
+              <a:t>400 </a:t>
+            </a:r>
+            <a:r>
+              <a:rPr lang="en-US" sz="2000" dirty="0"/>
+              <a:t>(or </a:t>
+            </a:r>
+            <a:r>
+              <a:rPr lang="en-US" sz="2000" dirty="0" smtClean="0"/>
+              <a:t>4xx)</a:t>
+            </a:r>
+            <a:r>
+              <a:rPr lang="en-US" sz="2000" dirty="0"/>
+              <a:t>: Client’s fault</a:t>
+            </a:r>
+          </a:p>
+          <a:p>
+            <a:pPr lvl="1"/>
+            <a:r>
+              <a:rPr lang="en-US" sz="2000" dirty="0"/>
+              <a:t>200 (or 2xx): Success, even with no returned object (</a:t>
+            </a:r>
+            <a:r>
+              <a:rPr lang="en-US" sz="2000" dirty="0" err="1"/>
+              <a:t>searchProduct</a:t>
+            </a:r>
+            <a:r>
+              <a:rPr lang="en-US" sz="2000" dirty="0"/>
+              <a:t> </a:t>
+            </a:r>
+            <a:r>
+              <a:rPr lang="en-US" sz="2000" dirty="0" smtClean="0"/>
+              <a:t>for </a:t>
+            </a:r>
+            <a:r>
+              <a:rPr lang="en-US" sz="2000" dirty="0"/>
+              <a:t>example)</a:t>
+            </a:r>
+          </a:p>
+          <a:p>
+            <a:pPr marL="0" indent="0">
+              <a:buNone/>
+            </a:pPr>
+            <a:endParaRPr lang="en-US" sz="2000" dirty="0"/>
+          </a:p>
+        </p:txBody>
+      </p:sp>
+      <p:sp>
+        <p:nvSpPr>
+          <p:cNvPr id="4" name="Slide Number Placeholder 3"/>
+          <p:cNvSpPr>
+            <a:spLocks noGrp="1"/>
+          </p:cNvSpPr>
+          <p:nvPr>
+            <p:ph type="sldNum" sz="quarter" idx="10"/>
+          </p:nvPr>
+        </p:nvSpPr>
+        <p:spPr/>
+        <p:txBody>
+          <a:bodyPr/>
+          <a:lstStyle/>
+          <a:p>
+            <a:pPr>
+              <a:defRPr/>
+            </a:pPr>
+            <a:fld id="{C09B9D2E-8DA2-4A45-82A9-24FA37AAA5DD}" type="slidenum">
+              <a:rPr lang="en-US" smtClean="0"/>
+              <a:pPr>
+                <a:defRPr/>
+              </a:pPr>
+              <a:t>13</a:t>
+            </a:fld>
+            <a:endParaRPr lang="en-US"/>
+          </a:p>
+        </p:txBody>
+      </p:sp>
+      <p:pic>
+        <p:nvPicPr>
+          <p:cNvPr id="6" name="Picture 5"/>
+          <p:cNvPicPr>
+            <a:picLocks noChangeAspect="1"/>
+          </p:cNvPicPr>
+          <p:nvPr/>
+        </p:nvPicPr>
+        <p:blipFill rotWithShape="1">
+          <a:blip r:embed="rId2"/>
+          <a:srcRect l="6076" t="20050" r="3653" b="42448"/>
+          <a:stretch/>
+        </p:blipFill>
+        <p:spPr>
+          <a:xfrm>
+            <a:off x="383618" y="3267762"/>
+            <a:ext cx="8254403" cy="2143228"/>
+          </a:xfrm>
+          <a:prstGeom prst="rect">
+            <a:avLst/>
+          </a:prstGeom>
+        </p:spPr>
+      </p:pic>
+      <p:sp>
+        <p:nvSpPr>
+          <p:cNvPr id="7" name="TextBox 6"/>
+          <p:cNvSpPr txBox="1"/>
+          <p:nvPr/>
+        </p:nvSpPr>
+        <p:spPr>
+          <a:xfrm>
+            <a:off x="4233026" y="4193849"/>
+            <a:ext cx="3990671" cy="400110"/>
+          </a:xfrm>
+          <a:prstGeom prst="rect">
+            <a:avLst/>
+          </a:prstGeom>
+          <a:noFill/>
+        </p:spPr>
+        <p:txBody>
+          <a:bodyPr wrap="none" rtlCol="0">
+            <a:spAutoFit/>
+          </a:bodyPr>
+          <a:lstStyle/>
+          <a:p>
+            <a:r>
+              <a:rPr lang="en-US" sz="2000" dirty="0" smtClean="0"/>
+              <a:t>Return empty array? No problem.</a:t>
+            </a:r>
+            <a:endParaRPr lang="en-US" sz="2000" dirty="0"/>
+          </a:p>
+        </p:txBody>
+      </p:sp>
+      <p:cxnSp>
+        <p:nvCxnSpPr>
+          <p:cNvPr id="9" name="Straight Arrow Connector 8"/>
+          <p:cNvCxnSpPr/>
+          <p:nvPr/>
+        </p:nvCxnSpPr>
+        <p:spPr bwMode="auto">
+          <a:xfrm flipV="1">
+            <a:off x="3148314" y="4577513"/>
+            <a:ext cx="1031800" cy="423353"/>
+          </a:xfrm>
+          <a:prstGeom prst="straightConnector1">
+            <a:avLst/>
+          </a:prstGeom>
+          <a:noFill/>
+          <a:ln w="76200" cap="flat" cmpd="sng" algn="ctr">
+            <a:solidFill>
+              <a:srgbClr val="808080"/>
+            </a:solidFill>
+            <a:prstDash val="solid"/>
+            <a:round/>
+            <a:headEnd type="none" w="med" len="med"/>
+            <a:tailEnd type="arrow"/>
+          </a:ln>
+          <a:effectLst/>
+        </p:spPr>
+      </p:cxnSp>
+      <p:sp>
+        <p:nvSpPr>
+          <p:cNvPr id="11" name="Title 1"/>
+          <p:cNvSpPr>
+            <a:spLocks noGrp="1"/>
+          </p:cNvSpPr>
+          <p:nvPr>
+            <p:ph type="title"/>
+          </p:nvPr>
+        </p:nvSpPr>
+        <p:spPr>
+          <a:xfrm>
+            <a:off x="457200" y="274638"/>
+            <a:ext cx="5943600" cy="1173162"/>
+          </a:xfrm>
+        </p:spPr>
+        <p:txBody>
+          <a:bodyPr/>
+          <a:lstStyle/>
+          <a:p>
+            <a:r>
+              <a:rPr lang="en-US" dirty="0" smtClean="0"/>
+              <a:t>API Consumption Notes</a:t>
+            </a:r>
+            <a:endParaRPr lang="en-US" dirty="0"/>
+          </a:p>
+        </p:txBody>
+      </p:sp>
+      <p:pic>
+        <p:nvPicPr>
+          <p:cNvPr id="12" name="Picture 11"/>
+          <p:cNvPicPr>
+            <a:picLocks noChangeAspect="1"/>
+          </p:cNvPicPr>
+          <p:nvPr/>
+        </p:nvPicPr>
+        <p:blipFill rotWithShape="1">
+          <a:blip r:embed="rId3"/>
+          <a:srcRect l="30524" t="37919" r="14648" b="50506"/>
+          <a:stretch/>
+        </p:blipFill>
+        <p:spPr>
+          <a:xfrm>
+            <a:off x="370389" y="5667317"/>
+            <a:ext cx="8322401" cy="1098074"/>
+          </a:xfrm>
+          <a:prstGeom prst="rect">
+            <a:avLst/>
+          </a:prstGeom>
+        </p:spPr>
+      </p:pic>
+      <p:sp>
+        <p:nvSpPr>
+          <p:cNvPr id="13" name="Oval 12"/>
+          <p:cNvSpPr/>
+          <p:nvPr/>
+        </p:nvSpPr>
+        <p:spPr bwMode="auto">
+          <a:xfrm>
+            <a:off x="1283137" y="5788141"/>
+            <a:ext cx="1481559" cy="476071"/>
+          </a:xfrm>
+          <a:prstGeom prst="ellipse">
+            <a:avLst/>
+          </a:prstGeom>
+          <a:noFill/>
+          <a:ln w="57150" cap="flat" cmpd="sng" algn="ctr">
+            <a:solidFill>
+              <a:srgbClr val="FF0000"/>
+            </a:solidFill>
+            <a:prstDash val="solid"/>
+            <a:round/>
+            <a:headEnd type="none" w="med" len="med"/>
+            <a:tailEnd type="none" w="med" len="med"/>
+          </a:ln>
+          <a:effectLst/>
+        </p:spPr>
+        <p:txBody>
+          <a:bodyPr vert="horz" wrap="square" lIns="91440" tIns="45720" rIns="91440" bIns="45720" numCol="1" rtlCol="0" anchor="ctr" anchorCtr="0" compatLnSpc="1">
+            <a:prstTxWarp prst="textNoShape">
+              <a:avLst/>
+            </a:prstTxWarp>
+            <a:spAutoFit/>
+          </a:bodyPr>
+          <a:lstStyle/>
+          <a:p>
+            <a:pPr marL="228600" marR="0" indent="-228600" algn="l" defTabSz="914400" rtl="0" eaLnBrk="1" fontAlgn="base" latinLnBrk="0" hangingPunct="1">
+              <a:lnSpc>
+                <a:spcPct val="100000"/>
+              </a:lnSpc>
+              <a:spcBef>
+                <a:spcPct val="0"/>
+              </a:spcBef>
+              <a:spcAft>
+                <a:spcPct val="25000"/>
+              </a:spcAft>
+              <a:buClr>
+                <a:schemeClr val="tx1"/>
+              </a:buClr>
+              <a:buSzTx/>
+              <a:buFontTx/>
+              <a:buNone/>
+              <a:tabLst/>
+            </a:pPr>
+            <a:endParaRPr kumimoji="0" lang="en-US" sz="1600" b="0" i="0" u="none" strike="noStrike" cap="none" normalizeH="0" baseline="0" smtClean="0">
+              <a:ln>
+                <a:noFill/>
+              </a:ln>
+              <a:solidFill>
+                <a:srgbClr val="FF0000"/>
+              </a:solidFill>
+              <a:effectLst/>
+              <a:latin typeface="Arial" charset="0"/>
+              <a:ea typeface="Times New Roman" pitchFamily="18" charset="0"/>
+              <a:cs typeface="AGaramond" pitchFamily="18" charset="0"/>
+            </a:endParaRPr>
+          </a:p>
+        </p:txBody>
+      </p:sp>
+      <p:cxnSp>
+        <p:nvCxnSpPr>
+          <p:cNvPr id="16" name="Straight Arrow Connector 15"/>
+          <p:cNvCxnSpPr/>
+          <p:nvPr/>
+        </p:nvCxnSpPr>
+        <p:spPr bwMode="auto">
+          <a:xfrm flipH="1">
+            <a:off x="2817609" y="4762730"/>
+            <a:ext cx="2566272" cy="1018695"/>
+          </a:xfrm>
+          <a:prstGeom prst="straightConnector1">
+            <a:avLst/>
+          </a:prstGeom>
+          <a:noFill/>
+          <a:ln w="76200" cap="flat" cmpd="sng" algn="ctr">
+            <a:solidFill>
+              <a:srgbClr val="808080"/>
+            </a:solidFill>
+            <a:prstDash val="solid"/>
+            <a:round/>
+            <a:headEnd type="none" w="med" len="med"/>
+            <a:tailEnd type="arrow"/>
+          </a:ln>
+          <a:effectLst/>
+        </p:spPr>
+      </p:cxnSp>
+      <p:sp>
+        <p:nvSpPr>
+          <p:cNvPr id="22" name="TextBox 21"/>
+          <p:cNvSpPr txBox="1"/>
+          <p:nvPr/>
+        </p:nvSpPr>
+        <p:spPr>
+          <a:xfrm>
+            <a:off x="2864182" y="5854447"/>
+            <a:ext cx="2437386" cy="400110"/>
+          </a:xfrm>
+          <a:prstGeom prst="rect">
+            <a:avLst/>
+          </a:prstGeom>
+          <a:solidFill>
+            <a:schemeClr val="tx1">
+              <a:alpha val="76000"/>
+            </a:schemeClr>
+          </a:solidFill>
+          <a:ln>
+            <a:noFill/>
+          </a:ln>
+        </p:spPr>
+        <p:txBody>
+          <a:bodyPr wrap="none" rtlCol="0">
+            <a:spAutoFit/>
+          </a:bodyPr>
+          <a:lstStyle/>
+          <a:p>
+            <a:r>
+              <a:rPr lang="en-US" sz="2000" dirty="0" smtClean="0">
+                <a:solidFill>
+                  <a:srgbClr val="FF0000"/>
+                </a:solidFill>
+              </a:rPr>
+              <a:t>Client can handle it.</a:t>
+            </a:r>
+            <a:endParaRPr lang="en-US" sz="2000" dirty="0">
+              <a:solidFill>
+                <a:srgbClr val="FF0000"/>
+              </a:solidFill>
+            </a:endParaRPr>
+          </a:p>
+        </p:txBody>
+      </p:sp>
+    </p:spTree>
+    <p:extLst>
+      <p:ext uri="{BB962C8B-B14F-4D97-AF65-F5344CB8AC3E}">
+        <p14:creationId xmlns:p14="http://schemas.microsoft.com/office/powerpoint/2010/main" val="2177010485"/>
+      </p:ext>
+    </p:extLst>
+  </p:cSld>
+  <p:clrMapOvr>
+    <a:masterClrMapping/>
+  </p:clrMapOvr>
+</p:sld>
+</file>
+
+<file path=ppt/slides/slide14.xml><?xml version="1.0" encoding="utf-8"?>
+<p:sld xmlns:a="http://schemas.openxmlformats.org/drawingml/2006/main" xmlns:r="http://schemas.openxmlformats.org/officeDocument/2006/relationships" xmlns:p="http://schemas.openxmlformats.org/presentationml/2006/main" showMasterPhAnim="0">
+  <p:cSld>
+    <p:spTree>
+      <p:nvGrpSpPr>
+        <p:cNvPr id="1" name=""/>
+        <p:cNvGrpSpPr/>
+        <p:nvPr/>
+      </p:nvGrpSpPr>
+      <p:grpSpPr>
+        <a:xfrm>
+          <a:off x="0" y="0"/>
+          <a:ext cx="0" cy="0"/>
+          <a:chOff x="0" y="0"/>
+          <a:chExt cx="0" cy="0"/>
+        </a:xfrm>
+      </p:grpSpPr>
+      <p:sp>
+        <p:nvSpPr>
+          <p:cNvPr id="5122" name="Slide Number Placeholder 3"/>
+          <p:cNvSpPr>
+            <a:spLocks noGrp="1"/>
+          </p:cNvSpPr>
+          <p:nvPr>
+            <p:ph type="sldNum" sz="quarter" idx="10"/>
+          </p:nvPr>
+        </p:nvSpPr>
+        <p:spPr>
+          <a:noFill/>
+        </p:spPr>
+        <p:txBody>
+          <a:bodyPr/>
+          <a:lstStyle/>
+          <a:p>
+            <a:fld id="{338DB9B1-C646-48CE-AFA6-93572B519D26}" type="slidenum">
+              <a:rPr lang="en-US" smtClean="0"/>
+              <a:pPr/>
+              <a:t>14</a:t>
+            </a:fld>
+            <a:endParaRPr lang="en-US" dirty="0"/>
+          </a:p>
+        </p:txBody>
+      </p:sp>
+      <p:sp>
+        <p:nvSpPr>
+          <p:cNvPr id="2633730" name="Rectangle 2"/>
+          <p:cNvSpPr>
+            <a:spLocks noGrp="1" noChangeArrowheads="1"/>
+          </p:cNvSpPr>
+          <p:nvPr>
+            <p:ph type="title"/>
+          </p:nvPr>
+        </p:nvSpPr>
+        <p:spPr>
+          <a:xfrm>
+            <a:off x="457200" y="250254"/>
+            <a:ext cx="5943600" cy="1173162"/>
+          </a:xfrm>
+        </p:spPr>
+        <p:txBody>
+          <a:bodyPr/>
+          <a:lstStyle/>
+          <a:p>
+            <a:pPr eaLnBrk="1" hangingPunct="1"/>
+            <a:r>
+              <a:rPr lang="en-US" sz="3600" dirty="0"/>
+              <a:t>Project Architecture</a:t>
+            </a:r>
+          </a:p>
+        </p:txBody>
+      </p:sp>
+      <p:sp>
+        <p:nvSpPr>
+          <p:cNvPr id="2633731" name="Rectangle 3"/>
+          <p:cNvSpPr>
+            <a:spLocks noGrp="1" noChangeArrowheads="1"/>
+          </p:cNvSpPr>
+          <p:nvPr>
+            <p:ph type="body" idx="1"/>
+          </p:nvPr>
+        </p:nvSpPr>
+        <p:spPr>
+          <a:xfrm>
+            <a:off x="457200" y="1719072"/>
+            <a:ext cx="8062546" cy="4535424"/>
+          </a:xfrm>
+        </p:spPr>
+        <p:txBody>
+          <a:bodyPr/>
+          <a:lstStyle/>
+          <a:p>
+            <a:pPr marL="0" indent="0" eaLnBrk="1" hangingPunct="1">
+              <a:spcBef>
+                <a:spcPts val="0"/>
+              </a:spcBef>
+              <a:buNone/>
+            </a:pPr>
+            <a:endParaRPr lang="en-US" dirty="0">
+              <a:solidFill>
+                <a:srgbClr val="CC0000"/>
+              </a:solidFill>
+            </a:endParaRPr>
+          </a:p>
+          <a:p>
+            <a:pPr eaLnBrk="1" hangingPunct="1">
+              <a:spcBef>
+                <a:spcPts val="0"/>
+              </a:spcBef>
+            </a:pPr>
+            <a:endParaRPr lang="en-US" dirty="0">
+              <a:solidFill>
+                <a:srgbClr val="CC0000"/>
+              </a:solidFill>
+            </a:endParaRPr>
+          </a:p>
+        </p:txBody>
+      </p:sp>
+      <p:pic>
+        <p:nvPicPr>
+          <p:cNvPr id="6" name="Picture 5"/>
+          <p:cNvPicPr>
+            <a:picLocks noChangeAspect="1"/>
+          </p:cNvPicPr>
+          <p:nvPr/>
+        </p:nvPicPr>
+        <p:blipFill>
+          <a:blip r:embed="rId2"/>
+          <a:stretch>
+            <a:fillRect/>
+          </a:stretch>
+        </p:blipFill>
+        <p:spPr>
+          <a:xfrm>
+            <a:off x="1538861" y="2114549"/>
+            <a:ext cx="5833489" cy="3576183"/>
+          </a:xfrm>
+          <a:prstGeom prst="rect">
+            <a:avLst/>
+          </a:prstGeom>
+        </p:spPr>
+      </p:pic>
+    </p:spTree>
+    <p:extLst>
+      <p:ext uri="{BB962C8B-B14F-4D97-AF65-F5344CB8AC3E}">
+        <p14:creationId xmlns:p14="http://schemas.microsoft.com/office/powerpoint/2010/main" val="4135488869"/>
+      </p:ext>
+    </p:extLst>
+  </p:cSld>
+  <p:clrMapOvr>
+    <a:masterClrMapping/>
+  </p:clrMapOvr>
+</p:sld>
+</file>
+
+<file path=ppt/slides/slide15.xml><?xml version="1.0" encoding="utf-8"?>
+<p:sld xmlns:a="http://schemas.openxmlformats.org/drawingml/2006/main" xmlns:r="http://schemas.openxmlformats.org/officeDocument/2006/relationships" xmlns:p="http://schemas.openxmlformats.org/presentationml/2006/main">
+  <p:cSld>
+    <p:spTree>
+      <p:nvGrpSpPr>
+        <p:cNvPr id="1" name=""/>
+        <p:cNvGrpSpPr/>
+        <p:nvPr/>
+      </p:nvGrpSpPr>
+      <p:grpSpPr>
+        <a:xfrm>
+          <a:off x="0" y="0"/>
+          <a:ext cx="0" cy="0"/>
+          <a:chOff x="0" y="0"/>
+          <a:chExt cx="0" cy="0"/>
+        </a:xfrm>
+      </p:grpSpPr>
+      <p:sp>
+        <p:nvSpPr>
+          <p:cNvPr id="2" name="Title 1"/>
+          <p:cNvSpPr>
+            <a:spLocks noGrp="1"/>
+          </p:cNvSpPr>
+          <p:nvPr>
+            <p:ph type="title"/>
+          </p:nvPr>
+        </p:nvSpPr>
+        <p:spPr/>
+        <p:txBody>
+          <a:bodyPr/>
+          <a:lstStyle/>
+          <a:p>
+            <a:r>
+              <a:rPr lang="en-US" sz="3600" dirty="0"/>
+              <a:t>Project Architecture</a:t>
+            </a:r>
+          </a:p>
+        </p:txBody>
+      </p:sp>
+      <p:sp>
+        <p:nvSpPr>
+          <p:cNvPr id="4" name="Slide Number Placeholder 3"/>
+          <p:cNvSpPr>
+            <a:spLocks noGrp="1"/>
+          </p:cNvSpPr>
+          <p:nvPr>
+            <p:ph type="sldNum" sz="quarter" idx="10"/>
+          </p:nvPr>
+        </p:nvSpPr>
+        <p:spPr/>
+        <p:txBody>
+          <a:bodyPr/>
+          <a:lstStyle/>
+          <a:p>
+            <a:pPr>
+              <a:defRPr/>
+            </a:pPr>
+            <a:fld id="{C09B9D2E-8DA2-4A45-82A9-24FA37AAA5DD}" type="slidenum">
+              <a:rPr lang="en-US" smtClean="0"/>
+              <a:pPr>
+                <a:defRPr/>
+              </a:pPr>
+              <a:t>15</a:t>
+            </a:fld>
+            <a:endParaRPr lang="en-US"/>
+          </a:p>
+        </p:txBody>
+      </p:sp>
+      <p:pic>
+        <p:nvPicPr>
+          <p:cNvPr id="5" name="Picture 4"/>
+          <p:cNvPicPr>
+            <a:picLocks noChangeAspect="1"/>
+          </p:cNvPicPr>
+          <p:nvPr/>
+        </p:nvPicPr>
+        <p:blipFill>
+          <a:blip r:embed="rId2"/>
+          <a:stretch>
+            <a:fillRect/>
+          </a:stretch>
+        </p:blipFill>
+        <p:spPr>
+          <a:xfrm>
+            <a:off x="1878747" y="2212823"/>
+            <a:ext cx="4984633" cy="4596508"/>
+          </a:xfrm>
+          <a:prstGeom prst="rect">
+            <a:avLst/>
+          </a:prstGeom>
+        </p:spPr>
+      </p:pic>
+      <p:sp>
+        <p:nvSpPr>
+          <p:cNvPr id="7" name="Rectangle 6"/>
+          <p:cNvSpPr/>
+          <p:nvPr/>
+        </p:nvSpPr>
+        <p:spPr>
+          <a:xfrm>
+            <a:off x="368988" y="1874269"/>
+            <a:ext cx="1441805" cy="338554"/>
+          </a:xfrm>
+          <a:prstGeom prst="rect">
+            <a:avLst/>
+          </a:prstGeom>
+        </p:spPr>
+        <p:txBody>
+          <a:bodyPr wrap="none">
+            <a:spAutoFit/>
+          </a:bodyPr>
+          <a:lstStyle/>
+          <a:p>
+            <a:pPr eaLnBrk="1" hangingPunct="1">
+              <a:spcBef>
+                <a:spcPts val="0"/>
+              </a:spcBef>
+            </a:pPr>
+            <a:r>
+              <a:rPr lang="en-US" dirty="0">
+                <a:solidFill>
+                  <a:srgbClr val="CC0000"/>
+                </a:solidFill>
+              </a:rPr>
+              <a:t>UML Diagram</a:t>
+            </a:r>
+          </a:p>
+        </p:txBody>
+      </p:sp>
+    </p:spTree>
+    <p:extLst>
+      <p:ext uri="{BB962C8B-B14F-4D97-AF65-F5344CB8AC3E}">
+        <p14:creationId xmlns:p14="http://schemas.microsoft.com/office/powerpoint/2010/main" val="1715078475"/>
+      </p:ext>
+    </p:extLst>
+  </p:cSld>
+  <p:clrMapOvr>
+    <a:masterClrMapping/>
+  </p:clrMapOvr>
+</p:sld>
+</file>
+
+<file path=ppt/slides/slide16.xml><?xml version="1.0" encoding="utf-8"?>
+<p:sld xmlns:a="http://schemas.openxmlformats.org/drawingml/2006/main" xmlns:r="http://schemas.openxmlformats.org/officeDocument/2006/relationships" xmlns:p="http://schemas.openxmlformats.org/presentationml/2006/main" showMasterPhAnim="0">
+  <p:cSld>
+    <p:spTree>
+      <p:nvGrpSpPr>
+        <p:cNvPr id="1" name=""/>
+        <p:cNvGrpSpPr/>
+        <p:nvPr/>
+      </p:nvGrpSpPr>
+      <p:grpSpPr>
+        <a:xfrm>
+          <a:off x="0" y="0"/>
+          <a:ext cx="0" cy="0"/>
+          <a:chOff x="0" y="0"/>
+          <a:chExt cx="0" cy="0"/>
+        </a:xfrm>
+      </p:grpSpPr>
+      <p:sp>
+        <p:nvSpPr>
+          <p:cNvPr id="5122" name="Slide Number Placeholder 3"/>
+          <p:cNvSpPr>
+            <a:spLocks noGrp="1"/>
+          </p:cNvSpPr>
+          <p:nvPr>
+            <p:ph type="sldNum" sz="quarter" idx="10"/>
+          </p:nvPr>
+        </p:nvSpPr>
+        <p:spPr>
+          <a:noFill/>
+        </p:spPr>
+        <p:txBody>
+          <a:bodyPr/>
+          <a:lstStyle/>
+          <a:p>
+            <a:fld id="{338DB9B1-C646-48CE-AFA6-93572B519D26}" type="slidenum">
+              <a:rPr lang="en-US" smtClean="0"/>
+              <a:pPr/>
+              <a:t>16</a:t>
+            </a:fld>
+            <a:endParaRPr lang="en-US" dirty="0"/>
+          </a:p>
+        </p:txBody>
+      </p:sp>
+      <p:sp>
+        <p:nvSpPr>
+          <p:cNvPr id="2633730" name="Rectangle 2"/>
+          <p:cNvSpPr>
+            <a:spLocks noGrp="1" noChangeArrowheads="1"/>
+          </p:cNvSpPr>
+          <p:nvPr>
+            <p:ph type="title"/>
+          </p:nvPr>
+        </p:nvSpPr>
+        <p:spPr>
+          <a:xfrm>
+            <a:off x="140208" y="250254"/>
+            <a:ext cx="6577584" cy="1173162"/>
+          </a:xfrm>
+        </p:spPr>
+        <p:txBody>
+          <a:bodyPr/>
+          <a:lstStyle/>
+          <a:p>
+            <a:pPr eaLnBrk="1" hangingPunct="1"/>
+            <a:r>
+              <a:rPr lang="en-US" sz="3600" dirty="0"/>
+              <a:t>Project Architecture</a:t>
+            </a:r>
+          </a:p>
+        </p:txBody>
+      </p:sp>
+      <p:pic>
+        <p:nvPicPr>
+          <p:cNvPr id="6" name="Content Placeholder 5"/>
+          <p:cNvPicPr>
+            <a:picLocks noChangeAspect="1"/>
+          </p:cNvPicPr>
+          <p:nvPr/>
+        </p:nvPicPr>
+        <p:blipFill>
+          <a:blip r:embed="rId2"/>
+          <a:stretch>
+            <a:fillRect/>
+          </a:stretch>
+        </p:blipFill>
+        <p:spPr bwMode="auto">
+          <a:xfrm>
+            <a:off x="1564200" y="1722437"/>
+            <a:ext cx="5714209" cy="4525963"/>
+          </a:xfrm>
+          <a:prstGeom prst="rect">
+            <a:avLst/>
+          </a:prstGeom>
+          <a:noFill/>
+          <a:ln w="9525">
+            <a:noFill/>
+            <a:miter lim="800000"/>
+            <a:headEnd/>
+            <a:tailEnd/>
+          </a:ln>
+        </p:spPr>
+      </p:pic>
+    </p:spTree>
+    <p:extLst>
+      <p:ext uri="{BB962C8B-B14F-4D97-AF65-F5344CB8AC3E}">
+        <p14:creationId xmlns:p14="http://schemas.microsoft.com/office/powerpoint/2010/main" val="4243363220"/>
+      </p:ext>
+    </p:extLst>
+  </p:cSld>
+  <p:clrMapOvr>
+    <a:masterClrMapping/>
+  </p:clrMapOvr>
+</p:sld>
+</file>
+
+<file path=ppt/slides/slide17.xml><?xml version="1.0" encoding="utf-8"?>
+<p:sld xmlns:a="http://schemas.openxmlformats.org/drawingml/2006/main" xmlns:r="http://schemas.openxmlformats.org/officeDocument/2006/relationships" xmlns:p="http://schemas.openxmlformats.org/presentationml/2006/main">
+  <p:cSld>
+    <p:spTree>
+      <p:nvGrpSpPr>
+        <p:cNvPr id="1" name=""/>
+        <p:cNvGrpSpPr/>
+        <p:nvPr/>
+      </p:nvGrpSpPr>
+      <p:grpSpPr>
+        <a:xfrm>
+          <a:off x="0" y="0"/>
+          <a:ext cx="0" cy="0"/>
+          <a:chOff x="0" y="0"/>
+          <a:chExt cx="0" cy="0"/>
+        </a:xfrm>
+      </p:grpSpPr>
+      <p:sp>
+        <p:nvSpPr>
+          <p:cNvPr id="2" name="Title 1"/>
+          <p:cNvSpPr>
+            <a:spLocks noGrp="1"/>
+          </p:cNvSpPr>
+          <p:nvPr>
+            <p:ph type="title"/>
+          </p:nvPr>
+        </p:nvSpPr>
+        <p:spPr/>
+        <p:txBody>
+          <a:bodyPr/>
+          <a:lstStyle/>
+          <a:p>
+            <a:r>
+              <a:rPr lang="en-US" sz="3600" dirty="0"/>
+              <a:t>Project Architecture</a:t>
+            </a:r>
+          </a:p>
+        </p:txBody>
+      </p:sp>
+      <p:sp>
+        <p:nvSpPr>
+          <p:cNvPr id="4" name="Slide Number Placeholder 3"/>
+          <p:cNvSpPr>
+            <a:spLocks noGrp="1"/>
+          </p:cNvSpPr>
+          <p:nvPr>
+            <p:ph type="sldNum" sz="quarter" idx="10"/>
+          </p:nvPr>
+        </p:nvSpPr>
+        <p:spPr/>
+        <p:txBody>
+          <a:bodyPr/>
+          <a:lstStyle/>
+          <a:p>
+            <a:pPr>
+              <a:defRPr/>
+            </a:pPr>
+            <a:fld id="{C09B9D2E-8DA2-4A45-82A9-24FA37AAA5DD}" type="slidenum">
+              <a:rPr lang="en-US" smtClean="0"/>
+              <a:pPr>
+                <a:defRPr/>
+              </a:pPr>
+              <a:t>17</a:t>
+            </a:fld>
+            <a:endParaRPr lang="en-US" dirty="0"/>
+          </a:p>
+        </p:txBody>
+      </p:sp>
+      <p:sp>
+        <p:nvSpPr>
+          <p:cNvPr id="6" name="TextBox 5"/>
+          <p:cNvSpPr txBox="1"/>
+          <p:nvPr/>
+        </p:nvSpPr>
+        <p:spPr>
+          <a:xfrm>
+            <a:off x="3743325" y="6248400"/>
+            <a:ext cx="1208985" cy="338554"/>
+          </a:xfrm>
+          <a:prstGeom prst="rect">
+            <a:avLst/>
+          </a:prstGeom>
+          <a:noFill/>
+        </p:spPr>
+        <p:txBody>
+          <a:bodyPr wrap="none" rtlCol="0">
+            <a:spAutoFit/>
+          </a:bodyPr>
+          <a:lstStyle/>
+          <a:p>
+            <a:r>
+              <a:rPr lang="en-US" altLang="zh-CN" dirty="0">
+                <a:solidFill>
+                  <a:schemeClr val="tx1"/>
+                </a:solidFill>
+              </a:rPr>
+              <a:t>Sample </a:t>
+            </a:r>
+            <a:r>
+              <a:rPr lang="en-US" altLang="zh-CN" dirty="0" err="1">
+                <a:solidFill>
+                  <a:schemeClr val="tx1"/>
+                </a:solidFill>
+              </a:rPr>
+              <a:t>ddl</a:t>
+            </a:r>
+            <a:endParaRPr lang="en-US" dirty="0">
+              <a:solidFill>
+                <a:schemeClr val="tx1"/>
+              </a:solidFill>
+            </a:endParaRPr>
+          </a:p>
+        </p:txBody>
+      </p:sp>
+      <p:sp>
+        <p:nvSpPr>
+          <p:cNvPr id="7" name="Rectangle 3"/>
+          <p:cNvSpPr txBox="1">
+            <a:spLocks noChangeArrowheads="1"/>
+          </p:cNvSpPr>
+          <p:nvPr/>
+        </p:nvSpPr>
+        <p:spPr bwMode="auto">
+          <a:xfrm>
+            <a:off x="457200" y="1719072"/>
+            <a:ext cx="8686800" cy="543837"/>
+          </a:xfrm>
+          <a:prstGeom prst="rect">
+            <a:avLst/>
+          </a:prstGeom>
+          <a:noFill/>
+          <a:ln w="9525">
+            <a:noFill/>
+            <a:miter lim="800000"/>
+            <a:headEnd/>
+            <a:tailEnd/>
+          </a:ln>
+        </p:spPr>
+        <p:txBody>
+          <a:bodyPr vert="horz" wrap="square" lIns="91440" tIns="45720" rIns="91440" bIns="45720" numCol="1" anchor="t" anchorCtr="0" compatLnSpc="1">
+            <a:prstTxWarp prst="textNoShape">
+              <a:avLst/>
+            </a:prstTxWarp>
+          </a:bodyPr>
+          <a:lstStyle>
+            <a:lvl1pPr marL="342900" indent="-342900" algn="l" rtl="0" eaLnBrk="0" fontAlgn="base" hangingPunct="0">
+              <a:spcBef>
+                <a:spcPct val="20000"/>
+              </a:spcBef>
+              <a:spcAft>
+                <a:spcPct val="0"/>
+              </a:spcAft>
+              <a:buChar char="•"/>
+              <a:defRPr sz="3200">
+                <a:solidFill>
+                  <a:schemeClr val="tx1"/>
+                </a:solidFill>
+                <a:latin typeface="+mn-lt"/>
+                <a:ea typeface="+mn-ea"/>
+                <a:cs typeface="+mn-cs"/>
+              </a:defRPr>
+            </a:lvl1pPr>
+            <a:lvl2pPr marL="742950" indent="-285750" algn="l" rtl="0" eaLnBrk="0" fontAlgn="base" hangingPunct="0">
+              <a:spcBef>
+                <a:spcPct val="20000"/>
+              </a:spcBef>
+              <a:spcAft>
+                <a:spcPct val="0"/>
+              </a:spcAft>
+              <a:buChar char="–"/>
+              <a:defRPr sz="2800">
+                <a:solidFill>
+                  <a:schemeClr val="tx1"/>
+                </a:solidFill>
+                <a:latin typeface="+mn-lt"/>
+              </a:defRPr>
+            </a:lvl2pPr>
+            <a:lvl3pPr marL="1143000" indent="-228600" algn="l" rtl="0" eaLnBrk="0" fontAlgn="base" hangingPunct="0">
+              <a:spcBef>
+                <a:spcPct val="20000"/>
+              </a:spcBef>
+              <a:spcAft>
+                <a:spcPct val="0"/>
+              </a:spcAft>
+              <a:buChar char="•"/>
+              <a:defRPr sz="2400">
+                <a:solidFill>
+                  <a:schemeClr val="tx1"/>
+                </a:solidFill>
+                <a:latin typeface="+mn-lt"/>
+              </a:defRPr>
+            </a:lvl3pPr>
+            <a:lvl4pPr marL="1600200" indent="-228600" algn="l" rtl="0" eaLnBrk="0" fontAlgn="base" hangingPunct="0">
+              <a:spcBef>
+                <a:spcPct val="20000"/>
+              </a:spcBef>
+              <a:spcAft>
+                <a:spcPct val="0"/>
+              </a:spcAft>
+              <a:buChar char="–"/>
+              <a:defRPr sz="2000">
+                <a:solidFill>
+                  <a:schemeClr val="tx1"/>
+                </a:solidFill>
+                <a:latin typeface="+mn-lt"/>
+              </a:defRPr>
+            </a:lvl4pPr>
+            <a:lvl5pPr marL="2057400" indent="-228600" algn="l" rtl="0" eaLnBrk="0" fontAlgn="base" hangingPunct="0">
+              <a:spcBef>
+                <a:spcPct val="20000"/>
+              </a:spcBef>
+              <a:spcAft>
+                <a:spcPct val="0"/>
+              </a:spcAft>
+              <a:buChar char="»"/>
+              <a:defRPr sz="2000">
+                <a:solidFill>
+                  <a:schemeClr val="tx1"/>
+                </a:solidFill>
+                <a:latin typeface="+mn-lt"/>
+              </a:defRPr>
+            </a:lvl5pPr>
+            <a:lvl6pPr marL="2514600" indent="-228600" algn="l" rtl="0" fontAlgn="base">
+              <a:spcBef>
+                <a:spcPct val="20000"/>
+              </a:spcBef>
+              <a:spcAft>
+                <a:spcPct val="0"/>
+              </a:spcAft>
+              <a:buChar char="»"/>
+              <a:defRPr sz="2000">
+                <a:solidFill>
+                  <a:schemeClr val="tx1"/>
+                </a:solidFill>
+                <a:latin typeface="+mn-lt"/>
+              </a:defRPr>
+            </a:lvl6pPr>
+            <a:lvl7pPr marL="2971800" indent="-228600" algn="l" rtl="0" fontAlgn="base">
+              <a:spcBef>
+                <a:spcPct val="20000"/>
+              </a:spcBef>
+              <a:spcAft>
+                <a:spcPct val="0"/>
+              </a:spcAft>
+              <a:buChar char="»"/>
+              <a:defRPr sz="2000">
+                <a:solidFill>
+                  <a:schemeClr val="tx1"/>
+                </a:solidFill>
+                <a:latin typeface="+mn-lt"/>
+              </a:defRPr>
+            </a:lvl7pPr>
+            <a:lvl8pPr marL="3429000" indent="-228600" algn="l" rtl="0" fontAlgn="base">
+              <a:spcBef>
+                <a:spcPct val="20000"/>
+              </a:spcBef>
+              <a:spcAft>
+                <a:spcPct val="0"/>
+              </a:spcAft>
+              <a:buChar char="»"/>
+              <a:defRPr sz="2000">
+                <a:solidFill>
+                  <a:schemeClr val="tx1"/>
+                </a:solidFill>
+                <a:latin typeface="+mn-lt"/>
+              </a:defRPr>
+            </a:lvl8pPr>
+            <a:lvl9pPr marL="3886200" indent="-228600" algn="l" rtl="0" fontAlgn="base">
+              <a:spcBef>
+                <a:spcPct val="20000"/>
+              </a:spcBef>
+              <a:spcAft>
+                <a:spcPct val="0"/>
+              </a:spcAft>
+              <a:buChar char="»"/>
+              <a:defRPr sz="2000">
+                <a:solidFill>
+                  <a:schemeClr val="tx1"/>
+                </a:solidFill>
+                <a:latin typeface="+mn-lt"/>
+              </a:defRPr>
+            </a:lvl9pPr>
+          </a:lstStyle>
+          <a:p>
             <a:pPr marL="0" indent="0" eaLnBrk="1" hangingPunct="1">
               <a:spcBef>
                 <a:spcPts val="0"/>
@@ -10149,7 +11646,7 @@
 </p:sld>
 </file>
 
-<file path=ppt/slides/slide13.xml><?xml version="1.0" encoding="utf-8"?>
+<file path=ppt/slides/slide18.xml><?xml version="1.0" encoding="utf-8"?>
 <p:sld xmlns:a="http://schemas.openxmlformats.org/drawingml/2006/main" xmlns:r="http://schemas.openxmlformats.org/officeDocument/2006/relationships" xmlns:p="http://schemas.openxmlformats.org/presentationml/2006/main" showMasterPhAnim="0">
   <p:cSld>
     <p:spTree>
@@ -10186,7 +11683,7 @@
             <a:fld id="{338DB9B1-C646-48CE-AFA6-93572B519D26}" type="slidenum">
               <a:rPr lang="en-US" smtClean="0"/>
               <a:pPr/>
-              <a:t>13</a:t>
+              <a:t>18</a:t>
             </a:fld>
             <a:endParaRPr lang="en-US" dirty="0"/>
           </a:p>
@@ -10258,7 +11755,7 @@
 </p:sld>
 </file>
 
-<file path=ppt/slides/slide14.xml><?xml version="1.0" encoding="utf-8"?>
+<file path=ppt/slides/slide19.xml><?xml version="1.0" encoding="utf-8"?>
 <p:sld xmlns:a="http://schemas.openxmlformats.org/drawingml/2006/main" xmlns:r="http://schemas.openxmlformats.org/officeDocument/2006/relationships" xmlns:p="http://schemas.openxmlformats.org/presentationml/2006/main" showMasterPhAnim="0">
   <p:cSld>
     <p:spTree>
@@ -10295,7 +11792,7 @@
             <a:fld id="{338DB9B1-C646-48CE-AFA6-93572B519D26}" type="slidenum">
               <a:rPr lang="en-US" smtClean="0"/>
               <a:pPr/>
-              <a:t>14</a:t>
+              <a:t>19</a:t>
             </a:fld>
             <a:endParaRPr lang="en-US" dirty="0"/>
           </a:p>
@@ -10565,939 +12062,6 @@
 </p:sld>
 </file>
 
-<file path=ppt/slides/slide15.xml><?xml version="1.0" encoding="utf-8"?>
-<p:sld xmlns:a="http://schemas.openxmlformats.org/drawingml/2006/main" xmlns:r="http://schemas.openxmlformats.org/officeDocument/2006/relationships" xmlns:p="http://schemas.openxmlformats.org/presentationml/2006/main">
-  <p:cSld>
-    <p:spTree>
-      <p:nvGrpSpPr>
-        <p:cNvPr id="1" name=""/>
-        <p:cNvGrpSpPr/>
-        <p:nvPr/>
-      </p:nvGrpSpPr>
-      <p:grpSpPr>
-        <a:xfrm>
-          <a:off x="0" y="0"/>
-          <a:ext cx="0" cy="0"/>
-          <a:chOff x="0" y="0"/>
-          <a:chExt cx="0" cy="0"/>
-        </a:xfrm>
-      </p:grpSpPr>
-      <p:sp>
-        <p:nvSpPr>
-          <p:cNvPr id="2" name="Title 1"/>
-          <p:cNvSpPr>
-            <a:spLocks noGrp="1"/>
-          </p:cNvSpPr>
-          <p:nvPr>
-            <p:ph type="title"/>
-          </p:nvPr>
-        </p:nvSpPr>
-        <p:spPr/>
-        <p:txBody>
-          <a:bodyPr/>
-          <a:lstStyle/>
-          <a:p>
-            <a:r>
-              <a:rPr lang="en-US" sz="3600" dirty="0"/>
-              <a:t>Implementation</a:t>
-            </a:r>
-          </a:p>
-        </p:txBody>
-      </p:sp>
-      <p:sp>
-        <p:nvSpPr>
-          <p:cNvPr id="3" name="Content Placeholder 2"/>
-          <p:cNvSpPr>
-            <a:spLocks noGrp="1"/>
-          </p:cNvSpPr>
-          <p:nvPr>
-            <p:ph idx="1"/>
-          </p:nvPr>
-        </p:nvSpPr>
-        <p:spPr>
-          <a:xfrm>
-            <a:off x="457200" y="1600200"/>
-            <a:ext cx="8229600" cy="561975"/>
-          </a:xfrm>
-        </p:spPr>
-        <p:txBody>
-          <a:bodyPr/>
-          <a:lstStyle/>
-          <a:p>
-            <a:r>
-              <a:rPr lang="en-US" dirty="0"/>
-              <a:t>Use JDBC to access database</a:t>
-            </a:r>
-          </a:p>
-          <a:p>
-            <a:endParaRPr lang="en-US" dirty="0"/>
-          </a:p>
-        </p:txBody>
-      </p:sp>
-      <p:sp>
-        <p:nvSpPr>
-          <p:cNvPr id="4" name="Slide Number Placeholder 3"/>
-          <p:cNvSpPr>
-            <a:spLocks noGrp="1"/>
-          </p:cNvSpPr>
-          <p:nvPr>
-            <p:ph type="sldNum" sz="quarter" idx="10"/>
-          </p:nvPr>
-        </p:nvSpPr>
-        <p:spPr/>
-        <p:txBody>
-          <a:bodyPr/>
-          <a:lstStyle/>
-          <a:p>
-            <a:pPr>
-              <a:defRPr/>
-            </a:pPr>
-            <a:fld id="{C09B9D2E-8DA2-4A45-82A9-24FA37AAA5DD}" type="slidenum">
-              <a:rPr lang="en-US" smtClean="0"/>
-              <a:pPr>
-                <a:defRPr/>
-              </a:pPr>
-              <a:t>15</a:t>
-            </a:fld>
-            <a:endParaRPr lang="en-US"/>
-          </a:p>
-        </p:txBody>
-      </p:sp>
-      <p:pic>
-        <p:nvPicPr>
-          <p:cNvPr id="5" name="Picture 4"/>
-          <p:cNvPicPr>
-            <a:picLocks noChangeAspect="1"/>
-          </p:cNvPicPr>
-          <p:nvPr/>
-        </p:nvPicPr>
-        <p:blipFill>
-          <a:blip r:embed="rId2"/>
-          <a:stretch>
-            <a:fillRect/>
-          </a:stretch>
-        </p:blipFill>
-        <p:spPr>
-          <a:xfrm>
-            <a:off x="1466850" y="2314575"/>
-            <a:ext cx="5372100" cy="4361634"/>
-          </a:xfrm>
-          <a:prstGeom prst="rect">
-            <a:avLst/>
-          </a:prstGeom>
-        </p:spPr>
-      </p:pic>
-    </p:spTree>
-    <p:extLst>
-      <p:ext uri="{BB962C8B-B14F-4D97-AF65-F5344CB8AC3E}">
-        <p14:creationId xmlns:p14="http://schemas.microsoft.com/office/powerpoint/2010/main" val="3606323745"/>
-      </p:ext>
-    </p:extLst>
-  </p:cSld>
-  <p:clrMapOvr>
-    <a:masterClrMapping/>
-  </p:clrMapOvr>
-</p:sld>
-</file>
-
-<file path=ppt/slides/slide16.xml><?xml version="1.0" encoding="utf-8"?>
-<p:sld xmlns:a="http://schemas.openxmlformats.org/drawingml/2006/main" xmlns:r="http://schemas.openxmlformats.org/officeDocument/2006/relationships" xmlns:p="http://schemas.openxmlformats.org/presentationml/2006/main">
-  <p:cSld>
-    <p:spTree>
-      <p:nvGrpSpPr>
-        <p:cNvPr id="1" name=""/>
-        <p:cNvGrpSpPr/>
-        <p:nvPr/>
-      </p:nvGrpSpPr>
-      <p:grpSpPr>
-        <a:xfrm>
-          <a:off x="0" y="0"/>
-          <a:ext cx="0" cy="0"/>
-          <a:chOff x="0" y="0"/>
-          <a:chExt cx="0" cy="0"/>
-        </a:xfrm>
-      </p:grpSpPr>
-      <p:sp>
-        <p:nvSpPr>
-          <p:cNvPr id="2" name="Title 1"/>
-          <p:cNvSpPr>
-            <a:spLocks noGrp="1"/>
-          </p:cNvSpPr>
-          <p:nvPr>
-            <p:ph type="title"/>
-          </p:nvPr>
-        </p:nvSpPr>
-        <p:spPr/>
-        <p:txBody>
-          <a:bodyPr/>
-          <a:lstStyle/>
-          <a:p>
-            <a:r>
-              <a:rPr lang="en-US" sz="3600" dirty="0"/>
-              <a:t>Implementation</a:t>
-            </a:r>
-          </a:p>
-        </p:txBody>
-      </p:sp>
-      <p:sp>
-        <p:nvSpPr>
-          <p:cNvPr id="3" name="Content Placeholder 2"/>
-          <p:cNvSpPr>
-            <a:spLocks noGrp="1"/>
-          </p:cNvSpPr>
-          <p:nvPr>
-            <p:ph idx="1"/>
-          </p:nvPr>
-        </p:nvSpPr>
-        <p:spPr>
-          <a:xfrm>
-            <a:off x="457200" y="1600200"/>
-            <a:ext cx="8229600" cy="657225"/>
-          </a:xfrm>
-        </p:spPr>
-        <p:txBody>
-          <a:bodyPr/>
-          <a:lstStyle/>
-          <a:p>
-            <a:r>
-              <a:rPr lang="en-US" dirty="0"/>
-              <a:t>Follow </a:t>
-            </a:r>
-            <a:r>
-              <a:rPr lang="en-US" dirty="0" err="1"/>
-              <a:t>ReST</a:t>
-            </a:r>
-            <a:r>
-              <a:rPr lang="en-US" dirty="0"/>
-              <a:t> design principles to CRUD</a:t>
-            </a:r>
-          </a:p>
-        </p:txBody>
-      </p:sp>
-      <p:sp>
-        <p:nvSpPr>
-          <p:cNvPr id="4" name="Slide Number Placeholder 3"/>
-          <p:cNvSpPr>
-            <a:spLocks noGrp="1"/>
-          </p:cNvSpPr>
-          <p:nvPr>
-            <p:ph type="sldNum" sz="quarter" idx="10"/>
-          </p:nvPr>
-        </p:nvSpPr>
-        <p:spPr/>
-        <p:txBody>
-          <a:bodyPr/>
-          <a:lstStyle/>
-          <a:p>
-            <a:pPr>
-              <a:defRPr/>
-            </a:pPr>
-            <a:fld id="{C09B9D2E-8DA2-4A45-82A9-24FA37AAA5DD}" type="slidenum">
-              <a:rPr lang="en-US" smtClean="0"/>
-              <a:pPr>
-                <a:defRPr/>
-              </a:pPr>
-              <a:t>16</a:t>
-            </a:fld>
-            <a:endParaRPr lang="en-US"/>
-          </a:p>
-        </p:txBody>
-      </p:sp>
-      <p:pic>
-        <p:nvPicPr>
-          <p:cNvPr id="5" name="Picture 4"/>
-          <p:cNvPicPr>
-            <a:picLocks noChangeAspect="1"/>
-          </p:cNvPicPr>
-          <p:nvPr/>
-        </p:nvPicPr>
-        <p:blipFill>
-          <a:blip r:embed="rId2"/>
-          <a:stretch>
-            <a:fillRect/>
-          </a:stretch>
-        </p:blipFill>
-        <p:spPr>
-          <a:xfrm>
-            <a:off x="1052512" y="2900779"/>
-            <a:ext cx="6082635" cy="1918871"/>
-          </a:xfrm>
-          <a:prstGeom prst="rect">
-            <a:avLst/>
-          </a:prstGeom>
-        </p:spPr>
-      </p:pic>
-      <p:sp>
-        <p:nvSpPr>
-          <p:cNvPr id="6" name="TextBox 5"/>
-          <p:cNvSpPr txBox="1"/>
-          <p:nvPr/>
-        </p:nvSpPr>
-        <p:spPr>
-          <a:xfrm>
-            <a:off x="657225" y="2409825"/>
-            <a:ext cx="2829108" cy="338554"/>
-          </a:xfrm>
-          <a:prstGeom prst="rect">
-            <a:avLst/>
-          </a:prstGeom>
-          <a:noFill/>
-        </p:spPr>
-        <p:txBody>
-          <a:bodyPr wrap="none" rtlCol="0">
-            <a:spAutoFit/>
-          </a:bodyPr>
-          <a:lstStyle/>
-          <a:p>
-            <a:r>
-              <a:rPr lang="en-US" dirty="0"/>
-              <a:t>Example of the GET method:</a:t>
-            </a:r>
-          </a:p>
-        </p:txBody>
-      </p:sp>
-      <p:pic>
-        <p:nvPicPr>
-          <p:cNvPr id="7" name="Picture 6"/>
-          <p:cNvPicPr>
-            <a:picLocks noChangeAspect="1"/>
-          </p:cNvPicPr>
-          <p:nvPr/>
-        </p:nvPicPr>
-        <p:blipFill>
-          <a:blip r:embed="rId3"/>
-          <a:stretch>
-            <a:fillRect/>
-          </a:stretch>
-        </p:blipFill>
-        <p:spPr>
-          <a:xfrm>
-            <a:off x="1052512" y="4972050"/>
-            <a:ext cx="5857875" cy="1447800"/>
-          </a:xfrm>
-          <a:prstGeom prst="rect">
-            <a:avLst/>
-          </a:prstGeom>
-        </p:spPr>
-      </p:pic>
-    </p:spTree>
-    <p:extLst>
-      <p:ext uri="{BB962C8B-B14F-4D97-AF65-F5344CB8AC3E}">
-        <p14:creationId xmlns:p14="http://schemas.microsoft.com/office/powerpoint/2010/main" val="1418166819"/>
-      </p:ext>
-    </p:extLst>
-  </p:cSld>
-  <p:clrMapOvr>
-    <a:masterClrMapping/>
-  </p:clrMapOvr>
-</p:sld>
-</file>
-
-<file path=ppt/slides/slide17.xml><?xml version="1.0" encoding="utf-8"?>
-<p:sld xmlns:a="http://schemas.openxmlformats.org/drawingml/2006/main" xmlns:r="http://schemas.openxmlformats.org/officeDocument/2006/relationships" xmlns:p="http://schemas.openxmlformats.org/presentationml/2006/main">
-  <p:cSld>
-    <p:spTree>
-      <p:nvGrpSpPr>
-        <p:cNvPr id="1" name=""/>
-        <p:cNvGrpSpPr/>
-        <p:nvPr/>
-      </p:nvGrpSpPr>
-      <p:grpSpPr>
-        <a:xfrm>
-          <a:off x="0" y="0"/>
-          <a:ext cx="0" cy="0"/>
-          <a:chOff x="0" y="0"/>
-          <a:chExt cx="0" cy="0"/>
-        </a:xfrm>
-      </p:grpSpPr>
-      <p:sp>
-        <p:nvSpPr>
-          <p:cNvPr id="2" name="Title 1"/>
-          <p:cNvSpPr>
-            <a:spLocks noGrp="1"/>
-          </p:cNvSpPr>
-          <p:nvPr>
-            <p:ph type="title"/>
-          </p:nvPr>
-        </p:nvSpPr>
-        <p:spPr/>
-        <p:txBody>
-          <a:bodyPr/>
-          <a:lstStyle/>
-          <a:p>
-            <a:r>
-              <a:rPr lang="en-US" sz="3600" dirty="0"/>
-              <a:t>Implementation</a:t>
-            </a:r>
-          </a:p>
-        </p:txBody>
-      </p:sp>
-      <p:sp>
-        <p:nvSpPr>
-          <p:cNvPr id="3" name="Content Placeholder 2"/>
-          <p:cNvSpPr>
-            <a:spLocks noGrp="1"/>
-          </p:cNvSpPr>
-          <p:nvPr>
-            <p:ph idx="1"/>
-          </p:nvPr>
-        </p:nvSpPr>
-        <p:spPr>
-          <a:xfrm>
-            <a:off x="2735913" y="6438900"/>
-            <a:ext cx="3476626" cy="333375"/>
-          </a:xfrm>
-        </p:spPr>
-        <p:txBody>
-          <a:bodyPr/>
-          <a:lstStyle/>
-          <a:p>
-            <a:pPr marL="0" indent="0">
-              <a:buNone/>
-            </a:pPr>
-            <a:r>
-              <a:rPr lang="en-US" sz="1400" dirty="0"/>
-              <a:t>Screenshot from postman of get method</a:t>
-            </a:r>
-          </a:p>
-        </p:txBody>
-      </p:sp>
-      <p:sp>
-        <p:nvSpPr>
-          <p:cNvPr id="4" name="Slide Number Placeholder 3"/>
-          <p:cNvSpPr>
-            <a:spLocks noGrp="1"/>
-          </p:cNvSpPr>
-          <p:nvPr>
-            <p:ph type="sldNum" sz="quarter" idx="10"/>
-          </p:nvPr>
-        </p:nvSpPr>
-        <p:spPr/>
-        <p:txBody>
-          <a:bodyPr/>
-          <a:lstStyle/>
-          <a:p>
-            <a:pPr>
-              <a:defRPr/>
-            </a:pPr>
-            <a:fld id="{C09B9D2E-8DA2-4A45-82A9-24FA37AAA5DD}" type="slidenum">
-              <a:rPr lang="en-US" smtClean="0"/>
-              <a:pPr>
-                <a:defRPr/>
-              </a:pPr>
-              <a:t>17</a:t>
-            </a:fld>
-            <a:endParaRPr lang="en-US"/>
-          </a:p>
-        </p:txBody>
-      </p:sp>
-      <p:pic>
-        <p:nvPicPr>
-          <p:cNvPr id="5" name="Picture 4"/>
-          <p:cNvPicPr>
-            <a:picLocks noChangeAspect="1"/>
-          </p:cNvPicPr>
-          <p:nvPr/>
-        </p:nvPicPr>
-        <p:blipFill>
-          <a:blip r:embed="rId2"/>
-          <a:stretch>
-            <a:fillRect/>
-          </a:stretch>
-        </p:blipFill>
-        <p:spPr>
-          <a:xfrm>
-            <a:off x="1381125" y="1876914"/>
-            <a:ext cx="6762750" cy="4242897"/>
-          </a:xfrm>
-          <a:prstGeom prst="rect">
-            <a:avLst/>
-          </a:prstGeom>
-        </p:spPr>
-      </p:pic>
-    </p:spTree>
-    <p:extLst>
-      <p:ext uri="{BB962C8B-B14F-4D97-AF65-F5344CB8AC3E}">
-        <p14:creationId xmlns:p14="http://schemas.microsoft.com/office/powerpoint/2010/main" val="1541514851"/>
-      </p:ext>
-    </p:extLst>
-  </p:cSld>
-  <p:clrMapOvr>
-    <a:masterClrMapping/>
-  </p:clrMapOvr>
-</p:sld>
-</file>
-
-<file path=ppt/slides/slide18.xml><?xml version="1.0" encoding="utf-8"?>
-<p:sld xmlns:a="http://schemas.openxmlformats.org/drawingml/2006/main" xmlns:r="http://schemas.openxmlformats.org/officeDocument/2006/relationships" xmlns:p="http://schemas.openxmlformats.org/presentationml/2006/main">
-  <p:cSld>
-    <p:spTree>
-      <p:nvGrpSpPr>
-        <p:cNvPr id="1" name=""/>
-        <p:cNvGrpSpPr/>
-        <p:nvPr/>
-      </p:nvGrpSpPr>
-      <p:grpSpPr>
-        <a:xfrm>
-          <a:off x="0" y="0"/>
-          <a:ext cx="0" cy="0"/>
-          <a:chOff x="0" y="0"/>
-          <a:chExt cx="0" cy="0"/>
-        </a:xfrm>
-      </p:grpSpPr>
-      <p:sp>
-        <p:nvSpPr>
-          <p:cNvPr id="2" name="Title 1"/>
-          <p:cNvSpPr>
-            <a:spLocks noGrp="1"/>
-          </p:cNvSpPr>
-          <p:nvPr>
-            <p:ph type="title"/>
-          </p:nvPr>
-        </p:nvSpPr>
-        <p:spPr/>
-        <p:txBody>
-          <a:bodyPr/>
-          <a:lstStyle/>
-          <a:p>
-            <a:r>
-              <a:rPr lang="en-US" sz="3600" dirty="0"/>
-              <a:t>Implementation</a:t>
-            </a:r>
-          </a:p>
-        </p:txBody>
-      </p:sp>
-      <p:sp>
-        <p:nvSpPr>
-          <p:cNvPr id="4" name="Slide Number Placeholder 3"/>
-          <p:cNvSpPr>
-            <a:spLocks noGrp="1"/>
-          </p:cNvSpPr>
-          <p:nvPr>
-            <p:ph type="sldNum" sz="quarter" idx="10"/>
-          </p:nvPr>
-        </p:nvSpPr>
-        <p:spPr/>
-        <p:txBody>
-          <a:bodyPr/>
-          <a:lstStyle/>
-          <a:p>
-            <a:pPr>
-              <a:defRPr/>
-            </a:pPr>
-            <a:fld id="{C09B9D2E-8DA2-4A45-82A9-24FA37AAA5DD}" type="slidenum">
-              <a:rPr lang="en-US" smtClean="0"/>
-              <a:pPr>
-                <a:defRPr/>
-              </a:pPr>
-              <a:t>18</a:t>
-            </a:fld>
-            <a:endParaRPr lang="en-US"/>
-          </a:p>
-        </p:txBody>
-      </p:sp>
-      <p:pic>
-        <p:nvPicPr>
-          <p:cNvPr id="5" name="Picture 4"/>
-          <p:cNvPicPr>
-            <a:picLocks noChangeAspect="1"/>
-          </p:cNvPicPr>
-          <p:nvPr/>
-        </p:nvPicPr>
-        <p:blipFill>
-          <a:blip r:embed="rId2"/>
-          <a:stretch>
-            <a:fillRect/>
-          </a:stretch>
-        </p:blipFill>
-        <p:spPr>
-          <a:xfrm>
-            <a:off x="1000125" y="2828925"/>
-            <a:ext cx="7829550" cy="2495550"/>
-          </a:xfrm>
-          <a:prstGeom prst="rect">
-            <a:avLst/>
-          </a:prstGeom>
-        </p:spPr>
-      </p:pic>
-      <p:sp>
-        <p:nvSpPr>
-          <p:cNvPr id="6" name="TextBox 5"/>
-          <p:cNvSpPr txBox="1"/>
-          <p:nvPr/>
-        </p:nvSpPr>
-        <p:spPr>
-          <a:xfrm>
-            <a:off x="714375" y="1905000"/>
-            <a:ext cx="2965364" cy="646331"/>
-          </a:xfrm>
-          <a:prstGeom prst="rect">
-            <a:avLst/>
-          </a:prstGeom>
-          <a:noFill/>
-        </p:spPr>
-        <p:txBody>
-          <a:bodyPr wrap="none" rtlCol="0">
-            <a:spAutoFit/>
-          </a:bodyPr>
-          <a:lstStyle/>
-          <a:p>
-            <a:r>
-              <a:rPr lang="en-US" dirty="0"/>
-              <a:t>Example of the POST method:</a:t>
-            </a:r>
-          </a:p>
-          <a:p>
-            <a:endParaRPr lang="en-US" dirty="0"/>
-          </a:p>
-        </p:txBody>
-      </p:sp>
-    </p:spTree>
-    <p:extLst>
-      <p:ext uri="{BB962C8B-B14F-4D97-AF65-F5344CB8AC3E}">
-        <p14:creationId xmlns:p14="http://schemas.microsoft.com/office/powerpoint/2010/main" val="1924377719"/>
-      </p:ext>
-    </p:extLst>
-  </p:cSld>
-  <p:clrMapOvr>
-    <a:masterClrMapping/>
-  </p:clrMapOvr>
-</p:sld>
-</file>
-
-<file path=ppt/slides/slide19.xml><?xml version="1.0" encoding="utf-8"?>
-<p:sld xmlns:a="http://schemas.openxmlformats.org/drawingml/2006/main" xmlns:r="http://schemas.openxmlformats.org/officeDocument/2006/relationships" xmlns:p="http://schemas.openxmlformats.org/presentationml/2006/main">
-  <p:cSld>
-    <p:spTree>
-      <p:nvGrpSpPr>
-        <p:cNvPr id="1" name=""/>
-        <p:cNvGrpSpPr/>
-        <p:nvPr/>
-      </p:nvGrpSpPr>
-      <p:grpSpPr>
-        <a:xfrm>
-          <a:off x="0" y="0"/>
-          <a:ext cx="0" cy="0"/>
-          <a:chOff x="0" y="0"/>
-          <a:chExt cx="0" cy="0"/>
-        </a:xfrm>
-      </p:grpSpPr>
-      <p:sp>
-        <p:nvSpPr>
-          <p:cNvPr id="2" name="Title 1"/>
-          <p:cNvSpPr>
-            <a:spLocks noGrp="1"/>
-          </p:cNvSpPr>
-          <p:nvPr>
-            <p:ph type="title"/>
-          </p:nvPr>
-        </p:nvSpPr>
-        <p:spPr/>
-        <p:txBody>
-          <a:bodyPr/>
-          <a:lstStyle/>
-          <a:p>
-            <a:r>
-              <a:rPr lang="en-US" sz="3600" dirty="0"/>
-              <a:t>Implementation</a:t>
-            </a:r>
-          </a:p>
-        </p:txBody>
-      </p:sp>
-      <p:sp>
-        <p:nvSpPr>
-          <p:cNvPr id="3" name="Content Placeholder 2"/>
-          <p:cNvSpPr>
-            <a:spLocks noGrp="1"/>
-          </p:cNvSpPr>
-          <p:nvPr>
-            <p:ph idx="1"/>
-          </p:nvPr>
-        </p:nvSpPr>
-        <p:spPr>
-          <a:xfrm>
-            <a:off x="3257549" y="4591050"/>
-            <a:ext cx="2024063" cy="476250"/>
-          </a:xfrm>
-        </p:spPr>
-        <p:txBody>
-          <a:bodyPr/>
-          <a:lstStyle/>
-          <a:p>
-            <a:pPr marL="0" indent="0">
-              <a:buNone/>
-            </a:pPr>
-            <a:r>
-              <a:rPr lang="en-US" sz="1600" dirty="0"/>
-              <a:t>Result in database</a:t>
-            </a:r>
-          </a:p>
-        </p:txBody>
-      </p:sp>
-      <p:sp>
-        <p:nvSpPr>
-          <p:cNvPr id="4" name="Slide Number Placeholder 3"/>
-          <p:cNvSpPr>
-            <a:spLocks noGrp="1"/>
-          </p:cNvSpPr>
-          <p:nvPr>
-            <p:ph type="sldNum" sz="quarter" idx="10"/>
-          </p:nvPr>
-        </p:nvSpPr>
-        <p:spPr/>
-        <p:txBody>
-          <a:bodyPr/>
-          <a:lstStyle/>
-          <a:p>
-            <a:pPr>
-              <a:defRPr/>
-            </a:pPr>
-            <a:fld id="{C09B9D2E-8DA2-4A45-82A9-24FA37AAA5DD}" type="slidenum">
-              <a:rPr lang="en-US" smtClean="0"/>
-              <a:pPr>
-                <a:defRPr/>
-              </a:pPr>
-              <a:t>19</a:t>
-            </a:fld>
-            <a:endParaRPr lang="en-US"/>
-          </a:p>
-        </p:txBody>
-      </p:sp>
-      <p:sp>
-        <p:nvSpPr>
-          <p:cNvPr id="6" name="Oval 5"/>
-          <p:cNvSpPr/>
-          <p:nvPr/>
-        </p:nvSpPr>
-        <p:spPr bwMode="auto">
-          <a:xfrm>
-            <a:off x="457200" y="3829050"/>
-            <a:ext cx="800100" cy="381000"/>
-          </a:xfrm>
-          <a:prstGeom prst="ellipse">
-            <a:avLst/>
-          </a:prstGeom>
-          <a:noFill/>
-          <a:ln w="9525" cap="flat" cmpd="sng" algn="ctr">
-            <a:noFill/>
-            <a:prstDash val="solid"/>
-            <a:round/>
-            <a:headEnd type="none" w="med" len="med"/>
-            <a:tailEnd type="none" w="med" len="med"/>
-          </a:ln>
-          <a:effectLst/>
-        </p:spPr>
-        <p:txBody>
-          <a:bodyPr vert="horz" wrap="square" lIns="91440" tIns="45720" rIns="91440" bIns="45720" numCol="1" rtlCol="0" anchor="ctr" anchorCtr="0" compatLnSpc="1">
-            <a:prstTxWarp prst="textNoShape">
-              <a:avLst/>
-            </a:prstTxWarp>
-            <a:spAutoFit/>
-          </a:bodyPr>
-          <a:lstStyle/>
-          <a:p>
-            <a:pPr marL="228600" marR="0" indent="-228600" algn="l" defTabSz="914400" rtl="0" eaLnBrk="1" fontAlgn="base" latinLnBrk="0" hangingPunct="1">
-              <a:lnSpc>
-                <a:spcPct val="100000"/>
-              </a:lnSpc>
-              <a:spcBef>
-                <a:spcPct val="0"/>
-              </a:spcBef>
-              <a:spcAft>
-                <a:spcPct val="25000"/>
-              </a:spcAft>
-              <a:buClr>
-                <a:schemeClr val="tx1"/>
-              </a:buClr>
-              <a:buSzTx/>
-              <a:buFontTx/>
-              <a:buNone/>
-              <a:tabLst/>
-            </a:pPr>
-            <a:endParaRPr kumimoji="0" lang="en-US" sz="1600" b="0" i="0" u="none" strike="noStrike" cap="none" normalizeH="0" baseline="0">
-              <a:ln>
-                <a:noFill/>
-              </a:ln>
-              <a:solidFill>
-                <a:srgbClr val="275AFF"/>
-              </a:solidFill>
-              <a:effectLst/>
-              <a:latin typeface="Arial" charset="0"/>
-              <a:ea typeface="Times New Roman" pitchFamily="18" charset="0"/>
-              <a:cs typeface="AGaramond" pitchFamily="18" charset="0"/>
-            </a:endParaRPr>
-          </a:p>
-        </p:txBody>
-      </p:sp>
-      <p:sp>
-        <p:nvSpPr>
-          <p:cNvPr id="7" name="Oval 6"/>
-          <p:cNvSpPr/>
-          <p:nvPr/>
-        </p:nvSpPr>
-        <p:spPr bwMode="auto">
-          <a:xfrm>
-            <a:off x="3686175" y="5248275"/>
-            <a:ext cx="1628775" cy="714375"/>
-          </a:xfrm>
-          <a:prstGeom prst="ellipse">
-            <a:avLst/>
-          </a:prstGeom>
-          <a:noFill/>
-          <a:ln w="9525" cap="flat" cmpd="sng" algn="ctr">
-            <a:noFill/>
-            <a:prstDash val="solid"/>
-            <a:round/>
-            <a:headEnd type="none" w="med" len="med"/>
-            <a:tailEnd type="none" w="med" len="med"/>
-          </a:ln>
-          <a:effectLst/>
-        </p:spPr>
-        <p:txBody>
-          <a:bodyPr vert="horz" wrap="square" lIns="91440" tIns="45720" rIns="91440" bIns="45720" numCol="1" rtlCol="0" anchor="ctr" anchorCtr="0" compatLnSpc="1">
-            <a:prstTxWarp prst="textNoShape">
-              <a:avLst/>
-            </a:prstTxWarp>
-            <a:spAutoFit/>
-          </a:bodyPr>
-          <a:lstStyle/>
-          <a:p>
-            <a:pPr marL="228600" marR="0" indent="-228600" algn="l" defTabSz="914400" rtl="0" eaLnBrk="1" fontAlgn="base" latinLnBrk="0" hangingPunct="1">
-              <a:lnSpc>
-                <a:spcPct val="100000"/>
-              </a:lnSpc>
-              <a:spcBef>
-                <a:spcPct val="0"/>
-              </a:spcBef>
-              <a:spcAft>
-                <a:spcPct val="25000"/>
-              </a:spcAft>
-              <a:buClr>
-                <a:schemeClr val="tx1"/>
-              </a:buClr>
-              <a:buSzTx/>
-              <a:buFontTx/>
-              <a:buNone/>
-              <a:tabLst/>
-            </a:pPr>
-            <a:endParaRPr kumimoji="0" lang="en-US" sz="1600" b="0" i="0" u="none" strike="noStrike" cap="none" normalizeH="0" baseline="0">
-              <a:ln>
-                <a:noFill/>
-              </a:ln>
-              <a:solidFill>
-                <a:srgbClr val="275AFF"/>
-              </a:solidFill>
-              <a:effectLst/>
-              <a:latin typeface="Arial" charset="0"/>
-              <a:ea typeface="Times New Roman" pitchFamily="18" charset="0"/>
-              <a:cs typeface="AGaramond" pitchFamily="18" charset="0"/>
-            </a:endParaRPr>
-          </a:p>
-        </p:txBody>
-      </p:sp>
-      <p:sp>
-        <p:nvSpPr>
-          <p:cNvPr id="8" name="Oval 7"/>
-          <p:cNvSpPr/>
-          <p:nvPr/>
-        </p:nvSpPr>
-        <p:spPr bwMode="auto">
-          <a:xfrm>
-            <a:off x="3200400" y="4410075"/>
-            <a:ext cx="2047875" cy="2038350"/>
-          </a:xfrm>
-          <a:prstGeom prst="ellipse">
-            <a:avLst/>
-          </a:prstGeom>
-          <a:noFill/>
-          <a:ln w="9525" cap="flat" cmpd="sng" algn="ctr">
-            <a:noFill/>
-            <a:prstDash val="solid"/>
-            <a:round/>
-            <a:headEnd type="none" w="med" len="med"/>
-            <a:tailEnd type="none" w="med" len="med"/>
-          </a:ln>
-          <a:effectLst/>
-        </p:spPr>
-        <p:txBody>
-          <a:bodyPr vert="horz" wrap="square" lIns="91440" tIns="45720" rIns="91440" bIns="45720" numCol="1" rtlCol="0" anchor="ctr" anchorCtr="0" compatLnSpc="1">
-            <a:prstTxWarp prst="textNoShape">
-              <a:avLst/>
-            </a:prstTxWarp>
-            <a:spAutoFit/>
-          </a:bodyPr>
-          <a:lstStyle/>
-          <a:p>
-            <a:pPr marL="228600" marR="0" indent="-228600" algn="l" defTabSz="914400" rtl="0" eaLnBrk="1" fontAlgn="base" latinLnBrk="0" hangingPunct="1">
-              <a:lnSpc>
-                <a:spcPct val="100000"/>
-              </a:lnSpc>
-              <a:spcBef>
-                <a:spcPct val="0"/>
-              </a:spcBef>
-              <a:spcAft>
-                <a:spcPct val="25000"/>
-              </a:spcAft>
-              <a:buClr>
-                <a:schemeClr val="tx1"/>
-              </a:buClr>
-              <a:buSzTx/>
-              <a:buFontTx/>
-              <a:buNone/>
-              <a:tabLst/>
-            </a:pPr>
-            <a:endParaRPr kumimoji="0" lang="en-US" sz="1600" b="0" i="0" u="none" strike="noStrike" cap="none" normalizeH="0" baseline="0">
-              <a:ln>
-                <a:noFill/>
-              </a:ln>
-              <a:solidFill>
-                <a:srgbClr val="275AFF"/>
-              </a:solidFill>
-              <a:effectLst/>
-              <a:latin typeface="Arial" charset="0"/>
-              <a:ea typeface="Times New Roman" pitchFamily="18" charset="0"/>
-              <a:cs typeface="AGaramond" pitchFamily="18" charset="0"/>
-            </a:endParaRPr>
-          </a:p>
-        </p:txBody>
-      </p:sp>
-      <p:pic>
-        <p:nvPicPr>
-          <p:cNvPr id="9" name="Picture 8"/>
-          <p:cNvPicPr>
-            <a:picLocks noChangeAspect="1"/>
-          </p:cNvPicPr>
-          <p:nvPr/>
-        </p:nvPicPr>
-        <p:blipFill>
-          <a:blip r:embed="rId2"/>
-          <a:stretch>
-            <a:fillRect/>
-          </a:stretch>
-        </p:blipFill>
-        <p:spPr>
-          <a:xfrm>
-            <a:off x="0" y="2935755"/>
-            <a:ext cx="9144000" cy="986490"/>
-          </a:xfrm>
-          <a:prstGeom prst="rect">
-            <a:avLst/>
-          </a:prstGeom>
-        </p:spPr>
-      </p:pic>
-    </p:spTree>
-    <p:extLst>
-      <p:ext uri="{BB962C8B-B14F-4D97-AF65-F5344CB8AC3E}">
-        <p14:creationId xmlns:p14="http://schemas.microsoft.com/office/powerpoint/2010/main" val="631626606"/>
-      </p:ext>
-    </p:extLst>
-  </p:cSld>
-  <p:clrMapOvr>
-    <a:masterClrMapping/>
-  </p:clrMapOvr>
-</p:sld>
-</file>
-
 <file path=ppt/slides/slide2.xml><?xml version="1.0" encoding="utf-8"?>
 <p:sld xmlns:a="http://schemas.openxmlformats.org/drawingml/2006/main" xmlns:r="http://schemas.openxmlformats.org/officeDocument/2006/relationships" xmlns:p="http://schemas.openxmlformats.org/presentationml/2006/main">
   <p:cSld>
@@ -11658,9 +12222,8 @@
           <a:p>
             <a:r>
               <a:rPr lang="en-US" sz="3600" dirty="0"/>
-              <a:t>Difficulties and Lessons</a:t>
-            </a:r>
-            <a:endParaRPr lang="en-US" dirty="0"/>
+              <a:t>Implementation</a:t>
+            </a:r>
           </a:p>
         </p:txBody>
       </p:sp>
@@ -11674,48 +12237,19 @@
             <p:ph idx="1"/>
           </p:nvPr>
         </p:nvSpPr>
-        <p:spPr/>
+        <p:spPr>
+          <a:xfrm>
+            <a:off x="457200" y="1600200"/>
+            <a:ext cx="8229600" cy="561975"/>
+          </a:xfrm>
+        </p:spPr>
         <p:txBody>
           <a:bodyPr/>
           <a:lstStyle/>
           <a:p>
             <a:r>
-              <a:rPr lang="en-US" sz="2800" dirty="0"/>
-              <a:t>Didn’t know how to create a standard layered structure at the beginning, mixed domain layer and DAC layer </a:t>
-            </a:r>
-          </a:p>
-          <a:p>
-            <a:r>
-              <a:rPr lang="en-US" sz="2800" dirty="0"/>
-              <a:t>Know how to create it in class</a:t>
-            </a:r>
-          </a:p>
-          <a:p>
-            <a:r>
-              <a:rPr lang="en-US" sz="2800" dirty="0"/>
-              <a:t>Had difficulty to write a post commend and finally figure it out</a:t>
-            </a:r>
-          </a:p>
-          <a:p>
-            <a:r>
-              <a:rPr lang="en-US" sz="2800" dirty="0"/>
-              <a:t>The most important is to understand what </a:t>
-            </a:r>
-            <a:r>
-              <a:rPr lang="en-US" sz="2800" dirty="0" err="1"/>
-              <a:t>ReST</a:t>
-            </a:r>
-            <a:r>
-              <a:rPr lang="en-US" sz="2800" dirty="0"/>
-              <a:t> is, how it works and how to develop a </a:t>
-            </a:r>
-            <a:r>
-              <a:rPr lang="en-US" sz="2800" dirty="0" err="1"/>
-              <a:t>ReST</a:t>
-            </a:r>
-            <a:r>
-              <a:rPr lang="en-US" sz="2800" dirty="0"/>
-              <a:t> program</a:t>
+              <a:rPr lang="en-US" dirty="0"/>
+              <a:t>Use JDBC to access database</a:t>
             </a:r>
           </a:p>
           <a:p>
@@ -11752,10 +12286,34 @@
           </a:p>
         </p:txBody>
       </p:sp>
+      <p:pic>
+        <p:nvPicPr>
+          <p:cNvPr id="5" name="Picture 4"/>
+          <p:cNvPicPr>
+            <a:picLocks noChangeAspect="1"/>
+          </p:cNvPicPr>
+          <p:nvPr/>
+        </p:nvPicPr>
+        <p:blipFill>
+          <a:blip r:embed="rId2"/>
+          <a:stretch>
+            <a:fillRect/>
+          </a:stretch>
+        </p:blipFill>
+        <p:spPr>
+          <a:xfrm>
+            <a:off x="1466850" y="2314575"/>
+            <a:ext cx="5372100" cy="4361634"/>
+          </a:xfrm>
+          <a:prstGeom prst="rect">
+            <a:avLst/>
+          </a:prstGeom>
+        </p:spPr>
+      </p:pic>
     </p:spTree>
     <p:extLst>
       <p:ext uri="{BB962C8B-B14F-4D97-AF65-F5344CB8AC3E}">
-        <p14:creationId xmlns:p14="http://schemas.microsoft.com/office/powerpoint/2010/main" val="4231949637"/>
+        <p14:creationId xmlns:p14="http://schemas.microsoft.com/office/powerpoint/2010/main" val="3606323745"/>
       </p:ext>
     </p:extLst>
   </p:cSld>
@@ -11784,12 +12342,12 @@
       </p:grpSpPr>
       <p:sp>
         <p:nvSpPr>
-          <p:cNvPr id="3" name="Content Placeholder 2"/>
+          <p:cNvPr id="2" name="Title 1"/>
           <p:cNvSpPr>
             <a:spLocks noGrp="1"/>
           </p:cNvSpPr>
           <p:nvPr>
-            <p:ph idx="1"/>
+            <p:ph type="title"/>
           </p:nvPr>
         </p:nvSpPr>
         <p:spPr/>
@@ -11797,35 +12355,44 @@
           <a:bodyPr/>
           <a:lstStyle/>
           <a:p>
-            <a:pPr marL="0" indent="0">
-              <a:buNone/>
-            </a:pPr>
-            <a:r>
-              <a:rPr lang="en-US" sz="4400" dirty="0"/>
-              <a:t>                 </a:t>
-            </a:r>
-          </a:p>
-          <a:p>
-            <a:pPr marL="0" indent="0">
-              <a:buNone/>
-            </a:pPr>
-            <a:endParaRPr lang="en-US" sz="4400" dirty="0"/>
-          </a:p>
-          <a:p>
-            <a:pPr marL="0" indent="0">
-              <a:buNone/>
-            </a:pPr>
-            <a:r>
-              <a:rPr lang="en-US" sz="4400" dirty="0"/>
-              <a:t>         </a:t>
-            </a:r>
-            <a:r>
-              <a:rPr lang="en-US" sz="6600" i="1" dirty="0">
-                <a:solidFill>
-                  <a:srgbClr val="680000"/>
-                </a:solidFill>
-              </a:rPr>
-              <a:t>THANK YOU!</a:t>
+            <a:r>
+              <a:rPr lang="en-US" sz="3600" dirty="0"/>
+              <a:t>Implementation</a:t>
+            </a:r>
+          </a:p>
+        </p:txBody>
+      </p:sp>
+      <p:sp>
+        <p:nvSpPr>
+          <p:cNvPr id="3" name="Content Placeholder 2"/>
+          <p:cNvSpPr>
+            <a:spLocks noGrp="1"/>
+          </p:cNvSpPr>
+          <p:nvPr>
+            <p:ph idx="1"/>
+          </p:nvPr>
+        </p:nvSpPr>
+        <p:spPr>
+          <a:xfrm>
+            <a:off x="457200" y="1600200"/>
+            <a:ext cx="8229600" cy="657225"/>
+          </a:xfrm>
+        </p:spPr>
+        <p:txBody>
+          <a:bodyPr/>
+          <a:lstStyle/>
+          <a:p>
+            <a:r>
+              <a:rPr lang="en-US" dirty="0"/>
+              <a:t>Follow </a:t>
+            </a:r>
+            <a:r>
+              <a:rPr lang="en-US" dirty="0" err="1"/>
+              <a:t>ReST</a:t>
+            </a:r>
+            <a:r>
+              <a:rPr lang="en-US" dirty="0"/>
+              <a:t> design principles to CRUD</a:t>
             </a:r>
           </a:p>
         </p:txBody>
@@ -11854,6 +12421,936 @@
                 <a:defRPr/>
               </a:pPr>
               <a:t>21</a:t>
+            </a:fld>
+            <a:endParaRPr lang="en-US"/>
+          </a:p>
+        </p:txBody>
+      </p:sp>
+      <p:pic>
+        <p:nvPicPr>
+          <p:cNvPr id="5" name="Picture 4"/>
+          <p:cNvPicPr>
+            <a:picLocks noChangeAspect="1"/>
+          </p:cNvPicPr>
+          <p:nvPr/>
+        </p:nvPicPr>
+        <p:blipFill>
+          <a:blip r:embed="rId2"/>
+          <a:stretch>
+            <a:fillRect/>
+          </a:stretch>
+        </p:blipFill>
+        <p:spPr>
+          <a:xfrm>
+            <a:off x="1052512" y="2900779"/>
+            <a:ext cx="6082635" cy="1918871"/>
+          </a:xfrm>
+          <a:prstGeom prst="rect">
+            <a:avLst/>
+          </a:prstGeom>
+        </p:spPr>
+      </p:pic>
+      <p:sp>
+        <p:nvSpPr>
+          <p:cNvPr id="6" name="TextBox 5"/>
+          <p:cNvSpPr txBox="1"/>
+          <p:nvPr/>
+        </p:nvSpPr>
+        <p:spPr>
+          <a:xfrm>
+            <a:off x="657225" y="2409825"/>
+            <a:ext cx="2829108" cy="338554"/>
+          </a:xfrm>
+          <a:prstGeom prst="rect">
+            <a:avLst/>
+          </a:prstGeom>
+          <a:noFill/>
+        </p:spPr>
+        <p:txBody>
+          <a:bodyPr wrap="none" rtlCol="0">
+            <a:spAutoFit/>
+          </a:bodyPr>
+          <a:lstStyle/>
+          <a:p>
+            <a:r>
+              <a:rPr lang="en-US" dirty="0"/>
+              <a:t>Example of the GET method:</a:t>
+            </a:r>
+          </a:p>
+        </p:txBody>
+      </p:sp>
+      <p:pic>
+        <p:nvPicPr>
+          <p:cNvPr id="7" name="Picture 6"/>
+          <p:cNvPicPr>
+            <a:picLocks noChangeAspect="1"/>
+          </p:cNvPicPr>
+          <p:nvPr/>
+        </p:nvPicPr>
+        <p:blipFill>
+          <a:blip r:embed="rId3"/>
+          <a:stretch>
+            <a:fillRect/>
+          </a:stretch>
+        </p:blipFill>
+        <p:spPr>
+          <a:xfrm>
+            <a:off x="1052512" y="4972050"/>
+            <a:ext cx="5857875" cy="1447800"/>
+          </a:xfrm>
+          <a:prstGeom prst="rect">
+            <a:avLst/>
+          </a:prstGeom>
+        </p:spPr>
+      </p:pic>
+    </p:spTree>
+    <p:extLst>
+      <p:ext uri="{BB962C8B-B14F-4D97-AF65-F5344CB8AC3E}">
+        <p14:creationId xmlns:p14="http://schemas.microsoft.com/office/powerpoint/2010/main" val="1418166819"/>
+      </p:ext>
+    </p:extLst>
+  </p:cSld>
+  <p:clrMapOvr>
+    <a:masterClrMapping/>
+  </p:clrMapOvr>
+</p:sld>
+</file>
+
+<file path=ppt/slides/slide22.xml><?xml version="1.0" encoding="utf-8"?>
+<p:sld xmlns:a="http://schemas.openxmlformats.org/drawingml/2006/main" xmlns:r="http://schemas.openxmlformats.org/officeDocument/2006/relationships" xmlns:p="http://schemas.openxmlformats.org/presentationml/2006/main">
+  <p:cSld>
+    <p:spTree>
+      <p:nvGrpSpPr>
+        <p:cNvPr id="1" name=""/>
+        <p:cNvGrpSpPr/>
+        <p:nvPr/>
+      </p:nvGrpSpPr>
+      <p:grpSpPr>
+        <a:xfrm>
+          <a:off x="0" y="0"/>
+          <a:ext cx="0" cy="0"/>
+          <a:chOff x="0" y="0"/>
+          <a:chExt cx="0" cy="0"/>
+        </a:xfrm>
+      </p:grpSpPr>
+      <p:sp>
+        <p:nvSpPr>
+          <p:cNvPr id="2" name="Title 1"/>
+          <p:cNvSpPr>
+            <a:spLocks noGrp="1"/>
+          </p:cNvSpPr>
+          <p:nvPr>
+            <p:ph type="title"/>
+          </p:nvPr>
+        </p:nvSpPr>
+        <p:spPr/>
+        <p:txBody>
+          <a:bodyPr/>
+          <a:lstStyle/>
+          <a:p>
+            <a:r>
+              <a:rPr lang="en-US" sz="3600" dirty="0"/>
+              <a:t>Implementation</a:t>
+            </a:r>
+          </a:p>
+        </p:txBody>
+      </p:sp>
+      <p:sp>
+        <p:nvSpPr>
+          <p:cNvPr id="3" name="Content Placeholder 2"/>
+          <p:cNvSpPr>
+            <a:spLocks noGrp="1"/>
+          </p:cNvSpPr>
+          <p:nvPr>
+            <p:ph idx="1"/>
+          </p:nvPr>
+        </p:nvSpPr>
+        <p:spPr>
+          <a:xfrm>
+            <a:off x="2735913" y="6438900"/>
+            <a:ext cx="3476626" cy="333375"/>
+          </a:xfrm>
+        </p:spPr>
+        <p:txBody>
+          <a:bodyPr/>
+          <a:lstStyle/>
+          <a:p>
+            <a:pPr marL="0" indent="0">
+              <a:buNone/>
+            </a:pPr>
+            <a:r>
+              <a:rPr lang="en-US" sz="1400" dirty="0"/>
+              <a:t>Screenshot from postman of get method</a:t>
+            </a:r>
+          </a:p>
+        </p:txBody>
+      </p:sp>
+      <p:sp>
+        <p:nvSpPr>
+          <p:cNvPr id="4" name="Slide Number Placeholder 3"/>
+          <p:cNvSpPr>
+            <a:spLocks noGrp="1"/>
+          </p:cNvSpPr>
+          <p:nvPr>
+            <p:ph type="sldNum" sz="quarter" idx="10"/>
+          </p:nvPr>
+        </p:nvSpPr>
+        <p:spPr/>
+        <p:txBody>
+          <a:bodyPr/>
+          <a:lstStyle/>
+          <a:p>
+            <a:pPr>
+              <a:defRPr/>
+            </a:pPr>
+            <a:fld id="{C09B9D2E-8DA2-4A45-82A9-24FA37AAA5DD}" type="slidenum">
+              <a:rPr lang="en-US" smtClean="0"/>
+              <a:pPr>
+                <a:defRPr/>
+              </a:pPr>
+              <a:t>22</a:t>
+            </a:fld>
+            <a:endParaRPr lang="en-US"/>
+          </a:p>
+        </p:txBody>
+      </p:sp>
+      <p:pic>
+        <p:nvPicPr>
+          <p:cNvPr id="5" name="Picture 4"/>
+          <p:cNvPicPr>
+            <a:picLocks noChangeAspect="1"/>
+          </p:cNvPicPr>
+          <p:nvPr/>
+        </p:nvPicPr>
+        <p:blipFill>
+          <a:blip r:embed="rId2"/>
+          <a:stretch>
+            <a:fillRect/>
+          </a:stretch>
+        </p:blipFill>
+        <p:spPr>
+          <a:xfrm>
+            <a:off x="1381125" y="1876914"/>
+            <a:ext cx="6762750" cy="4242897"/>
+          </a:xfrm>
+          <a:prstGeom prst="rect">
+            <a:avLst/>
+          </a:prstGeom>
+        </p:spPr>
+      </p:pic>
+    </p:spTree>
+    <p:extLst>
+      <p:ext uri="{BB962C8B-B14F-4D97-AF65-F5344CB8AC3E}">
+        <p14:creationId xmlns:p14="http://schemas.microsoft.com/office/powerpoint/2010/main" val="1541514851"/>
+      </p:ext>
+    </p:extLst>
+  </p:cSld>
+  <p:clrMapOvr>
+    <a:masterClrMapping/>
+  </p:clrMapOvr>
+</p:sld>
+</file>
+
+<file path=ppt/slides/slide23.xml><?xml version="1.0" encoding="utf-8"?>
+<p:sld xmlns:a="http://schemas.openxmlformats.org/drawingml/2006/main" xmlns:r="http://schemas.openxmlformats.org/officeDocument/2006/relationships" xmlns:p="http://schemas.openxmlformats.org/presentationml/2006/main">
+  <p:cSld>
+    <p:spTree>
+      <p:nvGrpSpPr>
+        <p:cNvPr id="1" name=""/>
+        <p:cNvGrpSpPr/>
+        <p:nvPr/>
+      </p:nvGrpSpPr>
+      <p:grpSpPr>
+        <a:xfrm>
+          <a:off x="0" y="0"/>
+          <a:ext cx="0" cy="0"/>
+          <a:chOff x="0" y="0"/>
+          <a:chExt cx="0" cy="0"/>
+        </a:xfrm>
+      </p:grpSpPr>
+      <p:sp>
+        <p:nvSpPr>
+          <p:cNvPr id="2" name="Title 1"/>
+          <p:cNvSpPr>
+            <a:spLocks noGrp="1"/>
+          </p:cNvSpPr>
+          <p:nvPr>
+            <p:ph type="title"/>
+          </p:nvPr>
+        </p:nvSpPr>
+        <p:spPr/>
+        <p:txBody>
+          <a:bodyPr/>
+          <a:lstStyle/>
+          <a:p>
+            <a:r>
+              <a:rPr lang="en-US" sz="3600" dirty="0"/>
+              <a:t>Implementation</a:t>
+            </a:r>
+          </a:p>
+        </p:txBody>
+      </p:sp>
+      <p:sp>
+        <p:nvSpPr>
+          <p:cNvPr id="4" name="Slide Number Placeholder 3"/>
+          <p:cNvSpPr>
+            <a:spLocks noGrp="1"/>
+          </p:cNvSpPr>
+          <p:nvPr>
+            <p:ph type="sldNum" sz="quarter" idx="10"/>
+          </p:nvPr>
+        </p:nvSpPr>
+        <p:spPr/>
+        <p:txBody>
+          <a:bodyPr/>
+          <a:lstStyle/>
+          <a:p>
+            <a:pPr>
+              <a:defRPr/>
+            </a:pPr>
+            <a:fld id="{C09B9D2E-8DA2-4A45-82A9-24FA37AAA5DD}" type="slidenum">
+              <a:rPr lang="en-US" smtClean="0"/>
+              <a:pPr>
+                <a:defRPr/>
+              </a:pPr>
+              <a:t>23</a:t>
+            </a:fld>
+            <a:endParaRPr lang="en-US"/>
+          </a:p>
+        </p:txBody>
+      </p:sp>
+      <p:pic>
+        <p:nvPicPr>
+          <p:cNvPr id="5" name="Picture 4"/>
+          <p:cNvPicPr>
+            <a:picLocks noChangeAspect="1"/>
+          </p:cNvPicPr>
+          <p:nvPr/>
+        </p:nvPicPr>
+        <p:blipFill>
+          <a:blip r:embed="rId2"/>
+          <a:stretch>
+            <a:fillRect/>
+          </a:stretch>
+        </p:blipFill>
+        <p:spPr>
+          <a:xfrm>
+            <a:off x="1000125" y="2828925"/>
+            <a:ext cx="7829550" cy="2495550"/>
+          </a:xfrm>
+          <a:prstGeom prst="rect">
+            <a:avLst/>
+          </a:prstGeom>
+        </p:spPr>
+      </p:pic>
+      <p:sp>
+        <p:nvSpPr>
+          <p:cNvPr id="6" name="TextBox 5"/>
+          <p:cNvSpPr txBox="1"/>
+          <p:nvPr/>
+        </p:nvSpPr>
+        <p:spPr>
+          <a:xfrm>
+            <a:off x="714375" y="1905000"/>
+            <a:ext cx="2965364" cy="646331"/>
+          </a:xfrm>
+          <a:prstGeom prst="rect">
+            <a:avLst/>
+          </a:prstGeom>
+          <a:noFill/>
+        </p:spPr>
+        <p:txBody>
+          <a:bodyPr wrap="none" rtlCol="0">
+            <a:spAutoFit/>
+          </a:bodyPr>
+          <a:lstStyle/>
+          <a:p>
+            <a:r>
+              <a:rPr lang="en-US" dirty="0"/>
+              <a:t>Example of the POST method:</a:t>
+            </a:r>
+          </a:p>
+          <a:p>
+            <a:endParaRPr lang="en-US" dirty="0"/>
+          </a:p>
+        </p:txBody>
+      </p:sp>
+    </p:spTree>
+    <p:extLst>
+      <p:ext uri="{BB962C8B-B14F-4D97-AF65-F5344CB8AC3E}">
+        <p14:creationId xmlns:p14="http://schemas.microsoft.com/office/powerpoint/2010/main" val="1924377719"/>
+      </p:ext>
+    </p:extLst>
+  </p:cSld>
+  <p:clrMapOvr>
+    <a:masterClrMapping/>
+  </p:clrMapOvr>
+</p:sld>
+</file>
+
+<file path=ppt/slides/slide24.xml><?xml version="1.0" encoding="utf-8"?>
+<p:sld xmlns:a="http://schemas.openxmlformats.org/drawingml/2006/main" xmlns:r="http://schemas.openxmlformats.org/officeDocument/2006/relationships" xmlns:p="http://schemas.openxmlformats.org/presentationml/2006/main">
+  <p:cSld>
+    <p:spTree>
+      <p:nvGrpSpPr>
+        <p:cNvPr id="1" name=""/>
+        <p:cNvGrpSpPr/>
+        <p:nvPr/>
+      </p:nvGrpSpPr>
+      <p:grpSpPr>
+        <a:xfrm>
+          <a:off x="0" y="0"/>
+          <a:ext cx="0" cy="0"/>
+          <a:chOff x="0" y="0"/>
+          <a:chExt cx="0" cy="0"/>
+        </a:xfrm>
+      </p:grpSpPr>
+      <p:sp>
+        <p:nvSpPr>
+          <p:cNvPr id="2" name="Title 1"/>
+          <p:cNvSpPr>
+            <a:spLocks noGrp="1"/>
+          </p:cNvSpPr>
+          <p:nvPr>
+            <p:ph type="title"/>
+          </p:nvPr>
+        </p:nvSpPr>
+        <p:spPr/>
+        <p:txBody>
+          <a:bodyPr/>
+          <a:lstStyle/>
+          <a:p>
+            <a:r>
+              <a:rPr lang="en-US" sz="3600" dirty="0"/>
+              <a:t>Implementation</a:t>
+            </a:r>
+          </a:p>
+        </p:txBody>
+      </p:sp>
+      <p:sp>
+        <p:nvSpPr>
+          <p:cNvPr id="3" name="Content Placeholder 2"/>
+          <p:cNvSpPr>
+            <a:spLocks noGrp="1"/>
+          </p:cNvSpPr>
+          <p:nvPr>
+            <p:ph idx="1"/>
+          </p:nvPr>
+        </p:nvSpPr>
+        <p:spPr>
+          <a:xfrm>
+            <a:off x="3257549" y="4591050"/>
+            <a:ext cx="2024063" cy="476250"/>
+          </a:xfrm>
+        </p:spPr>
+        <p:txBody>
+          <a:bodyPr/>
+          <a:lstStyle/>
+          <a:p>
+            <a:pPr marL="0" indent="0">
+              <a:buNone/>
+            </a:pPr>
+            <a:r>
+              <a:rPr lang="en-US" sz="1600" dirty="0"/>
+              <a:t>Result in database</a:t>
+            </a:r>
+          </a:p>
+        </p:txBody>
+      </p:sp>
+      <p:sp>
+        <p:nvSpPr>
+          <p:cNvPr id="4" name="Slide Number Placeholder 3"/>
+          <p:cNvSpPr>
+            <a:spLocks noGrp="1"/>
+          </p:cNvSpPr>
+          <p:nvPr>
+            <p:ph type="sldNum" sz="quarter" idx="10"/>
+          </p:nvPr>
+        </p:nvSpPr>
+        <p:spPr/>
+        <p:txBody>
+          <a:bodyPr/>
+          <a:lstStyle/>
+          <a:p>
+            <a:pPr>
+              <a:defRPr/>
+            </a:pPr>
+            <a:fld id="{C09B9D2E-8DA2-4A45-82A9-24FA37AAA5DD}" type="slidenum">
+              <a:rPr lang="en-US" smtClean="0"/>
+              <a:pPr>
+                <a:defRPr/>
+              </a:pPr>
+              <a:t>24</a:t>
+            </a:fld>
+            <a:endParaRPr lang="en-US"/>
+          </a:p>
+        </p:txBody>
+      </p:sp>
+      <p:sp>
+        <p:nvSpPr>
+          <p:cNvPr id="6" name="Oval 5"/>
+          <p:cNvSpPr/>
+          <p:nvPr/>
+        </p:nvSpPr>
+        <p:spPr bwMode="auto">
+          <a:xfrm>
+            <a:off x="457200" y="3829050"/>
+            <a:ext cx="800100" cy="381000"/>
+          </a:xfrm>
+          <a:prstGeom prst="ellipse">
+            <a:avLst/>
+          </a:prstGeom>
+          <a:noFill/>
+          <a:ln w="9525" cap="flat" cmpd="sng" algn="ctr">
+            <a:noFill/>
+            <a:prstDash val="solid"/>
+            <a:round/>
+            <a:headEnd type="none" w="med" len="med"/>
+            <a:tailEnd type="none" w="med" len="med"/>
+          </a:ln>
+          <a:effectLst/>
+        </p:spPr>
+        <p:txBody>
+          <a:bodyPr vert="horz" wrap="square" lIns="91440" tIns="45720" rIns="91440" bIns="45720" numCol="1" rtlCol="0" anchor="ctr" anchorCtr="0" compatLnSpc="1">
+            <a:prstTxWarp prst="textNoShape">
+              <a:avLst/>
+            </a:prstTxWarp>
+            <a:spAutoFit/>
+          </a:bodyPr>
+          <a:lstStyle/>
+          <a:p>
+            <a:pPr marL="228600" marR="0" indent="-228600" algn="l" defTabSz="914400" rtl="0" eaLnBrk="1" fontAlgn="base" latinLnBrk="0" hangingPunct="1">
+              <a:lnSpc>
+                <a:spcPct val="100000"/>
+              </a:lnSpc>
+              <a:spcBef>
+                <a:spcPct val="0"/>
+              </a:spcBef>
+              <a:spcAft>
+                <a:spcPct val="25000"/>
+              </a:spcAft>
+              <a:buClr>
+                <a:schemeClr val="tx1"/>
+              </a:buClr>
+              <a:buSzTx/>
+              <a:buFontTx/>
+              <a:buNone/>
+              <a:tabLst/>
+            </a:pPr>
+            <a:endParaRPr kumimoji="0" lang="en-US" sz="1600" b="0" i="0" u="none" strike="noStrike" cap="none" normalizeH="0" baseline="0">
+              <a:ln>
+                <a:noFill/>
+              </a:ln>
+              <a:solidFill>
+                <a:srgbClr val="275AFF"/>
+              </a:solidFill>
+              <a:effectLst/>
+              <a:latin typeface="Arial" charset="0"/>
+              <a:ea typeface="Times New Roman" pitchFamily="18" charset="0"/>
+              <a:cs typeface="AGaramond" pitchFamily="18" charset="0"/>
+            </a:endParaRPr>
+          </a:p>
+        </p:txBody>
+      </p:sp>
+      <p:sp>
+        <p:nvSpPr>
+          <p:cNvPr id="7" name="Oval 6"/>
+          <p:cNvSpPr/>
+          <p:nvPr/>
+        </p:nvSpPr>
+        <p:spPr bwMode="auto">
+          <a:xfrm>
+            <a:off x="3686175" y="5248275"/>
+            <a:ext cx="1628775" cy="714375"/>
+          </a:xfrm>
+          <a:prstGeom prst="ellipse">
+            <a:avLst/>
+          </a:prstGeom>
+          <a:noFill/>
+          <a:ln w="9525" cap="flat" cmpd="sng" algn="ctr">
+            <a:noFill/>
+            <a:prstDash val="solid"/>
+            <a:round/>
+            <a:headEnd type="none" w="med" len="med"/>
+            <a:tailEnd type="none" w="med" len="med"/>
+          </a:ln>
+          <a:effectLst/>
+        </p:spPr>
+        <p:txBody>
+          <a:bodyPr vert="horz" wrap="square" lIns="91440" tIns="45720" rIns="91440" bIns="45720" numCol="1" rtlCol="0" anchor="ctr" anchorCtr="0" compatLnSpc="1">
+            <a:prstTxWarp prst="textNoShape">
+              <a:avLst/>
+            </a:prstTxWarp>
+            <a:spAutoFit/>
+          </a:bodyPr>
+          <a:lstStyle/>
+          <a:p>
+            <a:pPr marL="228600" marR="0" indent="-228600" algn="l" defTabSz="914400" rtl="0" eaLnBrk="1" fontAlgn="base" latinLnBrk="0" hangingPunct="1">
+              <a:lnSpc>
+                <a:spcPct val="100000"/>
+              </a:lnSpc>
+              <a:spcBef>
+                <a:spcPct val="0"/>
+              </a:spcBef>
+              <a:spcAft>
+                <a:spcPct val="25000"/>
+              </a:spcAft>
+              <a:buClr>
+                <a:schemeClr val="tx1"/>
+              </a:buClr>
+              <a:buSzTx/>
+              <a:buFontTx/>
+              <a:buNone/>
+              <a:tabLst/>
+            </a:pPr>
+            <a:endParaRPr kumimoji="0" lang="en-US" sz="1600" b="0" i="0" u="none" strike="noStrike" cap="none" normalizeH="0" baseline="0">
+              <a:ln>
+                <a:noFill/>
+              </a:ln>
+              <a:solidFill>
+                <a:srgbClr val="275AFF"/>
+              </a:solidFill>
+              <a:effectLst/>
+              <a:latin typeface="Arial" charset="0"/>
+              <a:ea typeface="Times New Roman" pitchFamily="18" charset="0"/>
+              <a:cs typeface="AGaramond" pitchFamily="18" charset="0"/>
+            </a:endParaRPr>
+          </a:p>
+        </p:txBody>
+      </p:sp>
+      <p:sp>
+        <p:nvSpPr>
+          <p:cNvPr id="8" name="Oval 7"/>
+          <p:cNvSpPr/>
+          <p:nvPr/>
+        </p:nvSpPr>
+        <p:spPr bwMode="auto">
+          <a:xfrm>
+            <a:off x="3200400" y="4410075"/>
+            <a:ext cx="2047875" cy="2038350"/>
+          </a:xfrm>
+          <a:prstGeom prst="ellipse">
+            <a:avLst/>
+          </a:prstGeom>
+          <a:noFill/>
+          <a:ln w="9525" cap="flat" cmpd="sng" algn="ctr">
+            <a:noFill/>
+            <a:prstDash val="solid"/>
+            <a:round/>
+            <a:headEnd type="none" w="med" len="med"/>
+            <a:tailEnd type="none" w="med" len="med"/>
+          </a:ln>
+          <a:effectLst/>
+        </p:spPr>
+        <p:txBody>
+          <a:bodyPr vert="horz" wrap="square" lIns="91440" tIns="45720" rIns="91440" bIns="45720" numCol="1" rtlCol="0" anchor="ctr" anchorCtr="0" compatLnSpc="1">
+            <a:prstTxWarp prst="textNoShape">
+              <a:avLst/>
+            </a:prstTxWarp>
+            <a:spAutoFit/>
+          </a:bodyPr>
+          <a:lstStyle/>
+          <a:p>
+            <a:pPr marL="228600" marR="0" indent="-228600" algn="l" defTabSz="914400" rtl="0" eaLnBrk="1" fontAlgn="base" latinLnBrk="0" hangingPunct="1">
+              <a:lnSpc>
+                <a:spcPct val="100000"/>
+              </a:lnSpc>
+              <a:spcBef>
+                <a:spcPct val="0"/>
+              </a:spcBef>
+              <a:spcAft>
+                <a:spcPct val="25000"/>
+              </a:spcAft>
+              <a:buClr>
+                <a:schemeClr val="tx1"/>
+              </a:buClr>
+              <a:buSzTx/>
+              <a:buFontTx/>
+              <a:buNone/>
+              <a:tabLst/>
+            </a:pPr>
+            <a:endParaRPr kumimoji="0" lang="en-US" sz="1600" b="0" i="0" u="none" strike="noStrike" cap="none" normalizeH="0" baseline="0">
+              <a:ln>
+                <a:noFill/>
+              </a:ln>
+              <a:solidFill>
+                <a:srgbClr val="275AFF"/>
+              </a:solidFill>
+              <a:effectLst/>
+              <a:latin typeface="Arial" charset="0"/>
+              <a:ea typeface="Times New Roman" pitchFamily="18" charset="0"/>
+              <a:cs typeface="AGaramond" pitchFamily="18" charset="0"/>
+            </a:endParaRPr>
+          </a:p>
+        </p:txBody>
+      </p:sp>
+      <p:pic>
+        <p:nvPicPr>
+          <p:cNvPr id="9" name="Picture 8"/>
+          <p:cNvPicPr>
+            <a:picLocks noChangeAspect="1"/>
+          </p:cNvPicPr>
+          <p:nvPr/>
+        </p:nvPicPr>
+        <p:blipFill>
+          <a:blip r:embed="rId2"/>
+          <a:stretch>
+            <a:fillRect/>
+          </a:stretch>
+        </p:blipFill>
+        <p:spPr>
+          <a:xfrm>
+            <a:off x="0" y="2935755"/>
+            <a:ext cx="9144000" cy="986490"/>
+          </a:xfrm>
+          <a:prstGeom prst="rect">
+            <a:avLst/>
+          </a:prstGeom>
+        </p:spPr>
+      </p:pic>
+    </p:spTree>
+    <p:extLst>
+      <p:ext uri="{BB962C8B-B14F-4D97-AF65-F5344CB8AC3E}">
+        <p14:creationId xmlns:p14="http://schemas.microsoft.com/office/powerpoint/2010/main" val="631626606"/>
+      </p:ext>
+    </p:extLst>
+  </p:cSld>
+  <p:clrMapOvr>
+    <a:masterClrMapping/>
+  </p:clrMapOvr>
+</p:sld>
+</file>
+
+<file path=ppt/slides/slide25.xml><?xml version="1.0" encoding="utf-8"?>
+<p:sld xmlns:a="http://schemas.openxmlformats.org/drawingml/2006/main" xmlns:r="http://schemas.openxmlformats.org/officeDocument/2006/relationships" xmlns:p="http://schemas.openxmlformats.org/presentationml/2006/main">
+  <p:cSld>
+    <p:spTree>
+      <p:nvGrpSpPr>
+        <p:cNvPr id="1" name=""/>
+        <p:cNvGrpSpPr/>
+        <p:nvPr/>
+      </p:nvGrpSpPr>
+      <p:grpSpPr>
+        <a:xfrm>
+          <a:off x="0" y="0"/>
+          <a:ext cx="0" cy="0"/>
+          <a:chOff x="0" y="0"/>
+          <a:chExt cx="0" cy="0"/>
+        </a:xfrm>
+      </p:grpSpPr>
+      <p:sp>
+        <p:nvSpPr>
+          <p:cNvPr id="2" name="Title 1"/>
+          <p:cNvSpPr>
+            <a:spLocks noGrp="1"/>
+          </p:cNvSpPr>
+          <p:nvPr>
+            <p:ph type="title"/>
+          </p:nvPr>
+        </p:nvSpPr>
+        <p:spPr/>
+        <p:txBody>
+          <a:bodyPr/>
+          <a:lstStyle/>
+          <a:p>
+            <a:r>
+              <a:rPr lang="en-US" sz="3600" dirty="0"/>
+              <a:t>Difficulties and Lessons</a:t>
+            </a:r>
+            <a:endParaRPr lang="en-US" dirty="0"/>
+          </a:p>
+        </p:txBody>
+      </p:sp>
+      <p:sp>
+        <p:nvSpPr>
+          <p:cNvPr id="3" name="Content Placeholder 2"/>
+          <p:cNvSpPr>
+            <a:spLocks noGrp="1"/>
+          </p:cNvSpPr>
+          <p:nvPr>
+            <p:ph idx="1"/>
+          </p:nvPr>
+        </p:nvSpPr>
+        <p:spPr/>
+        <p:txBody>
+          <a:bodyPr/>
+          <a:lstStyle/>
+          <a:p>
+            <a:r>
+              <a:rPr lang="en-US" sz="2800" dirty="0"/>
+              <a:t>Didn’t know how to create a standard layered structure at the beginning, mixed domain layer and DAC layer </a:t>
+            </a:r>
+          </a:p>
+          <a:p>
+            <a:r>
+              <a:rPr lang="en-US" sz="2800" dirty="0"/>
+              <a:t>Know how to create it in class</a:t>
+            </a:r>
+          </a:p>
+          <a:p>
+            <a:r>
+              <a:rPr lang="en-US" sz="2800" dirty="0"/>
+              <a:t>Had difficulty to write a post commend and finally figure it out</a:t>
+            </a:r>
+          </a:p>
+          <a:p>
+            <a:r>
+              <a:rPr lang="en-US" sz="2800" dirty="0"/>
+              <a:t>The most important is to understand what </a:t>
+            </a:r>
+            <a:r>
+              <a:rPr lang="en-US" sz="2800" dirty="0" err="1"/>
+              <a:t>ReST</a:t>
+            </a:r>
+            <a:r>
+              <a:rPr lang="en-US" sz="2800" dirty="0"/>
+              <a:t> is, how it works and how to develop a </a:t>
+            </a:r>
+            <a:r>
+              <a:rPr lang="en-US" sz="2800" dirty="0" err="1"/>
+              <a:t>ReST</a:t>
+            </a:r>
+            <a:r>
+              <a:rPr lang="en-US" sz="2800" dirty="0"/>
+              <a:t> program</a:t>
+            </a:r>
+          </a:p>
+          <a:p>
+            <a:endParaRPr lang="en-US" dirty="0"/>
+          </a:p>
+        </p:txBody>
+      </p:sp>
+      <p:sp>
+        <p:nvSpPr>
+          <p:cNvPr id="4" name="Slide Number Placeholder 3"/>
+          <p:cNvSpPr>
+            <a:spLocks noGrp="1"/>
+          </p:cNvSpPr>
+          <p:nvPr>
+            <p:ph type="sldNum" sz="quarter" idx="10"/>
+          </p:nvPr>
+        </p:nvSpPr>
+        <p:spPr/>
+        <p:txBody>
+          <a:bodyPr/>
+          <a:lstStyle/>
+          <a:p>
+            <a:pPr>
+              <a:defRPr/>
+            </a:pPr>
+            <a:fld id="{C09B9D2E-8DA2-4A45-82A9-24FA37AAA5DD}" type="slidenum">
+              <a:rPr lang="en-US" smtClean="0"/>
+              <a:pPr>
+                <a:defRPr/>
+              </a:pPr>
+              <a:t>25</a:t>
+            </a:fld>
+            <a:endParaRPr lang="en-US"/>
+          </a:p>
+        </p:txBody>
+      </p:sp>
+    </p:spTree>
+    <p:extLst>
+      <p:ext uri="{BB962C8B-B14F-4D97-AF65-F5344CB8AC3E}">
+        <p14:creationId xmlns:p14="http://schemas.microsoft.com/office/powerpoint/2010/main" val="4231949637"/>
+      </p:ext>
+    </p:extLst>
+  </p:cSld>
+  <p:clrMapOvr>
+    <a:masterClrMapping/>
+  </p:clrMapOvr>
+</p:sld>
+</file>
+
+<file path=ppt/slides/slide26.xml><?xml version="1.0" encoding="utf-8"?>
+<p:sld xmlns:a="http://schemas.openxmlformats.org/drawingml/2006/main" xmlns:r="http://schemas.openxmlformats.org/officeDocument/2006/relationships" xmlns:p="http://schemas.openxmlformats.org/presentationml/2006/main">
+  <p:cSld>
+    <p:spTree>
+      <p:nvGrpSpPr>
+        <p:cNvPr id="1" name=""/>
+        <p:cNvGrpSpPr/>
+        <p:nvPr/>
+      </p:nvGrpSpPr>
+      <p:grpSpPr>
+        <a:xfrm>
+          <a:off x="0" y="0"/>
+          <a:ext cx="0" cy="0"/>
+          <a:chOff x="0" y="0"/>
+          <a:chExt cx="0" cy="0"/>
+        </a:xfrm>
+      </p:grpSpPr>
+      <p:sp>
+        <p:nvSpPr>
+          <p:cNvPr id="3" name="Content Placeholder 2"/>
+          <p:cNvSpPr>
+            <a:spLocks noGrp="1"/>
+          </p:cNvSpPr>
+          <p:nvPr>
+            <p:ph idx="1"/>
+          </p:nvPr>
+        </p:nvSpPr>
+        <p:spPr/>
+        <p:txBody>
+          <a:bodyPr/>
+          <a:lstStyle/>
+          <a:p>
+            <a:pPr marL="0" indent="0">
+              <a:buNone/>
+            </a:pPr>
+            <a:r>
+              <a:rPr lang="en-US" sz="4400" dirty="0"/>
+              <a:t>                 </a:t>
+            </a:r>
+          </a:p>
+          <a:p>
+            <a:pPr marL="0" indent="0">
+              <a:buNone/>
+            </a:pPr>
+            <a:endParaRPr lang="en-US" sz="4400" dirty="0"/>
+          </a:p>
+          <a:p>
+            <a:pPr marL="0" indent="0">
+              <a:buNone/>
+            </a:pPr>
+            <a:r>
+              <a:rPr lang="en-US" sz="4400" dirty="0"/>
+              <a:t>         </a:t>
+            </a:r>
+            <a:r>
+              <a:rPr lang="en-US" sz="6600" i="1" dirty="0">
+                <a:solidFill>
+                  <a:srgbClr val="680000"/>
+                </a:solidFill>
+              </a:rPr>
+              <a:t>THANK YOU!</a:t>
+            </a:r>
+          </a:p>
+        </p:txBody>
+      </p:sp>
+      <p:sp>
+        <p:nvSpPr>
+          <p:cNvPr id="4" name="Slide Number Placeholder 3"/>
+          <p:cNvSpPr>
+            <a:spLocks noGrp="1"/>
+          </p:cNvSpPr>
+          <p:nvPr>
+            <p:ph type="sldNum" sz="quarter" idx="10"/>
+          </p:nvPr>
+        </p:nvSpPr>
+        <p:spPr/>
+        <p:txBody>
+          <a:bodyPr/>
+          <a:lstStyle/>
+          <a:p>
+            <a:pPr>
+              <a:defRPr/>
+            </a:pPr>
+            <a:fld id="{C09B9D2E-8DA2-4A45-82A9-24FA37AAA5DD}" type="slidenum">
+              <a:rPr lang="en-US" smtClean="0"/>
+              <a:pPr>
+                <a:defRPr/>
+              </a:pPr>
+              <a:t>26</a:t>
             </a:fld>
             <a:endParaRPr lang="en-US"/>
           </a:p>
@@ -14577,7 +16074,7 @@
 </file>
 
 <file path=ppt/slides/slide6.xml><?xml version="1.0" encoding="utf-8"?>
-<p:sld xmlns:a="http://schemas.openxmlformats.org/drawingml/2006/main" xmlns:r="http://schemas.openxmlformats.org/officeDocument/2006/relationships" xmlns:p="http://schemas.openxmlformats.org/presentationml/2006/main" showMasterPhAnim="0">
+<p:sld xmlns:a="http://schemas.openxmlformats.org/drawingml/2006/main" xmlns:r="http://schemas.openxmlformats.org/officeDocument/2006/relationships" xmlns:p="http://schemas.openxmlformats.org/presentationml/2006/main">
   <p:cSld>
     <p:spTree>
       <p:nvGrpSpPr>
@@ -14595,437 +16092,84 @@
       </p:grpSpPr>
       <p:sp>
         <p:nvSpPr>
-          <p:cNvPr id="5122" name="Slide Number Placeholder 3"/>
+          <p:cNvPr id="2" name="Title 1"/>
           <p:cNvSpPr>
             <a:spLocks noGrp="1"/>
           </p:cNvSpPr>
           <p:nvPr>
-            <p:ph type="sldNum" sz="quarter" idx="10"/>
+            <p:ph type="title"/>
           </p:nvPr>
         </p:nvSpPr>
         <p:spPr>
-          <a:noFill/>
+          <a:xfrm>
+            <a:off x="457199" y="274638"/>
+            <a:ext cx="6302415" cy="1173162"/>
+          </a:xfrm>
         </p:spPr>
         <p:txBody>
           <a:bodyPr/>
           <a:lstStyle/>
           <a:p>
-            <a:fld id="{338DB9B1-C646-48CE-AFA6-93572B519D26}" type="slidenum">
+            <a:r>
+              <a:rPr lang="en-US" dirty="0" smtClean="0"/>
+              <a:t>Product Listing – customer’s user story</a:t>
+            </a:r>
+            <a:endParaRPr lang="en-US" dirty="0"/>
+          </a:p>
+        </p:txBody>
+      </p:sp>
+      <p:pic>
+        <p:nvPicPr>
+          <p:cNvPr id="5" name="Content Placeholder 4"/>
+          <p:cNvPicPr>
+            <a:picLocks noGrp="1" noChangeAspect="1"/>
+          </p:cNvPicPr>
+          <p:nvPr>
+            <p:ph idx="1"/>
+          </p:nvPr>
+        </p:nvPicPr>
+        <p:blipFill>
+          <a:blip r:embed="rId2"/>
+          <a:srcRect t="6003" b="6003"/>
+          <a:stretch>
+            <a:fillRect/>
+          </a:stretch>
+        </p:blipFill>
+        <p:spPr/>
+      </p:pic>
+      <p:sp>
+        <p:nvSpPr>
+          <p:cNvPr id="4" name="Slide Number Placeholder 3"/>
+          <p:cNvSpPr>
+            <a:spLocks noGrp="1"/>
+          </p:cNvSpPr>
+          <p:nvPr>
+            <p:ph type="sldNum" sz="quarter" idx="10"/>
+          </p:nvPr>
+        </p:nvSpPr>
+        <p:spPr/>
+        <p:txBody>
+          <a:bodyPr/>
+          <a:lstStyle/>
+          <a:p>
+            <a:pPr>
+              <a:defRPr/>
+            </a:pPr>
+            <a:fld id="{C09B9D2E-8DA2-4A45-82A9-24FA37AAA5DD}" type="slidenum">
               <a:rPr lang="en-US" smtClean="0"/>
-              <a:pPr/>
+              <a:pPr>
+                <a:defRPr/>
+              </a:pPr>
               <a:t>6</a:t>
             </a:fld>
-            <a:endParaRPr lang="en-US" dirty="0"/>
-          </a:p>
-        </p:txBody>
-      </p:sp>
-      <p:sp>
-        <p:nvSpPr>
-          <p:cNvPr id="2633730" name="Rectangle 2"/>
-          <p:cNvSpPr>
-            <a:spLocks noGrp="1" noChangeArrowheads="1"/>
-          </p:cNvSpPr>
-          <p:nvPr>
-            <p:ph type="title"/>
-          </p:nvPr>
-        </p:nvSpPr>
-        <p:spPr>
-          <a:xfrm>
-            <a:off x="42672" y="250254"/>
-            <a:ext cx="6772656" cy="1173162"/>
-          </a:xfrm>
-        </p:spPr>
-        <p:txBody>
-          <a:bodyPr/>
-          <a:lstStyle/>
-          <a:p>
-            <a:r>
-              <a:rPr lang="en-US" sz="3600" dirty="0"/>
-              <a:t>Project Architecture </a:t>
-            </a:r>
-          </a:p>
-        </p:txBody>
-      </p:sp>
-      <p:sp>
-        <p:nvSpPr>
-          <p:cNvPr id="4" name="Content Placeholder 3"/>
-          <p:cNvSpPr>
-            <a:spLocks noGrp="1"/>
-          </p:cNvSpPr>
-          <p:nvPr>
-            <p:ph idx="1"/>
-          </p:nvPr>
-        </p:nvSpPr>
-        <p:spPr>
-          <a:xfrm>
-            <a:off x="457200" y="1600200"/>
-            <a:ext cx="8229600" cy="485775"/>
-          </a:xfrm>
-        </p:spPr>
-        <p:txBody>
-          <a:bodyPr/>
-          <a:lstStyle/>
-          <a:p>
-            <a:r>
-              <a:rPr lang="en-US" dirty="0"/>
-              <a:t>Client-side structure</a:t>
-            </a:r>
-          </a:p>
-        </p:txBody>
-      </p:sp>
-      <p:pic>
-        <p:nvPicPr>
-          <p:cNvPr id="3" name="Picture 2"/>
-          <p:cNvPicPr>
-            <a:picLocks noChangeAspect="1"/>
-          </p:cNvPicPr>
-          <p:nvPr/>
-        </p:nvPicPr>
-        <p:blipFill rotWithShape="1">
-          <a:blip r:embed="rId2"/>
-          <a:srcRect l="4722" t="27138" r="70695" b="26360"/>
-          <a:stretch/>
-        </p:blipFill>
-        <p:spPr>
-          <a:xfrm>
-            <a:off x="652014" y="2159000"/>
-            <a:ext cx="3856486" cy="4559300"/>
-          </a:xfrm>
-          <a:prstGeom prst="rect">
-            <a:avLst/>
-          </a:prstGeom>
-        </p:spPr>
-      </p:pic>
-      <p:sp>
-        <p:nvSpPr>
-          <p:cNvPr id="6" name="Oval 5"/>
-          <p:cNvSpPr/>
-          <p:nvPr/>
-        </p:nvSpPr>
-        <p:spPr bwMode="auto">
-          <a:xfrm>
-            <a:off x="850900" y="3771900"/>
-            <a:ext cx="2603500" cy="850900"/>
-          </a:xfrm>
-          <a:prstGeom prst="ellipse">
-            <a:avLst/>
-          </a:prstGeom>
-          <a:noFill/>
-          <a:ln w="28575" cap="flat" cmpd="sng" algn="ctr">
-            <a:solidFill>
-              <a:srgbClr val="FF0000"/>
-            </a:solidFill>
-            <a:prstDash val="solid"/>
-            <a:round/>
-            <a:headEnd type="none" w="med" len="med"/>
-            <a:tailEnd type="none" w="med" len="med"/>
-          </a:ln>
-          <a:effectLst/>
-        </p:spPr>
-        <p:txBody>
-          <a:bodyPr vert="horz" wrap="square" lIns="91440" tIns="45720" rIns="91440" bIns="45720" numCol="1" rtlCol="0" anchor="ctr" anchorCtr="0" compatLnSpc="1">
-            <a:prstTxWarp prst="textNoShape">
-              <a:avLst/>
-            </a:prstTxWarp>
-            <a:spAutoFit/>
-          </a:bodyPr>
-          <a:lstStyle/>
-          <a:p>
-            <a:pPr marL="228600" marR="0" indent="-228600" algn="l" defTabSz="914400" rtl="0" eaLnBrk="1" fontAlgn="base" latinLnBrk="0" hangingPunct="1">
-              <a:lnSpc>
-                <a:spcPct val="100000"/>
-              </a:lnSpc>
-              <a:spcBef>
-                <a:spcPct val="0"/>
-              </a:spcBef>
-              <a:spcAft>
-                <a:spcPct val="25000"/>
-              </a:spcAft>
-              <a:buClr>
-                <a:schemeClr val="tx1"/>
-              </a:buClr>
-              <a:buSzTx/>
-              <a:buFontTx/>
-              <a:buNone/>
-              <a:tabLst/>
-            </a:pPr>
-            <a:endParaRPr kumimoji="0" lang="en-US" sz="1600" b="0" i="0" u="none" strike="noStrike" cap="none" normalizeH="0" baseline="0">
-              <a:ln>
-                <a:noFill/>
-              </a:ln>
-              <a:solidFill>
-                <a:srgbClr val="275AFF"/>
-              </a:solidFill>
-              <a:effectLst/>
-              <a:latin typeface="Arial" charset="0"/>
-              <a:ea typeface="Times New Roman" pitchFamily="18" charset="0"/>
-              <a:cs typeface="AGaramond" pitchFamily="18" charset="0"/>
-            </a:endParaRPr>
-          </a:p>
-        </p:txBody>
-      </p:sp>
-      <p:sp>
-        <p:nvSpPr>
-          <p:cNvPr id="9" name="Oval 8"/>
-          <p:cNvSpPr/>
-          <p:nvPr/>
-        </p:nvSpPr>
-        <p:spPr bwMode="auto">
-          <a:xfrm>
-            <a:off x="800100" y="5486400"/>
-            <a:ext cx="1765300" cy="850900"/>
-          </a:xfrm>
-          <a:prstGeom prst="ellipse">
-            <a:avLst/>
-          </a:prstGeom>
-          <a:noFill/>
-          <a:ln w="28575" cap="flat" cmpd="sng" algn="ctr">
-            <a:solidFill>
-              <a:srgbClr val="FF0000"/>
-            </a:solidFill>
-            <a:prstDash val="solid"/>
-            <a:round/>
-            <a:headEnd type="none" w="med" len="med"/>
-            <a:tailEnd type="none" w="med" len="med"/>
-          </a:ln>
-          <a:effectLst/>
-        </p:spPr>
-        <p:txBody>
-          <a:bodyPr vert="horz" wrap="square" lIns="91440" tIns="45720" rIns="91440" bIns="45720" numCol="1" rtlCol="0" anchor="ctr" anchorCtr="0" compatLnSpc="1">
-            <a:prstTxWarp prst="textNoShape">
-              <a:avLst/>
-            </a:prstTxWarp>
-            <a:spAutoFit/>
-          </a:bodyPr>
-          <a:lstStyle/>
-          <a:p>
-            <a:pPr marL="228600" marR="0" indent="-228600" algn="l" defTabSz="914400" rtl="0" eaLnBrk="1" fontAlgn="base" latinLnBrk="0" hangingPunct="1">
-              <a:lnSpc>
-                <a:spcPct val="100000"/>
-              </a:lnSpc>
-              <a:spcBef>
-                <a:spcPct val="0"/>
-              </a:spcBef>
-              <a:spcAft>
-                <a:spcPct val="25000"/>
-              </a:spcAft>
-              <a:buClr>
-                <a:schemeClr val="tx1"/>
-              </a:buClr>
-              <a:buSzTx/>
-              <a:buFontTx/>
-              <a:buNone/>
-              <a:tabLst/>
-            </a:pPr>
-            <a:endParaRPr kumimoji="0" lang="en-US" sz="1600" b="0" i="0" u="none" strike="noStrike" cap="none" normalizeH="0" baseline="0">
-              <a:ln>
-                <a:noFill/>
-              </a:ln>
-              <a:solidFill>
-                <a:srgbClr val="275AFF"/>
-              </a:solidFill>
-              <a:effectLst/>
-              <a:latin typeface="Arial" charset="0"/>
-              <a:ea typeface="Times New Roman" pitchFamily="18" charset="0"/>
-              <a:cs typeface="AGaramond" pitchFamily="18" charset="0"/>
-            </a:endParaRPr>
-          </a:p>
-        </p:txBody>
-      </p:sp>
-      <p:sp>
-        <p:nvSpPr>
-          <p:cNvPr id="8" name="Content Placeholder 2"/>
-          <p:cNvSpPr txBox="1">
-            <a:spLocks/>
-          </p:cNvSpPr>
-          <p:nvPr/>
-        </p:nvSpPr>
-        <p:spPr bwMode="auto">
-          <a:xfrm>
-            <a:off x="4563732" y="1600200"/>
-            <a:ext cx="4123068" cy="4525963"/>
-          </a:xfrm>
-          <a:prstGeom prst="rect">
-            <a:avLst/>
-          </a:prstGeom>
-          <a:noFill/>
-          <a:ln w="9525">
-            <a:noFill/>
-            <a:miter lim="800000"/>
-            <a:headEnd/>
-            <a:tailEnd/>
-          </a:ln>
-        </p:spPr>
-        <p:txBody>
-          <a:bodyPr vert="horz" wrap="square" lIns="91440" tIns="45720" rIns="91440" bIns="45720" numCol="1" anchor="t" anchorCtr="0" compatLnSpc="1">
-            <a:prstTxWarp prst="textNoShape">
-              <a:avLst/>
-            </a:prstTxWarp>
-          </a:bodyPr>
-          <a:lstStyle>
-            <a:lvl1pPr marL="342900" indent="-342900" algn="l" rtl="0" eaLnBrk="0" fontAlgn="base" hangingPunct="0">
-              <a:spcBef>
-                <a:spcPct val="20000"/>
-              </a:spcBef>
-              <a:spcAft>
-                <a:spcPct val="0"/>
-              </a:spcAft>
-              <a:buChar char="•"/>
-              <a:defRPr sz="3200">
-                <a:solidFill>
-                  <a:schemeClr val="tx1"/>
-                </a:solidFill>
-                <a:latin typeface="+mn-lt"/>
-                <a:ea typeface="+mn-ea"/>
-                <a:cs typeface="+mn-cs"/>
-              </a:defRPr>
-            </a:lvl1pPr>
-            <a:lvl2pPr marL="742950" indent="-285750" algn="l" rtl="0" eaLnBrk="0" fontAlgn="base" hangingPunct="0">
-              <a:spcBef>
-                <a:spcPct val="20000"/>
-              </a:spcBef>
-              <a:spcAft>
-                <a:spcPct val="0"/>
-              </a:spcAft>
-              <a:buChar char="–"/>
-              <a:defRPr sz="2800">
-                <a:solidFill>
-                  <a:schemeClr val="tx1"/>
-                </a:solidFill>
-                <a:latin typeface="+mn-lt"/>
-              </a:defRPr>
-            </a:lvl2pPr>
-            <a:lvl3pPr marL="1143000" indent="-228600" algn="l" rtl="0" eaLnBrk="0" fontAlgn="base" hangingPunct="0">
-              <a:spcBef>
-                <a:spcPct val="20000"/>
-              </a:spcBef>
-              <a:spcAft>
-                <a:spcPct val="0"/>
-              </a:spcAft>
-              <a:buChar char="•"/>
-              <a:defRPr sz="2400">
-                <a:solidFill>
-                  <a:schemeClr val="tx1"/>
-                </a:solidFill>
-                <a:latin typeface="+mn-lt"/>
-              </a:defRPr>
-            </a:lvl3pPr>
-            <a:lvl4pPr marL="1600200" indent="-228600" algn="l" rtl="0" eaLnBrk="0" fontAlgn="base" hangingPunct="0">
-              <a:spcBef>
-                <a:spcPct val="20000"/>
-              </a:spcBef>
-              <a:spcAft>
-                <a:spcPct val="0"/>
-              </a:spcAft>
-              <a:buChar char="–"/>
-              <a:defRPr sz="2000">
-                <a:solidFill>
-                  <a:schemeClr val="tx1"/>
-                </a:solidFill>
-                <a:latin typeface="+mn-lt"/>
-              </a:defRPr>
-            </a:lvl4pPr>
-            <a:lvl5pPr marL="2057400" indent="-228600" algn="l" rtl="0" eaLnBrk="0" fontAlgn="base" hangingPunct="0">
-              <a:spcBef>
-                <a:spcPct val="20000"/>
-              </a:spcBef>
-              <a:spcAft>
-                <a:spcPct val="0"/>
-              </a:spcAft>
-              <a:buChar char="»"/>
-              <a:defRPr sz="2000">
-                <a:solidFill>
-                  <a:schemeClr val="tx1"/>
-                </a:solidFill>
-                <a:latin typeface="+mn-lt"/>
-              </a:defRPr>
-            </a:lvl5pPr>
-            <a:lvl6pPr marL="2514600" indent="-228600" algn="l" rtl="0" fontAlgn="base">
-              <a:spcBef>
-                <a:spcPct val="20000"/>
-              </a:spcBef>
-              <a:spcAft>
-                <a:spcPct val="0"/>
-              </a:spcAft>
-              <a:buChar char="»"/>
-              <a:defRPr sz="2000">
-                <a:solidFill>
-                  <a:schemeClr val="tx1"/>
-                </a:solidFill>
-                <a:latin typeface="+mn-lt"/>
-              </a:defRPr>
-            </a:lvl6pPr>
-            <a:lvl7pPr marL="2971800" indent="-228600" algn="l" rtl="0" fontAlgn="base">
-              <a:spcBef>
-                <a:spcPct val="20000"/>
-              </a:spcBef>
-              <a:spcAft>
-                <a:spcPct val="0"/>
-              </a:spcAft>
-              <a:buChar char="»"/>
-              <a:defRPr sz="2000">
-                <a:solidFill>
-                  <a:schemeClr val="tx1"/>
-                </a:solidFill>
-                <a:latin typeface="+mn-lt"/>
-              </a:defRPr>
-            </a:lvl7pPr>
-            <a:lvl8pPr marL="3429000" indent="-228600" algn="l" rtl="0" fontAlgn="base">
-              <a:spcBef>
-                <a:spcPct val="20000"/>
-              </a:spcBef>
-              <a:spcAft>
-                <a:spcPct val="0"/>
-              </a:spcAft>
-              <a:buChar char="»"/>
-              <a:defRPr sz="2000">
-                <a:solidFill>
-                  <a:schemeClr val="tx1"/>
-                </a:solidFill>
-                <a:latin typeface="+mn-lt"/>
-              </a:defRPr>
-            </a:lvl8pPr>
-            <a:lvl9pPr marL="3886200" indent="-228600" algn="l" rtl="0" fontAlgn="base">
-              <a:spcBef>
-                <a:spcPct val="20000"/>
-              </a:spcBef>
-              <a:spcAft>
-                <a:spcPct val="0"/>
-              </a:spcAft>
-              <a:buChar char="»"/>
-              <a:defRPr sz="2000">
-                <a:solidFill>
-                  <a:schemeClr val="tx1"/>
-                </a:solidFill>
-                <a:latin typeface="+mn-lt"/>
-              </a:defRPr>
-            </a:lvl9pPr>
-          </a:lstStyle>
-          <a:p>
-            <a:r>
-              <a:rPr lang="en-US" dirty="0" smtClean="0"/>
-              <a:t>MVC</a:t>
-            </a:r>
-          </a:p>
-          <a:p>
-            <a:r>
-              <a:rPr lang="en-US" dirty="0" smtClean="0"/>
-              <a:t>Order and product controllers to handle the business logic of the resource retrieval</a:t>
-            </a:r>
-          </a:p>
-          <a:p>
-            <a:r>
-              <a:rPr lang="en-US" dirty="0" smtClean="0"/>
-              <a:t>User model for authentication</a:t>
-            </a:r>
-            <a:endParaRPr lang="en-US" dirty="0" smtClean="0"/>
+            <a:endParaRPr lang="en-US"/>
           </a:p>
         </p:txBody>
       </p:sp>
     </p:spTree>
     <p:extLst>
       <p:ext uri="{BB962C8B-B14F-4D97-AF65-F5344CB8AC3E}">
-        <p14:creationId xmlns:p14="http://schemas.microsoft.com/office/powerpoint/2010/main" val="2462946994"/>
+        <p14:creationId xmlns:p14="http://schemas.microsoft.com/office/powerpoint/2010/main" val="1720595423"/>
       </p:ext>
     </p:extLst>
   </p:cSld>
@@ -15052,73 +16196,25 @@
           <a:chExt cx="0" cy="0"/>
         </a:xfrm>
       </p:grpSpPr>
-      <p:sp>
-        <p:nvSpPr>
-          <p:cNvPr id="2" name="Title 1"/>
-          <p:cNvSpPr>
-            <a:spLocks noGrp="1"/>
-          </p:cNvSpPr>
-          <p:nvPr>
-            <p:ph type="title"/>
-          </p:nvPr>
-        </p:nvSpPr>
+      <p:pic>
+        <p:nvPicPr>
+          <p:cNvPr id="5" name="Content Placeholder 4"/>
+          <p:cNvPicPr>
+            <a:picLocks noGrp="1" noChangeAspect="1"/>
+          </p:cNvPicPr>
+          <p:nvPr>
+            <p:ph idx="1"/>
+          </p:nvPr>
+        </p:nvPicPr>
+        <p:blipFill>
+          <a:blip r:embed="rId2"/>
+          <a:srcRect t="6003" b="6003"/>
+          <a:stretch>
+            <a:fillRect/>
+          </a:stretch>
+        </p:blipFill>
         <p:spPr/>
-        <p:txBody>
-          <a:bodyPr/>
-          <a:lstStyle/>
-          <a:p>
-            <a:r>
-              <a:rPr lang="en-US" dirty="0" smtClean="0"/>
-              <a:t>API Consumption Notes</a:t>
-            </a:r>
-            <a:endParaRPr lang="en-US" dirty="0"/>
-          </a:p>
-        </p:txBody>
-      </p:sp>
-      <p:sp>
-        <p:nvSpPr>
-          <p:cNvPr id="3" name="Content Placeholder 2"/>
-          <p:cNvSpPr>
-            <a:spLocks noGrp="1"/>
-          </p:cNvSpPr>
-          <p:nvPr>
-            <p:ph idx="1"/>
-          </p:nvPr>
-        </p:nvSpPr>
-        <p:spPr/>
-        <p:txBody>
-          <a:bodyPr/>
-          <a:lstStyle/>
-          <a:p>
-            <a:r>
-              <a:rPr lang="en-US" sz="2400" dirty="0" smtClean="0"/>
-              <a:t>What operations to do locally </a:t>
-            </a:r>
-            <a:r>
-              <a:rPr lang="en-US" sz="2400" dirty="0" err="1" smtClean="0"/>
-              <a:t>vs</a:t>
-            </a:r>
-            <a:r>
-              <a:rPr lang="en-US" sz="2400" dirty="0" smtClean="0"/>
-              <a:t> remotely when listing resources</a:t>
-            </a:r>
-          </a:p>
-          <a:p>
-            <a:pPr lvl="1"/>
-            <a:r>
-              <a:rPr lang="en-US" sz="2400" dirty="0" smtClean="0"/>
-              <a:t>a. get/search products, get orders: remote</a:t>
-            </a:r>
-          </a:p>
-          <a:p>
-            <a:pPr lvl="1"/>
-            <a:r>
-              <a:rPr lang="en-US" sz="2400" dirty="0" smtClean="0"/>
-              <a:t>b. Sorting, filtering, and paginating the listing are done locally (that are potentially services that can be provided)</a:t>
-            </a:r>
-          </a:p>
-        </p:txBody>
-      </p:sp>
+      </p:pic>
       <p:sp>
         <p:nvSpPr>
           <p:cNvPr id="4" name="Slide Number Placeholder 3"/>
@@ -15148,245 +16244,33 @@
           </a:p>
         </p:txBody>
       </p:sp>
-      <p:pic>
-        <p:nvPicPr>
-          <p:cNvPr id="6" name="Picture 5"/>
-          <p:cNvPicPr>
-            <a:picLocks noChangeAspect="1"/>
-          </p:cNvPicPr>
-          <p:nvPr/>
-        </p:nvPicPr>
-        <p:blipFill rotWithShape="1">
-          <a:blip r:embed="rId2"/>
-          <a:srcRect l="30315" t="26795" r="18445" b="49313"/>
-          <a:stretch/>
-        </p:blipFill>
-        <p:spPr>
-          <a:xfrm>
-            <a:off x="542357" y="4114143"/>
-            <a:ext cx="8416448" cy="2452801"/>
-          </a:xfrm>
-          <a:prstGeom prst="rect">
-            <a:avLst/>
-          </a:prstGeom>
-        </p:spPr>
-      </p:pic>
-      <p:sp>
-        <p:nvSpPr>
-          <p:cNvPr id="7" name="Rectangle 6"/>
-          <p:cNvSpPr/>
-          <p:nvPr/>
-        </p:nvSpPr>
-        <p:spPr bwMode="auto">
-          <a:xfrm>
-            <a:off x="1336049" y="4484904"/>
-            <a:ext cx="7553308" cy="383664"/>
-          </a:xfrm>
-          <a:prstGeom prst="rect">
-            <a:avLst/>
-          </a:prstGeom>
-          <a:noFill/>
-          <a:ln w="38100" cap="flat" cmpd="sng" algn="ctr">
-            <a:solidFill>
-              <a:srgbClr val="FF0000"/>
-            </a:solidFill>
-            <a:prstDash val="solid"/>
-            <a:round/>
-            <a:headEnd type="none" w="med" len="med"/>
-            <a:tailEnd type="none" w="med" len="med"/>
-          </a:ln>
-          <a:effectLst/>
-        </p:spPr>
-        <p:txBody>
-          <a:bodyPr vert="horz" wrap="square" lIns="91440" tIns="45720" rIns="91440" bIns="45720" numCol="1" rtlCol="0" anchor="ctr" anchorCtr="0" compatLnSpc="1">
-            <a:prstTxWarp prst="textNoShape">
-              <a:avLst/>
-            </a:prstTxWarp>
-            <a:spAutoFit/>
-          </a:bodyPr>
+      <p:sp>
+        <p:nvSpPr>
+          <p:cNvPr id="6" name="Title 1"/>
+          <p:cNvSpPr>
+            <a:spLocks noGrp="1"/>
+          </p:cNvSpPr>
+          <p:nvPr>
+            <p:ph type="title"/>
+          </p:nvPr>
+        </p:nvSpPr>
+        <p:spPr/>
+        <p:txBody>
+          <a:bodyPr/>
           <a:lstStyle/>
           <a:p>
-            <a:pPr marL="228600" marR="0" indent="-228600" algn="l" defTabSz="914400" rtl="0" eaLnBrk="1" fontAlgn="base" latinLnBrk="0" hangingPunct="1">
-              <a:lnSpc>
-                <a:spcPct val="100000"/>
-              </a:lnSpc>
-              <a:spcBef>
-                <a:spcPct val="0"/>
-              </a:spcBef>
-              <a:spcAft>
-                <a:spcPct val="25000"/>
-              </a:spcAft>
-              <a:buClr>
-                <a:schemeClr val="tx1"/>
-              </a:buClr>
-              <a:buSzTx/>
-              <a:buFontTx/>
-              <a:buNone/>
-              <a:tabLst/>
-            </a:pPr>
-            <a:endParaRPr kumimoji="0" lang="en-US" sz="1600" b="0" i="0" u="none" strike="noStrike" cap="none" normalizeH="0" baseline="0" smtClean="0">
-              <a:ln>
-                <a:noFill/>
-              </a:ln>
-              <a:solidFill>
-                <a:srgbClr val="275AFF"/>
-              </a:solidFill>
-              <a:effectLst/>
-              <a:latin typeface="Arial" charset="0"/>
-              <a:ea typeface="Times New Roman" pitchFamily="18" charset="0"/>
-              <a:cs typeface="AGaramond" pitchFamily="18" charset="0"/>
-            </a:endParaRPr>
-          </a:p>
-        </p:txBody>
-      </p:sp>
-      <p:sp>
-        <p:nvSpPr>
-          <p:cNvPr id="8" name="Rectangle 7"/>
-          <p:cNvSpPr/>
-          <p:nvPr/>
-        </p:nvSpPr>
-        <p:spPr bwMode="auto">
-          <a:xfrm>
-            <a:off x="1316482" y="4994508"/>
-            <a:ext cx="7559646" cy="733997"/>
-          </a:xfrm>
-          <a:prstGeom prst="rect">
-            <a:avLst/>
-          </a:prstGeom>
-          <a:noFill/>
-          <a:ln w="38100" cap="flat" cmpd="sng" algn="ctr">
-            <a:solidFill>
-              <a:srgbClr val="FF0000"/>
-            </a:solidFill>
-            <a:prstDash val="solid"/>
-            <a:round/>
-            <a:headEnd type="none" w="med" len="med"/>
-            <a:tailEnd type="none" w="med" len="med"/>
-          </a:ln>
-          <a:effectLst/>
-        </p:spPr>
-        <p:txBody>
-          <a:bodyPr vert="horz" wrap="square" lIns="91440" tIns="45720" rIns="91440" bIns="45720" numCol="1" rtlCol="0" anchor="ctr" anchorCtr="0" compatLnSpc="1">
-            <a:prstTxWarp prst="textNoShape">
-              <a:avLst/>
-            </a:prstTxWarp>
-            <a:spAutoFit/>
-          </a:bodyPr>
-          <a:lstStyle/>
-          <a:p>
-            <a:pPr marL="228600" marR="0" indent="-228600" algn="l" defTabSz="914400" rtl="0" eaLnBrk="1" fontAlgn="base" latinLnBrk="0" hangingPunct="1">
-              <a:lnSpc>
-                <a:spcPct val="100000"/>
-              </a:lnSpc>
-              <a:spcBef>
-                <a:spcPct val="0"/>
-              </a:spcBef>
-              <a:spcAft>
-                <a:spcPct val="25000"/>
-              </a:spcAft>
-              <a:buClr>
-                <a:schemeClr val="tx1"/>
-              </a:buClr>
-              <a:buSzTx/>
-              <a:buFontTx/>
-              <a:buNone/>
-              <a:tabLst/>
-            </a:pPr>
-            <a:endParaRPr kumimoji="0" lang="en-US" sz="1600" b="0" i="0" u="none" strike="noStrike" cap="none" normalizeH="0" baseline="0" smtClean="0">
-              <a:ln>
-                <a:noFill/>
-              </a:ln>
-              <a:solidFill>
-                <a:srgbClr val="275AFF"/>
-              </a:solidFill>
-              <a:effectLst/>
-              <a:latin typeface="Arial" charset="0"/>
-              <a:ea typeface="Times New Roman" pitchFamily="18" charset="0"/>
-              <a:cs typeface="AGaramond" pitchFamily="18" charset="0"/>
-            </a:endParaRPr>
-          </a:p>
-        </p:txBody>
-      </p:sp>
-      <p:sp>
-        <p:nvSpPr>
-          <p:cNvPr id="9" name="TextBox 8"/>
-          <p:cNvSpPr txBox="1"/>
-          <p:nvPr/>
-        </p:nvSpPr>
-        <p:spPr>
-          <a:xfrm>
-            <a:off x="992118" y="4418755"/>
-            <a:ext cx="355837" cy="461665"/>
-          </a:xfrm>
-          <a:prstGeom prst="rect">
-            <a:avLst/>
-          </a:prstGeom>
-          <a:noFill/>
-        </p:spPr>
-        <p:txBody>
-          <a:bodyPr wrap="none" rtlCol="0">
-            <a:spAutoFit/>
-          </a:bodyPr>
-          <a:lstStyle/>
-          <a:p>
-            <a:r>
-              <a:rPr lang="en-US" sz="2400" dirty="0" smtClean="0">
-                <a:solidFill>
-                  <a:srgbClr val="FF0000"/>
-                </a:solidFill>
-              </a:rPr>
-              <a:t>a</a:t>
-            </a:r>
-            <a:endParaRPr lang="en-US" sz="2400" dirty="0">
-              <a:solidFill>
-                <a:srgbClr val="FF0000"/>
-              </a:solidFill>
-            </a:endParaRPr>
-          </a:p>
-        </p:txBody>
-      </p:sp>
-      <p:sp>
-        <p:nvSpPr>
-          <p:cNvPr id="10" name="TextBox 9"/>
-          <p:cNvSpPr txBox="1"/>
-          <p:nvPr/>
-        </p:nvSpPr>
-        <p:spPr>
-          <a:xfrm>
-            <a:off x="985779" y="5113577"/>
-            <a:ext cx="355837" cy="461665"/>
-          </a:xfrm>
-          <a:prstGeom prst="rect">
-            <a:avLst/>
-          </a:prstGeom>
-          <a:noFill/>
-        </p:spPr>
-        <p:txBody>
-          <a:bodyPr wrap="none" rtlCol="0">
-            <a:spAutoFit/>
-          </a:bodyPr>
-          <a:lstStyle/>
-          <a:p>
-            <a:r>
-              <a:rPr lang="en-US" sz="2400" dirty="0">
-                <a:solidFill>
-                  <a:srgbClr val="FF0000"/>
-                </a:solidFill>
-              </a:rPr>
-              <a:t>b</a:t>
-            </a:r>
-            <a:endParaRPr lang="en-US" sz="2400" dirty="0">
-              <a:solidFill>
-                <a:srgbClr val="FF0000"/>
-              </a:solidFill>
-            </a:endParaRPr>
+            <a:r>
+              <a:rPr lang="en-US" dirty="0" smtClean="0"/>
+              <a:t>Product Search</a:t>
+            </a:r>
+            <a:endParaRPr lang="en-US" dirty="0"/>
           </a:p>
         </p:txBody>
       </p:sp>
     </p:spTree>
     <p:extLst>
       <p:ext uri="{BB962C8B-B14F-4D97-AF65-F5344CB8AC3E}">
-        <p14:creationId xmlns:p14="http://schemas.microsoft.com/office/powerpoint/2010/main" val="2520075573"/>
+        <p14:creationId xmlns:p14="http://schemas.microsoft.com/office/powerpoint/2010/main" val="3098323921"/>
       </p:ext>
     </p:extLst>
   </p:cSld>
@@ -15415,88 +16299,6 @@
       </p:grpSpPr>
       <p:sp>
         <p:nvSpPr>
-          <p:cNvPr id="3" name="Content Placeholder 2"/>
-          <p:cNvSpPr>
-            <a:spLocks noGrp="1"/>
-          </p:cNvSpPr>
-          <p:nvPr>
-            <p:ph idx="1"/>
-          </p:nvPr>
-        </p:nvSpPr>
-        <p:spPr>
-          <a:xfrm>
-            <a:off x="443972" y="1481132"/>
-            <a:ext cx="8229600" cy="4525963"/>
-          </a:xfrm>
-        </p:spPr>
-        <p:txBody>
-          <a:bodyPr/>
-          <a:lstStyle/>
-          <a:p>
-            <a:r>
-              <a:rPr lang="en-US" sz="2000" dirty="0"/>
-              <a:t>Handle success and exception</a:t>
-            </a:r>
-          </a:p>
-          <a:p>
-            <a:pPr lvl="1"/>
-            <a:r>
-              <a:rPr lang="en-US" sz="2000" dirty="0"/>
-              <a:t>500 (or 5xx): Server’s fault</a:t>
-            </a:r>
-          </a:p>
-          <a:p>
-            <a:pPr lvl="1"/>
-            <a:r>
-              <a:rPr lang="en-US" sz="2000" dirty="0" smtClean="0"/>
-              <a:t>400 </a:t>
-            </a:r>
-            <a:r>
-              <a:rPr lang="en-US" sz="2000" dirty="0"/>
-              <a:t>(or </a:t>
-            </a:r>
-            <a:r>
-              <a:rPr lang="en-US" sz="2000" dirty="0" smtClean="0"/>
-              <a:t>4xx)</a:t>
-            </a:r>
-            <a:r>
-              <a:rPr lang="en-US" sz="2000" dirty="0"/>
-              <a:t>: Client’s fault</a:t>
-            </a:r>
-          </a:p>
-          <a:p>
-            <a:pPr lvl="1"/>
-            <a:r>
-              <a:rPr lang="en-US" sz="2000" dirty="0"/>
-              <a:t>200 (or 2xx): Success, even with no returned object (</a:t>
-            </a:r>
-            <a:r>
-              <a:rPr lang="en-US" sz="2000" dirty="0" err="1"/>
-              <a:t>searchProduct</a:t>
-            </a:r>
-            <a:r>
-              <a:rPr lang="en-US" sz="2000" dirty="0"/>
-              <a:t> </a:t>
-            </a:r>
-            <a:r>
-              <a:rPr lang="en-US" sz="2000" dirty="0" smtClean="0"/>
-              <a:t>for </a:t>
-            </a:r>
-            <a:r>
-              <a:rPr lang="en-US" sz="2000" dirty="0"/>
-              <a:t>example)</a:t>
-            </a:r>
-          </a:p>
-          <a:p>
-            <a:pPr marL="0" indent="0">
-              <a:buNone/>
-            </a:pPr>
-            <a:endParaRPr lang="en-US" sz="2000" dirty="0"/>
-          </a:p>
-        </p:txBody>
-      </p:sp>
-      <p:sp>
-        <p:nvSpPr>
           <p:cNvPr id="4" name="Slide Number Placeholder 3"/>
           <p:cNvSpPr>
             <a:spLocks noGrp="1"/>
@@ -15526,87 +16328,26 @@
       </p:sp>
       <p:pic>
         <p:nvPicPr>
-          <p:cNvPr id="6" name="Picture 5"/>
+          <p:cNvPr id="7" name="Content Placeholder 6"/>
           <p:cNvPicPr>
-            <a:picLocks noChangeAspect="1"/>
+            <a:picLocks noGrp="1" noChangeAspect="1"/>
           </p:cNvPicPr>
-          <p:nvPr/>
+          <p:nvPr>
+            <p:ph idx="1"/>
+          </p:nvPr>
         </p:nvPicPr>
-        <p:blipFill rotWithShape="1">
+        <p:blipFill>
           <a:blip r:embed="rId2"/>
-          <a:srcRect l="6076" t="20050" r="3653" b="42448"/>
-          <a:stretch/>
+          <a:srcRect t="6003" b="6003"/>
+          <a:stretch>
+            <a:fillRect/>
+          </a:stretch>
         </p:blipFill>
-        <p:spPr>
-          <a:xfrm>
-            <a:off x="383618" y="3267762"/>
-            <a:ext cx="8254403" cy="2143228"/>
-          </a:xfrm>
-          <a:prstGeom prst="rect">
-            <a:avLst/>
-          </a:prstGeom>
-        </p:spPr>
+        <p:spPr/>
       </p:pic>
       <p:sp>
         <p:nvSpPr>
-          <p:cNvPr id="7" name="TextBox 6"/>
-          <p:cNvSpPr txBox="1"/>
-          <p:nvPr/>
-        </p:nvSpPr>
-        <p:spPr>
-          <a:xfrm>
-            <a:off x="4233026" y="4193849"/>
-            <a:ext cx="3990671" cy="400110"/>
-          </a:xfrm>
-          <a:prstGeom prst="rect">
-            <a:avLst/>
-          </a:prstGeom>
-          <a:noFill/>
-        </p:spPr>
-        <p:txBody>
-          <a:bodyPr wrap="none" rtlCol="0">
-            <a:spAutoFit/>
-          </a:bodyPr>
-          <a:lstStyle/>
-          <a:p>
-            <a:r>
-              <a:rPr lang="en-US" sz="2000" dirty="0" smtClean="0"/>
-              <a:t>Return empty array? No problem.</a:t>
-            </a:r>
-            <a:endParaRPr lang="en-US" sz="2000" dirty="0"/>
-          </a:p>
-        </p:txBody>
-      </p:sp>
-      <p:cxnSp>
-        <p:nvCxnSpPr>
-          <p:cNvPr id="9" name="Straight Arrow Connector 8"/>
-          <p:cNvCxnSpPr/>
-          <p:nvPr/>
-        </p:nvCxnSpPr>
-        <p:spPr bwMode="auto">
-          <a:xfrm flipV="1">
-            <a:off x="3148314" y="4577513"/>
-            <a:ext cx="1031800" cy="423353"/>
-          </a:xfrm>
-          <a:prstGeom prst="straightConnector1">
-            <a:avLst/>
-          </a:prstGeom>
-          <a:noFill/>
-          <a:ln w="76200" cap="flat" cmpd="sng" algn="ctr">
-            <a:solidFill>
-              <a:srgbClr val="808080"/>
-            </a:solidFill>
-            <a:prstDash val="solid"/>
-            <a:round/>
-            <a:headEnd type="none" w="med" len="med"/>
-            <a:tailEnd type="arrow"/>
-          </a:ln>
-          <a:effectLst/>
-        </p:spPr>
-      </p:cxnSp>
-      <p:sp>
-        <p:nvSpPr>
-          <p:cNvPr id="11" name="Title 1"/>
+          <p:cNvPr id="8" name="Title 1"/>
           <p:cNvSpPr>
             <a:spLocks noGrp="1"/>
           </p:cNvSpPr>
@@ -15617,7 +16358,7 @@
         <p:spPr>
           <a:xfrm>
             <a:off x="457200" y="274638"/>
-            <a:ext cx="5943600" cy="1173162"/>
+            <a:ext cx="6381784" cy="1173162"/>
           </a:xfrm>
         </p:spPr>
         <p:txBody>
@@ -15626,179 +16367,16 @@
           <a:p>
             <a:r>
               <a:rPr lang="en-US" dirty="0" smtClean="0"/>
-              <a:t>API Consumption Notes</a:t>
+              <a:t>Order Listing – customer’s user story</a:t>
             </a:r>
             <a:endParaRPr lang="en-US" dirty="0"/>
-          </a:p>
-        </p:txBody>
-      </p:sp>
-      <p:pic>
-        <p:nvPicPr>
-          <p:cNvPr id="12" name="Picture 11"/>
-          <p:cNvPicPr>
-            <a:picLocks noChangeAspect="1"/>
-          </p:cNvPicPr>
-          <p:nvPr/>
-        </p:nvPicPr>
-        <p:blipFill rotWithShape="1">
-          <a:blip r:embed="rId3"/>
-          <a:srcRect l="30524" t="37919" r="14648" b="50506"/>
-          <a:stretch/>
-        </p:blipFill>
-        <p:spPr>
-          <a:xfrm>
-            <a:off x="370389" y="5667317"/>
-            <a:ext cx="8322401" cy="1098074"/>
-          </a:xfrm>
-          <a:prstGeom prst="rect">
-            <a:avLst/>
-          </a:prstGeom>
-        </p:spPr>
-      </p:pic>
-      <p:sp>
-        <p:nvSpPr>
-          <p:cNvPr id="13" name="Oval 12"/>
-          <p:cNvSpPr/>
-          <p:nvPr/>
-        </p:nvSpPr>
-        <p:spPr bwMode="auto">
-          <a:xfrm>
-            <a:off x="1283137" y="5788141"/>
-            <a:ext cx="1481559" cy="476071"/>
-          </a:xfrm>
-          <a:prstGeom prst="ellipse">
-            <a:avLst/>
-          </a:prstGeom>
-          <a:noFill/>
-          <a:ln w="57150" cap="flat" cmpd="sng" algn="ctr">
-            <a:solidFill>
-              <a:srgbClr val="FF0000"/>
-            </a:solidFill>
-            <a:prstDash val="solid"/>
-            <a:round/>
-            <a:headEnd type="none" w="med" len="med"/>
-            <a:tailEnd type="none" w="med" len="med"/>
-          </a:ln>
-          <a:effectLst/>
-        </p:spPr>
-        <p:txBody>
-          <a:bodyPr vert="horz" wrap="square" lIns="91440" tIns="45720" rIns="91440" bIns="45720" numCol="1" rtlCol="0" anchor="ctr" anchorCtr="0" compatLnSpc="1">
-            <a:prstTxWarp prst="textNoShape">
-              <a:avLst/>
-            </a:prstTxWarp>
-            <a:spAutoFit/>
-          </a:bodyPr>
-          <a:lstStyle/>
-          <a:p>
-            <a:pPr marL="228600" marR="0" indent="-228600" algn="l" defTabSz="914400" rtl="0" eaLnBrk="1" fontAlgn="base" latinLnBrk="0" hangingPunct="1">
-              <a:lnSpc>
-                <a:spcPct val="100000"/>
-              </a:lnSpc>
-              <a:spcBef>
-                <a:spcPct val="0"/>
-              </a:spcBef>
-              <a:spcAft>
-                <a:spcPct val="25000"/>
-              </a:spcAft>
-              <a:buClr>
-                <a:schemeClr val="tx1"/>
-              </a:buClr>
-              <a:buSzTx/>
-              <a:buFontTx/>
-              <a:buNone/>
-              <a:tabLst/>
-            </a:pPr>
-            <a:endParaRPr kumimoji="0" lang="en-US" sz="1600" b="0" i="0" u="none" strike="noStrike" cap="none" normalizeH="0" baseline="0" smtClean="0">
-              <a:ln>
-                <a:noFill/>
-              </a:ln>
-              <a:solidFill>
-                <a:srgbClr val="FF0000"/>
-              </a:solidFill>
-              <a:effectLst/>
-              <a:latin typeface="Arial" charset="0"/>
-              <a:ea typeface="Times New Roman" pitchFamily="18" charset="0"/>
-              <a:cs typeface="AGaramond" pitchFamily="18" charset="0"/>
-            </a:endParaRPr>
-          </a:p>
-        </p:txBody>
-      </p:sp>
-      <p:cxnSp>
-        <p:nvCxnSpPr>
-          <p:cNvPr id="16" name="Straight Arrow Connector 15"/>
-          <p:cNvCxnSpPr/>
-          <p:nvPr/>
-        </p:nvCxnSpPr>
-        <p:spPr bwMode="auto">
-          <a:xfrm flipH="1">
-            <a:off x="2817609" y="4762730"/>
-            <a:ext cx="2566272" cy="1018695"/>
-          </a:xfrm>
-          <a:prstGeom prst="straightConnector1">
-            <a:avLst/>
-          </a:prstGeom>
-          <a:noFill/>
-          <a:ln w="76200" cap="flat" cmpd="sng" algn="ctr">
-            <a:solidFill>
-              <a:srgbClr val="808080"/>
-            </a:solidFill>
-            <a:prstDash val="solid"/>
-            <a:round/>
-            <a:headEnd type="none" w="med" len="med"/>
-            <a:tailEnd type="arrow"/>
-          </a:ln>
-          <a:effectLst/>
-        </p:spPr>
-      </p:cxnSp>
-      <p:sp>
-        <p:nvSpPr>
-          <p:cNvPr id="22" name="TextBox 21"/>
-          <p:cNvSpPr txBox="1"/>
-          <p:nvPr/>
-        </p:nvSpPr>
-        <p:spPr>
-          <a:xfrm>
-            <a:off x="2864182" y="5854447"/>
-            <a:ext cx="2437386" cy="400110"/>
-          </a:xfrm>
-          <a:prstGeom prst="rect">
-            <a:avLst/>
-          </a:prstGeom>
-          <a:solidFill>
-            <a:schemeClr val="tx1">
-              <a:alpha val="76000"/>
-            </a:schemeClr>
-          </a:solidFill>
-          <a:ln>
-            <a:noFill/>
-          </a:ln>
-        </p:spPr>
-        <p:txBody>
-          <a:bodyPr wrap="none" rtlCol="0">
-            <a:spAutoFit/>
-          </a:bodyPr>
-          <a:lstStyle/>
-          <a:p>
-            <a:r>
-              <a:rPr lang="en-US" sz="2000" dirty="0" smtClean="0">
-                <a:solidFill>
-                  <a:srgbClr val="FF0000"/>
-                </a:solidFill>
-              </a:rPr>
-              <a:t>Client can handle it.</a:t>
-            </a:r>
-            <a:endParaRPr lang="en-US" sz="2000" dirty="0">
-              <a:solidFill>
-                <a:srgbClr val="FF0000"/>
-              </a:solidFill>
-            </a:endParaRPr>
           </a:p>
         </p:txBody>
       </p:sp>
     </p:spTree>
     <p:extLst>
       <p:ext uri="{BB962C8B-B14F-4D97-AF65-F5344CB8AC3E}">
-        <p14:creationId xmlns:p14="http://schemas.microsoft.com/office/powerpoint/2010/main" val="2177010485"/>
+        <p14:creationId xmlns:p14="http://schemas.microsoft.com/office/powerpoint/2010/main" val="3366575303"/>
       </p:ext>
     </p:extLst>
   </p:cSld>
@@ -15809,7 +16387,7 @@
 </file>
 
 <file path=ppt/slides/slide9.xml><?xml version="1.0" encoding="utf-8"?>
-<p:sld xmlns:a="http://schemas.openxmlformats.org/drawingml/2006/main" xmlns:r="http://schemas.openxmlformats.org/officeDocument/2006/relationships" xmlns:p="http://schemas.openxmlformats.org/presentationml/2006/main" showMasterPhAnim="0">
+<p:sld xmlns:a="http://schemas.openxmlformats.org/drawingml/2006/main" xmlns:r="http://schemas.openxmlformats.org/officeDocument/2006/relationships" xmlns:p="http://schemas.openxmlformats.org/presentationml/2006/main">
   <p:cSld>
     <p:spTree>
       <p:nvGrpSpPr>
@@ -15827,132 +16405,84 @@
       </p:grpSpPr>
       <p:sp>
         <p:nvSpPr>
-          <p:cNvPr id="5122" name="Slide Number Placeholder 3"/>
+          <p:cNvPr id="2" name="Title 1"/>
           <p:cNvSpPr>
             <a:spLocks noGrp="1"/>
           </p:cNvSpPr>
           <p:nvPr>
-            <p:ph type="sldNum" sz="quarter" idx="10"/>
+            <p:ph type="title"/>
           </p:nvPr>
         </p:nvSpPr>
         <p:spPr>
-          <a:noFill/>
+          <a:xfrm>
+            <a:off x="457199" y="274638"/>
+            <a:ext cx="6302415" cy="1173162"/>
+          </a:xfrm>
         </p:spPr>
         <p:txBody>
           <a:bodyPr/>
           <a:lstStyle/>
           <a:p>
-            <a:fld id="{338DB9B1-C646-48CE-AFA6-93572B519D26}" type="slidenum">
+            <a:r>
+              <a:rPr lang="en-US" dirty="0" smtClean="0"/>
+              <a:t>Product Listing – partner’s user story</a:t>
+            </a:r>
+            <a:endParaRPr lang="en-US" dirty="0"/>
+          </a:p>
+        </p:txBody>
+      </p:sp>
+      <p:sp>
+        <p:nvSpPr>
+          <p:cNvPr id="4" name="Slide Number Placeholder 3"/>
+          <p:cNvSpPr>
+            <a:spLocks noGrp="1"/>
+          </p:cNvSpPr>
+          <p:nvPr>
+            <p:ph type="sldNum" sz="quarter" idx="10"/>
+          </p:nvPr>
+        </p:nvSpPr>
+        <p:spPr/>
+        <p:txBody>
+          <a:bodyPr/>
+          <a:lstStyle/>
+          <a:p>
+            <a:pPr>
+              <a:defRPr/>
+            </a:pPr>
+            <a:fld id="{C09B9D2E-8DA2-4A45-82A9-24FA37AAA5DD}" type="slidenum">
               <a:rPr lang="en-US" smtClean="0"/>
-              <a:pPr/>
+              <a:pPr>
+                <a:defRPr/>
+              </a:pPr>
               <a:t>9</a:t>
             </a:fld>
-            <a:endParaRPr lang="en-US" dirty="0"/>
-          </a:p>
-        </p:txBody>
-      </p:sp>
-      <p:sp>
-        <p:nvSpPr>
-          <p:cNvPr id="2633730" name="Rectangle 2"/>
-          <p:cNvSpPr>
-            <a:spLocks noGrp="1" noChangeArrowheads="1"/>
-          </p:cNvSpPr>
-          <p:nvPr>
-            <p:ph type="title"/>
-          </p:nvPr>
-        </p:nvSpPr>
-        <p:spPr>
-          <a:xfrm>
-            <a:off x="457200" y="250254"/>
-            <a:ext cx="5943600" cy="1173162"/>
-          </a:xfrm>
-        </p:spPr>
-        <p:txBody>
-          <a:bodyPr/>
-          <a:lstStyle/>
-          <a:p>
-            <a:pPr eaLnBrk="1" hangingPunct="1"/>
-            <a:r>
-              <a:rPr lang="en-US" sz="3600" dirty="0"/>
-              <a:t>Project Architecture</a:t>
-            </a:r>
-          </a:p>
-        </p:txBody>
-      </p:sp>
-      <p:sp>
-        <p:nvSpPr>
-          <p:cNvPr id="2633731" name="Rectangle 3"/>
-          <p:cNvSpPr>
-            <a:spLocks noGrp="1" noChangeArrowheads="1"/>
-          </p:cNvSpPr>
-          <p:nvPr>
-            <p:ph type="body" idx="1"/>
-          </p:nvPr>
-        </p:nvSpPr>
-        <p:spPr>
-          <a:xfrm>
-            <a:off x="457200" y="1719072"/>
-            <a:ext cx="8062546" cy="4535424"/>
-          </a:xfrm>
-        </p:spPr>
-        <p:txBody>
-          <a:bodyPr/>
-          <a:lstStyle/>
-          <a:p>
-            <a:pPr marL="0" indent="0" eaLnBrk="1" hangingPunct="1">
-              <a:spcBef>
-                <a:spcPts val="0"/>
-              </a:spcBef>
-              <a:buNone/>
-            </a:pPr>
-            <a:endParaRPr lang="en-US" dirty="0">
-              <a:solidFill>
-                <a:srgbClr val="CC0000"/>
-              </a:solidFill>
-            </a:endParaRPr>
-          </a:p>
-          <a:p>
-            <a:pPr eaLnBrk="1" hangingPunct="1">
-              <a:spcBef>
-                <a:spcPts val="0"/>
-              </a:spcBef>
-            </a:pPr>
-            <a:endParaRPr lang="en-US" dirty="0">
-              <a:solidFill>
-                <a:srgbClr val="CC0000"/>
-              </a:solidFill>
-            </a:endParaRPr>
+            <a:endParaRPr lang="en-US"/>
           </a:p>
         </p:txBody>
       </p:sp>
       <p:pic>
         <p:nvPicPr>
-          <p:cNvPr id="6" name="Picture 5"/>
+          <p:cNvPr id="6" name="Content Placeholder 5"/>
           <p:cNvPicPr>
-            <a:picLocks noChangeAspect="1"/>
+            <a:picLocks noGrp="1" noChangeAspect="1"/>
           </p:cNvPicPr>
-          <p:nvPr/>
+          <p:nvPr>
+            <p:ph idx="1"/>
+          </p:nvPr>
         </p:nvPicPr>
         <p:blipFill>
           <a:blip r:embed="rId2"/>
+          <a:srcRect t="6003" b="6003"/>
           <a:stretch>
             <a:fillRect/>
           </a:stretch>
         </p:blipFill>
-        <p:spPr>
-          <a:xfrm>
-            <a:off x="1538861" y="2114549"/>
-            <a:ext cx="5833489" cy="3576183"/>
-          </a:xfrm>
-          <a:prstGeom prst="rect">
-            <a:avLst/>
-          </a:prstGeom>
-        </p:spPr>
+        <p:spPr/>
       </p:pic>
     </p:spTree>
     <p:extLst>
       <p:ext uri="{BB962C8B-B14F-4D97-AF65-F5344CB8AC3E}">
-        <p14:creationId xmlns:p14="http://schemas.microsoft.com/office/powerpoint/2010/main" val="4135488869"/>
+        <p14:creationId xmlns:p14="http://schemas.microsoft.com/office/powerpoint/2010/main" val="2590721486"/>
       </p:ext>
     </p:extLst>
   </p:cSld>

--- a/comp433p2p3/COMP433FinalPPT.pptx
+++ b/comp433p2p3/COMP433FinalPPT.pptx
@@ -14396,7 +14396,7 @@
         <p:spPr>
           <a:xfrm>
             <a:off x="5435600" y="3403600"/>
-            <a:ext cx="1279617" cy="338554"/>
+            <a:ext cx="2210305" cy="584776"/>
           </a:xfrm>
           <a:prstGeom prst="rect">
             <a:avLst/>
@@ -14404,7 +14404,7 @@
           <a:noFill/>
         </p:spPr>
         <p:txBody>
-          <a:bodyPr wrap="none" rtlCol="0">
+          <a:bodyPr wrap="square" rtlCol="0">
             <a:spAutoFit/>
           </a:bodyPr>
           <a:lstStyle/>
@@ -14415,8 +14415,21 @@
                   <a:srgbClr val="FF0000"/>
                 </a:solidFill>
               </a:rPr>
-              <a:t>Buy product</a:t>
-            </a:r>
+              <a:t>Buy </a:t>
+            </a:r>
+            <a:r>
+              <a:rPr lang="en-US" dirty="0" smtClean="0">
+                <a:solidFill>
+                  <a:srgbClr val="FF0000"/>
+                </a:solidFill>
+              </a:rPr>
+              <a:t>product (hypermedia link)</a:t>
+            </a:r>
+            <a:endParaRPr lang="en-US" dirty="0">
+              <a:solidFill>
+                <a:srgbClr val="FF0000"/>
+              </a:solidFill>
+            </a:endParaRPr>
           </a:p>
         </p:txBody>
       </p:sp>
@@ -14804,8 +14817,8 @@
         </p:nvSpPr>
         <p:spPr>
           <a:xfrm>
-            <a:off x="7607300" y="5334000"/>
-            <a:ext cx="1359367" cy="338554"/>
+            <a:off x="7385686" y="5334000"/>
+            <a:ext cx="1758314" cy="646331"/>
           </a:xfrm>
           <a:prstGeom prst="rect">
             <a:avLst/>
@@ -14824,8 +14837,31 @@
                   <a:srgbClr val="FF0000"/>
                 </a:solidFill>
               </a:rPr>
-              <a:t>Cancel order</a:t>
-            </a:r>
+              <a:t>Cancel </a:t>
+            </a:r>
+            <a:r>
+              <a:rPr lang="en-US" dirty="0" smtClean="0">
+                <a:solidFill>
+                  <a:srgbClr val="FF0000"/>
+                </a:solidFill>
+              </a:rPr>
+              <a:t>order</a:t>
+            </a:r>
+          </a:p>
+          <a:p>
+            <a:r>
+              <a:rPr lang="en-US" dirty="0" smtClean="0">
+                <a:solidFill>
+                  <a:srgbClr val="FF0000"/>
+                </a:solidFill>
+              </a:rPr>
+              <a:t>(hypermedia link)</a:t>
+            </a:r>
+            <a:endParaRPr lang="en-US" dirty="0">
+              <a:solidFill>
+                <a:srgbClr val="FF0000"/>
+              </a:solidFill>
+            </a:endParaRPr>
           </a:p>
         </p:txBody>
       </p:sp>
@@ -15756,8 +15792,8 @@
         </p:nvSpPr>
         <p:spPr>
           <a:xfrm>
-            <a:off x="7607300" y="5334000"/>
-            <a:ext cx="1131339" cy="338554"/>
+            <a:off x="7385686" y="5334000"/>
+            <a:ext cx="1758314" cy="646331"/>
           </a:xfrm>
           <a:prstGeom prst="rect">
             <a:avLst/>
@@ -15776,8 +15812,31 @@
                   <a:srgbClr val="FF0000"/>
                 </a:solidFill>
               </a:rPr>
-              <a:t>Ship order</a:t>
-            </a:r>
+              <a:t>Ship </a:t>
+            </a:r>
+            <a:r>
+              <a:rPr lang="en-US" dirty="0" smtClean="0">
+                <a:solidFill>
+                  <a:srgbClr val="FF0000"/>
+                </a:solidFill>
+              </a:rPr>
+              <a:t>order</a:t>
+            </a:r>
+          </a:p>
+          <a:p>
+            <a:r>
+              <a:rPr lang="en-US" dirty="0" smtClean="0">
+                <a:solidFill>
+                  <a:srgbClr val="FF0000"/>
+                </a:solidFill>
+              </a:rPr>
+              <a:t>(hypermedia link)</a:t>
+            </a:r>
+            <a:endParaRPr lang="en-US" dirty="0">
+              <a:solidFill>
+                <a:srgbClr val="FF0000"/>
+              </a:solidFill>
+            </a:endParaRPr>
           </a:p>
         </p:txBody>
       </p:sp>
